--- a/Lecture_22-Designing-Closed-Loop-Systems/Designing-Proportional-Controllers.pptx
+++ b/Lecture_22-Designing-Closed-Loop-Systems/Designing-Proportional-Controllers.pptx
@@ -1530,6 +1530,111 @@
     <p:extLst>
       <p:ext uri="{BB962C8B-B14F-4D97-AF65-F5344CB8AC3E}">
         <p14:creationId xmlns:p14="http://schemas.microsoft.com/office/powerpoint/2010/main" val="2190665669"/>
+      </p:ext>
+    </p:extLst>
+  </p:cSld>
+  <p:clrMapOvr>
+    <a:masterClrMapping/>
+  </p:clrMapOvr>
+</p:notes>
+</file>
+
+<file path=ppt/notesSlides/notesSlide8.xml><?xml version="1.0" encoding="utf-8"?>
+<p:notes xmlns:a="http://schemas.openxmlformats.org/drawingml/2006/main" xmlns:r="http://schemas.openxmlformats.org/officeDocument/2006/relationships" xmlns:p="http://schemas.openxmlformats.org/presentationml/2006/main">
+  <p:cSld>
+    <p:spTree>
+      <p:nvGrpSpPr>
+        <p:cNvPr id="1" name=""/>
+        <p:cNvGrpSpPr/>
+        <p:nvPr/>
+      </p:nvGrpSpPr>
+      <p:grpSpPr>
+        <a:xfrm>
+          <a:off x="0" y="0"/>
+          <a:ext cx="0" cy="0"/>
+          <a:chOff x="0" y="0"/>
+          <a:chExt cx="0" cy="0"/>
+        </a:xfrm>
+      </p:grpSpPr>
+      <p:sp>
+        <p:nvSpPr>
+          <p:cNvPr id="2" name="Slide Image Placeholder 1"/>
+          <p:cNvSpPr>
+            <a:spLocks noGrp="1" noRot="1" noChangeAspect="1"/>
+          </p:cNvSpPr>
+          <p:nvPr>
+            <p:ph type="sldImg"/>
+          </p:nvPr>
+        </p:nvSpPr>
+        <p:spPr/>
+      </p:sp>
+      <p:sp>
+        <p:nvSpPr>
+          <p:cNvPr id="3" name="Notes Placeholder 2"/>
+          <p:cNvSpPr>
+            <a:spLocks noGrp="1"/>
+          </p:cNvSpPr>
+          <p:nvPr>
+            <p:ph type="body" idx="1"/>
+          </p:nvPr>
+        </p:nvSpPr>
+        <p:spPr/>
+        <p:txBody>
+          <a:bodyPr/>
+          <a:lstStyle/>
+          <a:p>
+            <a:r>
+              <a:rPr lang="en-US" dirty="0"/>
+              <a:t>Show how to check algebra by considering </a:t>
+            </a:r>
+            <a:r>
+              <a:rPr lang="en-US" dirty="0" err="1"/>
+              <a:t>k_p</a:t>
+            </a:r>
+            <a:r>
+              <a:rPr lang="en-US" dirty="0"/>
+              <a:t> = 0 and expecting the eigenvalues of the </a:t>
+            </a:r>
+            <a:r>
+              <a:rPr lang="en-US"/>
+              <a:t>original system.</a:t>
+            </a:r>
+          </a:p>
+        </p:txBody>
+      </p:sp>
+      <p:sp>
+        <p:nvSpPr>
+          <p:cNvPr id="4" name="Slide Number Placeholder 3"/>
+          <p:cNvSpPr>
+            <a:spLocks noGrp="1"/>
+          </p:cNvSpPr>
+          <p:nvPr>
+            <p:ph type="sldNum" sz="quarter" idx="5"/>
+          </p:nvPr>
+        </p:nvSpPr>
+        <p:spPr/>
+        <p:txBody>
+          <a:bodyPr/>
+          <a:lstStyle/>
+          <a:p>
+            <a:pPr>
+              <a:defRPr/>
+            </a:pPr>
+            <a:fld id="{1E3608CA-DBCA-4E8F-8DAB-6E1AFAF19782}" type="slidenum">
+              <a:rPr lang="en-US" altLang="x-none" smtClean="0"/>
+              <a:pPr>
+                <a:defRPr/>
+              </a:pPr>
+              <a:t>11</a:t>
+            </a:fld>
+            <a:endParaRPr lang="en-US" altLang="x-none"/>
+          </a:p>
+        </p:txBody>
+      </p:sp>
+    </p:spTree>
+    <p:extLst>
+      <p:ext uri="{BB962C8B-B14F-4D97-AF65-F5344CB8AC3E}">
+        <p14:creationId xmlns:p14="http://schemas.microsoft.com/office/powerpoint/2010/main" val="3305392660"/>
       </p:ext>
     </p:extLst>
   </p:cSld>
@@ -6843,7 +6948,7 @@
             <p:spPr>
               <a:xfrm>
                 <a:off x="1448022" y="2484013"/>
-                <a:ext cx="3226460" cy="649730"/>
+                <a:ext cx="3226461" cy="649730"/>
               </a:xfrm>
               <a:prstGeom prst="rect">
                 <a:avLst/>
@@ -6960,21 +7065,27 @@
                                       <a:rPr lang="en-US" b="0" i="1" smtClean="0">
                                         <a:latin typeface="Cambria Math" panose="02040503050406030204" pitchFamily="18" charset="0"/>
                                       </a:rPr>
-                                      <m:t>0</m:t>
+                                      <m:t>𝑝</m:t>
+                                    </m:r>
+                                    <m:r>
+                                      <a:rPr lang="en-US" b="0" i="1" smtClean="0">
+                                        <a:latin typeface="Cambria Math" panose="02040503050406030204" pitchFamily="18" charset="0"/>
+                                      </a:rPr>
+                                      <m:t>1</m:t>
                                     </m:r>
                                   </m:sub>
                                 </m:sSub>
                                 <m:sSub>
                                   <m:sSubPr>
                                     <m:ctrlPr>
-                                      <a:rPr lang="en-US" b="0" i="1" smtClean="0">
+                                      <a:rPr lang="en-US" i="1">
                                         <a:latin typeface="Cambria Math" panose="02040503050406030204" pitchFamily="18" charset="0"/>
                                       </a:rPr>
                                     </m:ctrlPr>
                                   </m:sSubPr>
                                   <m:e>
                                     <m:r>
-                                      <a:rPr lang="en-US" b="0" i="1" smtClean="0">
+                                      <a:rPr lang="en-US" i="1">
                                         <a:latin typeface="Cambria Math" panose="02040503050406030204" pitchFamily="18" charset="0"/>
                                       </a:rPr>
                                       <m:t>𝑘</m:t>
@@ -6982,16 +7093,10 @@
                                   </m:e>
                                   <m:sub>
                                     <m:r>
-                                      <a:rPr lang="en-US" b="0" i="1" smtClean="0">
+                                      <a:rPr lang="en-US" i="1">
                                         <a:latin typeface="Cambria Math" panose="02040503050406030204" pitchFamily="18" charset="0"/>
                                       </a:rPr>
-                                      <m:t>𝑝</m:t>
-                                    </m:r>
-                                    <m:r>
-                                      <a:rPr lang="en-US" b="0" i="1" smtClean="0">
-                                        <a:latin typeface="Cambria Math" panose="02040503050406030204" pitchFamily="18" charset="0"/>
-                                      </a:rPr>
-                                      <m:t>1</m:t>
+                                      <m:t>0</m:t>
                                     </m:r>
                                   </m:sub>
                                 </m:sSub>
@@ -7049,21 +7154,27 @@
                                       <a:rPr lang="en-US" b="0" i="1" smtClean="0">
                                         <a:latin typeface="Cambria Math" panose="02040503050406030204" pitchFamily="18" charset="0"/>
                                       </a:rPr>
-                                      <m:t>0</m:t>
+                                      <m:t>𝑝</m:t>
+                                    </m:r>
+                                    <m:r>
+                                      <a:rPr lang="en-US" b="0" i="1" smtClean="0">
+                                        <a:latin typeface="Cambria Math" panose="02040503050406030204" pitchFamily="18" charset="0"/>
+                                      </a:rPr>
+                                      <m:t>2</m:t>
                                     </m:r>
                                   </m:sub>
                                 </m:sSub>
                                 <m:sSub>
                                   <m:sSubPr>
                                     <m:ctrlPr>
-                                      <a:rPr lang="en-US" b="0" i="1" smtClean="0">
+                                      <a:rPr lang="en-US" i="1">
                                         <a:latin typeface="Cambria Math" panose="02040503050406030204" pitchFamily="18" charset="0"/>
                                       </a:rPr>
                                     </m:ctrlPr>
                                   </m:sSubPr>
                                   <m:e>
                                     <m:r>
-                                      <a:rPr lang="en-US" b="0" i="1" smtClean="0">
+                                      <a:rPr lang="en-US" i="1">
                                         <a:latin typeface="Cambria Math" panose="02040503050406030204" pitchFamily="18" charset="0"/>
                                       </a:rPr>
                                       <m:t>𝑘</m:t>
@@ -7071,16 +7182,10 @@
                                   </m:e>
                                   <m:sub>
                                     <m:r>
-                                      <a:rPr lang="en-US" b="0" i="1" smtClean="0">
+                                      <a:rPr lang="en-US" i="1">
                                         <a:latin typeface="Cambria Math" panose="02040503050406030204" pitchFamily="18" charset="0"/>
                                       </a:rPr>
-                                      <m:t>𝑝</m:t>
-                                    </m:r>
-                                    <m:r>
-                                      <a:rPr lang="en-US" b="0" i="1" smtClean="0">
-                                        <a:latin typeface="Cambria Math" panose="02040503050406030204" pitchFamily="18" charset="0"/>
-                                      </a:rPr>
-                                      <m:t>2</m:t>
+                                      <m:t>0</m:t>
                                     </m:r>
                                   </m:sub>
                                 </m:sSub>
@@ -7208,7 +7313,7 @@
             <p:spPr>
               <a:xfrm>
                 <a:off x="1448022" y="2484013"/>
-                <a:ext cx="3226460" cy="649730"/>
+                <a:ext cx="3226461" cy="649730"/>
               </a:xfrm>
               <a:prstGeom prst="rect">
                 <a:avLst/>
@@ -7249,10 +7354,10 @@
         </p:nvGrpSpPr>
         <p:grpSpPr>
           <a:xfrm>
-            <a:off x="325514" y="3150064"/>
-            <a:ext cx="8470858" cy="789299"/>
-            <a:chOff x="325514" y="3150064"/>
-            <a:chExt cx="8470858" cy="789299"/>
+            <a:off x="213244" y="3150064"/>
+            <a:ext cx="8878649" cy="789299"/>
+            <a:chOff x="213244" y="3150064"/>
+            <a:chExt cx="8878649" cy="789299"/>
           </a:xfrm>
         </p:grpSpPr>
         <mc:AlternateContent xmlns:mc="http://schemas.openxmlformats.org/markup-compatibility/2006">
@@ -7459,8 +7564,8 @@
               </p:nvSpPr>
               <p:spPr>
                 <a:xfrm>
-                  <a:off x="788282" y="3509373"/>
-                  <a:ext cx="8008090" cy="429990"/>
+                  <a:off x="213244" y="3509373"/>
+                  <a:ext cx="8878649" cy="429990"/>
                 </a:xfrm>
                 <a:prstGeom prst="rect">
                   <a:avLst/>
@@ -7533,6 +7638,68 @@
                               <a:latin typeface="Cambria Math" panose="02040503050406030204" pitchFamily="18" charset="0"/>
                             </a:rPr>
                             <m:t>1</m:t>
+                          </m:r>
+                        </m:sub>
+                      </m:sSub>
+                      <m:r>
+                        <a:rPr lang="en-US" sz="2000" b="0" i="1" smtClean="0">
+                          <a:latin typeface="Cambria Math" panose="02040503050406030204" pitchFamily="18" charset="0"/>
+                        </a:rPr>
+                        <m:t>+</m:t>
+                      </m:r>
+                      <m:sSub>
+                        <m:sSubPr>
+                          <m:ctrlPr>
+                            <a:rPr lang="en-US" sz="2000" b="0" i="1" smtClean="0">
+                              <a:latin typeface="Cambria Math" panose="02040503050406030204" pitchFamily="18" charset="0"/>
+                            </a:rPr>
+                          </m:ctrlPr>
+                        </m:sSubPr>
+                        <m:e>
+                          <m:r>
+                            <a:rPr lang="en-US" sz="2000" b="0" i="1" smtClean="0">
+                              <a:latin typeface="Cambria Math" panose="02040503050406030204" pitchFamily="18" charset="0"/>
+                            </a:rPr>
+                            <m:t>𝑘</m:t>
+                          </m:r>
+                        </m:e>
+                        <m:sub>
+                          <m:r>
+                            <a:rPr lang="en-US" sz="2000" b="0" i="1" smtClean="0">
+                              <a:latin typeface="Cambria Math" panose="02040503050406030204" pitchFamily="18" charset="0"/>
+                            </a:rPr>
+                            <m:t>2</m:t>
+                          </m:r>
+                        </m:sub>
+                      </m:sSub>
+                      <m:r>
+                        <a:rPr lang="en-US" sz="2000" b="0" i="1" smtClean="0">
+                          <a:latin typeface="Cambria Math" panose="02040503050406030204" pitchFamily="18" charset="0"/>
+                        </a:rPr>
+                        <m:t>+</m:t>
+                      </m:r>
+                      <m:sSub>
+                        <m:sSubPr>
+                          <m:ctrlPr>
+                            <a:rPr lang="en-US" sz="2000" b="0" i="1" smtClean="0">
+                              <a:latin typeface="Cambria Math" panose="02040503050406030204" pitchFamily="18" charset="0"/>
+                            </a:rPr>
+                          </m:ctrlPr>
+                        </m:sSubPr>
+                        <m:e>
+                          <m:r>
+                            <a:rPr lang="en-US" sz="2000" b="0" i="1" smtClean="0">
+                              <a:latin typeface="Cambria Math" panose="02040503050406030204" pitchFamily="18" charset="0"/>
+                            </a:rPr>
+                            <m:t>𝑘</m:t>
+                          </m:r>
+                        </m:e>
+                        <m:sub>
+                          <m:r>
+                            <a:rPr lang="en-US" sz="2000" b="0" i="1" smtClean="0">
+                              <a:latin typeface="Cambria Math" panose="02040503050406030204" pitchFamily="18" charset="0"/>
+                            </a:rPr>
+                            <m:t>3</m:t>
                           </m:r>
                         </m:sub>
                       </m:sSub>
@@ -7670,7 +7837,7 @@
                         <a:rPr lang="en-US" sz="2000" b="0" i="1" smtClean="0">
                           <a:latin typeface="Cambria Math" panose="02040503050406030204" pitchFamily="18" charset="0"/>
                         </a:rPr>
-                        <m:t>+</m:t>
+                        <m:t>−</m:t>
                       </m:r>
                       <m:sSub>
                         <m:sSubPr>
@@ -8012,8 +8179,8 @@
               </p:nvSpPr>
               <p:spPr>
                 <a:xfrm>
-                  <a:off x="788282" y="3509373"/>
-                  <a:ext cx="8008090" cy="429990"/>
+                  <a:off x="213244" y="3509373"/>
+                  <a:ext cx="8878649" cy="429990"/>
                 </a:xfrm>
                 <a:prstGeom prst="rect">
                   <a:avLst/>
@@ -8057,8 +8224,8 @@
             </p:nvSpPr>
             <p:spPr>
               <a:xfrm>
-                <a:off x="712865" y="3963486"/>
-                <a:ext cx="2121285" cy="423770"/>
+                <a:off x="665729" y="4030442"/>
+                <a:ext cx="3306803" cy="423770"/>
               </a:xfrm>
               <a:prstGeom prst="rect">
                 <a:avLst/>
@@ -8129,6 +8296,68 @@
                               <a:latin typeface="Cambria Math" panose="02040503050406030204" pitchFamily="18" charset="0"/>
                             </a:rPr>
                             <m:t>1</m:t>
+                          </m:r>
+                        </m:sub>
+                      </m:sSub>
+                      <m:r>
+                        <a:rPr lang="en-US" sz="2000" b="0" i="1" smtClean="0">
+                          <a:latin typeface="Cambria Math" panose="02040503050406030204" pitchFamily="18" charset="0"/>
+                        </a:rPr>
+                        <m:t>+</m:t>
+                      </m:r>
+                      <m:sSub>
+                        <m:sSubPr>
+                          <m:ctrlPr>
+                            <a:rPr lang="en-US" sz="2000" b="0" i="1" smtClean="0">
+                              <a:latin typeface="Cambria Math" panose="02040503050406030204" pitchFamily="18" charset="0"/>
+                            </a:rPr>
+                          </m:ctrlPr>
+                        </m:sSubPr>
+                        <m:e>
+                          <m:r>
+                            <a:rPr lang="en-US" sz="2000" b="0" i="1" smtClean="0">
+                              <a:latin typeface="Cambria Math" panose="02040503050406030204" pitchFamily="18" charset="0"/>
+                            </a:rPr>
+                            <m:t>𝑘</m:t>
+                          </m:r>
+                        </m:e>
+                        <m:sub>
+                          <m:r>
+                            <a:rPr lang="en-US" sz="2000" b="0" i="1" smtClean="0">
+                              <a:latin typeface="Cambria Math" panose="02040503050406030204" pitchFamily="18" charset="0"/>
+                            </a:rPr>
+                            <m:t>2</m:t>
+                          </m:r>
+                        </m:sub>
+                      </m:sSub>
+                      <m:r>
+                        <a:rPr lang="en-US" sz="2000" b="0" i="1" smtClean="0">
+                          <a:latin typeface="Cambria Math" panose="02040503050406030204" pitchFamily="18" charset="0"/>
+                        </a:rPr>
+                        <m:t>+</m:t>
+                      </m:r>
+                      <m:sSub>
+                        <m:sSubPr>
+                          <m:ctrlPr>
+                            <a:rPr lang="en-US" sz="2000" b="0" i="1" smtClean="0">
+                              <a:latin typeface="Cambria Math" panose="02040503050406030204" pitchFamily="18" charset="0"/>
+                            </a:rPr>
+                          </m:ctrlPr>
+                        </m:sSubPr>
+                        <m:e>
+                          <m:r>
+                            <a:rPr lang="en-US" sz="2000" b="0" i="1" smtClean="0">
+                              <a:latin typeface="Cambria Math" panose="02040503050406030204" pitchFamily="18" charset="0"/>
+                            </a:rPr>
+                            <m:t>𝑘</m:t>
+                          </m:r>
+                        </m:e>
+                        <m:sub>
+                          <m:r>
+                            <a:rPr lang="en-US" sz="2000" b="0" i="1" smtClean="0">
+                              <a:latin typeface="Cambria Math" panose="02040503050406030204" pitchFamily="18" charset="0"/>
+                            </a:rPr>
+                            <m:t>3</m:t>
                           </m:r>
                         </m:sub>
                       </m:sSub>
@@ -8219,8 +8448,8 @@
             </p:nvSpPr>
             <p:spPr>
               <a:xfrm>
-                <a:off x="712865" y="3963486"/>
-                <a:ext cx="2121285" cy="423770"/>
+                <a:off x="665729" y="4030442"/>
+                <a:ext cx="3306803" cy="423770"/>
               </a:xfrm>
               <a:prstGeom prst="rect">
                 <a:avLst/>
@@ -8228,7 +8457,7 @@
               <a:blipFill>
                 <a:blip r:embed="rId7"/>
                 <a:stretch>
-                  <a:fillRect b="-5882"/>
+                  <a:fillRect b="-8824"/>
                 </a:stretch>
               </a:blipFill>
             </p:spPr>
@@ -8263,8 +8492,8 @@
             </p:nvSpPr>
             <p:spPr>
               <a:xfrm>
-                <a:off x="3061252" y="3963486"/>
-                <a:ext cx="5178534" cy="423770"/>
+                <a:off x="770994" y="4435331"/>
+                <a:ext cx="4523674" cy="423770"/>
               </a:xfrm>
               <a:prstGeom prst="rect">
                 <a:avLst/>
@@ -8566,73 +8795,31 @@
                         </m:r>
                       </m:sub>
                     </m:sSub>
-                    <m:d>
-                      <m:dPr>
+                    <m:sSub>
+                      <m:sSubPr>
                         <m:ctrlPr>
-                          <a:rPr lang="en-US" sz="2000" i="1">
+                          <a:rPr lang="en-US" sz="2000" b="0" i="1" smtClean="0">
                             <a:latin typeface="Cambria Math" panose="02040503050406030204" pitchFamily="18" charset="0"/>
                           </a:rPr>
                         </m:ctrlPr>
-                      </m:dPr>
+                      </m:sSubPr>
                       <m:e>
-                        <m:sSub>
-                          <m:sSubPr>
-                            <m:ctrlPr>
-                              <a:rPr lang="en-US" sz="2000" i="1">
-                                <a:latin typeface="Cambria Math" panose="02040503050406030204" pitchFamily="18" charset="0"/>
-                              </a:rPr>
-                            </m:ctrlPr>
-                          </m:sSubPr>
-                          <m:e>
-                            <m:r>
-                              <a:rPr lang="en-US" sz="2000" i="1">
-                                <a:latin typeface="Cambria Math" panose="02040503050406030204" pitchFamily="18" charset="0"/>
-                              </a:rPr>
-                              <m:t>𝑘</m:t>
-                            </m:r>
-                          </m:e>
-                          <m:sub>
-                            <m:r>
-                              <a:rPr lang="en-US" sz="2000" i="1">
-                                <a:latin typeface="Cambria Math" panose="02040503050406030204" pitchFamily="18" charset="0"/>
-                              </a:rPr>
-                              <m:t>2</m:t>
-                            </m:r>
-                          </m:sub>
-                        </m:sSub>
                         <m:r>
-                          <a:rPr lang="en-US" sz="2000" i="1">
+                          <a:rPr lang="en-US" sz="2000" b="0" i="1" smtClean="0">
                             <a:latin typeface="Cambria Math" panose="02040503050406030204" pitchFamily="18" charset="0"/>
                           </a:rPr>
-                          <m:t>+</m:t>
+                          <m:t>𝑘</m:t>
                         </m:r>
-                        <m:sSub>
-                          <m:sSubPr>
-                            <m:ctrlPr>
-                              <a:rPr lang="en-US" sz="2000" i="1">
-                                <a:latin typeface="Cambria Math" panose="02040503050406030204" pitchFamily="18" charset="0"/>
-                              </a:rPr>
-                            </m:ctrlPr>
-                          </m:sSubPr>
-                          <m:e>
-                            <m:r>
-                              <a:rPr lang="en-US" sz="2000" i="1">
-                                <a:latin typeface="Cambria Math" panose="02040503050406030204" pitchFamily="18" charset="0"/>
-                              </a:rPr>
-                              <m:t>𝑘</m:t>
-                            </m:r>
-                          </m:e>
-                          <m:sub>
-                            <m:r>
-                              <a:rPr lang="en-US" sz="2000" i="1">
-                                <a:latin typeface="Cambria Math" panose="02040503050406030204" pitchFamily="18" charset="0"/>
-                              </a:rPr>
-                              <m:t>3</m:t>
-                            </m:r>
-                          </m:sub>
-                        </m:sSub>
                       </m:e>
-                    </m:d>
+                      <m:sub>
+                        <m:r>
+                          <a:rPr lang="en-US" sz="2000" b="0" i="1" smtClean="0">
+                            <a:latin typeface="Cambria Math" panose="02040503050406030204" pitchFamily="18" charset="0"/>
+                          </a:rPr>
+                          <m:t>3</m:t>
+                        </m:r>
+                      </m:sub>
+                    </m:sSub>
                   </m:oMath>
                 </a14:m>
                 <a:endParaRPr lang="en-US" sz="2000" dirty="0"/>
@@ -8657,8 +8844,8 @@
             </p:nvSpPr>
             <p:spPr>
               <a:xfrm>
-                <a:off x="3061252" y="3963486"/>
-                <a:ext cx="5178534" cy="423770"/>
+                <a:off x="770994" y="4435331"/>
+                <a:ext cx="4523674" cy="423770"/>
               </a:xfrm>
               <a:prstGeom prst="rect">
                 <a:avLst/>
@@ -8687,6 +8874,839 @@
       </mc:AlternateContent>
       <p:grpSp>
         <p:nvGrpSpPr>
+          <p:cNvPr id="28" name="Group 27">
+            <a:extLst>
+              <a:ext uri="{FF2B5EF4-FFF2-40B4-BE49-F238E27FC236}">
+                <a16:creationId xmlns:a16="http://schemas.microsoft.com/office/drawing/2014/main" id="{3CE33EB4-D9C5-6541-B27B-E9FECB8E2458}"/>
+              </a:ext>
+            </a:extLst>
+          </p:cNvPr>
+          <p:cNvGrpSpPr/>
+          <p:nvPr/>
+        </p:nvGrpSpPr>
+        <p:grpSpPr>
+          <a:xfrm>
+            <a:off x="4323890" y="2014616"/>
+            <a:ext cx="1323439" cy="668458"/>
+            <a:chOff x="4323890" y="2014616"/>
+            <a:chExt cx="1323439" cy="668458"/>
+          </a:xfrm>
+        </p:grpSpPr>
+        <p:sp>
+          <p:nvSpPr>
+            <p:cNvPr id="23" name="TextBox 22">
+              <a:extLst>
+                <a:ext uri="{FF2B5EF4-FFF2-40B4-BE49-F238E27FC236}">
+                  <a16:creationId xmlns:a16="http://schemas.microsoft.com/office/drawing/2014/main" id="{1100F8AB-6ACD-5E48-A8CB-FEBB250EF6C8}"/>
+                </a:ext>
+              </a:extLst>
+            </p:cNvPr>
+            <p:cNvSpPr txBox="1"/>
+            <p:nvPr/>
+          </p:nvSpPr>
+          <p:spPr>
+            <a:xfrm rot="16200000">
+              <a:off x="4721755" y="1616751"/>
+              <a:ext cx="527709" cy="1323439"/>
+            </a:xfrm>
+            <a:prstGeom prst="rect">
+              <a:avLst/>
+            </a:prstGeom>
+            <a:noFill/>
+          </p:spPr>
+          <p:txBody>
+            <a:bodyPr wrap="none" rtlCol="0">
+              <a:spAutoFit/>
+            </a:bodyPr>
+            <a:lstStyle/>
+            <a:p>
+              <a:r>
+                <a:rPr lang="en-US" sz="8000" dirty="0"/>
+                <a:t>{</a:t>
+              </a:r>
+            </a:p>
+          </p:txBody>
+        </p:sp>
+        <mc:AlternateContent xmlns:mc="http://schemas.openxmlformats.org/markup-compatibility/2006">
+          <mc:Choice xmlns:a14="http://schemas.microsoft.com/office/drawing/2010/main" Requires="a14">
+            <p:sp>
+              <p:nvSpPr>
+                <p:cNvPr id="24" name="Rectangle 23">
+                  <a:extLst>
+                    <a:ext uri="{FF2B5EF4-FFF2-40B4-BE49-F238E27FC236}">
+                      <a16:creationId xmlns:a16="http://schemas.microsoft.com/office/drawing/2014/main" id="{D0B783CB-ABE3-9645-B6D4-A5E88E31656E}"/>
+                    </a:ext>
+                  </a:extLst>
+                </p:cNvPr>
+                <p:cNvSpPr/>
+                <p:nvPr/>
+              </p:nvSpPr>
+              <p:spPr>
+                <a:xfrm>
+                  <a:off x="4763790" y="2313742"/>
+                  <a:ext cx="514820" cy="369332"/>
+                </a:xfrm>
+                <a:prstGeom prst="rect">
+                  <a:avLst/>
+                </a:prstGeom>
+              </p:spPr>
+              <p:txBody>
+                <a:bodyPr wrap="none">
+                  <a:spAutoFit/>
+                </a:bodyPr>
+                <a:lstStyle/>
+                <a:p>
+                  <a14:m>
+                    <m:oMathPara xmlns:m="http://schemas.openxmlformats.org/officeDocument/2006/math">
+                      <m:oMathParaPr>
+                        <m:jc m:val="centerGroup"/>
+                      </m:oMathParaPr>
+                      <m:oMath xmlns:m="http://schemas.openxmlformats.org/officeDocument/2006/math">
+                        <m:sSub>
+                          <m:sSubPr>
+                            <m:ctrlPr>
+                              <a:rPr lang="en-US" b="1" i="1">
+                                <a:latin typeface="Cambria Math" panose="02040503050406030204" pitchFamily="18" charset="0"/>
+                              </a:rPr>
+                            </m:ctrlPr>
+                          </m:sSubPr>
+                          <m:e>
+                            <m:r>
+                              <a:rPr lang="en-US" b="1" i="1">
+                                <a:latin typeface="Cambria Math" panose="02040503050406030204" pitchFamily="18" charset="0"/>
+                              </a:rPr>
+                              <m:t>𝒌</m:t>
+                            </m:r>
+                          </m:e>
+                          <m:sub>
+                            <m:r>
+                              <a:rPr lang="en-US" b="1" i="1">
+                                <a:latin typeface="Cambria Math" panose="02040503050406030204" pitchFamily="18" charset="0"/>
+                              </a:rPr>
+                              <m:t>𝑷</m:t>
+                            </m:r>
+                          </m:sub>
+                        </m:sSub>
+                      </m:oMath>
+                    </m:oMathPara>
+                  </a14:m>
+                  <a:endParaRPr lang="en-US" dirty="0"/>
+                </a:p>
+              </p:txBody>
+            </p:sp>
+          </mc:Choice>
+          <mc:Fallback>
+            <p:sp>
+              <p:nvSpPr>
+                <p:cNvPr id="24" name="Rectangle 23">
+                  <a:extLst>
+                    <a:ext uri="{FF2B5EF4-FFF2-40B4-BE49-F238E27FC236}">
+                      <a16:creationId xmlns:a16="http://schemas.microsoft.com/office/drawing/2014/main" id="{D0B783CB-ABE3-9645-B6D4-A5E88E31656E}"/>
+                    </a:ext>
+                  </a:extLst>
+                </p:cNvPr>
+                <p:cNvSpPr>
+                  <a:spLocks noRot="1" noChangeAspect="1" noMove="1" noResize="1" noEditPoints="1" noAdjustHandles="1" noChangeArrowheads="1" noChangeShapeType="1" noTextEdit="1"/>
+                </p:cNvSpPr>
+                <p:nvPr/>
+              </p:nvSpPr>
+              <p:spPr>
+                <a:xfrm>
+                  <a:off x="4763790" y="2313742"/>
+                  <a:ext cx="514820" cy="369332"/>
+                </a:xfrm>
+                <a:prstGeom prst="rect">
+                  <a:avLst/>
+                </a:prstGeom>
+                <a:blipFill>
+                  <a:blip r:embed="rId9"/>
+                  <a:stretch>
+                    <a:fillRect/>
+                  </a:stretch>
+                </a:blipFill>
+              </p:spPr>
+              <p:txBody>
+                <a:bodyPr/>
+                <a:lstStyle/>
+                <a:p>
+                  <a:r>
+                    <a:rPr lang="en-US">
+                      <a:noFill/>
+                    </a:rPr>
+                    <a:t> </a:t>
+                  </a:r>
+                </a:p>
+              </p:txBody>
+            </p:sp>
+          </mc:Fallback>
+        </mc:AlternateContent>
+      </p:grpSp>
+      <p:grpSp>
+        <p:nvGrpSpPr>
+          <p:cNvPr id="25" name="Group 24">
+            <a:extLst>
+              <a:ext uri="{FF2B5EF4-FFF2-40B4-BE49-F238E27FC236}">
+                <a16:creationId xmlns:a16="http://schemas.microsoft.com/office/drawing/2014/main" id="{BC26ABEF-3C30-1247-80D8-23A673B9E326}"/>
+              </a:ext>
+            </a:extLst>
+          </p:cNvPr>
+          <p:cNvGrpSpPr/>
+          <p:nvPr/>
+        </p:nvGrpSpPr>
+        <p:grpSpPr>
+          <a:xfrm>
+            <a:off x="6161450" y="360372"/>
+            <a:ext cx="2657844" cy="643236"/>
+            <a:chOff x="665623" y="2566480"/>
+            <a:chExt cx="2657844" cy="643236"/>
+          </a:xfrm>
+        </p:grpSpPr>
+        <mc:AlternateContent xmlns:mc="http://schemas.openxmlformats.org/markup-compatibility/2006">
+          <mc:Choice xmlns:a14="http://schemas.microsoft.com/office/drawing/2010/main" Requires="a14">
+            <p:sp>
+              <p:nvSpPr>
+                <p:cNvPr id="26" name="TextBox 25">
+                  <a:extLst>
+                    <a:ext uri="{FF2B5EF4-FFF2-40B4-BE49-F238E27FC236}">
+                      <a16:creationId xmlns:a16="http://schemas.microsoft.com/office/drawing/2014/main" id="{1EB57FC6-0662-DF48-BB68-832B683CC689}"/>
+                    </a:ext>
+                  </a:extLst>
+                </p:cNvPr>
+                <p:cNvSpPr txBox="1"/>
+                <p:nvPr/>
+              </p:nvSpPr>
+              <p:spPr>
+                <a:xfrm>
+                  <a:off x="671331" y="2566480"/>
+                  <a:ext cx="2652136" cy="287515"/>
+                </a:xfrm>
+                <a:prstGeom prst="rect">
+                  <a:avLst/>
+                </a:prstGeom>
+                <a:noFill/>
+              </p:spPr>
+              <p:txBody>
+                <a:bodyPr wrap="none" lIns="0" tIns="0" rIns="0" bIns="0" rtlCol="0">
+                  <a:spAutoFit/>
+                </a:bodyPr>
+                <a:lstStyle/>
+                <a:p>
+                  <a14:m>
+                    <m:oMathPara xmlns:m="http://schemas.openxmlformats.org/officeDocument/2006/math">
+                      <m:oMathParaPr>
+                        <m:jc m:val="centerGroup"/>
+                      </m:oMathParaPr>
+                      <m:oMath xmlns:m="http://schemas.openxmlformats.org/officeDocument/2006/math">
+                        <m:sSub>
+                          <m:sSubPr>
+                            <m:ctrlPr>
+                              <a:rPr lang="en-US" b="0" i="1" smtClean="0">
+                                <a:latin typeface="Cambria Math" panose="02040503050406030204" pitchFamily="18" charset="0"/>
+                              </a:rPr>
+                            </m:ctrlPr>
+                          </m:sSubPr>
+                          <m:e>
+                            <m:acc>
+                              <m:accPr>
+                                <m:chr m:val="̇"/>
+                                <m:ctrlPr>
+                                  <a:rPr lang="en-US" b="0" i="1" smtClean="0">
+                                    <a:latin typeface="Cambria Math" panose="02040503050406030204" pitchFamily="18" charset="0"/>
+                                  </a:rPr>
+                                </m:ctrlPr>
+                              </m:accPr>
+                              <m:e>
+                                <m:r>
+                                  <a:rPr lang="en-US" b="0" i="1" smtClean="0">
+                                    <a:latin typeface="Cambria Math" panose="02040503050406030204" pitchFamily="18" charset="0"/>
+                                  </a:rPr>
+                                  <m:t>𝑆</m:t>
+                                </m:r>
+                              </m:e>
+                            </m:acc>
+                          </m:e>
+                          <m:sub>
+                            <m:r>
+                              <a:rPr lang="en-US" b="0" i="1" smtClean="0">
+                                <a:latin typeface="Cambria Math" panose="02040503050406030204" pitchFamily="18" charset="0"/>
+                              </a:rPr>
+                              <m:t>1</m:t>
+                            </m:r>
+                          </m:sub>
+                        </m:sSub>
+                        <m:r>
+                          <a:rPr lang="en-US" b="0" i="1" smtClean="0">
+                            <a:latin typeface="Cambria Math" panose="02040503050406030204" pitchFamily="18" charset="0"/>
+                          </a:rPr>
+                          <m:t>=−</m:t>
+                        </m:r>
+                        <m:sSub>
+                          <m:sSubPr>
+                            <m:ctrlPr>
+                              <a:rPr lang="en-US" b="0" i="1" smtClean="0">
+                                <a:latin typeface="Cambria Math" panose="02040503050406030204" pitchFamily="18" charset="0"/>
+                              </a:rPr>
+                            </m:ctrlPr>
+                          </m:sSubPr>
+                          <m:e>
+                            <m:r>
+                              <a:rPr lang="en-US" b="0" i="1" smtClean="0">
+                                <a:latin typeface="Cambria Math" panose="02040503050406030204" pitchFamily="18" charset="0"/>
+                              </a:rPr>
+                              <m:t>𝑘</m:t>
+                            </m:r>
+                          </m:e>
+                          <m:sub>
+                            <m:r>
+                              <a:rPr lang="en-US" b="0" i="1" smtClean="0">
+                                <a:latin typeface="Cambria Math" panose="02040503050406030204" pitchFamily="18" charset="0"/>
+                              </a:rPr>
+                              <m:t>1</m:t>
+                            </m:r>
+                          </m:sub>
+                        </m:sSub>
+                        <m:sSub>
+                          <m:sSubPr>
+                            <m:ctrlPr>
+                              <a:rPr lang="en-US" b="0" i="1" smtClean="0">
+                                <a:latin typeface="Cambria Math" panose="02040503050406030204" pitchFamily="18" charset="0"/>
+                              </a:rPr>
+                            </m:ctrlPr>
+                          </m:sSubPr>
+                          <m:e>
+                            <m:r>
+                              <a:rPr lang="en-US" b="0" i="1" smtClean="0">
+                                <a:latin typeface="Cambria Math" panose="02040503050406030204" pitchFamily="18" charset="0"/>
+                              </a:rPr>
+                              <m:t>𝑆</m:t>
+                            </m:r>
+                          </m:e>
+                          <m:sub>
+                            <m:r>
+                              <a:rPr lang="en-US" b="0" i="1" smtClean="0">
+                                <a:latin typeface="Cambria Math" panose="02040503050406030204" pitchFamily="18" charset="0"/>
+                              </a:rPr>
+                              <m:t>1</m:t>
+                            </m:r>
+                          </m:sub>
+                        </m:sSub>
+                        <m:r>
+                          <a:rPr lang="en-US" b="0" i="1" smtClean="0">
+                            <a:latin typeface="Cambria Math" panose="02040503050406030204" pitchFamily="18" charset="0"/>
+                          </a:rPr>
+                          <m:t>+</m:t>
+                        </m:r>
+                        <m:sSub>
+                          <m:sSubPr>
+                            <m:ctrlPr>
+                              <a:rPr lang="en-US" b="0" i="1" smtClean="0">
+                                <a:latin typeface="Cambria Math" panose="02040503050406030204" pitchFamily="18" charset="0"/>
+                              </a:rPr>
+                            </m:ctrlPr>
+                          </m:sSubPr>
+                          <m:e>
+                            <m:r>
+                              <a:rPr lang="en-US" b="0" i="1" smtClean="0">
+                                <a:latin typeface="Cambria Math" panose="02040503050406030204" pitchFamily="18" charset="0"/>
+                              </a:rPr>
+                              <m:t>𝑘</m:t>
+                            </m:r>
+                          </m:e>
+                          <m:sub>
+                            <m:r>
+                              <a:rPr lang="en-US" b="0" i="1" smtClean="0">
+                                <a:latin typeface="Cambria Math" panose="02040503050406030204" pitchFamily="18" charset="0"/>
+                              </a:rPr>
+                              <m:t>0</m:t>
+                            </m:r>
+                          </m:sub>
+                        </m:sSub>
+                        <m:sSub>
+                          <m:sSubPr>
+                            <m:ctrlPr>
+                              <a:rPr lang="en-US" b="0" i="1" smtClean="0">
+                                <a:latin typeface="Cambria Math" panose="02040503050406030204" pitchFamily="18" charset="0"/>
+                              </a:rPr>
+                            </m:ctrlPr>
+                          </m:sSubPr>
+                          <m:e>
+                            <m:r>
+                              <a:rPr lang="en-US" b="0" i="1" smtClean="0">
+                                <a:latin typeface="Cambria Math" panose="02040503050406030204" pitchFamily="18" charset="0"/>
+                              </a:rPr>
+                              <m:t>𝑆</m:t>
+                            </m:r>
+                          </m:e>
+                          <m:sub>
+                            <m:r>
+                              <a:rPr lang="en-US" b="0" i="1" smtClean="0">
+                                <a:latin typeface="Cambria Math" panose="02040503050406030204" pitchFamily="18" charset="0"/>
+                              </a:rPr>
+                              <m:t>0</m:t>
+                            </m:r>
+                          </m:sub>
+                        </m:sSub>
+                        <m:r>
+                          <a:rPr lang="en-US" b="0" i="1" smtClean="0">
+                            <a:latin typeface="Cambria Math" panose="02040503050406030204" pitchFamily="18" charset="0"/>
+                          </a:rPr>
+                          <m:t>+</m:t>
+                        </m:r>
+                        <m:sSub>
+                          <m:sSubPr>
+                            <m:ctrlPr>
+                              <a:rPr lang="en-US" b="0" i="1" smtClean="0">
+                                <a:latin typeface="Cambria Math" panose="02040503050406030204" pitchFamily="18" charset="0"/>
+                              </a:rPr>
+                            </m:ctrlPr>
+                          </m:sSubPr>
+                          <m:e>
+                            <m:r>
+                              <a:rPr lang="en-US" b="0" i="1" smtClean="0">
+                                <a:latin typeface="Cambria Math" panose="02040503050406030204" pitchFamily="18" charset="0"/>
+                              </a:rPr>
+                              <m:t>𝑘</m:t>
+                            </m:r>
+                          </m:e>
+                          <m:sub>
+                            <m:r>
+                              <a:rPr lang="en-US" b="0" i="1" smtClean="0">
+                                <a:latin typeface="Cambria Math" panose="02040503050406030204" pitchFamily="18" charset="0"/>
+                              </a:rPr>
+                              <m:t>2</m:t>
+                            </m:r>
+                          </m:sub>
+                        </m:sSub>
+                        <m:sSub>
+                          <m:sSubPr>
+                            <m:ctrlPr>
+                              <a:rPr lang="en-US" b="0" i="1" smtClean="0">
+                                <a:latin typeface="Cambria Math" panose="02040503050406030204" pitchFamily="18" charset="0"/>
+                              </a:rPr>
+                            </m:ctrlPr>
+                          </m:sSubPr>
+                          <m:e>
+                            <m:r>
+                              <a:rPr lang="en-US" b="0" i="1" smtClean="0">
+                                <a:latin typeface="Cambria Math" panose="02040503050406030204" pitchFamily="18" charset="0"/>
+                              </a:rPr>
+                              <m:t>𝑆</m:t>
+                            </m:r>
+                          </m:e>
+                          <m:sub>
+                            <m:r>
+                              <a:rPr lang="en-US" b="0" i="1" smtClean="0">
+                                <a:latin typeface="Cambria Math" panose="02040503050406030204" pitchFamily="18" charset="0"/>
+                              </a:rPr>
+                              <m:t>2</m:t>
+                            </m:r>
+                          </m:sub>
+                        </m:sSub>
+                      </m:oMath>
+                    </m:oMathPara>
+                  </a14:m>
+                  <a:endParaRPr lang="en-US" dirty="0"/>
+                </a:p>
+              </p:txBody>
+            </p:sp>
+          </mc:Choice>
+          <mc:Fallback>
+            <p:sp>
+              <p:nvSpPr>
+                <p:cNvPr id="26" name="TextBox 25">
+                  <a:extLst>
+                    <a:ext uri="{FF2B5EF4-FFF2-40B4-BE49-F238E27FC236}">
+                      <a16:creationId xmlns:a16="http://schemas.microsoft.com/office/drawing/2014/main" id="{1EB57FC6-0662-DF48-BB68-832B683CC689}"/>
+                    </a:ext>
+                  </a:extLst>
+                </p:cNvPr>
+                <p:cNvSpPr txBox="1">
+                  <a:spLocks noRot="1" noChangeAspect="1" noMove="1" noResize="1" noEditPoints="1" noAdjustHandles="1" noChangeArrowheads="1" noChangeShapeType="1" noTextEdit="1"/>
+                </p:cNvSpPr>
+                <p:nvPr/>
+              </p:nvSpPr>
+              <p:spPr>
+                <a:xfrm>
+                  <a:off x="671331" y="2566480"/>
+                  <a:ext cx="2652136" cy="287515"/>
+                </a:xfrm>
+                <a:prstGeom prst="rect">
+                  <a:avLst/>
+                </a:prstGeom>
+                <a:blipFill>
+                  <a:blip r:embed="rId10"/>
+                  <a:stretch>
+                    <a:fillRect l="-1429" t="-13043" b="-17391"/>
+                  </a:stretch>
+                </a:blipFill>
+              </p:spPr>
+              <p:txBody>
+                <a:bodyPr/>
+                <a:lstStyle/>
+                <a:p>
+                  <a:r>
+                    <a:rPr lang="en-US">
+                      <a:noFill/>
+                    </a:rPr>
+                    <a:t> </a:t>
+                  </a:r>
+                </a:p>
+              </p:txBody>
+            </p:sp>
+          </mc:Fallback>
+        </mc:AlternateContent>
+        <mc:AlternateContent xmlns:mc="http://schemas.openxmlformats.org/markup-compatibility/2006">
+          <mc:Choice xmlns:a14="http://schemas.microsoft.com/office/drawing/2010/main" Requires="a14">
+            <p:sp>
+              <p:nvSpPr>
+                <p:cNvPr id="27" name="TextBox 26">
+                  <a:extLst>
+                    <a:ext uri="{FF2B5EF4-FFF2-40B4-BE49-F238E27FC236}">
+                      <a16:creationId xmlns:a16="http://schemas.microsoft.com/office/drawing/2014/main" id="{9DABF6C1-32B0-4F45-9A12-0674901F3BBD}"/>
+                    </a:ext>
+                  </a:extLst>
+                </p:cNvPr>
+                <p:cNvSpPr txBox="1"/>
+                <p:nvPr/>
+              </p:nvSpPr>
+              <p:spPr>
+                <a:xfrm>
+                  <a:off x="665623" y="2922201"/>
+                  <a:ext cx="2484333" cy="287515"/>
+                </a:xfrm>
+                <a:prstGeom prst="rect">
+                  <a:avLst/>
+                </a:prstGeom>
+                <a:noFill/>
+              </p:spPr>
+              <p:txBody>
+                <a:bodyPr wrap="none" lIns="0" tIns="0" rIns="0" bIns="0" rtlCol="0">
+                  <a:spAutoFit/>
+                </a:bodyPr>
+                <a:lstStyle/>
+                <a:p>
+                  <a14:m>
+                    <m:oMathPara xmlns:m="http://schemas.openxmlformats.org/officeDocument/2006/math">
+                      <m:oMathParaPr>
+                        <m:jc m:val="centerGroup"/>
+                      </m:oMathParaPr>
+                      <m:oMath xmlns:m="http://schemas.openxmlformats.org/officeDocument/2006/math">
+                        <m:sSub>
+                          <m:sSubPr>
+                            <m:ctrlPr>
+                              <a:rPr lang="en-US" i="1" smtClean="0">
+                                <a:latin typeface="Cambria Math" panose="02040503050406030204" pitchFamily="18" charset="0"/>
+                              </a:rPr>
+                            </m:ctrlPr>
+                          </m:sSubPr>
+                          <m:e>
+                            <m:acc>
+                              <m:accPr>
+                                <m:chr m:val="̇"/>
+                                <m:ctrlPr>
+                                  <a:rPr lang="en-US" i="1">
+                                    <a:latin typeface="Cambria Math" panose="02040503050406030204" pitchFamily="18" charset="0"/>
+                                  </a:rPr>
+                                </m:ctrlPr>
+                              </m:accPr>
+                              <m:e>
+                                <m:r>
+                                  <a:rPr lang="en-US" i="1">
+                                    <a:latin typeface="Cambria Math" panose="02040503050406030204" pitchFamily="18" charset="0"/>
+                                  </a:rPr>
+                                  <m:t>𝑆</m:t>
+                                </m:r>
+                              </m:e>
+                            </m:acc>
+                          </m:e>
+                          <m:sub>
+                            <m:r>
+                              <a:rPr lang="en-US" b="0" i="1" smtClean="0">
+                                <a:latin typeface="Cambria Math" panose="02040503050406030204" pitchFamily="18" charset="0"/>
+                              </a:rPr>
+                              <m:t>2</m:t>
+                            </m:r>
+                          </m:sub>
+                        </m:sSub>
+                        <m:r>
+                          <a:rPr lang="en-US" b="0" i="1" smtClean="0">
+                            <a:latin typeface="Cambria Math" panose="02040503050406030204" pitchFamily="18" charset="0"/>
+                          </a:rPr>
+                          <m:t>=</m:t>
+                        </m:r>
+                        <m:sSub>
+                          <m:sSubPr>
+                            <m:ctrlPr>
+                              <a:rPr lang="en-US" b="0" i="1" smtClean="0">
+                                <a:latin typeface="Cambria Math" panose="02040503050406030204" pitchFamily="18" charset="0"/>
+                              </a:rPr>
+                            </m:ctrlPr>
+                          </m:sSubPr>
+                          <m:e>
+                            <m:r>
+                              <a:rPr lang="en-US" b="0" i="1" smtClean="0">
+                                <a:latin typeface="Cambria Math" panose="02040503050406030204" pitchFamily="18" charset="0"/>
+                              </a:rPr>
+                              <m:t>𝑘</m:t>
+                            </m:r>
+                          </m:e>
+                          <m:sub>
+                            <m:r>
+                              <a:rPr lang="en-US" b="0" i="1" smtClean="0">
+                                <a:latin typeface="Cambria Math" panose="02040503050406030204" pitchFamily="18" charset="0"/>
+                              </a:rPr>
+                              <m:t>1</m:t>
+                            </m:r>
+                          </m:sub>
+                        </m:sSub>
+                        <m:sSub>
+                          <m:sSubPr>
+                            <m:ctrlPr>
+                              <a:rPr lang="en-US" b="0" i="1" smtClean="0">
+                                <a:latin typeface="Cambria Math" panose="02040503050406030204" pitchFamily="18" charset="0"/>
+                              </a:rPr>
+                            </m:ctrlPr>
+                          </m:sSubPr>
+                          <m:e>
+                            <m:r>
+                              <a:rPr lang="en-US" b="0" i="1" smtClean="0">
+                                <a:latin typeface="Cambria Math" panose="02040503050406030204" pitchFamily="18" charset="0"/>
+                              </a:rPr>
+                              <m:t>𝑆</m:t>
+                            </m:r>
+                          </m:e>
+                          <m:sub>
+                            <m:r>
+                              <a:rPr lang="en-US" b="0" i="1" smtClean="0">
+                                <a:latin typeface="Cambria Math" panose="02040503050406030204" pitchFamily="18" charset="0"/>
+                              </a:rPr>
+                              <m:t>1</m:t>
+                            </m:r>
+                          </m:sub>
+                        </m:sSub>
+                        <m:r>
+                          <a:rPr lang="en-US" b="0" i="1" smtClean="0">
+                            <a:latin typeface="Cambria Math" panose="02040503050406030204" pitchFamily="18" charset="0"/>
+                          </a:rPr>
+                          <m:t>−</m:t>
+                        </m:r>
+                        <m:sSub>
+                          <m:sSubPr>
+                            <m:ctrlPr>
+                              <a:rPr lang="en-US" b="0" i="1" smtClean="0">
+                                <a:latin typeface="Cambria Math" panose="02040503050406030204" pitchFamily="18" charset="0"/>
+                              </a:rPr>
+                            </m:ctrlPr>
+                          </m:sSubPr>
+                          <m:e>
+                            <m:r>
+                              <a:rPr lang="en-US" b="0" i="1" smtClean="0">
+                                <a:latin typeface="Cambria Math" panose="02040503050406030204" pitchFamily="18" charset="0"/>
+                              </a:rPr>
+                              <m:t>𝑘</m:t>
+                            </m:r>
+                          </m:e>
+                          <m:sub>
+                            <m:r>
+                              <a:rPr lang="en-US" b="0" i="1" smtClean="0">
+                                <a:latin typeface="Cambria Math" panose="02040503050406030204" pitchFamily="18" charset="0"/>
+                              </a:rPr>
+                              <m:t>2</m:t>
+                            </m:r>
+                          </m:sub>
+                        </m:sSub>
+                        <m:sSub>
+                          <m:sSubPr>
+                            <m:ctrlPr>
+                              <a:rPr lang="en-US" b="0" i="1" smtClean="0">
+                                <a:latin typeface="Cambria Math" panose="02040503050406030204" pitchFamily="18" charset="0"/>
+                              </a:rPr>
+                            </m:ctrlPr>
+                          </m:sSubPr>
+                          <m:e>
+                            <m:r>
+                              <a:rPr lang="en-US" b="0" i="1" smtClean="0">
+                                <a:latin typeface="Cambria Math" panose="02040503050406030204" pitchFamily="18" charset="0"/>
+                              </a:rPr>
+                              <m:t>𝑆</m:t>
+                            </m:r>
+                          </m:e>
+                          <m:sub>
+                            <m:r>
+                              <a:rPr lang="en-US" b="0" i="1" smtClean="0">
+                                <a:latin typeface="Cambria Math" panose="02040503050406030204" pitchFamily="18" charset="0"/>
+                              </a:rPr>
+                              <m:t>2</m:t>
+                            </m:r>
+                          </m:sub>
+                        </m:sSub>
+                        <m:r>
+                          <a:rPr lang="en-US" b="0" i="1" smtClean="0">
+                            <a:latin typeface="Cambria Math" panose="02040503050406030204" pitchFamily="18" charset="0"/>
+                          </a:rPr>
+                          <m:t>−</m:t>
+                        </m:r>
+                        <m:sSub>
+                          <m:sSubPr>
+                            <m:ctrlPr>
+                              <a:rPr lang="en-US" b="0" i="1" smtClean="0">
+                                <a:latin typeface="Cambria Math" panose="02040503050406030204" pitchFamily="18" charset="0"/>
+                              </a:rPr>
+                            </m:ctrlPr>
+                          </m:sSubPr>
+                          <m:e>
+                            <m:r>
+                              <a:rPr lang="en-US" b="0" i="1" smtClean="0">
+                                <a:latin typeface="Cambria Math" panose="02040503050406030204" pitchFamily="18" charset="0"/>
+                              </a:rPr>
+                              <m:t>𝑘</m:t>
+                            </m:r>
+                          </m:e>
+                          <m:sub>
+                            <m:r>
+                              <a:rPr lang="en-US" b="0" i="1" smtClean="0">
+                                <a:latin typeface="Cambria Math" panose="02040503050406030204" pitchFamily="18" charset="0"/>
+                              </a:rPr>
+                              <m:t>3</m:t>
+                            </m:r>
+                          </m:sub>
+                        </m:sSub>
+                        <m:sSub>
+                          <m:sSubPr>
+                            <m:ctrlPr>
+                              <a:rPr lang="en-US" b="0" i="1" smtClean="0">
+                                <a:latin typeface="Cambria Math" panose="02040503050406030204" pitchFamily="18" charset="0"/>
+                              </a:rPr>
+                            </m:ctrlPr>
+                          </m:sSubPr>
+                          <m:e>
+                            <m:r>
+                              <a:rPr lang="en-US" b="0" i="1" smtClean="0">
+                                <a:latin typeface="Cambria Math" panose="02040503050406030204" pitchFamily="18" charset="0"/>
+                              </a:rPr>
+                              <m:t>𝑆</m:t>
+                            </m:r>
+                          </m:e>
+                          <m:sub>
+                            <m:r>
+                              <a:rPr lang="en-US" b="0" i="1" smtClean="0">
+                                <a:latin typeface="Cambria Math" panose="02040503050406030204" pitchFamily="18" charset="0"/>
+                              </a:rPr>
+                              <m:t>2</m:t>
+                            </m:r>
+                          </m:sub>
+                        </m:sSub>
+                      </m:oMath>
+                    </m:oMathPara>
+                  </a14:m>
+                  <a:endParaRPr lang="en-US" dirty="0"/>
+                </a:p>
+              </p:txBody>
+            </p:sp>
+          </mc:Choice>
+          <mc:Fallback>
+            <p:sp>
+              <p:nvSpPr>
+                <p:cNvPr id="27" name="TextBox 26">
+                  <a:extLst>
+                    <a:ext uri="{FF2B5EF4-FFF2-40B4-BE49-F238E27FC236}">
+                      <a16:creationId xmlns:a16="http://schemas.microsoft.com/office/drawing/2014/main" id="{9DABF6C1-32B0-4F45-9A12-0674901F3BBD}"/>
+                    </a:ext>
+                  </a:extLst>
+                </p:cNvPr>
+                <p:cNvSpPr txBox="1">
+                  <a:spLocks noRot="1" noChangeAspect="1" noMove="1" noResize="1" noEditPoints="1" noAdjustHandles="1" noChangeArrowheads="1" noChangeShapeType="1" noTextEdit="1"/>
+                </p:cNvSpPr>
+                <p:nvPr/>
+              </p:nvSpPr>
+              <p:spPr>
+                <a:xfrm>
+                  <a:off x="665623" y="2922201"/>
+                  <a:ext cx="2484333" cy="287515"/>
+                </a:xfrm>
+                <a:prstGeom prst="rect">
+                  <a:avLst/>
+                </a:prstGeom>
+                <a:blipFill>
+                  <a:blip r:embed="rId11"/>
+                  <a:stretch>
+                    <a:fillRect l="-1531" t="-12500" b="-12500"/>
+                  </a:stretch>
+                </a:blipFill>
+              </p:spPr>
+              <p:txBody>
+                <a:bodyPr/>
+                <a:lstStyle/>
+                <a:p>
+                  <a:r>
+                    <a:rPr lang="en-US">
+                      <a:noFill/>
+                    </a:rPr>
+                    <a:t> </a:t>
+                  </a:r>
+                </a:p>
+              </p:txBody>
+            </p:sp>
+          </mc:Fallback>
+        </mc:AlternateContent>
+      </p:grpSp>
+      <p:sp>
+        <p:nvSpPr>
+          <p:cNvPr id="31" name="Rectangle 30">
+            <a:extLst>
+              <a:ext uri="{FF2B5EF4-FFF2-40B4-BE49-F238E27FC236}">
+                <a16:creationId xmlns:a16="http://schemas.microsoft.com/office/drawing/2014/main" id="{4D60C3F3-CCF8-0547-90C4-F0BA74B81DDF}"/>
+              </a:ext>
+            </a:extLst>
+          </p:cNvPr>
+          <p:cNvSpPr/>
+          <p:nvPr/>
+        </p:nvSpPr>
+        <p:spPr>
+          <a:xfrm>
+            <a:off x="457200" y="5942031"/>
+            <a:ext cx="891519" cy="539720"/>
+          </a:xfrm>
+          <a:prstGeom prst="rect">
+            <a:avLst/>
+          </a:prstGeom>
+          <a:solidFill>
+            <a:schemeClr val="bg1"/>
+          </a:solidFill>
+          <a:ln>
+            <a:noFill/>
+          </a:ln>
+          <a:effectLst>
+            <a:outerShdw dist="23000" sx="1000" sy="1000" rotWithShape="0">
+              <a:srgbClr val="000000"/>
+            </a:outerShdw>
+          </a:effectLst>
+        </p:spPr>
+        <p:style>
+          <a:lnRef idx="1">
+            <a:schemeClr val="accent1"/>
+          </a:lnRef>
+          <a:fillRef idx="3">
+            <a:schemeClr val="accent1"/>
+          </a:fillRef>
+          <a:effectRef idx="2">
+            <a:schemeClr val="accent1"/>
+          </a:effectRef>
+          <a:fontRef idx="minor">
+            <a:schemeClr val="lt1"/>
+          </a:fontRef>
+        </p:style>
+        <p:txBody>
+          <a:bodyPr rtlCol="0" anchor="ctr"/>
+          <a:lstStyle/>
+          <a:p>
+            <a:pPr algn="ctr"/>
+            <a:endParaRPr lang="en-US" dirty="0"/>
+          </a:p>
+        </p:txBody>
+      </p:sp>
+      <p:grpSp>
+        <p:nvGrpSpPr>
           <p:cNvPr id="30" name="Group 29">
             <a:extLst>
               <a:ext uri="{FF2B5EF4-FFF2-40B4-BE49-F238E27FC236}">
@@ -8699,7 +9719,7 @@
         </p:nvGrpSpPr>
         <p:grpSpPr>
           <a:xfrm>
-            <a:off x="262725" y="4664358"/>
+            <a:off x="262725" y="5201688"/>
             <a:ext cx="6642011" cy="1150779"/>
             <a:chOff x="262725" y="4664358"/>
             <a:chExt cx="6642011" cy="1150779"/>
@@ -9131,9 +10151,9 @@
                   <a:avLst/>
                 </a:prstGeom>
                 <a:blipFill>
-                  <a:blip r:embed="rId9"/>
+                  <a:blip r:embed="rId12"/>
                   <a:stretch>
-                    <a:fillRect t="-5714"/>
+                    <a:fillRect t="-2857"/>
                   </a:stretch>
                 </a:blipFill>
               </p:spPr>
@@ -9168,7 +10188,7 @@
               </p:nvSpPr>
               <p:spPr>
                 <a:xfrm>
-                  <a:off x="712864" y="5026958"/>
+                  <a:off x="712864" y="5055238"/>
                   <a:ext cx="2056140" cy="400110"/>
                 </a:xfrm>
                 <a:prstGeom prst="rect">
@@ -9323,16 +10343,16 @@
               </p:nvSpPr>
               <p:spPr>
                 <a:xfrm>
-                  <a:off x="712864" y="5026958"/>
+                  <a:off x="712864" y="5055238"/>
                   <a:ext cx="2056140" cy="400110"/>
                 </a:xfrm>
                 <a:prstGeom prst="rect">
                   <a:avLst/>
                 </a:prstGeom>
                 <a:blipFill>
-                  <a:blip r:embed="rId10"/>
+                  <a:blip r:embed="rId13"/>
                   <a:stretch>
-                    <a:fillRect t="-6250" b="-12500"/>
+                    <a:fillRect t="-6250" b="-15625"/>
                   </a:stretch>
                 </a:blipFill>
               </p:spPr>
@@ -9511,787 +10531,9 @@
                   <a:avLst/>
                 </a:prstGeom>
                 <a:blipFill>
-                  <a:blip r:embed="rId11"/>
-                  <a:stretch>
-                    <a:fillRect t="-6250"/>
-                  </a:stretch>
-                </a:blipFill>
-              </p:spPr>
-              <p:txBody>
-                <a:bodyPr/>
-                <a:lstStyle/>
-                <a:p>
-                  <a:r>
-                    <a:rPr lang="en-US">
-                      <a:noFill/>
-                    </a:rPr>
-                    <a:t> </a:t>
-                  </a:r>
-                </a:p>
-              </p:txBody>
-            </p:sp>
-          </mc:Fallback>
-        </mc:AlternateContent>
-      </p:grpSp>
-      <p:grpSp>
-        <p:nvGrpSpPr>
-          <p:cNvPr id="28" name="Group 27">
-            <a:extLst>
-              <a:ext uri="{FF2B5EF4-FFF2-40B4-BE49-F238E27FC236}">
-                <a16:creationId xmlns:a16="http://schemas.microsoft.com/office/drawing/2014/main" id="{3CE33EB4-D9C5-6541-B27B-E9FECB8E2458}"/>
-              </a:ext>
-            </a:extLst>
-          </p:cNvPr>
-          <p:cNvGrpSpPr/>
-          <p:nvPr/>
-        </p:nvGrpSpPr>
-        <p:grpSpPr>
-          <a:xfrm>
-            <a:off x="4323890" y="2014616"/>
-            <a:ext cx="1323439" cy="668458"/>
-            <a:chOff x="4323890" y="2014616"/>
-            <a:chExt cx="1323439" cy="668458"/>
-          </a:xfrm>
-        </p:grpSpPr>
-        <p:sp>
-          <p:nvSpPr>
-            <p:cNvPr id="23" name="TextBox 22">
-              <a:extLst>
-                <a:ext uri="{FF2B5EF4-FFF2-40B4-BE49-F238E27FC236}">
-                  <a16:creationId xmlns:a16="http://schemas.microsoft.com/office/drawing/2014/main" id="{1100F8AB-6ACD-5E48-A8CB-FEBB250EF6C8}"/>
-                </a:ext>
-              </a:extLst>
-            </p:cNvPr>
-            <p:cNvSpPr txBox="1"/>
-            <p:nvPr/>
-          </p:nvSpPr>
-          <p:spPr>
-            <a:xfrm rot="16200000">
-              <a:off x="4721755" y="1616751"/>
-              <a:ext cx="527709" cy="1323439"/>
-            </a:xfrm>
-            <a:prstGeom prst="rect">
-              <a:avLst/>
-            </a:prstGeom>
-            <a:noFill/>
-          </p:spPr>
-          <p:txBody>
-            <a:bodyPr wrap="none" rtlCol="0">
-              <a:spAutoFit/>
-            </a:bodyPr>
-            <a:lstStyle/>
-            <a:p>
-              <a:r>
-                <a:rPr lang="en-US" sz="8000" dirty="0"/>
-                <a:t>{</a:t>
-              </a:r>
-            </a:p>
-          </p:txBody>
-        </p:sp>
-        <mc:AlternateContent xmlns:mc="http://schemas.openxmlformats.org/markup-compatibility/2006">
-          <mc:Choice xmlns:a14="http://schemas.microsoft.com/office/drawing/2010/main" Requires="a14">
-            <p:sp>
-              <p:nvSpPr>
-                <p:cNvPr id="24" name="Rectangle 23">
-                  <a:extLst>
-                    <a:ext uri="{FF2B5EF4-FFF2-40B4-BE49-F238E27FC236}">
-                      <a16:creationId xmlns:a16="http://schemas.microsoft.com/office/drawing/2014/main" id="{D0B783CB-ABE3-9645-B6D4-A5E88E31656E}"/>
-                    </a:ext>
-                  </a:extLst>
-                </p:cNvPr>
-                <p:cNvSpPr/>
-                <p:nvPr/>
-              </p:nvSpPr>
-              <p:spPr>
-                <a:xfrm>
-                  <a:off x="4763790" y="2313742"/>
-                  <a:ext cx="514820" cy="369332"/>
-                </a:xfrm>
-                <a:prstGeom prst="rect">
-                  <a:avLst/>
-                </a:prstGeom>
-              </p:spPr>
-              <p:txBody>
-                <a:bodyPr wrap="none">
-                  <a:spAutoFit/>
-                </a:bodyPr>
-                <a:lstStyle/>
-                <a:p>
-                  <a14:m>
-                    <m:oMathPara xmlns:m="http://schemas.openxmlformats.org/officeDocument/2006/math">
-                      <m:oMathParaPr>
-                        <m:jc m:val="centerGroup"/>
-                      </m:oMathParaPr>
-                      <m:oMath xmlns:m="http://schemas.openxmlformats.org/officeDocument/2006/math">
-                        <m:sSub>
-                          <m:sSubPr>
-                            <m:ctrlPr>
-                              <a:rPr lang="en-US" b="1" i="1">
-                                <a:latin typeface="Cambria Math" panose="02040503050406030204" pitchFamily="18" charset="0"/>
-                              </a:rPr>
-                            </m:ctrlPr>
-                          </m:sSubPr>
-                          <m:e>
-                            <m:r>
-                              <a:rPr lang="en-US" b="1" i="1">
-                                <a:latin typeface="Cambria Math" panose="02040503050406030204" pitchFamily="18" charset="0"/>
-                              </a:rPr>
-                              <m:t>𝒌</m:t>
-                            </m:r>
-                          </m:e>
-                          <m:sub>
-                            <m:r>
-                              <a:rPr lang="en-US" b="1" i="1">
-                                <a:latin typeface="Cambria Math" panose="02040503050406030204" pitchFamily="18" charset="0"/>
-                              </a:rPr>
-                              <m:t>𝑷</m:t>
-                            </m:r>
-                          </m:sub>
-                        </m:sSub>
-                      </m:oMath>
-                    </m:oMathPara>
-                  </a14:m>
-                  <a:endParaRPr lang="en-US" dirty="0"/>
-                </a:p>
-              </p:txBody>
-            </p:sp>
-          </mc:Choice>
-          <mc:Fallback>
-            <p:sp>
-              <p:nvSpPr>
-                <p:cNvPr id="24" name="Rectangle 23">
-                  <a:extLst>
-                    <a:ext uri="{FF2B5EF4-FFF2-40B4-BE49-F238E27FC236}">
-                      <a16:creationId xmlns:a16="http://schemas.microsoft.com/office/drawing/2014/main" id="{D0B783CB-ABE3-9645-B6D4-A5E88E31656E}"/>
-                    </a:ext>
-                  </a:extLst>
-                </p:cNvPr>
-                <p:cNvSpPr>
-                  <a:spLocks noRot="1" noChangeAspect="1" noMove="1" noResize="1" noEditPoints="1" noAdjustHandles="1" noChangeArrowheads="1" noChangeShapeType="1" noTextEdit="1"/>
-                </p:cNvSpPr>
-                <p:nvPr/>
-              </p:nvSpPr>
-              <p:spPr>
-                <a:xfrm>
-                  <a:off x="4763790" y="2313742"/>
-                  <a:ext cx="514820" cy="369332"/>
-                </a:xfrm>
-                <a:prstGeom prst="rect">
-                  <a:avLst/>
-                </a:prstGeom>
-                <a:blipFill>
-                  <a:blip r:embed="rId12"/>
-                  <a:stretch>
-                    <a:fillRect/>
-                  </a:stretch>
-                </a:blipFill>
-              </p:spPr>
-              <p:txBody>
-                <a:bodyPr/>
-                <a:lstStyle/>
-                <a:p>
-                  <a:r>
-                    <a:rPr lang="en-US">
-                      <a:noFill/>
-                    </a:rPr>
-                    <a:t> </a:t>
-                  </a:r>
-                </a:p>
-              </p:txBody>
-            </p:sp>
-          </mc:Fallback>
-        </mc:AlternateContent>
-      </p:grpSp>
-      <p:grpSp>
-        <p:nvGrpSpPr>
-          <p:cNvPr id="25" name="Group 24">
-            <a:extLst>
-              <a:ext uri="{FF2B5EF4-FFF2-40B4-BE49-F238E27FC236}">
-                <a16:creationId xmlns:a16="http://schemas.microsoft.com/office/drawing/2014/main" id="{BC26ABEF-3C30-1247-80D8-23A673B9E326}"/>
-              </a:ext>
-            </a:extLst>
-          </p:cNvPr>
-          <p:cNvGrpSpPr/>
-          <p:nvPr/>
-        </p:nvGrpSpPr>
-        <p:grpSpPr>
-          <a:xfrm>
-            <a:off x="6161450" y="360372"/>
-            <a:ext cx="2657844" cy="643236"/>
-            <a:chOff x="665623" y="2566480"/>
-            <a:chExt cx="2657844" cy="643236"/>
-          </a:xfrm>
-        </p:grpSpPr>
-        <mc:AlternateContent xmlns:mc="http://schemas.openxmlformats.org/markup-compatibility/2006">
-          <mc:Choice xmlns:a14="http://schemas.microsoft.com/office/drawing/2010/main" Requires="a14">
-            <p:sp>
-              <p:nvSpPr>
-                <p:cNvPr id="26" name="TextBox 25">
-                  <a:extLst>
-                    <a:ext uri="{FF2B5EF4-FFF2-40B4-BE49-F238E27FC236}">
-                      <a16:creationId xmlns:a16="http://schemas.microsoft.com/office/drawing/2014/main" id="{1EB57FC6-0662-DF48-BB68-832B683CC689}"/>
-                    </a:ext>
-                  </a:extLst>
-                </p:cNvPr>
-                <p:cNvSpPr txBox="1"/>
-                <p:nvPr/>
-              </p:nvSpPr>
-              <p:spPr>
-                <a:xfrm>
-                  <a:off x="671331" y="2566480"/>
-                  <a:ext cx="2652136" cy="287515"/>
-                </a:xfrm>
-                <a:prstGeom prst="rect">
-                  <a:avLst/>
-                </a:prstGeom>
-                <a:noFill/>
-              </p:spPr>
-              <p:txBody>
-                <a:bodyPr wrap="none" lIns="0" tIns="0" rIns="0" bIns="0" rtlCol="0">
-                  <a:spAutoFit/>
-                </a:bodyPr>
-                <a:lstStyle/>
-                <a:p>
-                  <a14:m>
-                    <m:oMathPara xmlns:m="http://schemas.openxmlformats.org/officeDocument/2006/math">
-                      <m:oMathParaPr>
-                        <m:jc m:val="centerGroup"/>
-                      </m:oMathParaPr>
-                      <m:oMath xmlns:m="http://schemas.openxmlformats.org/officeDocument/2006/math">
-                        <m:sSub>
-                          <m:sSubPr>
-                            <m:ctrlPr>
-                              <a:rPr lang="en-US" b="0" i="1" smtClean="0">
-                                <a:latin typeface="Cambria Math" panose="02040503050406030204" pitchFamily="18" charset="0"/>
-                              </a:rPr>
-                            </m:ctrlPr>
-                          </m:sSubPr>
-                          <m:e>
-                            <m:acc>
-                              <m:accPr>
-                                <m:chr m:val="̇"/>
-                                <m:ctrlPr>
-                                  <a:rPr lang="en-US" b="0" i="1" smtClean="0">
-                                    <a:latin typeface="Cambria Math" panose="02040503050406030204" pitchFamily="18" charset="0"/>
-                                  </a:rPr>
-                                </m:ctrlPr>
-                              </m:accPr>
-                              <m:e>
-                                <m:r>
-                                  <a:rPr lang="en-US" b="0" i="1" smtClean="0">
-                                    <a:latin typeface="Cambria Math" panose="02040503050406030204" pitchFamily="18" charset="0"/>
-                                  </a:rPr>
-                                  <m:t>𝑆</m:t>
-                                </m:r>
-                              </m:e>
-                            </m:acc>
-                          </m:e>
-                          <m:sub>
-                            <m:r>
-                              <a:rPr lang="en-US" b="0" i="1" smtClean="0">
-                                <a:latin typeface="Cambria Math" panose="02040503050406030204" pitchFamily="18" charset="0"/>
-                              </a:rPr>
-                              <m:t>1</m:t>
-                            </m:r>
-                          </m:sub>
-                        </m:sSub>
-                        <m:r>
-                          <a:rPr lang="en-US" b="0" i="1" smtClean="0">
-                            <a:latin typeface="Cambria Math" panose="02040503050406030204" pitchFamily="18" charset="0"/>
-                          </a:rPr>
-                          <m:t>=−</m:t>
-                        </m:r>
-                        <m:sSub>
-                          <m:sSubPr>
-                            <m:ctrlPr>
-                              <a:rPr lang="en-US" b="0" i="1" smtClean="0">
-                                <a:latin typeface="Cambria Math" panose="02040503050406030204" pitchFamily="18" charset="0"/>
-                              </a:rPr>
-                            </m:ctrlPr>
-                          </m:sSubPr>
-                          <m:e>
-                            <m:r>
-                              <a:rPr lang="en-US" b="0" i="1" smtClean="0">
-                                <a:latin typeface="Cambria Math" panose="02040503050406030204" pitchFamily="18" charset="0"/>
-                              </a:rPr>
-                              <m:t>𝑘</m:t>
-                            </m:r>
-                          </m:e>
-                          <m:sub>
-                            <m:r>
-                              <a:rPr lang="en-US" b="0" i="1" smtClean="0">
-                                <a:latin typeface="Cambria Math" panose="02040503050406030204" pitchFamily="18" charset="0"/>
-                              </a:rPr>
-                              <m:t>1</m:t>
-                            </m:r>
-                          </m:sub>
-                        </m:sSub>
-                        <m:sSub>
-                          <m:sSubPr>
-                            <m:ctrlPr>
-                              <a:rPr lang="en-US" b="0" i="1" smtClean="0">
-                                <a:latin typeface="Cambria Math" panose="02040503050406030204" pitchFamily="18" charset="0"/>
-                              </a:rPr>
-                            </m:ctrlPr>
-                          </m:sSubPr>
-                          <m:e>
-                            <m:r>
-                              <a:rPr lang="en-US" b="0" i="1" smtClean="0">
-                                <a:latin typeface="Cambria Math" panose="02040503050406030204" pitchFamily="18" charset="0"/>
-                              </a:rPr>
-                              <m:t>𝑆</m:t>
-                            </m:r>
-                          </m:e>
-                          <m:sub>
-                            <m:r>
-                              <a:rPr lang="en-US" b="0" i="1" smtClean="0">
-                                <a:latin typeface="Cambria Math" panose="02040503050406030204" pitchFamily="18" charset="0"/>
-                              </a:rPr>
-                              <m:t>1</m:t>
-                            </m:r>
-                          </m:sub>
-                        </m:sSub>
-                        <m:r>
-                          <a:rPr lang="en-US" b="0" i="1" smtClean="0">
-                            <a:latin typeface="Cambria Math" panose="02040503050406030204" pitchFamily="18" charset="0"/>
-                          </a:rPr>
-                          <m:t>+</m:t>
-                        </m:r>
-                        <m:sSub>
-                          <m:sSubPr>
-                            <m:ctrlPr>
-                              <a:rPr lang="en-US" b="0" i="1" smtClean="0">
-                                <a:latin typeface="Cambria Math" panose="02040503050406030204" pitchFamily="18" charset="0"/>
-                              </a:rPr>
-                            </m:ctrlPr>
-                          </m:sSubPr>
-                          <m:e>
-                            <m:r>
-                              <a:rPr lang="en-US" b="0" i="1" smtClean="0">
-                                <a:latin typeface="Cambria Math" panose="02040503050406030204" pitchFamily="18" charset="0"/>
-                              </a:rPr>
-                              <m:t>𝑘</m:t>
-                            </m:r>
-                          </m:e>
-                          <m:sub>
-                            <m:r>
-                              <a:rPr lang="en-US" b="0" i="1" smtClean="0">
-                                <a:latin typeface="Cambria Math" panose="02040503050406030204" pitchFamily="18" charset="0"/>
-                              </a:rPr>
-                              <m:t>0</m:t>
-                            </m:r>
-                          </m:sub>
-                        </m:sSub>
-                        <m:sSub>
-                          <m:sSubPr>
-                            <m:ctrlPr>
-                              <a:rPr lang="en-US" b="0" i="1" smtClean="0">
-                                <a:latin typeface="Cambria Math" panose="02040503050406030204" pitchFamily="18" charset="0"/>
-                              </a:rPr>
-                            </m:ctrlPr>
-                          </m:sSubPr>
-                          <m:e>
-                            <m:r>
-                              <a:rPr lang="en-US" b="0" i="1" smtClean="0">
-                                <a:latin typeface="Cambria Math" panose="02040503050406030204" pitchFamily="18" charset="0"/>
-                              </a:rPr>
-                              <m:t>𝑆</m:t>
-                            </m:r>
-                          </m:e>
-                          <m:sub>
-                            <m:r>
-                              <a:rPr lang="en-US" b="0" i="1" smtClean="0">
-                                <a:latin typeface="Cambria Math" panose="02040503050406030204" pitchFamily="18" charset="0"/>
-                              </a:rPr>
-                              <m:t>0</m:t>
-                            </m:r>
-                          </m:sub>
-                        </m:sSub>
-                        <m:r>
-                          <a:rPr lang="en-US" b="0" i="1" smtClean="0">
-                            <a:latin typeface="Cambria Math" panose="02040503050406030204" pitchFamily="18" charset="0"/>
-                          </a:rPr>
-                          <m:t>+</m:t>
-                        </m:r>
-                        <m:sSub>
-                          <m:sSubPr>
-                            <m:ctrlPr>
-                              <a:rPr lang="en-US" b="0" i="1" smtClean="0">
-                                <a:latin typeface="Cambria Math" panose="02040503050406030204" pitchFamily="18" charset="0"/>
-                              </a:rPr>
-                            </m:ctrlPr>
-                          </m:sSubPr>
-                          <m:e>
-                            <m:r>
-                              <a:rPr lang="en-US" b="0" i="1" smtClean="0">
-                                <a:latin typeface="Cambria Math" panose="02040503050406030204" pitchFamily="18" charset="0"/>
-                              </a:rPr>
-                              <m:t>𝑘</m:t>
-                            </m:r>
-                          </m:e>
-                          <m:sub>
-                            <m:r>
-                              <a:rPr lang="en-US" b="0" i="1" smtClean="0">
-                                <a:latin typeface="Cambria Math" panose="02040503050406030204" pitchFamily="18" charset="0"/>
-                              </a:rPr>
-                              <m:t>2</m:t>
-                            </m:r>
-                          </m:sub>
-                        </m:sSub>
-                        <m:sSub>
-                          <m:sSubPr>
-                            <m:ctrlPr>
-                              <a:rPr lang="en-US" b="0" i="1" smtClean="0">
-                                <a:latin typeface="Cambria Math" panose="02040503050406030204" pitchFamily="18" charset="0"/>
-                              </a:rPr>
-                            </m:ctrlPr>
-                          </m:sSubPr>
-                          <m:e>
-                            <m:r>
-                              <a:rPr lang="en-US" b="0" i="1" smtClean="0">
-                                <a:latin typeface="Cambria Math" panose="02040503050406030204" pitchFamily="18" charset="0"/>
-                              </a:rPr>
-                              <m:t>𝑆</m:t>
-                            </m:r>
-                          </m:e>
-                          <m:sub>
-                            <m:r>
-                              <a:rPr lang="en-US" b="0" i="1" smtClean="0">
-                                <a:latin typeface="Cambria Math" panose="02040503050406030204" pitchFamily="18" charset="0"/>
-                              </a:rPr>
-                              <m:t>2</m:t>
-                            </m:r>
-                          </m:sub>
-                        </m:sSub>
-                      </m:oMath>
-                    </m:oMathPara>
-                  </a14:m>
-                  <a:endParaRPr lang="en-US" dirty="0"/>
-                </a:p>
-              </p:txBody>
-            </p:sp>
-          </mc:Choice>
-          <mc:Fallback>
-            <p:sp>
-              <p:nvSpPr>
-                <p:cNvPr id="26" name="TextBox 25">
-                  <a:extLst>
-                    <a:ext uri="{FF2B5EF4-FFF2-40B4-BE49-F238E27FC236}">
-                      <a16:creationId xmlns:a16="http://schemas.microsoft.com/office/drawing/2014/main" id="{1EB57FC6-0662-DF48-BB68-832B683CC689}"/>
-                    </a:ext>
-                  </a:extLst>
-                </p:cNvPr>
-                <p:cNvSpPr txBox="1">
-                  <a:spLocks noRot="1" noChangeAspect="1" noMove="1" noResize="1" noEditPoints="1" noAdjustHandles="1" noChangeArrowheads="1" noChangeShapeType="1" noTextEdit="1"/>
-                </p:cNvSpPr>
-                <p:nvPr/>
-              </p:nvSpPr>
-              <p:spPr>
-                <a:xfrm>
-                  <a:off x="671331" y="2566480"/>
-                  <a:ext cx="2652136" cy="287515"/>
-                </a:xfrm>
-                <a:prstGeom prst="rect">
-                  <a:avLst/>
-                </a:prstGeom>
-                <a:blipFill>
-                  <a:blip r:embed="rId13"/>
-                  <a:stretch>
-                    <a:fillRect l="-1429" t="-13043" b="-17391"/>
-                  </a:stretch>
-                </a:blipFill>
-              </p:spPr>
-              <p:txBody>
-                <a:bodyPr/>
-                <a:lstStyle/>
-                <a:p>
-                  <a:r>
-                    <a:rPr lang="en-US">
-                      <a:noFill/>
-                    </a:rPr>
-                    <a:t> </a:t>
-                  </a:r>
-                </a:p>
-              </p:txBody>
-            </p:sp>
-          </mc:Fallback>
-        </mc:AlternateContent>
-        <mc:AlternateContent xmlns:mc="http://schemas.openxmlformats.org/markup-compatibility/2006">
-          <mc:Choice xmlns:a14="http://schemas.microsoft.com/office/drawing/2010/main" Requires="a14">
-            <p:sp>
-              <p:nvSpPr>
-                <p:cNvPr id="27" name="TextBox 26">
-                  <a:extLst>
-                    <a:ext uri="{FF2B5EF4-FFF2-40B4-BE49-F238E27FC236}">
-                      <a16:creationId xmlns:a16="http://schemas.microsoft.com/office/drawing/2014/main" id="{9DABF6C1-32B0-4F45-9A12-0674901F3BBD}"/>
-                    </a:ext>
-                  </a:extLst>
-                </p:cNvPr>
-                <p:cNvSpPr txBox="1"/>
-                <p:nvPr/>
-              </p:nvSpPr>
-              <p:spPr>
-                <a:xfrm>
-                  <a:off x="665623" y="2922201"/>
-                  <a:ext cx="2484333" cy="287515"/>
-                </a:xfrm>
-                <a:prstGeom prst="rect">
-                  <a:avLst/>
-                </a:prstGeom>
-                <a:noFill/>
-              </p:spPr>
-              <p:txBody>
-                <a:bodyPr wrap="none" lIns="0" tIns="0" rIns="0" bIns="0" rtlCol="0">
-                  <a:spAutoFit/>
-                </a:bodyPr>
-                <a:lstStyle/>
-                <a:p>
-                  <a14:m>
-                    <m:oMathPara xmlns:m="http://schemas.openxmlformats.org/officeDocument/2006/math">
-                      <m:oMathParaPr>
-                        <m:jc m:val="centerGroup"/>
-                      </m:oMathParaPr>
-                      <m:oMath xmlns:m="http://schemas.openxmlformats.org/officeDocument/2006/math">
-                        <m:sSub>
-                          <m:sSubPr>
-                            <m:ctrlPr>
-                              <a:rPr lang="en-US" i="1" smtClean="0">
-                                <a:latin typeface="Cambria Math" panose="02040503050406030204" pitchFamily="18" charset="0"/>
-                              </a:rPr>
-                            </m:ctrlPr>
-                          </m:sSubPr>
-                          <m:e>
-                            <m:acc>
-                              <m:accPr>
-                                <m:chr m:val="̇"/>
-                                <m:ctrlPr>
-                                  <a:rPr lang="en-US" i="1">
-                                    <a:latin typeface="Cambria Math" panose="02040503050406030204" pitchFamily="18" charset="0"/>
-                                  </a:rPr>
-                                </m:ctrlPr>
-                              </m:accPr>
-                              <m:e>
-                                <m:r>
-                                  <a:rPr lang="en-US" i="1">
-                                    <a:latin typeface="Cambria Math" panose="02040503050406030204" pitchFamily="18" charset="0"/>
-                                  </a:rPr>
-                                  <m:t>𝑆</m:t>
-                                </m:r>
-                              </m:e>
-                            </m:acc>
-                          </m:e>
-                          <m:sub>
-                            <m:r>
-                              <a:rPr lang="en-US" b="0" i="1" smtClean="0">
-                                <a:latin typeface="Cambria Math" panose="02040503050406030204" pitchFamily="18" charset="0"/>
-                              </a:rPr>
-                              <m:t>2</m:t>
-                            </m:r>
-                          </m:sub>
-                        </m:sSub>
-                        <m:r>
-                          <a:rPr lang="en-US" b="0" i="1" smtClean="0">
-                            <a:latin typeface="Cambria Math" panose="02040503050406030204" pitchFamily="18" charset="0"/>
-                          </a:rPr>
-                          <m:t>=</m:t>
-                        </m:r>
-                        <m:sSub>
-                          <m:sSubPr>
-                            <m:ctrlPr>
-                              <a:rPr lang="en-US" b="0" i="1" smtClean="0">
-                                <a:latin typeface="Cambria Math" panose="02040503050406030204" pitchFamily="18" charset="0"/>
-                              </a:rPr>
-                            </m:ctrlPr>
-                          </m:sSubPr>
-                          <m:e>
-                            <m:r>
-                              <a:rPr lang="en-US" b="0" i="1" smtClean="0">
-                                <a:latin typeface="Cambria Math" panose="02040503050406030204" pitchFamily="18" charset="0"/>
-                              </a:rPr>
-                              <m:t>𝑘</m:t>
-                            </m:r>
-                          </m:e>
-                          <m:sub>
-                            <m:r>
-                              <a:rPr lang="en-US" b="0" i="1" smtClean="0">
-                                <a:latin typeface="Cambria Math" panose="02040503050406030204" pitchFamily="18" charset="0"/>
-                              </a:rPr>
-                              <m:t>1</m:t>
-                            </m:r>
-                          </m:sub>
-                        </m:sSub>
-                        <m:sSub>
-                          <m:sSubPr>
-                            <m:ctrlPr>
-                              <a:rPr lang="en-US" b="0" i="1" smtClean="0">
-                                <a:latin typeface="Cambria Math" panose="02040503050406030204" pitchFamily="18" charset="0"/>
-                              </a:rPr>
-                            </m:ctrlPr>
-                          </m:sSubPr>
-                          <m:e>
-                            <m:r>
-                              <a:rPr lang="en-US" b="0" i="1" smtClean="0">
-                                <a:latin typeface="Cambria Math" panose="02040503050406030204" pitchFamily="18" charset="0"/>
-                              </a:rPr>
-                              <m:t>𝑆</m:t>
-                            </m:r>
-                          </m:e>
-                          <m:sub>
-                            <m:r>
-                              <a:rPr lang="en-US" b="0" i="1" smtClean="0">
-                                <a:latin typeface="Cambria Math" panose="02040503050406030204" pitchFamily="18" charset="0"/>
-                              </a:rPr>
-                              <m:t>1</m:t>
-                            </m:r>
-                          </m:sub>
-                        </m:sSub>
-                        <m:r>
-                          <a:rPr lang="en-US" b="0" i="1" smtClean="0">
-                            <a:latin typeface="Cambria Math" panose="02040503050406030204" pitchFamily="18" charset="0"/>
-                          </a:rPr>
-                          <m:t>−</m:t>
-                        </m:r>
-                        <m:sSub>
-                          <m:sSubPr>
-                            <m:ctrlPr>
-                              <a:rPr lang="en-US" b="0" i="1" smtClean="0">
-                                <a:latin typeface="Cambria Math" panose="02040503050406030204" pitchFamily="18" charset="0"/>
-                              </a:rPr>
-                            </m:ctrlPr>
-                          </m:sSubPr>
-                          <m:e>
-                            <m:r>
-                              <a:rPr lang="en-US" b="0" i="1" smtClean="0">
-                                <a:latin typeface="Cambria Math" panose="02040503050406030204" pitchFamily="18" charset="0"/>
-                              </a:rPr>
-                              <m:t>𝑘</m:t>
-                            </m:r>
-                          </m:e>
-                          <m:sub>
-                            <m:r>
-                              <a:rPr lang="en-US" b="0" i="1" smtClean="0">
-                                <a:latin typeface="Cambria Math" panose="02040503050406030204" pitchFamily="18" charset="0"/>
-                              </a:rPr>
-                              <m:t>2</m:t>
-                            </m:r>
-                          </m:sub>
-                        </m:sSub>
-                        <m:sSub>
-                          <m:sSubPr>
-                            <m:ctrlPr>
-                              <a:rPr lang="en-US" b="0" i="1" smtClean="0">
-                                <a:latin typeface="Cambria Math" panose="02040503050406030204" pitchFamily="18" charset="0"/>
-                              </a:rPr>
-                            </m:ctrlPr>
-                          </m:sSubPr>
-                          <m:e>
-                            <m:r>
-                              <a:rPr lang="en-US" b="0" i="1" smtClean="0">
-                                <a:latin typeface="Cambria Math" panose="02040503050406030204" pitchFamily="18" charset="0"/>
-                              </a:rPr>
-                              <m:t>𝑆</m:t>
-                            </m:r>
-                          </m:e>
-                          <m:sub>
-                            <m:r>
-                              <a:rPr lang="en-US" b="0" i="1" smtClean="0">
-                                <a:latin typeface="Cambria Math" panose="02040503050406030204" pitchFamily="18" charset="0"/>
-                              </a:rPr>
-                              <m:t>2</m:t>
-                            </m:r>
-                          </m:sub>
-                        </m:sSub>
-                        <m:r>
-                          <a:rPr lang="en-US" b="0" i="1" smtClean="0">
-                            <a:latin typeface="Cambria Math" panose="02040503050406030204" pitchFamily="18" charset="0"/>
-                          </a:rPr>
-                          <m:t>−</m:t>
-                        </m:r>
-                        <m:sSub>
-                          <m:sSubPr>
-                            <m:ctrlPr>
-                              <a:rPr lang="en-US" b="0" i="1" smtClean="0">
-                                <a:latin typeface="Cambria Math" panose="02040503050406030204" pitchFamily="18" charset="0"/>
-                              </a:rPr>
-                            </m:ctrlPr>
-                          </m:sSubPr>
-                          <m:e>
-                            <m:r>
-                              <a:rPr lang="en-US" b="0" i="1" smtClean="0">
-                                <a:latin typeface="Cambria Math" panose="02040503050406030204" pitchFamily="18" charset="0"/>
-                              </a:rPr>
-                              <m:t>𝑘</m:t>
-                            </m:r>
-                          </m:e>
-                          <m:sub>
-                            <m:r>
-                              <a:rPr lang="en-US" b="0" i="1" smtClean="0">
-                                <a:latin typeface="Cambria Math" panose="02040503050406030204" pitchFamily="18" charset="0"/>
-                              </a:rPr>
-                              <m:t>3</m:t>
-                            </m:r>
-                          </m:sub>
-                        </m:sSub>
-                        <m:sSub>
-                          <m:sSubPr>
-                            <m:ctrlPr>
-                              <a:rPr lang="en-US" b="0" i="1" smtClean="0">
-                                <a:latin typeface="Cambria Math" panose="02040503050406030204" pitchFamily="18" charset="0"/>
-                              </a:rPr>
-                            </m:ctrlPr>
-                          </m:sSubPr>
-                          <m:e>
-                            <m:r>
-                              <a:rPr lang="en-US" b="0" i="1" smtClean="0">
-                                <a:latin typeface="Cambria Math" panose="02040503050406030204" pitchFamily="18" charset="0"/>
-                              </a:rPr>
-                              <m:t>𝑆</m:t>
-                            </m:r>
-                          </m:e>
-                          <m:sub>
-                            <m:r>
-                              <a:rPr lang="en-US" b="0" i="1" smtClean="0">
-                                <a:latin typeface="Cambria Math" panose="02040503050406030204" pitchFamily="18" charset="0"/>
-                              </a:rPr>
-                              <m:t>2</m:t>
-                            </m:r>
-                          </m:sub>
-                        </m:sSub>
-                      </m:oMath>
-                    </m:oMathPara>
-                  </a14:m>
-                  <a:endParaRPr lang="en-US" dirty="0"/>
-                </a:p>
-              </p:txBody>
-            </p:sp>
-          </mc:Choice>
-          <mc:Fallback>
-            <p:sp>
-              <p:nvSpPr>
-                <p:cNvPr id="27" name="TextBox 26">
-                  <a:extLst>
-                    <a:ext uri="{FF2B5EF4-FFF2-40B4-BE49-F238E27FC236}">
-                      <a16:creationId xmlns:a16="http://schemas.microsoft.com/office/drawing/2014/main" id="{9DABF6C1-32B0-4F45-9A12-0674901F3BBD}"/>
-                    </a:ext>
-                  </a:extLst>
-                </p:cNvPr>
-                <p:cNvSpPr txBox="1">
-                  <a:spLocks noRot="1" noChangeAspect="1" noMove="1" noResize="1" noEditPoints="1" noAdjustHandles="1" noChangeArrowheads="1" noChangeShapeType="1" noTextEdit="1"/>
-                </p:cNvSpPr>
-                <p:nvPr/>
-              </p:nvSpPr>
-              <p:spPr>
-                <a:xfrm>
-                  <a:off x="665623" y="2922201"/>
-                  <a:ext cx="2484333" cy="287515"/>
-                </a:xfrm>
-                <a:prstGeom prst="rect">
-                  <a:avLst/>
-                </a:prstGeom>
-                <a:blipFill>
                   <a:blip r:embed="rId14"/>
                   <a:stretch>
-                    <a:fillRect l="-1531" t="-12500" b="-12500"/>
+                    <a:fillRect t="-3030"/>
                   </a:stretch>
                 </a:blipFill>
               </p:spPr>
@@ -10809,7 +11051,7 @@
                 <a:ext cx="8229600" cy="838200"/>
               </a:xfrm>
               <a:blipFill>
-                <a:blip r:embed="rId2"/>
+                <a:blip r:embed="rId3"/>
                 <a:stretch>
                   <a:fillRect t="-12121" b="-4545"/>
                 </a:stretch>
@@ -11360,7 +11602,7 @@
                 <a:avLst/>
               </a:prstGeom>
               <a:blipFill>
-                <a:blip r:embed="rId3"/>
+                <a:blip r:embed="rId4"/>
                 <a:stretch>
                   <a:fillRect b="-1852"/>
                 </a:stretch>
@@ -11396,9 +11638,9 @@
         <p:grpSpPr>
           <a:xfrm>
             <a:off x="457200" y="2908996"/>
-            <a:ext cx="7526921" cy="748140"/>
+            <a:ext cx="7880731" cy="748140"/>
             <a:chOff x="457200" y="2333949"/>
-            <a:chExt cx="7526921" cy="748140"/>
+            <a:chExt cx="7880731" cy="748140"/>
           </a:xfrm>
         </p:grpSpPr>
         <mc:AlternateContent xmlns:mc="http://schemas.openxmlformats.org/markup-compatibility/2006">
@@ -11418,7 +11660,7 @@
               <p:spPr>
                 <a:xfrm>
                   <a:off x="457200" y="2658319"/>
-                  <a:ext cx="2121285" cy="423770"/>
+                  <a:ext cx="3181705" cy="423770"/>
                 </a:xfrm>
                 <a:prstGeom prst="rect">
                   <a:avLst/>
@@ -11470,14 +11712,14 @@
                         <m:sSub>
                           <m:sSubPr>
                             <m:ctrlPr>
-                              <a:rPr lang="en-US" sz="2000" b="0" i="1" smtClean="0">
+                              <a:rPr lang="en-US" sz="2000" i="1">
                                 <a:latin typeface="Cambria Math" panose="02040503050406030204" pitchFamily="18" charset="0"/>
                               </a:rPr>
                             </m:ctrlPr>
                           </m:sSubPr>
                           <m:e>
                             <m:r>
-                              <a:rPr lang="en-US" sz="2000" b="0" i="1" smtClean="0">
+                              <a:rPr lang="en-US" sz="2000" i="1">
                                 <a:latin typeface="Cambria Math" panose="02040503050406030204" pitchFamily="18" charset="0"/>
                               </a:rPr>
                               <m:t>𝑘</m:t>
@@ -11485,7 +11727,7 @@
                           </m:e>
                           <m:sub>
                             <m:r>
-                              <a:rPr lang="en-US" sz="2000" b="0" i="1" smtClean="0">
+                              <a:rPr lang="en-US" sz="2000" i="1">
                                 <a:latin typeface="Cambria Math" panose="02040503050406030204" pitchFamily="18" charset="0"/>
                               </a:rPr>
                               <m:t>1</m:t>
@@ -11493,7 +11735,69 @@
                           </m:sub>
                         </m:sSub>
                         <m:r>
-                          <a:rPr lang="en-US" sz="2000" b="0" i="1" smtClean="0">
+                          <a:rPr lang="en-US" sz="2000" i="1">
+                            <a:latin typeface="Cambria Math" panose="02040503050406030204" pitchFamily="18" charset="0"/>
+                          </a:rPr>
+                          <m:t>+</m:t>
+                        </m:r>
+                        <m:sSub>
+                          <m:sSubPr>
+                            <m:ctrlPr>
+                              <a:rPr lang="en-US" sz="2000" i="1">
+                                <a:latin typeface="Cambria Math" panose="02040503050406030204" pitchFamily="18" charset="0"/>
+                              </a:rPr>
+                            </m:ctrlPr>
+                          </m:sSubPr>
+                          <m:e>
+                            <m:r>
+                              <a:rPr lang="en-US" sz="2000" i="1">
+                                <a:latin typeface="Cambria Math" panose="02040503050406030204" pitchFamily="18" charset="0"/>
+                              </a:rPr>
+                              <m:t>𝑘</m:t>
+                            </m:r>
+                          </m:e>
+                          <m:sub>
+                            <m:r>
+                              <a:rPr lang="en-US" sz="2000" i="1">
+                                <a:latin typeface="Cambria Math" panose="02040503050406030204" pitchFamily="18" charset="0"/>
+                              </a:rPr>
+                              <m:t>2</m:t>
+                            </m:r>
+                          </m:sub>
+                        </m:sSub>
+                        <m:r>
+                          <a:rPr lang="en-US" sz="2000" i="1">
+                            <a:latin typeface="Cambria Math" panose="02040503050406030204" pitchFamily="18" charset="0"/>
+                          </a:rPr>
+                          <m:t>+</m:t>
+                        </m:r>
+                        <m:sSub>
+                          <m:sSubPr>
+                            <m:ctrlPr>
+                              <a:rPr lang="en-US" sz="2000" i="1">
+                                <a:latin typeface="Cambria Math" panose="02040503050406030204" pitchFamily="18" charset="0"/>
+                              </a:rPr>
+                            </m:ctrlPr>
+                          </m:sSubPr>
+                          <m:e>
+                            <m:r>
+                              <a:rPr lang="en-US" sz="2000" i="1">
+                                <a:latin typeface="Cambria Math" panose="02040503050406030204" pitchFamily="18" charset="0"/>
+                              </a:rPr>
+                              <m:t>𝑘</m:t>
+                            </m:r>
+                          </m:e>
+                          <m:sub>
+                            <m:r>
+                              <a:rPr lang="en-US" sz="2000" i="1">
+                                <a:latin typeface="Cambria Math" panose="02040503050406030204" pitchFamily="18" charset="0"/>
+                              </a:rPr>
+                              <m:t>3</m:t>
+                            </m:r>
+                          </m:sub>
+                        </m:sSub>
+                        <m:r>
+                          <a:rPr lang="en-US" sz="2000" i="1">
                             <a:latin typeface="Cambria Math" panose="02040503050406030204" pitchFamily="18" charset="0"/>
                           </a:rPr>
                           <m:t>−</m:t>
@@ -11501,14 +11805,14 @@
                         <m:sSub>
                           <m:sSubPr>
                             <m:ctrlPr>
-                              <a:rPr lang="en-US" sz="2000" b="0" i="1" smtClean="0">
+                              <a:rPr lang="en-US" sz="2000" i="1">
                                 <a:latin typeface="Cambria Math" panose="02040503050406030204" pitchFamily="18" charset="0"/>
                               </a:rPr>
                             </m:ctrlPr>
                           </m:sSubPr>
                           <m:e>
                             <m:r>
-                              <a:rPr lang="en-US" sz="2000" b="0" i="1" smtClean="0">
+                              <a:rPr lang="en-US" sz="2000" i="1">
                                 <a:latin typeface="Cambria Math" panose="02040503050406030204" pitchFamily="18" charset="0"/>
                               </a:rPr>
                               <m:t>𝑘</m:t>
@@ -11516,7 +11820,7 @@
                           </m:e>
                           <m:sub>
                             <m:r>
-                              <a:rPr lang="en-US" sz="2000" b="0" i="1" smtClean="0">
+                              <a:rPr lang="en-US" sz="2000" i="1">
                                 <a:latin typeface="Cambria Math" panose="02040503050406030204" pitchFamily="18" charset="0"/>
                               </a:rPr>
                               <m:t>0</m:t>
@@ -11526,14 +11830,14 @@
                         <m:sSub>
                           <m:sSubPr>
                             <m:ctrlPr>
-                              <a:rPr lang="en-US" sz="2000" b="0" i="1" smtClean="0">
+                              <a:rPr lang="en-US" sz="2000" i="1">
                                 <a:latin typeface="Cambria Math" panose="02040503050406030204" pitchFamily="18" charset="0"/>
                               </a:rPr>
                             </m:ctrlPr>
                           </m:sSubPr>
                           <m:e>
                             <m:r>
-                              <a:rPr lang="en-US" sz="2000" b="0" i="1" smtClean="0">
+                              <a:rPr lang="en-US" sz="2000" i="1">
                                 <a:latin typeface="Cambria Math" panose="02040503050406030204" pitchFamily="18" charset="0"/>
                               </a:rPr>
                               <m:t>𝑘</m:t>
@@ -11541,13 +11845,13 @@
                           </m:e>
                           <m:sub>
                             <m:r>
-                              <a:rPr lang="en-US" sz="2000" b="0" i="1" smtClean="0">
+                              <a:rPr lang="en-US" sz="2000" i="1">
                                 <a:latin typeface="Cambria Math" panose="02040503050406030204" pitchFamily="18" charset="0"/>
                               </a:rPr>
                               <m:t>𝑝</m:t>
                             </m:r>
                             <m:r>
-                              <a:rPr lang="en-US" sz="2000" b="0" i="1" smtClean="0">
+                              <a:rPr lang="en-US" sz="2000" i="1">
                                 <a:latin typeface="Cambria Math" panose="02040503050406030204" pitchFamily="18" charset="0"/>
                               </a:rPr>
                               <m:t>1</m:t>
@@ -11580,13 +11884,13 @@
               <p:spPr>
                 <a:xfrm>
                   <a:off x="457200" y="2658319"/>
-                  <a:ext cx="2121285" cy="423770"/>
+                  <a:ext cx="3181705" cy="423770"/>
                 </a:xfrm>
                 <a:prstGeom prst="rect">
                   <a:avLst/>
                 </a:prstGeom>
                 <a:blipFill>
-                  <a:blip r:embed="rId4"/>
+                  <a:blip r:embed="rId5"/>
                   <a:stretch>
                     <a:fillRect b="-8824"/>
                   </a:stretch>
@@ -11623,8 +11927,8 @@
               </p:nvSpPr>
               <p:spPr>
                 <a:xfrm>
-                  <a:off x="2805587" y="2658319"/>
-                  <a:ext cx="5178534" cy="423770"/>
+                  <a:off x="3814257" y="2658319"/>
+                  <a:ext cx="4523674" cy="423770"/>
                 </a:xfrm>
                 <a:prstGeom prst="rect">
                   <a:avLst/>
@@ -11926,73 +12230,31 @@
                           </m:r>
                         </m:sub>
                       </m:sSub>
-                      <m:d>
-                        <m:dPr>
+                      <m:sSub>
+                        <m:sSubPr>
                           <m:ctrlPr>
-                            <a:rPr lang="en-US" sz="2000" i="1">
+                            <a:rPr lang="en-US" sz="2000" b="0" i="1" smtClean="0">
                               <a:latin typeface="Cambria Math" panose="02040503050406030204" pitchFamily="18" charset="0"/>
                             </a:rPr>
                           </m:ctrlPr>
-                        </m:dPr>
+                        </m:sSubPr>
                         <m:e>
-                          <m:sSub>
-                            <m:sSubPr>
-                              <m:ctrlPr>
-                                <a:rPr lang="en-US" sz="2000" i="1">
-                                  <a:latin typeface="Cambria Math" panose="02040503050406030204" pitchFamily="18" charset="0"/>
-                                </a:rPr>
-                              </m:ctrlPr>
-                            </m:sSubPr>
-                            <m:e>
-                              <m:r>
-                                <a:rPr lang="en-US" sz="2000" i="1">
-                                  <a:latin typeface="Cambria Math" panose="02040503050406030204" pitchFamily="18" charset="0"/>
-                                </a:rPr>
-                                <m:t>𝑘</m:t>
-                              </m:r>
-                            </m:e>
-                            <m:sub>
-                              <m:r>
-                                <a:rPr lang="en-US" sz="2000" i="1">
-                                  <a:latin typeface="Cambria Math" panose="02040503050406030204" pitchFamily="18" charset="0"/>
-                                </a:rPr>
-                                <m:t>2</m:t>
-                              </m:r>
-                            </m:sub>
-                          </m:sSub>
                           <m:r>
-                            <a:rPr lang="en-US" sz="2000" i="1">
-                              <a:latin typeface="Cambria Math" panose="02040503050406030204" pitchFamily="18" charset="0"/>
-                            </a:rPr>
-                            <m:t>+</m:t>
+                            <a:rPr lang="en-US" sz="2000" b="0" i="1" smtClean="0">
+                              <a:latin typeface="Cambria Math" panose="02040503050406030204" pitchFamily="18" charset="0"/>
+                            </a:rPr>
+                            <m:t>𝑘</m:t>
                           </m:r>
-                          <m:sSub>
-                            <m:sSubPr>
-                              <m:ctrlPr>
-                                <a:rPr lang="en-US" sz="2000" i="1">
-                                  <a:latin typeface="Cambria Math" panose="02040503050406030204" pitchFamily="18" charset="0"/>
-                                </a:rPr>
-                              </m:ctrlPr>
-                            </m:sSubPr>
-                            <m:e>
-                              <m:r>
-                                <a:rPr lang="en-US" sz="2000" i="1">
-                                  <a:latin typeface="Cambria Math" panose="02040503050406030204" pitchFamily="18" charset="0"/>
-                                </a:rPr>
-                                <m:t>𝑘</m:t>
-                              </m:r>
-                            </m:e>
-                            <m:sub>
-                              <m:r>
-                                <a:rPr lang="en-US" sz="2000" i="1">
-                                  <a:latin typeface="Cambria Math" panose="02040503050406030204" pitchFamily="18" charset="0"/>
-                                </a:rPr>
-                                <m:t>3</m:t>
-                              </m:r>
-                            </m:sub>
-                          </m:sSub>
                         </m:e>
-                      </m:d>
+                        <m:sub>
+                          <m:r>
+                            <a:rPr lang="en-US" sz="2000" b="0" i="1" smtClean="0">
+                              <a:latin typeface="Cambria Math" panose="02040503050406030204" pitchFamily="18" charset="0"/>
+                            </a:rPr>
+                            <m:t>3</m:t>
+                          </m:r>
+                        </m:sub>
+                      </m:sSub>
                     </m:oMath>
                   </a14:m>
                   <a:endParaRPr lang="en-US" sz="2000" dirty="0"/>
@@ -12017,14 +12279,14 @@
               </p:nvSpPr>
               <p:spPr>
                 <a:xfrm>
-                  <a:off x="2805587" y="2658319"/>
-                  <a:ext cx="5178534" cy="423770"/>
+                  <a:off x="3814257" y="2658319"/>
+                  <a:ext cx="4523674" cy="423770"/>
                 </a:xfrm>
                 <a:prstGeom prst="rect">
                   <a:avLst/>
                 </a:prstGeom>
                 <a:blipFill>
-                  <a:blip r:embed="rId5"/>
+                  <a:blip r:embed="rId6"/>
                   <a:stretch>
                     <a:fillRect b="-8824"/>
                   </a:stretch>
@@ -12194,7 +12456,7 @@
                   <a:avLst/>
                 </a:prstGeom>
                 <a:blipFill>
-                  <a:blip r:embed="rId6"/>
+                  <a:blip r:embed="rId7"/>
                   <a:stretch>
                     <a:fillRect l="-2013" t="-5714" b="-17143"/>
                   </a:stretch>
@@ -12414,7 +12676,7 @@
                   <a:avLst/>
                 </a:prstGeom>
                 <a:blipFill>
-                  <a:blip r:embed="rId7"/>
+                  <a:blip r:embed="rId8"/>
                   <a:stretch>
                     <a:fillRect t="-3030" b="-12121"/>
                   </a:stretch>
@@ -12595,7 +12857,7 @@
                   <a:avLst/>
                 </a:prstGeom>
                 <a:blipFill>
-                  <a:blip r:embed="rId8"/>
+                  <a:blip r:embed="rId9"/>
                   <a:stretch>
                     <a:fillRect t="-6250"/>
                   </a:stretch>
@@ -12777,7 +13039,7 @@
                   <a:avLst/>
                 </a:prstGeom>
                 <a:blipFill>
-                  <a:blip r:embed="rId9"/>
+                  <a:blip r:embed="rId10"/>
                   <a:stretch>
                     <a:fillRect l="-1730" t="-8824" r="-692" b="-20588"/>
                   </a:stretch>
@@ -12814,9 +13076,9 @@
         <p:grpSpPr>
           <a:xfrm>
             <a:off x="1893377" y="5336830"/>
-            <a:ext cx="5415650" cy="843318"/>
+            <a:ext cx="4747903" cy="843318"/>
             <a:chOff x="1893377" y="4761783"/>
-            <a:chExt cx="5415650" cy="843318"/>
+            <a:chExt cx="4747903" cy="843318"/>
           </a:xfrm>
         </p:grpSpPr>
         <mc:AlternateContent xmlns:mc="http://schemas.openxmlformats.org/markup-compatibility/2006">
@@ -12836,7 +13098,7 @@
               <p:spPr>
                 <a:xfrm>
                   <a:off x="1893377" y="4761783"/>
-                  <a:ext cx="2929713" cy="423770"/>
+                  <a:ext cx="4188967" cy="423770"/>
                 </a:xfrm>
                 <a:prstGeom prst="rect">
                   <a:avLst/>
@@ -12872,6 +13134,68 @@
                               <a:latin typeface="Cambria Math" panose="02040503050406030204" pitchFamily="18" charset="0"/>
                             </a:rPr>
                             <m:t>1</m:t>
+                          </m:r>
+                        </m:sub>
+                      </m:sSub>
+                      <m:r>
+                        <a:rPr lang="en-US" sz="2000" b="0" i="1" smtClean="0">
+                          <a:latin typeface="Cambria Math" panose="02040503050406030204" pitchFamily="18" charset="0"/>
+                        </a:rPr>
+                        <m:t>+</m:t>
+                      </m:r>
+                      <m:sSub>
+                        <m:sSubPr>
+                          <m:ctrlPr>
+                            <a:rPr lang="en-US" sz="2000" b="0" i="1" smtClean="0">
+                              <a:latin typeface="Cambria Math" panose="02040503050406030204" pitchFamily="18" charset="0"/>
+                            </a:rPr>
+                          </m:ctrlPr>
+                        </m:sSubPr>
+                        <m:e>
+                          <m:r>
+                            <a:rPr lang="en-US" sz="2000" b="0" i="1" smtClean="0">
+                              <a:latin typeface="Cambria Math" panose="02040503050406030204" pitchFamily="18" charset="0"/>
+                            </a:rPr>
+                            <m:t>𝑘</m:t>
+                          </m:r>
+                        </m:e>
+                        <m:sub>
+                          <m:r>
+                            <a:rPr lang="en-US" sz="2000" b="0" i="1" smtClean="0">
+                              <a:latin typeface="Cambria Math" panose="02040503050406030204" pitchFamily="18" charset="0"/>
+                            </a:rPr>
+                            <m:t>2</m:t>
+                          </m:r>
+                        </m:sub>
+                      </m:sSub>
+                      <m:r>
+                        <a:rPr lang="en-US" sz="2000" b="0" i="1" smtClean="0">
+                          <a:latin typeface="Cambria Math" panose="02040503050406030204" pitchFamily="18" charset="0"/>
+                        </a:rPr>
+                        <m:t>+</m:t>
+                      </m:r>
+                      <m:sSub>
+                        <m:sSubPr>
+                          <m:ctrlPr>
+                            <a:rPr lang="en-US" sz="2000" b="0" i="1" smtClean="0">
+                              <a:latin typeface="Cambria Math" panose="02040503050406030204" pitchFamily="18" charset="0"/>
+                            </a:rPr>
+                          </m:ctrlPr>
+                        </m:sSubPr>
+                        <m:e>
+                          <m:r>
+                            <a:rPr lang="en-US" sz="2000" b="0" i="1" smtClean="0">
+                              <a:latin typeface="Cambria Math" panose="02040503050406030204" pitchFamily="18" charset="0"/>
+                            </a:rPr>
+                            <m:t>𝑘</m:t>
+                          </m:r>
+                        </m:e>
+                        <m:sub>
+                          <m:r>
+                            <a:rPr lang="en-US" sz="2000" b="0" i="1" smtClean="0">
+                              <a:latin typeface="Cambria Math" panose="02040503050406030204" pitchFamily="18" charset="0"/>
+                            </a:rPr>
+                            <m:t>3</m:t>
                           </m:r>
                         </m:sub>
                       </m:sSub>
@@ -13044,13 +13368,13 @@
               <p:spPr>
                 <a:xfrm>
                   <a:off x="1893377" y="4761783"/>
-                  <a:ext cx="2929713" cy="423770"/>
+                  <a:ext cx="4188967" cy="423770"/>
                 </a:xfrm>
                 <a:prstGeom prst="rect">
                   <a:avLst/>
                 </a:prstGeom>
                 <a:blipFill>
-                  <a:blip r:embed="rId10"/>
+                  <a:blip r:embed="rId11"/>
                   <a:stretch>
                     <a:fillRect b="-8824"/>
                   </a:stretch>
@@ -13088,7 +13412,7 @@
               <p:spPr>
                 <a:xfrm>
                   <a:off x="1893377" y="5181331"/>
-                  <a:ext cx="5415650" cy="423770"/>
+                  <a:ext cx="4747903" cy="423770"/>
                 </a:xfrm>
                 <a:prstGeom prst="rect">
                   <a:avLst/>
@@ -13206,6 +13530,12 @@
                           </m:ctrlPr>
                         </m:sSubPr>
                         <m:e>
+                          <m:r>
+                            <a:rPr lang="en-US" sz="2000" b="0" i="1" smtClean="0">
+                              <a:latin typeface="Cambria Math" panose="02040503050406030204" pitchFamily="18" charset="0"/>
+                            </a:rPr>
+                            <m:t> </m:t>
+                          </m:r>
                           <m:r>
                             <a:rPr lang="en-US" sz="2000" i="1">
                               <a:latin typeface="Cambria Math" panose="02040503050406030204" pitchFamily="18" charset="0"/>
@@ -13329,10 +13659,10 @@
                   <a14:m>
                     <m:oMath xmlns:m="http://schemas.openxmlformats.org/officeDocument/2006/math">
                       <m:r>
-                        <a:rPr lang="en-US" sz="2000" i="1">
+                        <a:rPr lang="en-US" sz="2000" b="0" i="0" smtClean="0">
                           <a:latin typeface="Cambria Math" panose="02040503050406030204" pitchFamily="18" charset="0"/>
                         </a:rPr>
-                        <m:t>+</m:t>
+                        <m:t>+ </m:t>
                       </m:r>
                       <m:sSub>
                         <m:sSubPr>
@@ -13359,73 +13689,31 @@
                           </m:r>
                         </m:sub>
                       </m:sSub>
-                      <m:d>
-                        <m:dPr>
+                      <m:sSub>
+                        <m:sSubPr>
                           <m:ctrlPr>
-                            <a:rPr lang="en-US" sz="2000" i="1">
+                            <a:rPr lang="en-US" sz="2000" b="0" i="1" smtClean="0">
                               <a:latin typeface="Cambria Math" panose="02040503050406030204" pitchFamily="18" charset="0"/>
                             </a:rPr>
                           </m:ctrlPr>
-                        </m:dPr>
+                        </m:sSubPr>
                         <m:e>
-                          <m:sSub>
-                            <m:sSubPr>
-                              <m:ctrlPr>
-                                <a:rPr lang="en-US" sz="2000" i="1">
-                                  <a:latin typeface="Cambria Math" panose="02040503050406030204" pitchFamily="18" charset="0"/>
-                                </a:rPr>
-                              </m:ctrlPr>
-                            </m:sSubPr>
-                            <m:e>
-                              <m:r>
-                                <a:rPr lang="en-US" sz="2000" i="1">
-                                  <a:latin typeface="Cambria Math" panose="02040503050406030204" pitchFamily="18" charset="0"/>
-                                </a:rPr>
-                                <m:t>𝑘</m:t>
-                              </m:r>
-                            </m:e>
-                            <m:sub>
-                              <m:r>
-                                <a:rPr lang="en-US" sz="2000" i="1">
-                                  <a:latin typeface="Cambria Math" panose="02040503050406030204" pitchFamily="18" charset="0"/>
-                                </a:rPr>
-                                <m:t>2</m:t>
-                              </m:r>
-                            </m:sub>
-                          </m:sSub>
                           <m:r>
-                            <a:rPr lang="en-US" sz="2000" i="1">
-                              <a:latin typeface="Cambria Math" panose="02040503050406030204" pitchFamily="18" charset="0"/>
-                            </a:rPr>
-                            <m:t>+</m:t>
+                            <a:rPr lang="en-US" sz="2000" b="0" i="1" smtClean="0">
+                              <a:latin typeface="Cambria Math" panose="02040503050406030204" pitchFamily="18" charset="0"/>
+                            </a:rPr>
+                            <m:t>𝑘</m:t>
                           </m:r>
-                          <m:sSub>
-                            <m:sSubPr>
-                              <m:ctrlPr>
-                                <a:rPr lang="en-US" sz="2000" i="1">
-                                  <a:latin typeface="Cambria Math" panose="02040503050406030204" pitchFamily="18" charset="0"/>
-                                </a:rPr>
-                              </m:ctrlPr>
-                            </m:sSubPr>
-                            <m:e>
-                              <m:r>
-                                <a:rPr lang="en-US" sz="2000" i="1">
-                                  <a:latin typeface="Cambria Math" panose="02040503050406030204" pitchFamily="18" charset="0"/>
-                                </a:rPr>
-                                <m:t>𝑘</m:t>
-                              </m:r>
-                            </m:e>
-                            <m:sub>
-                              <m:r>
-                                <a:rPr lang="en-US" sz="2000" i="1">
-                                  <a:latin typeface="Cambria Math" panose="02040503050406030204" pitchFamily="18" charset="0"/>
-                                </a:rPr>
-                                <m:t>3</m:t>
-                              </m:r>
-                            </m:sub>
-                          </m:sSub>
                         </m:e>
-                      </m:d>
+                        <m:sub>
+                          <m:r>
+                            <a:rPr lang="en-US" sz="2000" b="0" i="1" smtClean="0">
+                              <a:latin typeface="Cambria Math" panose="02040503050406030204" pitchFamily="18" charset="0"/>
+                            </a:rPr>
+                            <m:t>3</m:t>
+                          </m:r>
+                        </m:sub>
+                      </m:sSub>
                       <m:r>
                         <a:rPr lang="en-US" sz="2000" b="0" i="1" smtClean="0">
                           <a:latin typeface="Cambria Math" panose="02040503050406030204" pitchFamily="18" charset="0"/>
@@ -13507,15 +13795,15 @@
               <p:spPr>
                 <a:xfrm>
                   <a:off x="1893377" y="5181331"/>
-                  <a:ext cx="5415650" cy="423770"/>
+                  <a:ext cx="4747903" cy="423770"/>
                 </a:xfrm>
                 <a:prstGeom prst="rect">
                   <a:avLst/>
                 </a:prstGeom>
                 <a:blipFill>
-                  <a:blip r:embed="rId11"/>
+                  <a:blip r:embed="rId12"/>
                   <a:stretch>
-                    <a:fillRect b="-8824"/>
+                    <a:fillRect b="-11765"/>
                   </a:stretch>
                 </a:blipFill>
               </p:spPr>
@@ -13817,7 +14105,7 @@
                   <a:avLst/>
                 </a:prstGeom>
                 <a:blipFill>
-                  <a:blip r:embed="rId12"/>
+                  <a:blip r:embed="rId13"/>
                   <a:stretch>
                     <a:fillRect l="-1645" t="-6061" r="-658" b="-24242"/>
                   </a:stretch>
@@ -13973,7 +14261,7 @@
                   <a:avLst/>
                 </a:prstGeom>
                 <a:blipFill>
-                  <a:blip r:embed="rId13"/>
+                  <a:blip r:embed="rId14"/>
                   <a:stretch>
                     <a:fillRect t="-6061"/>
                   </a:stretch>
@@ -14129,7 +14417,7 @@
                   <a:avLst/>
                 </a:prstGeom>
                 <a:blipFill>
-                  <a:blip r:embed="rId14"/>
+                  <a:blip r:embed="rId15"/>
                   <a:stretch>
                     <a:fillRect t="-6250"/>
                   </a:stretch>
@@ -14505,7 +14793,7 @@
                   <a:avLst/>
                 </a:prstGeom>
                 <a:blipFill>
-                  <a:blip r:embed="rId15"/>
+                  <a:blip r:embed="rId16"/>
                   <a:stretch>
                     <a:fillRect t="-13636" b="-18182"/>
                   </a:stretch>
@@ -14947,7 +15235,7 @@
                   <a:avLst/>
                 </a:prstGeom>
                 <a:blipFill>
-                  <a:blip r:embed="rId16"/>
+                  <a:blip r:embed="rId17"/>
                   <a:stretch>
                     <a:fillRect l="-473" t="-13636" b="-18182"/>
                   </a:stretch>
@@ -15186,7 +15474,7 @@
                   <a:avLst/>
                 </a:prstGeom>
                 <a:blipFill>
-                  <a:blip r:embed="rId17"/>
+                  <a:blip r:embed="rId18"/>
                   <a:stretch>
                     <a:fillRect b="-3333"/>
                   </a:stretch>
@@ -15561,11 +15849,7 @@
           <a:p>
             <a:r>
               <a:rPr lang="en-US" dirty="0"/>
-              <a:t>How Well Does </a:t>
-            </a:r>
-            <a:r>
-              <a:rPr lang="en-US"/>
-              <a:t>it Work?</a:t>
+              <a:t>How Well Does it Work?</a:t>
             </a:r>
           </a:p>
         </p:txBody>
@@ -20491,7 +20775,7 @@
           <a:p>
             <a:r>
               <a:rPr lang="en-US" sz="2000" dirty="0"/>
-              <a:t>Assuming that the controller has full knowledge of SUC state, we want to design a controller so that the closed loop system has more desirable poles.</a:t>
+              <a:t>Assuming that the controller has full knowledge of SUC state, we want to design a controller so that the closed loop system has more desirable poles and the reference input is 0.</a:t>
             </a:r>
             <a:endParaRPr lang="en-US" sz="2000" b="1" dirty="0"/>
           </a:p>

--- a/Lecture_22-Designing-Closed-Loop-Systems/Designing-Proportional-Controllers.pptx
+++ b/Lecture_22-Designing-Closed-Loop-Systems/Designing-Proportional-Controllers.pptx
@@ -1593,11 +1593,7 @@
             </a:r>
             <a:r>
               <a:rPr lang="en-US" dirty="0"/>
-              <a:t> = 0 and expecting the eigenvalues of the </a:t>
-            </a:r>
-            <a:r>
-              <a:rPr lang="en-US"/>
-              <a:t>original system.</a:t>
+              <a:t> = 0 and expecting the eigenvalues of the original system.</a:t>
             </a:r>
           </a:p>
         </p:txBody>
@@ -6077,10 +6073,10 @@
                             <m:t>𝐴</m:t>
                           </m:r>
                           <m:r>
-                            <a:rPr lang="en-US" sz="2000" b="1" i="1">
+                            <a:rPr lang="en-US" sz="2000" b="1" i="1" smtClean="0">
                               <a:latin typeface="Cambria Math" panose="02040503050406030204" pitchFamily="18" charset="0"/>
                             </a:rPr>
-                            <m:t>+</m:t>
+                            <m:t>−</m:t>
                           </m:r>
                           <m:r>
                             <a:rPr lang="en-US" sz="2000" b="1" i="1">
@@ -6174,10 +6170,10 @@
                                 <m:t>𝑨</m:t>
                               </m:r>
                               <m:r>
-                                <a:rPr lang="en-US" sz="2000" b="1" i="1">
+                                <a:rPr lang="en-US" sz="2000" b="1" i="1" smtClean="0">
                                   <a:latin typeface="Cambria Math" panose="02040503050406030204" pitchFamily="18" charset="0"/>
                                 </a:rPr>
-                                <m:t>+</m:t>
+                                <m:t>−</m:t>
                               </m:r>
                               <m:r>
                                 <a:rPr lang="en-US" sz="2000" b="1" i="1">
@@ -6432,7 +6428,7 @@
             <p:spPr>
               <a:xfrm>
                 <a:off x="448805" y="1609974"/>
-                <a:ext cx="5380447" cy="676083"/>
+                <a:ext cx="5370829" cy="676083"/>
               </a:xfrm>
               <a:prstGeom prst="rect">
                 <a:avLst/>
@@ -6453,10 +6449,10 @@
                       <m:t>𝑨</m:t>
                     </m:r>
                     <m:r>
-                      <a:rPr lang="en-US" sz="2000" b="1" i="1">
+                      <a:rPr lang="en-US" sz="2000" b="1" i="1" smtClean="0">
                         <a:latin typeface="Cambria Math" panose="02040503050406030204" pitchFamily="18" charset="0"/>
                       </a:rPr>
-                      <m:t>+</m:t>
+                      <m:t>−</m:t>
                     </m:r>
                     <m:r>
                       <a:rPr lang="en-US" sz="2000" b="1" i="1">
@@ -6690,7 +6686,7 @@
                       <a:rPr lang="en-US" sz="2000" b="0" i="1" smtClean="0">
                         <a:latin typeface="Cambria Math" panose="02040503050406030204" pitchFamily="18" charset="0"/>
                       </a:rPr>
-                      <m:t>+</m:t>
+                      <m:t>−</m:t>
                     </m:r>
                   </m:oMath>
                 </a14:m>
@@ -6904,7 +6900,7 @@
             <p:spPr>
               <a:xfrm>
                 <a:off x="448805" y="1609974"/>
-                <a:ext cx="5380447" cy="676083"/>
+                <a:ext cx="5370829" cy="676083"/>
               </a:xfrm>
               <a:prstGeom prst="rect">
                 <a:avLst/>
@@ -7042,7 +7038,7 @@
                                   <a:rPr lang="en-US" b="0" i="1" smtClean="0">
                                     <a:latin typeface="Cambria Math" panose="02040503050406030204" pitchFamily="18" charset="0"/>
                                   </a:rPr>
-                                  <m:t>+</m:t>
+                                  <m:t>−</m:t>
                                 </m:r>
                                 <m:sSub>
                                   <m:sSubPr>
@@ -7131,7 +7127,7 @@
                                   <a:rPr lang="en-US" b="0" i="1" smtClean="0">
                                     <a:latin typeface="Cambria Math" panose="02040503050406030204" pitchFamily="18" charset="0"/>
                                   </a:rPr>
-                                  <m:t>+</m:t>
+                                  <m:t>−</m:t>
                                 </m:r>
                                 <m:sSub>
                                   <m:sSubPr>
@@ -7355,9 +7351,9 @@
         <p:grpSpPr>
           <a:xfrm>
             <a:off x="213244" y="3150064"/>
-            <a:ext cx="8878649" cy="789299"/>
+            <a:ext cx="8992654" cy="789299"/>
             <a:chOff x="213244" y="3150064"/>
-            <a:chExt cx="8878649" cy="789299"/>
+            <a:chExt cx="8992654" cy="789299"/>
           </a:xfrm>
         </p:grpSpPr>
         <mc:AlternateContent xmlns:mc="http://schemas.openxmlformats.org/markup-compatibility/2006">
@@ -7431,10 +7427,10 @@
                                   <m:t>𝑨</m:t>
                                 </m:r>
                                 <m:r>
-                                  <a:rPr lang="en-US" sz="2000" b="1" i="1">
+                                  <a:rPr lang="en-US" sz="2000" b="1" i="1" smtClean="0">
                                     <a:latin typeface="Cambria Math" panose="02040503050406030204" pitchFamily="18" charset="0"/>
                                   </a:rPr>
-                                  <m:t>+</m:t>
+                                  <m:t>−</m:t>
                                 </m:r>
                                 <m:r>
                                   <a:rPr lang="en-US" sz="2000" b="1" i="1">
@@ -7565,7 +7561,7 @@
               <p:spPr>
                 <a:xfrm>
                   <a:off x="213244" y="3509373"/>
-                  <a:ext cx="8878649" cy="429990"/>
+                  <a:ext cx="8992654" cy="429990"/>
                 </a:xfrm>
                 <a:prstGeom prst="rect">
                   <a:avLst/>
@@ -7578,584 +7574,581 @@
                 <a:lstStyle/>
                 <a:p>
                   <a14:m>
-                    <m:oMath xmlns:m="http://schemas.openxmlformats.org/officeDocument/2006/math">
-                      <m:sSup>
-                        <m:sSupPr>
-                          <m:ctrlPr>
-                            <a:rPr lang="en-US" sz="2000" i="1" smtClean="0">
-                              <a:latin typeface="Cambria Math" panose="02040503050406030204" pitchFamily="18" charset="0"/>
-                            </a:rPr>
-                          </m:ctrlPr>
-                        </m:sSupPr>
-                        <m:e>
-                          <m:r>
-                            <a:rPr lang="en-US" sz="2000" b="0" i="1" smtClean="0">
-                              <a:latin typeface="Cambria Math" panose="02040503050406030204" pitchFamily="18" charset="0"/>
-                            </a:rPr>
-                            <m:t>𝜆</m:t>
-                          </m:r>
-                        </m:e>
-                        <m:sup>
-                          <m:r>
-                            <a:rPr lang="en-US" sz="2000" b="0" i="1" smtClean="0">
-                              <a:latin typeface="Cambria Math" panose="02040503050406030204" pitchFamily="18" charset="0"/>
-                            </a:rPr>
-                            <m:t>2</m:t>
-                          </m:r>
-                        </m:sup>
-                      </m:sSup>
-                      <m:r>
-                        <a:rPr lang="en-US" sz="2000" b="0" i="0" smtClean="0">
-                          <a:latin typeface="Cambria Math" panose="02040503050406030204" pitchFamily="18" charset="0"/>
-                        </a:rPr>
-                        <m:t>+</m:t>
-                      </m:r>
-                      <m:sSub>
-                        <m:sSubPr>
-                          <m:ctrlPr>
-                            <a:rPr lang="en-US" sz="2000" b="0" i="1" smtClean="0">
-                              <a:latin typeface="Cambria Math" panose="02040503050406030204" pitchFamily="18" charset="0"/>
-                            </a:rPr>
-                          </m:ctrlPr>
-                        </m:sSubPr>
-                        <m:e>
-                          <m:r>
-                            <a:rPr lang="en-US" sz="2000" b="0" i="1" smtClean="0">
-                              <a:latin typeface="Cambria Math" panose="02040503050406030204" pitchFamily="18" charset="0"/>
-                            </a:rPr>
-                            <m:t>(</m:t>
-                          </m:r>
-                          <m:r>
-                            <a:rPr lang="en-US" sz="2000" b="0" i="1" smtClean="0">
-                              <a:latin typeface="Cambria Math" panose="02040503050406030204" pitchFamily="18" charset="0"/>
-                            </a:rPr>
-                            <m:t>𝑘</m:t>
-                          </m:r>
-                        </m:e>
-                        <m:sub>
-                          <m:r>
-                            <a:rPr lang="en-US" sz="2000" b="0" i="1" smtClean="0">
-                              <a:latin typeface="Cambria Math" panose="02040503050406030204" pitchFamily="18" charset="0"/>
-                            </a:rPr>
-                            <m:t>1</m:t>
-                          </m:r>
-                        </m:sub>
-                      </m:sSub>
-                      <m:r>
-                        <a:rPr lang="en-US" sz="2000" b="0" i="1" smtClean="0">
-                          <a:latin typeface="Cambria Math" panose="02040503050406030204" pitchFamily="18" charset="0"/>
-                        </a:rPr>
-                        <m:t>+</m:t>
-                      </m:r>
-                      <m:sSub>
-                        <m:sSubPr>
-                          <m:ctrlPr>
-                            <a:rPr lang="en-US" sz="2000" b="0" i="1" smtClean="0">
-                              <a:latin typeface="Cambria Math" panose="02040503050406030204" pitchFamily="18" charset="0"/>
-                            </a:rPr>
-                          </m:ctrlPr>
-                        </m:sSubPr>
-                        <m:e>
-                          <m:r>
-                            <a:rPr lang="en-US" sz="2000" b="0" i="1" smtClean="0">
-                              <a:latin typeface="Cambria Math" panose="02040503050406030204" pitchFamily="18" charset="0"/>
-                            </a:rPr>
-                            <m:t>𝑘</m:t>
-                          </m:r>
-                        </m:e>
-                        <m:sub>
-                          <m:r>
-                            <a:rPr lang="en-US" sz="2000" b="0" i="1" smtClean="0">
-                              <a:latin typeface="Cambria Math" panose="02040503050406030204" pitchFamily="18" charset="0"/>
-                            </a:rPr>
-                            <m:t>2</m:t>
-                          </m:r>
-                        </m:sub>
-                      </m:sSub>
-                      <m:r>
-                        <a:rPr lang="en-US" sz="2000" b="0" i="1" smtClean="0">
-                          <a:latin typeface="Cambria Math" panose="02040503050406030204" pitchFamily="18" charset="0"/>
-                        </a:rPr>
-                        <m:t>+</m:t>
-                      </m:r>
-                      <m:sSub>
-                        <m:sSubPr>
-                          <m:ctrlPr>
-                            <a:rPr lang="en-US" sz="2000" b="0" i="1" smtClean="0">
-                              <a:latin typeface="Cambria Math" panose="02040503050406030204" pitchFamily="18" charset="0"/>
-                            </a:rPr>
-                          </m:ctrlPr>
-                        </m:sSubPr>
-                        <m:e>
-                          <m:r>
-                            <a:rPr lang="en-US" sz="2000" b="0" i="1" smtClean="0">
-                              <a:latin typeface="Cambria Math" panose="02040503050406030204" pitchFamily="18" charset="0"/>
-                            </a:rPr>
-                            <m:t>𝑘</m:t>
-                          </m:r>
-                        </m:e>
-                        <m:sub>
-                          <m:r>
-                            <a:rPr lang="en-US" sz="2000" b="0" i="1" smtClean="0">
-                              <a:latin typeface="Cambria Math" panose="02040503050406030204" pitchFamily="18" charset="0"/>
-                            </a:rPr>
-                            <m:t>3</m:t>
-                          </m:r>
-                        </m:sub>
-                      </m:sSub>
-                      <m:r>
-                        <a:rPr lang="en-US" sz="2000" b="0" i="1" smtClean="0">
-                          <a:latin typeface="Cambria Math" panose="02040503050406030204" pitchFamily="18" charset="0"/>
-                        </a:rPr>
-                        <m:t>−</m:t>
-                      </m:r>
-                      <m:sSub>
-                        <m:sSubPr>
-                          <m:ctrlPr>
-                            <a:rPr lang="en-US" sz="2000" b="0" i="1" smtClean="0">
-                              <a:latin typeface="Cambria Math" panose="02040503050406030204" pitchFamily="18" charset="0"/>
-                            </a:rPr>
-                          </m:ctrlPr>
-                        </m:sSubPr>
-                        <m:e>
-                          <m:r>
-                            <a:rPr lang="en-US" sz="2000" b="0" i="1" smtClean="0">
-                              <a:latin typeface="Cambria Math" panose="02040503050406030204" pitchFamily="18" charset="0"/>
-                            </a:rPr>
-                            <m:t>𝑘</m:t>
-                          </m:r>
-                        </m:e>
-                        <m:sub>
-                          <m:r>
-                            <a:rPr lang="en-US" sz="2000" b="0" i="1" smtClean="0">
-                              <a:latin typeface="Cambria Math" panose="02040503050406030204" pitchFamily="18" charset="0"/>
-                            </a:rPr>
-                            <m:t>0</m:t>
-                          </m:r>
-                        </m:sub>
-                      </m:sSub>
-                      <m:sSub>
-                        <m:sSubPr>
-                          <m:ctrlPr>
-                            <a:rPr lang="en-US" sz="2000" b="0" i="1" smtClean="0">
-                              <a:latin typeface="Cambria Math" panose="02040503050406030204" pitchFamily="18" charset="0"/>
-                            </a:rPr>
-                          </m:ctrlPr>
-                        </m:sSubPr>
-                        <m:e>
-                          <m:r>
-                            <a:rPr lang="en-US" sz="2000" b="0" i="1" smtClean="0">
-                              <a:latin typeface="Cambria Math" panose="02040503050406030204" pitchFamily="18" charset="0"/>
-                            </a:rPr>
-                            <m:t>𝑘</m:t>
-                          </m:r>
-                        </m:e>
-                        <m:sub>
-                          <m:r>
-                            <a:rPr lang="en-US" sz="2000" b="0" i="1" smtClean="0">
-                              <a:latin typeface="Cambria Math" panose="02040503050406030204" pitchFamily="18" charset="0"/>
-                            </a:rPr>
-                            <m:t>𝑝</m:t>
-                          </m:r>
-                          <m:r>
-                            <a:rPr lang="en-US" sz="2000" b="0" i="1" smtClean="0">
-                              <a:latin typeface="Cambria Math" panose="02040503050406030204" pitchFamily="18" charset="0"/>
-                            </a:rPr>
-                            <m:t>1</m:t>
-                          </m:r>
-                        </m:sub>
-                      </m:sSub>
-                      <m:r>
-                        <a:rPr lang="en-US" sz="2000" b="0" i="1" smtClean="0">
-                          <a:latin typeface="Cambria Math" panose="02040503050406030204" pitchFamily="18" charset="0"/>
-                        </a:rPr>
-                        <m:t>)</m:t>
-                      </m:r>
-                      <m:r>
-                        <a:rPr lang="en-US" sz="2000" b="0" i="1" smtClean="0">
-                          <a:latin typeface="Cambria Math" panose="02040503050406030204" pitchFamily="18" charset="0"/>
-                        </a:rPr>
-                        <m:t>𝜆</m:t>
-                      </m:r>
-                      <m:r>
-                        <a:rPr lang="en-US" sz="2000" i="1">
-                          <a:latin typeface="Cambria Math" panose="02040503050406030204" pitchFamily="18" charset="0"/>
-                        </a:rPr>
-                        <m:t>−</m:t>
-                      </m:r>
-                      <m:sSub>
-                        <m:sSubPr>
-                          <m:ctrlPr>
-                            <a:rPr lang="en-US" sz="2000" b="0" i="1" smtClean="0">
-                              <a:latin typeface="Cambria Math" panose="02040503050406030204" pitchFamily="18" charset="0"/>
-                            </a:rPr>
-                          </m:ctrlPr>
-                        </m:sSubPr>
-                        <m:e>
-                          <m:r>
-                            <a:rPr lang="en-US" sz="2000" b="0" i="1" smtClean="0">
-                              <a:latin typeface="Cambria Math" panose="02040503050406030204" pitchFamily="18" charset="0"/>
-                            </a:rPr>
-                            <m:t>𝑘</m:t>
-                          </m:r>
-                        </m:e>
-                        <m:sub>
-                          <m:r>
-                            <a:rPr lang="en-US" sz="2000" b="0" i="1" smtClean="0">
-                              <a:latin typeface="Cambria Math" panose="02040503050406030204" pitchFamily="18" charset="0"/>
-                            </a:rPr>
-                            <m:t>1</m:t>
-                          </m:r>
-                        </m:sub>
-                      </m:sSub>
-                      <m:sSub>
-                        <m:sSubPr>
-                          <m:ctrlPr>
-                            <a:rPr lang="en-US" sz="2000" b="0" i="1" smtClean="0">
-                              <a:latin typeface="Cambria Math" panose="02040503050406030204" pitchFamily="18" charset="0"/>
-                            </a:rPr>
-                          </m:ctrlPr>
-                        </m:sSubPr>
-                        <m:e>
-                          <m:r>
-                            <a:rPr lang="en-US" sz="2000" b="0" i="1" smtClean="0">
-                              <a:latin typeface="Cambria Math" panose="02040503050406030204" pitchFamily="18" charset="0"/>
-                            </a:rPr>
-                            <m:t>𝑘</m:t>
-                          </m:r>
-                        </m:e>
-                        <m:sub>
-                          <m:r>
-                            <a:rPr lang="en-US" sz="2000" b="0" i="1" smtClean="0">
-                              <a:latin typeface="Cambria Math" panose="02040503050406030204" pitchFamily="18" charset="0"/>
-                            </a:rPr>
-                            <m:t>2</m:t>
-                          </m:r>
-                        </m:sub>
-                      </m:sSub>
-                      <m:r>
-                        <a:rPr lang="en-US" sz="2000" b="0" i="1" smtClean="0">
-                          <a:latin typeface="Cambria Math" panose="02040503050406030204" pitchFamily="18" charset="0"/>
-                        </a:rPr>
-                        <m:t>−</m:t>
-                      </m:r>
-                      <m:sSub>
-                        <m:sSubPr>
-                          <m:ctrlPr>
-                            <a:rPr lang="en-US" sz="2000" b="0" i="1" smtClean="0">
-                              <a:latin typeface="Cambria Math" panose="02040503050406030204" pitchFamily="18" charset="0"/>
-                            </a:rPr>
-                          </m:ctrlPr>
-                        </m:sSubPr>
-                        <m:e>
-                          <m:r>
-                            <a:rPr lang="en-US" sz="2000" b="0" i="1" smtClean="0">
-                              <a:latin typeface="Cambria Math" panose="02040503050406030204" pitchFamily="18" charset="0"/>
-                            </a:rPr>
-                            <m:t>𝑘</m:t>
-                          </m:r>
-                        </m:e>
-                        <m:sub>
-                          <m:r>
-                            <a:rPr lang="en-US" sz="2000" b="0" i="1" smtClean="0">
-                              <a:latin typeface="Cambria Math" panose="02040503050406030204" pitchFamily="18" charset="0"/>
-                            </a:rPr>
-                            <m:t>𝑝</m:t>
-                          </m:r>
-                          <m:r>
-                            <a:rPr lang="en-US" sz="2000" b="0" i="1" smtClean="0">
-                              <a:latin typeface="Cambria Math" panose="02040503050406030204" pitchFamily="18" charset="0"/>
-                            </a:rPr>
-                            <m:t>2</m:t>
-                          </m:r>
-                        </m:sub>
-                      </m:sSub>
-                      <m:sSub>
-                        <m:sSubPr>
-                          <m:ctrlPr>
-                            <a:rPr lang="en-US" sz="2000" b="0" i="1" smtClean="0">
-                              <a:latin typeface="Cambria Math" panose="02040503050406030204" pitchFamily="18" charset="0"/>
-                            </a:rPr>
-                          </m:ctrlPr>
-                        </m:sSubPr>
-                        <m:e>
-                          <m:r>
-                            <a:rPr lang="en-US" sz="2000" b="0" i="1" smtClean="0">
-                              <a:latin typeface="Cambria Math" panose="02040503050406030204" pitchFamily="18" charset="0"/>
-                            </a:rPr>
-                            <m:t>𝑘</m:t>
-                          </m:r>
-                        </m:e>
-                        <m:sub>
-                          <m:r>
-                            <a:rPr lang="en-US" sz="2000" b="0" i="1" smtClean="0">
-                              <a:latin typeface="Cambria Math" panose="02040503050406030204" pitchFamily="18" charset="0"/>
-                            </a:rPr>
-                            <m:t>0</m:t>
-                          </m:r>
-                        </m:sub>
-                      </m:sSub>
-                      <m:sSub>
-                        <m:sSubPr>
-                          <m:ctrlPr>
-                            <a:rPr lang="en-US" sz="2000" b="0" i="1" smtClean="0">
-                              <a:latin typeface="Cambria Math" panose="02040503050406030204" pitchFamily="18" charset="0"/>
-                            </a:rPr>
-                          </m:ctrlPr>
-                        </m:sSubPr>
-                        <m:e>
-                          <m:r>
-                            <a:rPr lang="en-US" sz="2000" b="0" i="1" smtClean="0">
-                              <a:latin typeface="Cambria Math" panose="02040503050406030204" pitchFamily="18" charset="0"/>
-                            </a:rPr>
-                            <m:t>𝑘</m:t>
-                          </m:r>
-                        </m:e>
-                        <m:sub>
-                          <m:r>
-                            <a:rPr lang="en-US" sz="2000" b="0" i="1" smtClean="0">
-                              <a:latin typeface="Cambria Math" panose="02040503050406030204" pitchFamily="18" charset="0"/>
-                            </a:rPr>
-                            <m:t>1</m:t>
-                          </m:r>
-                        </m:sub>
-                      </m:sSub>
-                    </m:oMath>
-                  </a14:m>
-                  <a:r>
-                    <a:rPr lang="en-US" sz="2000" dirty="0"/>
-                    <a:t> </a:t>
-                  </a:r>
-                  <a14:m>
-                    <m:oMath xmlns:m="http://schemas.openxmlformats.org/officeDocument/2006/math">
-                      <m:r>
-                        <a:rPr lang="en-US" sz="2000" i="1">
-                          <a:latin typeface="Cambria Math" panose="02040503050406030204" pitchFamily="18" charset="0"/>
-                        </a:rPr>
-                        <m:t>−</m:t>
-                      </m:r>
-                      <m:sSub>
-                        <m:sSubPr>
-                          <m:ctrlPr>
-                            <a:rPr lang="en-US" sz="2000" i="1">
-                              <a:latin typeface="Cambria Math" panose="02040503050406030204" pitchFamily="18" charset="0"/>
-                            </a:rPr>
-                          </m:ctrlPr>
-                        </m:sSubPr>
-                        <m:e>
-                          <m:r>
-                            <a:rPr lang="en-US" sz="2000" i="1">
-                              <a:latin typeface="Cambria Math" panose="02040503050406030204" pitchFamily="18" charset="0"/>
-                            </a:rPr>
-                            <m:t>𝑘</m:t>
-                          </m:r>
-                        </m:e>
-                        <m:sub>
-                          <m:r>
-                            <a:rPr lang="en-US" sz="2000" i="1">
-                              <a:latin typeface="Cambria Math" panose="02040503050406030204" pitchFamily="18" charset="0"/>
-                            </a:rPr>
-                            <m:t>𝑝</m:t>
-                          </m:r>
-                          <m:r>
-                            <a:rPr lang="en-US" sz="2000" i="1">
-                              <a:latin typeface="Cambria Math" panose="02040503050406030204" pitchFamily="18" charset="0"/>
-                            </a:rPr>
-                            <m:t>1</m:t>
-                          </m:r>
-                        </m:sub>
-                      </m:sSub>
-                      <m:sSub>
-                        <m:sSubPr>
-                          <m:ctrlPr>
-                            <a:rPr lang="en-US" sz="2000" i="1">
-                              <a:latin typeface="Cambria Math" panose="02040503050406030204" pitchFamily="18" charset="0"/>
-                            </a:rPr>
-                          </m:ctrlPr>
-                        </m:sSubPr>
-                        <m:e>
-                          <m:r>
-                            <a:rPr lang="en-US" sz="2000" i="1">
-                              <a:latin typeface="Cambria Math" panose="02040503050406030204" pitchFamily="18" charset="0"/>
-                            </a:rPr>
-                            <m:t>𝑘</m:t>
-                          </m:r>
-                        </m:e>
-                        <m:sub>
-                          <m:r>
-                            <a:rPr lang="en-US" sz="2000" i="1">
-                              <a:latin typeface="Cambria Math" panose="02040503050406030204" pitchFamily="18" charset="0"/>
-                            </a:rPr>
-                            <m:t>0</m:t>
-                          </m:r>
-                        </m:sub>
-                      </m:sSub>
-                      <m:d>
-                        <m:dPr>
-                          <m:ctrlPr>
-                            <a:rPr lang="en-US" sz="2000" i="1">
-                              <a:latin typeface="Cambria Math" panose="02040503050406030204" pitchFamily="18" charset="0"/>
-                            </a:rPr>
-                          </m:ctrlPr>
-                        </m:dPr>
-                        <m:e>
-                          <m:sSub>
-                            <m:sSubPr>
-                              <m:ctrlPr>
-                                <a:rPr lang="en-US" sz="2000" i="1">
-                                  <a:latin typeface="Cambria Math" panose="02040503050406030204" pitchFamily="18" charset="0"/>
-                                </a:rPr>
-                              </m:ctrlPr>
-                            </m:sSubPr>
-                            <m:e>
-                              <m:r>
-                                <a:rPr lang="en-US" sz="2000" i="1">
-                                  <a:latin typeface="Cambria Math" panose="02040503050406030204" pitchFamily="18" charset="0"/>
-                                </a:rPr>
-                                <m:t>𝑘</m:t>
-                              </m:r>
-                            </m:e>
-                            <m:sub>
-                              <m:r>
-                                <a:rPr lang="en-US" sz="2000" i="1">
-                                  <a:latin typeface="Cambria Math" panose="02040503050406030204" pitchFamily="18" charset="0"/>
-                                </a:rPr>
-                                <m:t>2</m:t>
-                              </m:r>
-                            </m:sub>
-                          </m:sSub>
-                          <m:r>
-                            <a:rPr lang="en-US" sz="2000" i="1">
-                              <a:latin typeface="Cambria Math" panose="02040503050406030204" pitchFamily="18" charset="0"/>
-                            </a:rPr>
-                            <m:t>+</m:t>
-                          </m:r>
-                          <m:sSub>
-                            <m:sSubPr>
-                              <m:ctrlPr>
-                                <a:rPr lang="en-US" sz="2000" i="1">
-                                  <a:latin typeface="Cambria Math" panose="02040503050406030204" pitchFamily="18" charset="0"/>
-                                </a:rPr>
-                              </m:ctrlPr>
-                            </m:sSubPr>
-                            <m:e>
-                              <m:r>
-                                <a:rPr lang="en-US" sz="2000" i="1">
-                                  <a:latin typeface="Cambria Math" panose="02040503050406030204" pitchFamily="18" charset="0"/>
-                                </a:rPr>
-                                <m:t>𝑘</m:t>
-                              </m:r>
-                            </m:e>
-                            <m:sub>
-                              <m:r>
-                                <a:rPr lang="en-US" sz="2000" i="1">
-                                  <a:latin typeface="Cambria Math" panose="02040503050406030204" pitchFamily="18" charset="0"/>
-                                </a:rPr>
-                                <m:t>3</m:t>
-                              </m:r>
-                            </m:sub>
-                          </m:sSub>
-                        </m:e>
-                      </m:d>
-                      <m:r>
-                        <a:rPr lang="en-US" sz="2000" i="1">
-                          <a:latin typeface="Cambria Math" panose="02040503050406030204" pitchFamily="18" charset="0"/>
-                        </a:rPr>
-                        <m:t>+</m:t>
-                      </m:r>
-                      <m:sSub>
-                        <m:sSubPr>
-                          <m:ctrlPr>
-                            <a:rPr lang="en-US" sz="2000" i="1">
-                              <a:latin typeface="Cambria Math" panose="02040503050406030204" pitchFamily="18" charset="0"/>
-                            </a:rPr>
-                          </m:ctrlPr>
-                        </m:sSubPr>
-                        <m:e>
-                          <m:r>
-                            <a:rPr lang="en-US" sz="2000" i="1">
-                              <a:latin typeface="Cambria Math" panose="02040503050406030204" pitchFamily="18" charset="0"/>
-                            </a:rPr>
-                            <m:t>𝑘</m:t>
-                          </m:r>
-                        </m:e>
-                        <m:sub>
-                          <m:r>
-                            <a:rPr lang="en-US" sz="2000" i="1">
-                              <a:latin typeface="Cambria Math" panose="02040503050406030204" pitchFamily="18" charset="0"/>
-                            </a:rPr>
-                            <m:t>1</m:t>
-                          </m:r>
-                        </m:sub>
-                      </m:sSub>
-                      <m:d>
-                        <m:dPr>
-                          <m:ctrlPr>
-                            <a:rPr lang="en-US" sz="2000" i="1">
-                              <a:latin typeface="Cambria Math" panose="02040503050406030204" pitchFamily="18" charset="0"/>
-                            </a:rPr>
-                          </m:ctrlPr>
-                        </m:dPr>
-                        <m:e>
-                          <m:sSub>
-                            <m:sSubPr>
-                              <m:ctrlPr>
-                                <a:rPr lang="en-US" sz="2000" i="1">
-                                  <a:latin typeface="Cambria Math" panose="02040503050406030204" pitchFamily="18" charset="0"/>
-                                </a:rPr>
-                              </m:ctrlPr>
-                            </m:sSubPr>
-                            <m:e>
-                              <m:r>
-                                <a:rPr lang="en-US" sz="2000" i="1">
-                                  <a:latin typeface="Cambria Math" panose="02040503050406030204" pitchFamily="18" charset="0"/>
-                                </a:rPr>
-                                <m:t>𝑘</m:t>
-                              </m:r>
-                            </m:e>
-                            <m:sub>
-                              <m:r>
-                                <a:rPr lang="en-US" sz="2000" i="1">
-                                  <a:latin typeface="Cambria Math" panose="02040503050406030204" pitchFamily="18" charset="0"/>
-                                </a:rPr>
-                                <m:t>2</m:t>
-                              </m:r>
-                            </m:sub>
-                          </m:sSub>
-                          <m:r>
-                            <a:rPr lang="en-US" sz="2000" i="1">
-                              <a:latin typeface="Cambria Math" panose="02040503050406030204" pitchFamily="18" charset="0"/>
-                            </a:rPr>
-                            <m:t>+</m:t>
-                          </m:r>
-                          <m:sSub>
-                            <m:sSubPr>
-                              <m:ctrlPr>
-                                <a:rPr lang="en-US" sz="2000" i="1">
-                                  <a:latin typeface="Cambria Math" panose="02040503050406030204" pitchFamily="18" charset="0"/>
-                                </a:rPr>
-                              </m:ctrlPr>
-                            </m:sSubPr>
-                            <m:e>
-                              <m:r>
-                                <a:rPr lang="en-US" sz="2000" i="1">
-                                  <a:latin typeface="Cambria Math" panose="02040503050406030204" pitchFamily="18" charset="0"/>
-                                </a:rPr>
-                                <m:t>𝑘</m:t>
-                              </m:r>
-                            </m:e>
-                            <m:sub>
-                              <m:r>
-                                <a:rPr lang="en-US" sz="2000" i="1">
-                                  <a:latin typeface="Cambria Math" panose="02040503050406030204" pitchFamily="18" charset="0"/>
-                                </a:rPr>
-                                <m:t>3</m:t>
-                              </m:r>
-                            </m:sub>
-                          </m:sSub>
-                        </m:e>
-                      </m:d>
-                    </m:oMath>
+                    <m:oMathPara xmlns:m="http://schemas.openxmlformats.org/officeDocument/2006/math">
+                      <m:oMathParaPr>
+                        <m:jc m:val="centerGroup"/>
+                      </m:oMathParaPr>
+                      <m:oMath xmlns:m="http://schemas.openxmlformats.org/officeDocument/2006/math">
+                        <m:sSup>
+                          <m:sSupPr>
+                            <m:ctrlPr>
+                              <a:rPr lang="en-US" sz="2000" i="1" smtClean="0">
+                                <a:latin typeface="Cambria Math" panose="02040503050406030204" pitchFamily="18" charset="0"/>
+                              </a:rPr>
+                            </m:ctrlPr>
+                          </m:sSupPr>
+                          <m:e>
+                            <m:r>
+                              <a:rPr lang="en-US" sz="2000" b="0" i="1" smtClean="0">
+                                <a:latin typeface="Cambria Math" panose="02040503050406030204" pitchFamily="18" charset="0"/>
+                              </a:rPr>
+                              <m:t>𝜆</m:t>
+                            </m:r>
+                          </m:e>
+                          <m:sup>
+                            <m:r>
+                              <a:rPr lang="en-US" sz="2000" b="0" i="1" smtClean="0">
+                                <a:latin typeface="Cambria Math" panose="02040503050406030204" pitchFamily="18" charset="0"/>
+                              </a:rPr>
+                              <m:t>2</m:t>
+                            </m:r>
+                          </m:sup>
+                        </m:sSup>
+                        <m:r>
+                          <a:rPr lang="en-US" sz="2000" b="0" i="0" smtClean="0">
+                            <a:latin typeface="Cambria Math" panose="02040503050406030204" pitchFamily="18" charset="0"/>
+                          </a:rPr>
+                          <m:t>+</m:t>
+                        </m:r>
+                        <m:sSub>
+                          <m:sSubPr>
+                            <m:ctrlPr>
+                              <a:rPr lang="en-US" sz="2000" b="0" i="1" smtClean="0">
+                                <a:latin typeface="Cambria Math" panose="02040503050406030204" pitchFamily="18" charset="0"/>
+                              </a:rPr>
+                            </m:ctrlPr>
+                          </m:sSubPr>
+                          <m:e>
+                            <m:r>
+                              <a:rPr lang="en-US" sz="2000" b="0" i="1" smtClean="0">
+                                <a:latin typeface="Cambria Math" panose="02040503050406030204" pitchFamily="18" charset="0"/>
+                              </a:rPr>
+                              <m:t>(</m:t>
+                            </m:r>
+                            <m:r>
+                              <a:rPr lang="en-US" sz="2000" b="0" i="1" smtClean="0">
+                                <a:latin typeface="Cambria Math" panose="02040503050406030204" pitchFamily="18" charset="0"/>
+                              </a:rPr>
+                              <m:t>𝑘</m:t>
+                            </m:r>
+                          </m:e>
+                          <m:sub>
+                            <m:r>
+                              <a:rPr lang="en-US" sz="2000" b="0" i="1" smtClean="0">
+                                <a:latin typeface="Cambria Math" panose="02040503050406030204" pitchFamily="18" charset="0"/>
+                              </a:rPr>
+                              <m:t>1</m:t>
+                            </m:r>
+                          </m:sub>
+                        </m:sSub>
+                        <m:r>
+                          <a:rPr lang="en-US" sz="2000" b="0" i="1" smtClean="0">
+                            <a:latin typeface="Cambria Math" panose="02040503050406030204" pitchFamily="18" charset="0"/>
+                          </a:rPr>
+                          <m:t>+</m:t>
+                        </m:r>
+                        <m:sSub>
+                          <m:sSubPr>
+                            <m:ctrlPr>
+                              <a:rPr lang="en-US" sz="2000" b="0" i="1" smtClean="0">
+                                <a:latin typeface="Cambria Math" panose="02040503050406030204" pitchFamily="18" charset="0"/>
+                              </a:rPr>
+                            </m:ctrlPr>
+                          </m:sSubPr>
+                          <m:e>
+                            <m:r>
+                              <a:rPr lang="en-US" sz="2000" b="0" i="1" smtClean="0">
+                                <a:latin typeface="Cambria Math" panose="02040503050406030204" pitchFamily="18" charset="0"/>
+                              </a:rPr>
+                              <m:t>𝑘</m:t>
+                            </m:r>
+                          </m:e>
+                          <m:sub>
+                            <m:r>
+                              <a:rPr lang="en-US" sz="2000" b="0" i="1" smtClean="0">
+                                <a:latin typeface="Cambria Math" panose="02040503050406030204" pitchFamily="18" charset="0"/>
+                              </a:rPr>
+                              <m:t>2</m:t>
+                            </m:r>
+                          </m:sub>
+                        </m:sSub>
+                        <m:r>
+                          <a:rPr lang="en-US" sz="2000" b="0" i="1" smtClean="0">
+                            <a:latin typeface="Cambria Math" panose="02040503050406030204" pitchFamily="18" charset="0"/>
+                          </a:rPr>
+                          <m:t>+</m:t>
+                        </m:r>
+                        <m:sSub>
+                          <m:sSubPr>
+                            <m:ctrlPr>
+                              <a:rPr lang="en-US" sz="2000" b="0" i="1" smtClean="0">
+                                <a:latin typeface="Cambria Math" panose="02040503050406030204" pitchFamily="18" charset="0"/>
+                              </a:rPr>
+                            </m:ctrlPr>
+                          </m:sSubPr>
+                          <m:e>
+                            <m:r>
+                              <a:rPr lang="en-US" sz="2000" b="0" i="1" smtClean="0">
+                                <a:latin typeface="Cambria Math" panose="02040503050406030204" pitchFamily="18" charset="0"/>
+                              </a:rPr>
+                              <m:t>𝑘</m:t>
+                            </m:r>
+                          </m:e>
+                          <m:sub>
+                            <m:r>
+                              <a:rPr lang="en-US" sz="2000" b="0" i="1" smtClean="0">
+                                <a:latin typeface="Cambria Math" panose="02040503050406030204" pitchFamily="18" charset="0"/>
+                              </a:rPr>
+                              <m:t>3</m:t>
+                            </m:r>
+                          </m:sub>
+                        </m:sSub>
+                        <m:r>
+                          <a:rPr lang="en-US" sz="2000" b="0" i="1" smtClean="0">
+                            <a:latin typeface="Cambria Math" panose="02040503050406030204" pitchFamily="18" charset="0"/>
+                          </a:rPr>
+                          <m:t>+</m:t>
+                        </m:r>
+                        <m:sSub>
+                          <m:sSubPr>
+                            <m:ctrlPr>
+                              <a:rPr lang="en-US" sz="2000" b="0" i="1" smtClean="0">
+                                <a:latin typeface="Cambria Math" panose="02040503050406030204" pitchFamily="18" charset="0"/>
+                              </a:rPr>
+                            </m:ctrlPr>
+                          </m:sSubPr>
+                          <m:e>
+                            <m:r>
+                              <a:rPr lang="en-US" sz="2000" b="0" i="1" smtClean="0">
+                                <a:latin typeface="Cambria Math" panose="02040503050406030204" pitchFamily="18" charset="0"/>
+                              </a:rPr>
+                              <m:t>𝑘</m:t>
+                            </m:r>
+                          </m:e>
+                          <m:sub>
+                            <m:r>
+                              <a:rPr lang="en-US" sz="2000" b="0" i="1" smtClean="0">
+                                <a:latin typeface="Cambria Math" panose="02040503050406030204" pitchFamily="18" charset="0"/>
+                              </a:rPr>
+                              <m:t>0</m:t>
+                            </m:r>
+                          </m:sub>
+                        </m:sSub>
+                        <m:sSub>
+                          <m:sSubPr>
+                            <m:ctrlPr>
+                              <a:rPr lang="en-US" sz="2000" b="0" i="1" smtClean="0">
+                                <a:latin typeface="Cambria Math" panose="02040503050406030204" pitchFamily="18" charset="0"/>
+                              </a:rPr>
+                            </m:ctrlPr>
+                          </m:sSubPr>
+                          <m:e>
+                            <m:r>
+                              <a:rPr lang="en-US" sz="2000" b="0" i="1" smtClean="0">
+                                <a:latin typeface="Cambria Math" panose="02040503050406030204" pitchFamily="18" charset="0"/>
+                              </a:rPr>
+                              <m:t>𝑘</m:t>
+                            </m:r>
+                          </m:e>
+                          <m:sub>
+                            <m:r>
+                              <a:rPr lang="en-US" sz="2000" b="0" i="1" smtClean="0">
+                                <a:latin typeface="Cambria Math" panose="02040503050406030204" pitchFamily="18" charset="0"/>
+                              </a:rPr>
+                              <m:t>𝑝</m:t>
+                            </m:r>
+                            <m:r>
+                              <a:rPr lang="en-US" sz="2000" b="0" i="1" smtClean="0">
+                                <a:latin typeface="Cambria Math" panose="02040503050406030204" pitchFamily="18" charset="0"/>
+                              </a:rPr>
+                              <m:t>1</m:t>
+                            </m:r>
+                          </m:sub>
+                        </m:sSub>
+                        <m:r>
+                          <a:rPr lang="en-US" sz="2000" b="0" i="1" smtClean="0">
+                            <a:latin typeface="Cambria Math" panose="02040503050406030204" pitchFamily="18" charset="0"/>
+                          </a:rPr>
+                          <m:t>)</m:t>
+                        </m:r>
+                        <m:r>
+                          <a:rPr lang="en-US" sz="2000" b="0" i="1" smtClean="0">
+                            <a:latin typeface="Cambria Math" panose="02040503050406030204" pitchFamily="18" charset="0"/>
+                          </a:rPr>
+                          <m:t>𝜆</m:t>
+                        </m:r>
+                        <m:r>
+                          <a:rPr lang="en-US" sz="2000" i="1">
+                            <a:latin typeface="Cambria Math" panose="02040503050406030204" pitchFamily="18" charset="0"/>
+                          </a:rPr>
+                          <m:t>−</m:t>
+                        </m:r>
+                        <m:sSub>
+                          <m:sSubPr>
+                            <m:ctrlPr>
+                              <a:rPr lang="en-US" sz="2000" b="0" i="1" smtClean="0">
+                                <a:latin typeface="Cambria Math" panose="02040503050406030204" pitchFamily="18" charset="0"/>
+                              </a:rPr>
+                            </m:ctrlPr>
+                          </m:sSubPr>
+                          <m:e>
+                            <m:r>
+                              <a:rPr lang="en-US" sz="2000" b="0" i="1" smtClean="0">
+                                <a:latin typeface="Cambria Math" panose="02040503050406030204" pitchFamily="18" charset="0"/>
+                              </a:rPr>
+                              <m:t>𝑘</m:t>
+                            </m:r>
+                          </m:e>
+                          <m:sub>
+                            <m:r>
+                              <a:rPr lang="en-US" sz="2000" b="0" i="1" smtClean="0">
+                                <a:latin typeface="Cambria Math" panose="02040503050406030204" pitchFamily="18" charset="0"/>
+                              </a:rPr>
+                              <m:t>1</m:t>
+                            </m:r>
+                          </m:sub>
+                        </m:sSub>
+                        <m:sSub>
+                          <m:sSubPr>
+                            <m:ctrlPr>
+                              <a:rPr lang="en-US" sz="2000" b="0" i="1" smtClean="0">
+                                <a:latin typeface="Cambria Math" panose="02040503050406030204" pitchFamily="18" charset="0"/>
+                              </a:rPr>
+                            </m:ctrlPr>
+                          </m:sSubPr>
+                          <m:e>
+                            <m:r>
+                              <a:rPr lang="en-US" sz="2000" b="0" i="1" smtClean="0">
+                                <a:latin typeface="Cambria Math" panose="02040503050406030204" pitchFamily="18" charset="0"/>
+                              </a:rPr>
+                              <m:t>𝑘</m:t>
+                            </m:r>
+                          </m:e>
+                          <m:sub>
+                            <m:r>
+                              <a:rPr lang="en-US" sz="2000" b="0" i="1" smtClean="0">
+                                <a:latin typeface="Cambria Math" panose="02040503050406030204" pitchFamily="18" charset="0"/>
+                              </a:rPr>
+                              <m:t>2</m:t>
+                            </m:r>
+                          </m:sub>
+                        </m:sSub>
+                        <m:r>
+                          <a:rPr lang="en-US" sz="2000" b="0" i="1" smtClean="0">
+                            <a:latin typeface="Cambria Math" panose="02040503050406030204" pitchFamily="18" charset="0"/>
+                          </a:rPr>
+                          <m:t>+</m:t>
+                        </m:r>
+                        <m:sSub>
+                          <m:sSubPr>
+                            <m:ctrlPr>
+                              <a:rPr lang="en-US" sz="2000" b="0" i="1" smtClean="0">
+                                <a:latin typeface="Cambria Math" panose="02040503050406030204" pitchFamily="18" charset="0"/>
+                              </a:rPr>
+                            </m:ctrlPr>
+                          </m:sSubPr>
+                          <m:e>
+                            <m:r>
+                              <a:rPr lang="en-US" sz="2000" b="0" i="1" smtClean="0">
+                                <a:latin typeface="Cambria Math" panose="02040503050406030204" pitchFamily="18" charset="0"/>
+                              </a:rPr>
+                              <m:t>𝑘</m:t>
+                            </m:r>
+                          </m:e>
+                          <m:sub>
+                            <m:r>
+                              <a:rPr lang="en-US" sz="2000" b="0" i="1" smtClean="0">
+                                <a:latin typeface="Cambria Math" panose="02040503050406030204" pitchFamily="18" charset="0"/>
+                              </a:rPr>
+                              <m:t>𝑝</m:t>
+                            </m:r>
+                            <m:r>
+                              <a:rPr lang="en-US" sz="2000" b="0" i="1" smtClean="0">
+                                <a:latin typeface="Cambria Math" panose="02040503050406030204" pitchFamily="18" charset="0"/>
+                              </a:rPr>
+                              <m:t>2</m:t>
+                            </m:r>
+                          </m:sub>
+                        </m:sSub>
+                        <m:sSub>
+                          <m:sSubPr>
+                            <m:ctrlPr>
+                              <a:rPr lang="en-US" sz="2000" b="0" i="1" smtClean="0">
+                                <a:latin typeface="Cambria Math" panose="02040503050406030204" pitchFamily="18" charset="0"/>
+                              </a:rPr>
+                            </m:ctrlPr>
+                          </m:sSubPr>
+                          <m:e>
+                            <m:r>
+                              <a:rPr lang="en-US" sz="2000" b="0" i="1" smtClean="0">
+                                <a:latin typeface="Cambria Math" panose="02040503050406030204" pitchFamily="18" charset="0"/>
+                              </a:rPr>
+                              <m:t>𝑘</m:t>
+                            </m:r>
+                          </m:e>
+                          <m:sub>
+                            <m:r>
+                              <a:rPr lang="en-US" sz="2000" b="0" i="1" smtClean="0">
+                                <a:latin typeface="Cambria Math" panose="02040503050406030204" pitchFamily="18" charset="0"/>
+                              </a:rPr>
+                              <m:t>0</m:t>
+                            </m:r>
+                          </m:sub>
+                        </m:sSub>
+                        <m:sSub>
+                          <m:sSubPr>
+                            <m:ctrlPr>
+                              <a:rPr lang="en-US" sz="2000" b="0" i="1" smtClean="0">
+                                <a:latin typeface="Cambria Math" panose="02040503050406030204" pitchFamily="18" charset="0"/>
+                              </a:rPr>
+                            </m:ctrlPr>
+                          </m:sSubPr>
+                          <m:e>
+                            <m:r>
+                              <a:rPr lang="en-US" sz="2000" b="0" i="1" smtClean="0">
+                                <a:latin typeface="Cambria Math" panose="02040503050406030204" pitchFamily="18" charset="0"/>
+                              </a:rPr>
+                              <m:t>𝑘</m:t>
+                            </m:r>
+                          </m:e>
+                          <m:sub>
+                            <m:r>
+                              <a:rPr lang="en-US" sz="2000" b="0" i="1" smtClean="0">
+                                <a:latin typeface="Cambria Math" panose="02040503050406030204" pitchFamily="18" charset="0"/>
+                              </a:rPr>
+                              <m:t>1</m:t>
+                            </m:r>
+                          </m:sub>
+                        </m:sSub>
+                        <m:r>
+                          <a:rPr lang="en-US" sz="2000" b="0" i="0" smtClean="0">
+                            <a:latin typeface="Cambria Math" panose="02040503050406030204" pitchFamily="18" charset="0"/>
+                          </a:rPr>
+                          <m:t>+</m:t>
+                        </m:r>
+                        <m:sSub>
+                          <m:sSubPr>
+                            <m:ctrlPr>
+                              <a:rPr lang="en-US" sz="2000" i="1">
+                                <a:latin typeface="Cambria Math" panose="02040503050406030204" pitchFamily="18" charset="0"/>
+                              </a:rPr>
+                            </m:ctrlPr>
+                          </m:sSubPr>
+                          <m:e>
+                            <m:r>
+                              <a:rPr lang="en-US" sz="2000" i="1">
+                                <a:latin typeface="Cambria Math" panose="02040503050406030204" pitchFamily="18" charset="0"/>
+                              </a:rPr>
+                              <m:t>𝑘</m:t>
+                            </m:r>
+                          </m:e>
+                          <m:sub>
+                            <m:r>
+                              <a:rPr lang="en-US" sz="2000" i="1">
+                                <a:latin typeface="Cambria Math" panose="02040503050406030204" pitchFamily="18" charset="0"/>
+                              </a:rPr>
+                              <m:t>𝑝</m:t>
+                            </m:r>
+                            <m:r>
+                              <a:rPr lang="en-US" sz="2000" i="1">
+                                <a:latin typeface="Cambria Math" panose="02040503050406030204" pitchFamily="18" charset="0"/>
+                              </a:rPr>
+                              <m:t>1</m:t>
+                            </m:r>
+                          </m:sub>
+                        </m:sSub>
+                        <m:sSub>
+                          <m:sSubPr>
+                            <m:ctrlPr>
+                              <a:rPr lang="en-US" sz="2000" i="1">
+                                <a:latin typeface="Cambria Math" panose="02040503050406030204" pitchFamily="18" charset="0"/>
+                              </a:rPr>
+                            </m:ctrlPr>
+                          </m:sSubPr>
+                          <m:e>
+                            <m:r>
+                              <a:rPr lang="en-US" sz="2000" i="1">
+                                <a:latin typeface="Cambria Math" panose="02040503050406030204" pitchFamily="18" charset="0"/>
+                              </a:rPr>
+                              <m:t>𝑘</m:t>
+                            </m:r>
+                          </m:e>
+                          <m:sub>
+                            <m:r>
+                              <a:rPr lang="en-US" sz="2000" i="1">
+                                <a:latin typeface="Cambria Math" panose="02040503050406030204" pitchFamily="18" charset="0"/>
+                              </a:rPr>
+                              <m:t>0</m:t>
+                            </m:r>
+                          </m:sub>
+                        </m:sSub>
+                        <m:d>
+                          <m:dPr>
+                            <m:ctrlPr>
+                              <a:rPr lang="en-US" sz="2000" i="1">
+                                <a:latin typeface="Cambria Math" panose="02040503050406030204" pitchFamily="18" charset="0"/>
+                              </a:rPr>
+                            </m:ctrlPr>
+                          </m:dPr>
+                          <m:e>
+                            <m:sSub>
+                              <m:sSubPr>
+                                <m:ctrlPr>
+                                  <a:rPr lang="en-US" sz="2000" i="1">
+                                    <a:latin typeface="Cambria Math" panose="02040503050406030204" pitchFamily="18" charset="0"/>
+                                  </a:rPr>
+                                </m:ctrlPr>
+                              </m:sSubPr>
+                              <m:e>
+                                <m:r>
+                                  <a:rPr lang="en-US" sz="2000" i="1">
+                                    <a:latin typeface="Cambria Math" panose="02040503050406030204" pitchFamily="18" charset="0"/>
+                                  </a:rPr>
+                                  <m:t>𝑘</m:t>
+                                </m:r>
+                              </m:e>
+                              <m:sub>
+                                <m:r>
+                                  <a:rPr lang="en-US" sz="2000" i="1">
+                                    <a:latin typeface="Cambria Math" panose="02040503050406030204" pitchFamily="18" charset="0"/>
+                                  </a:rPr>
+                                  <m:t>2</m:t>
+                                </m:r>
+                              </m:sub>
+                            </m:sSub>
+                            <m:r>
+                              <a:rPr lang="en-US" sz="2000" i="1">
+                                <a:latin typeface="Cambria Math" panose="02040503050406030204" pitchFamily="18" charset="0"/>
+                              </a:rPr>
+                              <m:t>+</m:t>
+                            </m:r>
+                            <m:sSub>
+                              <m:sSubPr>
+                                <m:ctrlPr>
+                                  <a:rPr lang="en-US" sz="2000" i="1">
+                                    <a:latin typeface="Cambria Math" panose="02040503050406030204" pitchFamily="18" charset="0"/>
+                                  </a:rPr>
+                                </m:ctrlPr>
+                              </m:sSubPr>
+                              <m:e>
+                                <m:r>
+                                  <a:rPr lang="en-US" sz="2000" i="1">
+                                    <a:latin typeface="Cambria Math" panose="02040503050406030204" pitchFamily="18" charset="0"/>
+                                  </a:rPr>
+                                  <m:t>𝑘</m:t>
+                                </m:r>
+                              </m:e>
+                              <m:sub>
+                                <m:r>
+                                  <a:rPr lang="en-US" sz="2000" i="1">
+                                    <a:latin typeface="Cambria Math" panose="02040503050406030204" pitchFamily="18" charset="0"/>
+                                  </a:rPr>
+                                  <m:t>3</m:t>
+                                </m:r>
+                              </m:sub>
+                            </m:sSub>
+                          </m:e>
+                        </m:d>
+                        <m:r>
+                          <a:rPr lang="en-US" sz="2000" i="1">
+                            <a:latin typeface="Cambria Math" panose="02040503050406030204" pitchFamily="18" charset="0"/>
+                          </a:rPr>
+                          <m:t>+</m:t>
+                        </m:r>
+                        <m:sSub>
+                          <m:sSubPr>
+                            <m:ctrlPr>
+                              <a:rPr lang="en-US" sz="2000" i="1">
+                                <a:latin typeface="Cambria Math" panose="02040503050406030204" pitchFamily="18" charset="0"/>
+                              </a:rPr>
+                            </m:ctrlPr>
+                          </m:sSubPr>
+                          <m:e>
+                            <m:r>
+                              <a:rPr lang="en-US" sz="2000" i="1">
+                                <a:latin typeface="Cambria Math" panose="02040503050406030204" pitchFamily="18" charset="0"/>
+                              </a:rPr>
+                              <m:t>𝑘</m:t>
+                            </m:r>
+                          </m:e>
+                          <m:sub>
+                            <m:r>
+                              <a:rPr lang="en-US" sz="2000" i="1">
+                                <a:latin typeface="Cambria Math" panose="02040503050406030204" pitchFamily="18" charset="0"/>
+                              </a:rPr>
+                              <m:t>1</m:t>
+                            </m:r>
+                          </m:sub>
+                        </m:sSub>
+                        <m:d>
+                          <m:dPr>
+                            <m:ctrlPr>
+                              <a:rPr lang="en-US" sz="2000" i="1">
+                                <a:latin typeface="Cambria Math" panose="02040503050406030204" pitchFamily="18" charset="0"/>
+                              </a:rPr>
+                            </m:ctrlPr>
+                          </m:dPr>
+                          <m:e>
+                            <m:sSub>
+                              <m:sSubPr>
+                                <m:ctrlPr>
+                                  <a:rPr lang="en-US" sz="2000" i="1">
+                                    <a:latin typeface="Cambria Math" panose="02040503050406030204" pitchFamily="18" charset="0"/>
+                                  </a:rPr>
+                                </m:ctrlPr>
+                              </m:sSubPr>
+                              <m:e>
+                                <m:r>
+                                  <a:rPr lang="en-US" sz="2000" i="1">
+                                    <a:latin typeface="Cambria Math" panose="02040503050406030204" pitchFamily="18" charset="0"/>
+                                  </a:rPr>
+                                  <m:t>𝑘</m:t>
+                                </m:r>
+                              </m:e>
+                              <m:sub>
+                                <m:r>
+                                  <a:rPr lang="en-US" sz="2000" i="1">
+                                    <a:latin typeface="Cambria Math" panose="02040503050406030204" pitchFamily="18" charset="0"/>
+                                  </a:rPr>
+                                  <m:t>2</m:t>
+                                </m:r>
+                              </m:sub>
+                            </m:sSub>
+                            <m:r>
+                              <a:rPr lang="en-US" sz="2000" i="1">
+                                <a:latin typeface="Cambria Math" panose="02040503050406030204" pitchFamily="18" charset="0"/>
+                              </a:rPr>
+                              <m:t>+</m:t>
+                            </m:r>
+                            <m:sSub>
+                              <m:sSubPr>
+                                <m:ctrlPr>
+                                  <a:rPr lang="en-US" sz="2000" i="1">
+                                    <a:latin typeface="Cambria Math" panose="02040503050406030204" pitchFamily="18" charset="0"/>
+                                  </a:rPr>
+                                </m:ctrlPr>
+                              </m:sSubPr>
+                              <m:e>
+                                <m:r>
+                                  <a:rPr lang="en-US" sz="2000" i="1">
+                                    <a:latin typeface="Cambria Math" panose="02040503050406030204" pitchFamily="18" charset="0"/>
+                                  </a:rPr>
+                                  <m:t>𝑘</m:t>
+                                </m:r>
+                              </m:e>
+                              <m:sub>
+                                <m:r>
+                                  <a:rPr lang="en-US" sz="2000" i="1">
+                                    <a:latin typeface="Cambria Math" panose="02040503050406030204" pitchFamily="18" charset="0"/>
+                                  </a:rPr>
+                                  <m:t>3</m:t>
+                                </m:r>
+                              </m:sub>
+                            </m:sSub>
+                          </m:e>
+                        </m:d>
+                      </m:oMath>
+                    </m:oMathPara>
                   </a14:m>
                   <a:endParaRPr lang="en-US" sz="2000" dirty="0"/>
                 </a:p>
@@ -8180,7 +8173,7 @@
               <p:spPr>
                 <a:xfrm>
                   <a:off x="213244" y="3509373"/>
-                  <a:ext cx="8878649" cy="429990"/>
+                  <a:ext cx="8992654" cy="429990"/>
                 </a:xfrm>
                 <a:prstGeom prst="rect">
                   <a:avLst/>
@@ -8225,7 +8218,7 @@
             <p:spPr>
               <a:xfrm>
                 <a:off x="665729" y="4030442"/>
-                <a:ext cx="3306803" cy="423770"/>
+                <a:ext cx="3181705" cy="423770"/>
               </a:xfrm>
               <a:prstGeom prst="rect">
                 <a:avLst/>
@@ -8365,7 +8358,7 @@
                         <a:rPr lang="en-US" sz="2000" b="0" i="1" smtClean="0">
                           <a:latin typeface="Cambria Math" panose="02040503050406030204" pitchFamily="18" charset="0"/>
                         </a:rPr>
-                        <m:t>−</m:t>
+                        <m:t>+</m:t>
                       </m:r>
                       <m:sSub>
                         <m:sSubPr>
@@ -8449,7 +8442,7 @@
             <p:spPr>
               <a:xfrm>
                 <a:off x="665729" y="4030442"/>
-                <a:ext cx="3306803" cy="423770"/>
+                <a:ext cx="3181705" cy="423770"/>
               </a:xfrm>
               <a:prstGeom prst="rect">
                 <a:avLst/>
@@ -8493,7 +8486,7 @@
             <p:spPr>
               <a:xfrm>
                 <a:off x="770994" y="4435331"/>
-                <a:ext cx="4523674" cy="423770"/>
+                <a:ext cx="4442050" cy="423770"/>
               </a:xfrm>
               <a:prstGeom prst="rect">
                 <a:avLst/>
@@ -8619,19 +8612,11 @@
                         </m:r>
                       </m:sub>
                     </m:sSub>
-                  </m:oMath>
-                </a14:m>
-                <a:r>
-                  <a:rPr lang="en-US" sz="2000" dirty="0"/>
-                  <a:t> </a:t>
-                </a:r>
-                <a14:m>
-                  <m:oMath xmlns:m="http://schemas.openxmlformats.org/officeDocument/2006/math">
                     <m:r>
-                      <a:rPr lang="en-US" sz="2000" i="1">
+                      <a:rPr lang="en-US" sz="2000" b="0" i="0" smtClean="0">
                         <a:latin typeface="Cambria Math" panose="02040503050406030204" pitchFamily="18" charset="0"/>
                       </a:rPr>
-                      <m:t>−</m:t>
+                      <m:t>+</m:t>
                     </m:r>
                     <m:sSub>
                       <m:sSubPr>
@@ -8845,7 +8830,7 @@
             <p:spPr>
               <a:xfrm>
                 <a:off x="770994" y="4435331"/>
-                <a:ext cx="4523674" cy="423770"/>
+                <a:ext cx="4442050" cy="423770"/>
               </a:xfrm>
               <a:prstGeom prst="rect">
                 <a:avLst/>
@@ -11638,9 +11623,9 @@
         <p:grpSpPr>
           <a:xfrm>
             <a:off x="457200" y="2908996"/>
-            <a:ext cx="7880731" cy="748140"/>
+            <a:ext cx="7755633" cy="748140"/>
             <a:chOff x="457200" y="2333949"/>
-            <a:chExt cx="7880731" cy="748140"/>
+            <a:chExt cx="7755633" cy="748140"/>
           </a:xfrm>
         </p:grpSpPr>
         <mc:AlternateContent xmlns:mc="http://schemas.openxmlformats.org/markup-compatibility/2006">
@@ -11797,10 +11782,10 @@
                           </m:sub>
                         </m:sSub>
                         <m:r>
-                          <a:rPr lang="en-US" sz="2000" i="1">
+                          <a:rPr lang="en-US" sz="2000" b="0" i="1" smtClean="0">
                             <a:latin typeface="Cambria Math" panose="02040503050406030204" pitchFamily="18" charset="0"/>
                           </a:rPr>
-                          <m:t>−</m:t>
+                          <m:t>+</m:t>
                         </m:r>
                         <m:sSub>
                           <m:sSubPr>
@@ -11928,7 +11913,7 @@
               <p:spPr>
                 <a:xfrm>
                   <a:off x="3814257" y="2658319"/>
-                  <a:ext cx="4523674" cy="423770"/>
+                  <a:ext cx="4398576" cy="423770"/>
                 </a:xfrm>
                 <a:prstGeom prst="rect">
                   <a:avLst/>
@@ -12063,10 +12048,10 @@
                   <a14:m>
                     <m:oMath xmlns:m="http://schemas.openxmlformats.org/officeDocument/2006/math">
                       <m:r>
-                        <a:rPr lang="en-US" sz="2000" i="1">
+                        <a:rPr lang="en-US" sz="2000" i="1" dirty="0">
                           <a:latin typeface="Cambria Math" panose="02040503050406030204" pitchFamily="18" charset="0"/>
                         </a:rPr>
-                        <m:t>−</m:t>
+                        <m:t>+</m:t>
                       </m:r>
                       <m:sSub>
                         <m:sSubPr>
@@ -12280,7 +12265,7 @@
               <p:spPr>
                 <a:xfrm>
                   <a:off x="3814257" y="2658319"/>
-                  <a:ext cx="4523674" cy="423770"/>
+                  <a:ext cx="4398576" cy="423770"/>
                 </a:xfrm>
                 <a:prstGeom prst="rect">
                   <a:avLst/>
@@ -13076,9 +13061,9 @@
         <p:grpSpPr>
           <a:xfrm>
             <a:off x="1893377" y="5336830"/>
-            <a:ext cx="4747903" cy="843318"/>
+            <a:ext cx="4735271" cy="843318"/>
             <a:chOff x="1893377" y="4761783"/>
-            <a:chExt cx="4747903" cy="843318"/>
+            <a:chExt cx="4735271" cy="843318"/>
           </a:xfrm>
         </p:grpSpPr>
         <mc:AlternateContent xmlns:mc="http://schemas.openxmlformats.org/markup-compatibility/2006">
@@ -13098,7 +13083,7 @@
               <p:spPr>
                 <a:xfrm>
                   <a:off x="1893377" y="4761783"/>
-                  <a:ext cx="4188967" cy="423770"/>
+                  <a:ext cx="4063869" cy="423770"/>
                 </a:xfrm>
                 <a:prstGeom prst="rect">
                   <a:avLst/>
@@ -13203,7 +13188,7 @@
                         <a:rPr lang="en-US" sz="2000" b="0" i="1" smtClean="0">
                           <a:latin typeface="Cambria Math" panose="02040503050406030204" pitchFamily="18" charset="0"/>
                         </a:rPr>
-                        <m:t>−</m:t>
+                        <m:t>+</m:t>
                       </m:r>
                       <m:sSub>
                         <m:sSubPr>
@@ -13368,7 +13353,7 @@
               <p:spPr>
                 <a:xfrm>
                   <a:off x="1893377" y="4761783"/>
-                  <a:ext cx="4188967" cy="423770"/>
+                  <a:ext cx="4063869" cy="423770"/>
                 </a:xfrm>
                 <a:prstGeom prst="rect">
                   <a:avLst/>
@@ -13412,7 +13397,7 @@
               <p:spPr>
                 <a:xfrm>
                   <a:off x="1893377" y="5181331"/>
-                  <a:ext cx="4747903" cy="423770"/>
+                  <a:ext cx="4735271" cy="423770"/>
                 </a:xfrm>
                 <a:prstGeom prst="rect">
                   <a:avLst/>
@@ -13507,19 +13492,11 @@
                           </m:r>
                         </m:sub>
                       </m:sSub>
-                    </m:oMath>
-                  </a14:m>
-                  <a:r>
-                    <a:rPr lang="en-US" sz="2000" dirty="0"/>
-                    <a:t> </a:t>
-                  </a:r>
-                  <a14:m>
-                    <m:oMath xmlns:m="http://schemas.openxmlformats.org/officeDocument/2006/math">
                       <m:r>
-                        <a:rPr lang="en-US" sz="2000" i="1">
+                        <a:rPr lang="en-US" sz="2000" b="0" i="0" smtClean="0">
                           <a:latin typeface="Cambria Math" panose="02040503050406030204" pitchFamily="18" charset="0"/>
                         </a:rPr>
-                        <m:t>−</m:t>
+                        <m:t>+</m:t>
                       </m:r>
                       <m:sSub>
                         <m:sSubPr>
@@ -13530,43 +13507,37 @@
                           </m:ctrlPr>
                         </m:sSubPr>
                         <m:e>
-                          <m:r>
-                            <a:rPr lang="en-US" sz="2000" b="0" i="1" smtClean="0">
-                              <a:latin typeface="Cambria Math" panose="02040503050406030204" pitchFamily="18" charset="0"/>
-                            </a:rPr>
-                            <m:t> </m:t>
-                          </m:r>
-                          <m:r>
-                            <a:rPr lang="en-US" sz="2000" i="1">
-                              <a:latin typeface="Cambria Math" panose="02040503050406030204" pitchFamily="18" charset="0"/>
-                            </a:rPr>
-                            <m:t>𝑘</m:t>
-                          </m:r>
-                        </m:e>
-                        <m:sub>
-                          <m:r>
-                            <a:rPr lang="en-US" sz="2000" i="1">
-                              <a:latin typeface="Cambria Math" panose="02040503050406030204" pitchFamily="18" charset="0"/>
-                            </a:rPr>
-                            <m:t>𝑝</m:t>
-                          </m:r>
-                          <m:r>
-                            <a:rPr lang="en-US" sz="2000" i="1">
-                              <a:latin typeface="Cambria Math" panose="02040503050406030204" pitchFamily="18" charset="0"/>
-                            </a:rPr>
-                            <m:t>1</m:t>
-                          </m:r>
-                        </m:sub>
-                      </m:sSub>
-                      <m:sSub>
-                        <m:sSubPr>
-                          <m:ctrlPr>
-                            <a:rPr lang="en-US" sz="2000" i="1">
-                              <a:latin typeface="Cambria Math" panose="02040503050406030204" pitchFamily="18" charset="0"/>
-                            </a:rPr>
-                          </m:ctrlPr>
-                        </m:sSubPr>
-                        <m:e>
+                          <m:sSub>
+                            <m:sSubPr>
+                              <m:ctrlPr>
+                                <a:rPr lang="en-US" sz="2000" b="0" i="1" smtClean="0">
+                                  <a:latin typeface="Cambria Math" panose="02040503050406030204" pitchFamily="18" charset="0"/>
+                                </a:rPr>
+                              </m:ctrlPr>
+                            </m:sSubPr>
+                            <m:e>
+                              <m:r>
+                                <a:rPr lang="en-US" sz="2000" b="0" i="1" smtClean="0">
+                                  <a:latin typeface="Cambria Math" panose="02040503050406030204" pitchFamily="18" charset="0"/>
+                                </a:rPr>
+                                <m:t>𝑘</m:t>
+                              </m:r>
+                            </m:e>
+                            <m:sub>
+                              <m:r>
+                                <a:rPr lang="en-US" sz="2000" b="0" i="1" smtClean="0">
+                                  <a:latin typeface="Cambria Math" panose="02040503050406030204" pitchFamily="18" charset="0"/>
+                                </a:rPr>
+                                <m:t>𝑝</m:t>
+                              </m:r>
+                              <m:r>
+                                <a:rPr lang="en-US" sz="2000" b="0" i="1" smtClean="0">
+                                  <a:latin typeface="Cambria Math" panose="02040503050406030204" pitchFamily="18" charset="0"/>
+                                </a:rPr>
+                                <m:t>1</m:t>
+                              </m:r>
+                            </m:sub>
+                          </m:sSub>
                           <m:r>
                             <a:rPr lang="en-US" sz="2000" i="1">
                               <a:latin typeface="Cambria Math" panose="02040503050406030204" pitchFamily="18" charset="0"/>
@@ -13795,7 +13766,7 @@
               <p:spPr>
                 <a:xfrm>
                   <a:off x="1893377" y="5181331"/>
-                  <a:ext cx="4747903" cy="423770"/>
+                  <a:ext cx="4735271" cy="423770"/>
                 </a:xfrm>
                 <a:prstGeom prst="rect">
                   <a:avLst/>
@@ -15842,14 +15813,19 @@
             <p:ph type="title"/>
           </p:nvPr>
         </p:nvSpPr>
-        <p:spPr/>
+        <p:spPr>
+          <a:xfrm>
+            <a:off x="457200" y="359245"/>
+            <a:ext cx="8229600" cy="838200"/>
+          </a:xfrm>
+        </p:spPr>
         <p:txBody>
           <a:bodyPr/>
           <a:lstStyle/>
           <a:p>
             <a:r>
               <a:rPr lang="en-US" dirty="0"/>
-              <a:t>How Well Does it Work?</a:t>
+              <a:t>How Well Does State Feedback Work?</a:t>
             </a:r>
           </a:p>
         </p:txBody>
@@ -15889,6 +15865,1657 @@
           </a:p>
         </p:txBody>
       </p:sp>
+      <p:grpSp>
+        <p:nvGrpSpPr>
+          <p:cNvPr id="10" name="Group 9">
+            <a:extLst>
+              <a:ext uri="{FF2B5EF4-FFF2-40B4-BE49-F238E27FC236}">
+                <a16:creationId xmlns:a16="http://schemas.microsoft.com/office/drawing/2014/main" id="{DE2D8B25-9A9F-F945-838C-36A68BAF18F5}"/>
+              </a:ext>
+            </a:extLst>
+          </p:cNvPr>
+          <p:cNvGrpSpPr/>
+          <p:nvPr/>
+        </p:nvGrpSpPr>
+        <p:grpSpPr>
+          <a:xfrm>
+            <a:off x="4458642" y="1475085"/>
+            <a:ext cx="4228158" cy="1163800"/>
+            <a:chOff x="1593744" y="4928040"/>
+            <a:chExt cx="4228158" cy="1163800"/>
+          </a:xfrm>
+        </p:grpSpPr>
+        <p:sp>
+          <p:nvSpPr>
+            <p:cNvPr id="11" name="Rectangle 10">
+              <a:extLst>
+                <a:ext uri="{FF2B5EF4-FFF2-40B4-BE49-F238E27FC236}">
+                  <a16:creationId xmlns:a16="http://schemas.microsoft.com/office/drawing/2014/main" id="{D4992DF1-51E0-B645-A8D9-20322975814D}"/>
+                </a:ext>
+              </a:extLst>
+            </p:cNvPr>
+            <p:cNvSpPr>
+              <a:spLocks noChangeAspect="1"/>
+            </p:cNvSpPr>
+            <p:nvPr/>
+          </p:nvSpPr>
+          <p:spPr>
+            <a:xfrm>
+              <a:off x="4400976" y="5083582"/>
+              <a:ext cx="678383" cy="669305"/>
+            </a:xfrm>
+            <a:prstGeom prst="rect">
+              <a:avLst/>
+            </a:prstGeom>
+          </p:spPr>
+          <p:style>
+            <a:lnRef idx="1">
+              <a:schemeClr val="accent1"/>
+            </a:lnRef>
+            <a:fillRef idx="3">
+              <a:schemeClr val="accent1"/>
+            </a:fillRef>
+            <a:effectRef idx="2">
+              <a:schemeClr val="accent1"/>
+            </a:effectRef>
+            <a:fontRef idx="minor">
+              <a:schemeClr val="lt1"/>
+            </a:fontRef>
+          </p:style>
+          <p:txBody>
+            <a:bodyPr rtlCol="0" anchor="ctr"/>
+            <a:lstStyle/>
+            <a:p>
+              <a:pPr algn="ctr"/>
+              <a:endParaRPr lang="en-US" dirty="0"/>
+            </a:p>
+          </p:txBody>
+        </p:sp>
+        <p:cxnSp>
+          <p:nvCxnSpPr>
+            <p:cNvPr id="12" name="Straight Arrow Connector 11">
+              <a:extLst>
+                <a:ext uri="{FF2B5EF4-FFF2-40B4-BE49-F238E27FC236}">
+                  <a16:creationId xmlns:a16="http://schemas.microsoft.com/office/drawing/2014/main" id="{5A914231-CB77-CE45-8969-23F630473764}"/>
+                </a:ext>
+              </a:extLst>
+            </p:cNvPr>
+            <p:cNvCxnSpPr>
+              <a:cxnSpLocks/>
+              <a:stCxn id="15" idx="3"/>
+              <a:endCxn id="11" idx="1"/>
+            </p:cNvCxnSpPr>
+            <p:nvPr/>
+          </p:nvCxnSpPr>
+          <p:spPr>
+            <a:xfrm flipV="1">
+              <a:off x="3326209" y="5418235"/>
+              <a:ext cx="1074767" cy="1500"/>
+            </a:xfrm>
+            <a:prstGeom prst="straightConnector1">
+              <a:avLst/>
+            </a:prstGeom>
+            <a:ln>
+              <a:tailEnd type="triangle" w="lg" len="lg"/>
+            </a:ln>
+            <a:effectLst>
+              <a:outerShdw dist="20000" sx="1000" sy="1000" rotWithShape="0">
+                <a:srgbClr val="000000"/>
+              </a:outerShdw>
+            </a:effectLst>
+          </p:spPr>
+          <p:style>
+            <a:lnRef idx="2">
+              <a:schemeClr val="accent1"/>
+            </a:lnRef>
+            <a:fillRef idx="0">
+              <a:schemeClr val="accent1"/>
+            </a:fillRef>
+            <a:effectRef idx="1">
+              <a:schemeClr val="accent1"/>
+            </a:effectRef>
+            <a:fontRef idx="minor">
+              <a:schemeClr val="tx1"/>
+            </a:fontRef>
+          </p:style>
+        </p:cxnSp>
+        <p:cxnSp>
+          <p:nvCxnSpPr>
+            <p:cNvPr id="13" name="Straight Arrow Connector 12">
+              <a:extLst>
+                <a:ext uri="{FF2B5EF4-FFF2-40B4-BE49-F238E27FC236}">
+                  <a16:creationId xmlns:a16="http://schemas.microsoft.com/office/drawing/2014/main" id="{1279A7F2-55D2-4C45-903D-F0192AD45A2F}"/>
+                </a:ext>
+              </a:extLst>
+            </p:cNvPr>
+            <p:cNvCxnSpPr>
+              <a:cxnSpLocks/>
+            </p:cNvCxnSpPr>
+            <p:nvPr/>
+          </p:nvCxnSpPr>
+          <p:spPr>
+            <a:xfrm>
+              <a:off x="5093868" y="5425135"/>
+              <a:ext cx="630040" cy="3108"/>
+            </a:xfrm>
+            <a:prstGeom prst="straightConnector1">
+              <a:avLst/>
+            </a:prstGeom>
+            <a:ln>
+              <a:tailEnd type="triangle" w="lg" len="lg"/>
+            </a:ln>
+            <a:effectLst>
+              <a:outerShdw dist="20000" sx="1000" sy="1000" rotWithShape="0">
+                <a:srgbClr val="000000"/>
+              </a:outerShdw>
+            </a:effectLst>
+          </p:spPr>
+          <p:style>
+            <a:lnRef idx="2">
+              <a:schemeClr val="accent1"/>
+            </a:lnRef>
+            <a:fillRef idx="0">
+              <a:schemeClr val="accent1"/>
+            </a:fillRef>
+            <a:effectRef idx="1">
+              <a:schemeClr val="accent1"/>
+            </a:effectRef>
+            <a:fontRef idx="minor">
+              <a:schemeClr val="tx1"/>
+            </a:fontRef>
+          </p:style>
+        </p:cxnSp>
+        <mc:AlternateContent xmlns:mc="http://schemas.openxmlformats.org/markup-compatibility/2006">
+          <mc:Choice xmlns:a14="http://schemas.microsoft.com/office/drawing/2010/main" Requires="a14">
+            <p:sp>
+              <p:nvSpPr>
+                <p:cNvPr id="14" name="Rectangle 13">
+                  <a:extLst>
+                    <a:ext uri="{FF2B5EF4-FFF2-40B4-BE49-F238E27FC236}">
+                      <a16:creationId xmlns:a16="http://schemas.microsoft.com/office/drawing/2014/main" id="{EBB27DE6-80EE-1D4C-B24A-E42D899E584A}"/>
+                    </a:ext>
+                  </a:extLst>
+                </p:cNvPr>
+                <p:cNvSpPr/>
+                <p:nvPr/>
+              </p:nvSpPr>
+              <p:spPr>
+                <a:xfrm>
+                  <a:off x="4364142" y="5189119"/>
+                  <a:ext cx="750577" cy="400112"/>
+                </a:xfrm>
+                <a:prstGeom prst="rect">
+                  <a:avLst/>
+                </a:prstGeom>
+              </p:spPr>
+              <p:txBody>
+                <a:bodyPr wrap="square">
+                  <a:spAutoFit/>
+                </a:bodyPr>
+                <a:lstStyle/>
+                <a:p>
+                  <a:pPr/>
+                  <a14:m>
+                    <m:oMathPara xmlns:m="http://schemas.openxmlformats.org/officeDocument/2006/math">
+                      <m:oMathParaPr>
+                        <m:jc m:val="centerGroup"/>
+                      </m:oMathParaPr>
+                      <m:oMath xmlns:m="http://schemas.openxmlformats.org/officeDocument/2006/math">
+                        <m:r>
+                          <a:rPr lang="en-US" sz="2000" b="1" i="1" smtClean="0">
+                            <a:solidFill>
+                              <a:schemeClr val="bg1"/>
+                            </a:solidFill>
+                            <a:latin typeface="Cambria Math" panose="02040503050406030204" pitchFamily="18" charset="0"/>
+                          </a:rPr>
+                          <m:t>𝑮</m:t>
+                        </m:r>
+                        <m:r>
+                          <a:rPr lang="en-US" sz="2000" b="1" i="1" smtClean="0">
+                            <a:solidFill>
+                              <a:schemeClr val="bg1"/>
+                            </a:solidFill>
+                            <a:latin typeface="Cambria Math" panose="02040503050406030204" pitchFamily="18" charset="0"/>
+                          </a:rPr>
+                          <m:t>(</m:t>
+                        </m:r>
+                        <m:r>
+                          <a:rPr lang="en-US" sz="2000" b="1" i="1" smtClean="0">
+                            <a:solidFill>
+                              <a:schemeClr val="bg1"/>
+                            </a:solidFill>
+                            <a:latin typeface="Cambria Math" panose="02040503050406030204" pitchFamily="18" charset="0"/>
+                          </a:rPr>
+                          <m:t>𝒔</m:t>
+                        </m:r>
+                        <m:r>
+                          <a:rPr lang="en-US" sz="2000" b="1" i="1" smtClean="0">
+                            <a:solidFill>
+                              <a:schemeClr val="bg1"/>
+                            </a:solidFill>
+                            <a:latin typeface="Cambria Math" panose="02040503050406030204" pitchFamily="18" charset="0"/>
+                          </a:rPr>
+                          <m:t>)</m:t>
+                        </m:r>
+                      </m:oMath>
+                    </m:oMathPara>
+                  </a14:m>
+                  <a:endParaRPr lang="en-US" sz="2000" b="1" dirty="0">
+                    <a:solidFill>
+                      <a:schemeClr val="bg1"/>
+                    </a:solidFill>
+                  </a:endParaRPr>
+                </a:p>
+              </p:txBody>
+            </p:sp>
+          </mc:Choice>
+          <mc:Fallback>
+            <p:sp>
+              <p:nvSpPr>
+                <p:cNvPr id="14" name="Rectangle 13">
+                  <a:extLst>
+                    <a:ext uri="{FF2B5EF4-FFF2-40B4-BE49-F238E27FC236}">
+                      <a16:creationId xmlns:a16="http://schemas.microsoft.com/office/drawing/2014/main" id="{EBB27DE6-80EE-1D4C-B24A-E42D899E584A}"/>
+                    </a:ext>
+                  </a:extLst>
+                </p:cNvPr>
+                <p:cNvSpPr>
+                  <a:spLocks noRot="1" noChangeAspect="1" noMove="1" noResize="1" noEditPoints="1" noAdjustHandles="1" noChangeArrowheads="1" noChangeShapeType="1" noTextEdit="1"/>
+                </p:cNvSpPr>
+                <p:nvPr/>
+              </p:nvSpPr>
+              <p:spPr>
+                <a:xfrm>
+                  <a:off x="4364142" y="5189119"/>
+                  <a:ext cx="750577" cy="400112"/>
+                </a:xfrm>
+                <a:prstGeom prst="rect">
+                  <a:avLst/>
+                </a:prstGeom>
+                <a:blipFill>
+                  <a:blip r:embed="rId2"/>
+                  <a:stretch>
+                    <a:fillRect b="-15625"/>
+                  </a:stretch>
+                </a:blipFill>
+              </p:spPr>
+              <p:txBody>
+                <a:bodyPr/>
+                <a:lstStyle/>
+                <a:p>
+                  <a:r>
+                    <a:rPr lang="en-US">
+                      <a:noFill/>
+                    </a:rPr>
+                    <a:t> </a:t>
+                  </a:r>
+                </a:p>
+              </p:txBody>
+            </p:sp>
+          </mc:Fallback>
+        </mc:AlternateContent>
+        <mc:AlternateContent xmlns:mc="http://schemas.openxmlformats.org/markup-compatibility/2006">
+          <mc:Choice xmlns:a14="http://schemas.microsoft.com/office/drawing/2010/main" Requires="a14">
+            <p:sp>
+              <p:nvSpPr>
+                <p:cNvPr id="15" name="Rectangle 14">
+                  <a:extLst>
+                    <a:ext uri="{FF2B5EF4-FFF2-40B4-BE49-F238E27FC236}">
+                      <a16:creationId xmlns:a16="http://schemas.microsoft.com/office/drawing/2014/main" id="{B700D72E-E617-1E4A-BFE9-080E9EB3F540}"/>
+                    </a:ext>
+                  </a:extLst>
+                </p:cNvPr>
+                <p:cNvSpPr>
+                  <a:spLocks noChangeAspect="1"/>
+                </p:cNvSpPr>
+                <p:nvPr/>
+              </p:nvSpPr>
+              <p:spPr>
+                <a:xfrm>
+                  <a:off x="2345967" y="5085082"/>
+                  <a:ext cx="980242" cy="669306"/>
+                </a:xfrm>
+                <a:prstGeom prst="rect">
+                  <a:avLst/>
+                </a:prstGeom>
+              </p:spPr>
+              <p:style>
+                <a:lnRef idx="1">
+                  <a:schemeClr val="accent1"/>
+                </a:lnRef>
+                <a:fillRef idx="3">
+                  <a:schemeClr val="accent1"/>
+                </a:fillRef>
+                <a:effectRef idx="2">
+                  <a:schemeClr val="accent1"/>
+                </a:effectRef>
+                <a:fontRef idx="minor">
+                  <a:schemeClr val="lt1"/>
+                </a:fontRef>
+              </p:style>
+              <p:txBody>
+                <a:bodyPr rtlCol="0" anchor="ctr"/>
+                <a:lstStyle/>
+                <a:p>
+                  <a:pPr algn="ctr"/>
+                  <a14:m>
+                    <m:oMathPara xmlns:m="http://schemas.openxmlformats.org/officeDocument/2006/math">
+                      <m:oMathParaPr>
+                        <m:jc m:val="centerGroup"/>
+                      </m:oMathParaPr>
+                      <m:oMath xmlns:m="http://schemas.openxmlformats.org/officeDocument/2006/math">
+                        <m:r>
+                          <a:rPr lang="en-US" b="1" i="1" smtClean="0">
+                            <a:solidFill>
+                              <a:schemeClr val="bg1"/>
+                            </a:solidFill>
+                            <a:latin typeface="Cambria Math" panose="02040503050406030204" pitchFamily="18" charset="0"/>
+                          </a:rPr>
+                          <m:t>𝑪</m:t>
+                        </m:r>
+                        <m:r>
+                          <a:rPr lang="en-US" b="1" i="1">
+                            <a:solidFill>
+                              <a:schemeClr val="bg1"/>
+                            </a:solidFill>
+                            <a:latin typeface="Cambria Math" panose="02040503050406030204" pitchFamily="18" charset="0"/>
+                          </a:rPr>
+                          <m:t>(</m:t>
+                        </m:r>
+                        <m:r>
+                          <a:rPr lang="en-US" b="1" i="1">
+                            <a:solidFill>
+                              <a:schemeClr val="bg1"/>
+                            </a:solidFill>
+                            <a:latin typeface="Cambria Math" panose="02040503050406030204" pitchFamily="18" charset="0"/>
+                          </a:rPr>
+                          <m:t>𝒔</m:t>
+                        </m:r>
+                        <m:r>
+                          <a:rPr lang="en-US" b="1" i="1">
+                            <a:solidFill>
+                              <a:schemeClr val="bg1"/>
+                            </a:solidFill>
+                            <a:latin typeface="Cambria Math" panose="02040503050406030204" pitchFamily="18" charset="0"/>
+                          </a:rPr>
+                          <m:t>)</m:t>
+                        </m:r>
+                      </m:oMath>
+                    </m:oMathPara>
+                  </a14:m>
+                  <a:endParaRPr lang="en-US" dirty="0"/>
+                </a:p>
+              </p:txBody>
+            </p:sp>
+          </mc:Choice>
+          <mc:Fallback>
+            <p:sp>
+              <p:nvSpPr>
+                <p:cNvPr id="15" name="Rectangle 14">
+                  <a:extLst>
+                    <a:ext uri="{FF2B5EF4-FFF2-40B4-BE49-F238E27FC236}">
+                      <a16:creationId xmlns:a16="http://schemas.microsoft.com/office/drawing/2014/main" id="{B700D72E-E617-1E4A-BFE9-080E9EB3F540}"/>
+                    </a:ext>
+                  </a:extLst>
+                </p:cNvPr>
+                <p:cNvSpPr>
+                  <a:spLocks noRot="1" noChangeAspect="1" noMove="1" noResize="1" noEditPoints="1" noAdjustHandles="1" noChangeArrowheads="1" noChangeShapeType="1" noTextEdit="1"/>
+                </p:cNvSpPr>
+                <p:nvPr/>
+              </p:nvSpPr>
+              <p:spPr>
+                <a:xfrm>
+                  <a:off x="2345967" y="5085082"/>
+                  <a:ext cx="980242" cy="669306"/>
+                </a:xfrm>
+                <a:prstGeom prst="rect">
+                  <a:avLst/>
+                </a:prstGeom>
+                <a:blipFill>
+                  <a:blip r:embed="rId3"/>
+                  <a:stretch>
+                    <a:fillRect/>
+                  </a:stretch>
+                </a:blipFill>
+              </p:spPr>
+              <p:txBody>
+                <a:bodyPr/>
+                <a:lstStyle/>
+                <a:p>
+                  <a:r>
+                    <a:rPr lang="en-US">
+                      <a:noFill/>
+                    </a:rPr>
+                    <a:t> </a:t>
+                  </a:r>
+                </a:p>
+              </p:txBody>
+            </p:sp>
+          </mc:Fallback>
+        </mc:AlternateContent>
+        <mc:AlternateContent xmlns:mc="http://schemas.openxmlformats.org/markup-compatibility/2006">
+          <mc:Choice xmlns:a14="http://schemas.microsoft.com/office/drawing/2010/main" Requires="a14">
+            <p:sp>
+              <p:nvSpPr>
+                <p:cNvPr id="16" name="Rectangle 15">
+                  <a:extLst>
+                    <a:ext uri="{FF2B5EF4-FFF2-40B4-BE49-F238E27FC236}">
+                      <a16:creationId xmlns:a16="http://schemas.microsoft.com/office/drawing/2014/main" id="{E1CF8D59-FCC3-6E47-8A58-6016FF41B61C}"/>
+                    </a:ext>
+                  </a:extLst>
+                </p:cNvPr>
+                <p:cNvSpPr/>
+                <p:nvPr/>
+              </p:nvSpPr>
+              <p:spPr>
+                <a:xfrm>
+                  <a:off x="3447968" y="5691728"/>
+                  <a:ext cx="691664" cy="400112"/>
+                </a:xfrm>
+                <a:prstGeom prst="rect">
+                  <a:avLst/>
+                </a:prstGeom>
+              </p:spPr>
+              <p:txBody>
+                <a:bodyPr wrap="none">
+                  <a:spAutoFit/>
+                </a:bodyPr>
+                <a:lstStyle/>
+                <a:p>
+                  <a:pPr/>
+                  <a:r>
+                    <a:rPr lang="en-US" sz="2000" b="1" i="1" dirty="0">
+                      <a:solidFill>
+                        <a:schemeClr val="tx1"/>
+                      </a:solidFill>
+                    </a:rPr>
+                    <a:t>X</a:t>
+                  </a:r>
+                  <a14:m>
+                    <m:oMath xmlns:m="http://schemas.openxmlformats.org/officeDocument/2006/math">
+                      <m:r>
+                        <a:rPr lang="en-US" sz="2000" b="0" i="1" smtClean="0">
+                          <a:solidFill>
+                            <a:schemeClr val="tx1"/>
+                          </a:solidFill>
+                          <a:latin typeface="Cambria Math" panose="02040503050406030204" pitchFamily="18" charset="0"/>
+                        </a:rPr>
+                        <m:t>(</m:t>
+                      </m:r>
+                      <m:r>
+                        <a:rPr lang="en-US" sz="2000" b="0" i="1" smtClean="0">
+                          <a:solidFill>
+                            <a:schemeClr val="tx1"/>
+                          </a:solidFill>
+                          <a:latin typeface="Cambria Math" panose="02040503050406030204" pitchFamily="18" charset="0"/>
+                        </a:rPr>
+                        <m:t>𝑠</m:t>
+                      </m:r>
+                      <m:r>
+                        <a:rPr lang="en-US" sz="2000" b="0" i="1" smtClean="0">
+                          <a:solidFill>
+                            <a:schemeClr val="tx1"/>
+                          </a:solidFill>
+                          <a:latin typeface="Cambria Math" panose="02040503050406030204" pitchFamily="18" charset="0"/>
+                        </a:rPr>
+                        <m:t>)</m:t>
+                      </m:r>
+                    </m:oMath>
+                  </a14:m>
+                  <a:endParaRPr lang="en-US" sz="2000" dirty="0">
+                    <a:solidFill>
+                      <a:schemeClr val="tx1"/>
+                    </a:solidFill>
+                  </a:endParaRPr>
+                </a:p>
+              </p:txBody>
+            </p:sp>
+          </mc:Choice>
+          <mc:Fallback>
+            <p:sp>
+              <p:nvSpPr>
+                <p:cNvPr id="16" name="Rectangle 15">
+                  <a:extLst>
+                    <a:ext uri="{FF2B5EF4-FFF2-40B4-BE49-F238E27FC236}">
+                      <a16:creationId xmlns:a16="http://schemas.microsoft.com/office/drawing/2014/main" id="{E1CF8D59-FCC3-6E47-8A58-6016FF41B61C}"/>
+                    </a:ext>
+                  </a:extLst>
+                </p:cNvPr>
+                <p:cNvSpPr>
+                  <a:spLocks noRot="1" noChangeAspect="1" noMove="1" noResize="1" noEditPoints="1" noAdjustHandles="1" noChangeArrowheads="1" noChangeShapeType="1" noTextEdit="1"/>
+                </p:cNvSpPr>
+                <p:nvPr/>
+              </p:nvSpPr>
+              <p:spPr>
+                <a:xfrm>
+                  <a:off x="3447968" y="5691728"/>
+                  <a:ext cx="691664" cy="400112"/>
+                </a:xfrm>
+                <a:prstGeom prst="rect">
+                  <a:avLst/>
+                </a:prstGeom>
+                <a:blipFill>
+                  <a:blip r:embed="rId4"/>
+                  <a:stretch>
+                    <a:fillRect l="-9091" t="-9375" r="-1818" b="-28125"/>
+                  </a:stretch>
+                </a:blipFill>
+              </p:spPr>
+              <p:txBody>
+                <a:bodyPr/>
+                <a:lstStyle/>
+                <a:p>
+                  <a:r>
+                    <a:rPr lang="en-US">
+                      <a:noFill/>
+                    </a:rPr>
+                    <a:t> </a:t>
+                  </a:r>
+                </a:p>
+              </p:txBody>
+            </p:sp>
+          </mc:Fallback>
+        </mc:AlternateContent>
+        <mc:AlternateContent xmlns:mc="http://schemas.openxmlformats.org/markup-compatibility/2006">
+          <mc:Choice xmlns:a14="http://schemas.microsoft.com/office/drawing/2010/main" Requires="a14">
+            <p:sp>
+              <p:nvSpPr>
+                <p:cNvPr id="17" name="Rectangle 16">
+                  <a:extLst>
+                    <a:ext uri="{FF2B5EF4-FFF2-40B4-BE49-F238E27FC236}">
+                      <a16:creationId xmlns:a16="http://schemas.microsoft.com/office/drawing/2014/main" id="{8BE397F1-3289-7147-AF36-F4236E273F26}"/>
+                    </a:ext>
+                  </a:extLst>
+                </p:cNvPr>
+                <p:cNvSpPr/>
+                <p:nvPr/>
+              </p:nvSpPr>
+              <p:spPr>
+                <a:xfrm>
+                  <a:off x="3380939" y="4976010"/>
+                  <a:ext cx="755243" cy="400112"/>
+                </a:xfrm>
+                <a:prstGeom prst="rect">
+                  <a:avLst/>
+                </a:prstGeom>
+              </p:spPr>
+              <p:txBody>
+                <a:bodyPr wrap="square">
+                  <a:spAutoFit/>
+                </a:bodyPr>
+                <a:lstStyle/>
+                <a:p>
+                  <a:pPr/>
+                  <a14:m>
+                    <m:oMathPara xmlns:m="http://schemas.openxmlformats.org/officeDocument/2006/math">
+                      <m:oMathParaPr>
+                        <m:jc m:val="centerGroup"/>
+                      </m:oMathParaPr>
+                      <m:oMath xmlns:m="http://schemas.openxmlformats.org/officeDocument/2006/math">
+                        <m:r>
+                          <a:rPr lang="en-US" sz="2000" b="0" i="1" smtClean="0">
+                            <a:solidFill>
+                              <a:schemeClr val="tx1"/>
+                            </a:solidFill>
+                            <a:latin typeface="Cambria Math" panose="02040503050406030204" pitchFamily="18" charset="0"/>
+                          </a:rPr>
+                          <m:t>𝑈</m:t>
+                        </m:r>
+                        <m:r>
+                          <a:rPr lang="en-US" sz="2000" b="0" i="1" smtClean="0">
+                            <a:solidFill>
+                              <a:schemeClr val="tx1"/>
+                            </a:solidFill>
+                            <a:latin typeface="Cambria Math" panose="02040503050406030204" pitchFamily="18" charset="0"/>
+                          </a:rPr>
+                          <m:t>(</m:t>
+                        </m:r>
+                        <m:r>
+                          <a:rPr lang="en-US" sz="2000" b="0" i="1" smtClean="0">
+                            <a:solidFill>
+                              <a:schemeClr val="tx1"/>
+                            </a:solidFill>
+                            <a:latin typeface="Cambria Math" panose="02040503050406030204" pitchFamily="18" charset="0"/>
+                          </a:rPr>
+                          <m:t>𝑠</m:t>
+                        </m:r>
+                        <m:r>
+                          <a:rPr lang="en-US" sz="2000" b="0" i="1" smtClean="0">
+                            <a:solidFill>
+                              <a:schemeClr val="tx1"/>
+                            </a:solidFill>
+                            <a:latin typeface="Cambria Math" panose="02040503050406030204" pitchFamily="18" charset="0"/>
+                          </a:rPr>
+                          <m:t>)</m:t>
+                        </m:r>
+                      </m:oMath>
+                    </m:oMathPara>
+                  </a14:m>
+                  <a:endParaRPr lang="en-US" sz="2000" dirty="0">
+                    <a:solidFill>
+                      <a:schemeClr val="tx1"/>
+                    </a:solidFill>
+                  </a:endParaRPr>
+                </a:p>
+              </p:txBody>
+            </p:sp>
+          </mc:Choice>
+          <mc:Fallback>
+            <p:sp>
+              <p:nvSpPr>
+                <p:cNvPr id="17" name="Rectangle 16">
+                  <a:extLst>
+                    <a:ext uri="{FF2B5EF4-FFF2-40B4-BE49-F238E27FC236}">
+                      <a16:creationId xmlns:a16="http://schemas.microsoft.com/office/drawing/2014/main" id="{8BE397F1-3289-7147-AF36-F4236E273F26}"/>
+                    </a:ext>
+                  </a:extLst>
+                </p:cNvPr>
+                <p:cNvSpPr>
+                  <a:spLocks noRot="1" noChangeAspect="1" noMove="1" noResize="1" noEditPoints="1" noAdjustHandles="1" noChangeArrowheads="1" noChangeShapeType="1" noTextEdit="1"/>
+                </p:cNvSpPr>
+                <p:nvPr/>
+              </p:nvSpPr>
+              <p:spPr>
+                <a:xfrm>
+                  <a:off x="3380939" y="4976010"/>
+                  <a:ext cx="755243" cy="400112"/>
+                </a:xfrm>
+                <a:prstGeom prst="rect">
+                  <a:avLst/>
+                </a:prstGeom>
+                <a:blipFill>
+                  <a:blip r:embed="rId5"/>
+                  <a:stretch>
+                    <a:fillRect b="-12500"/>
+                  </a:stretch>
+                </a:blipFill>
+              </p:spPr>
+              <p:txBody>
+                <a:bodyPr/>
+                <a:lstStyle/>
+                <a:p>
+                  <a:r>
+                    <a:rPr lang="en-US">
+                      <a:noFill/>
+                    </a:rPr>
+                    <a:t> </a:t>
+                  </a:r>
+                </a:p>
+              </p:txBody>
+            </p:sp>
+          </mc:Fallback>
+        </mc:AlternateContent>
+        <mc:AlternateContent xmlns:mc="http://schemas.openxmlformats.org/markup-compatibility/2006">
+          <mc:Choice xmlns:a14="http://schemas.microsoft.com/office/drawing/2010/main" Requires="a14">
+            <p:sp>
+              <p:nvSpPr>
+                <p:cNvPr id="18" name="Rectangle 17">
+                  <a:extLst>
+                    <a:ext uri="{FF2B5EF4-FFF2-40B4-BE49-F238E27FC236}">
+                      <a16:creationId xmlns:a16="http://schemas.microsoft.com/office/drawing/2014/main" id="{B387BFEB-3D58-7C43-984C-F9C864C1A80D}"/>
+                    </a:ext>
+                  </a:extLst>
+                </p:cNvPr>
+                <p:cNvSpPr/>
+                <p:nvPr/>
+              </p:nvSpPr>
+              <p:spPr>
+                <a:xfrm>
+                  <a:off x="5066661" y="4928040"/>
+                  <a:ext cx="755241" cy="400112"/>
+                </a:xfrm>
+                <a:prstGeom prst="rect">
+                  <a:avLst/>
+                </a:prstGeom>
+              </p:spPr>
+              <p:txBody>
+                <a:bodyPr wrap="square">
+                  <a:spAutoFit/>
+                </a:bodyPr>
+                <a:lstStyle/>
+                <a:p>
+                  <a:pPr/>
+                  <a14:m>
+                    <m:oMathPara xmlns:m="http://schemas.openxmlformats.org/officeDocument/2006/math">
+                      <m:oMathParaPr>
+                        <m:jc m:val="centerGroup"/>
+                      </m:oMathParaPr>
+                      <m:oMath xmlns:m="http://schemas.openxmlformats.org/officeDocument/2006/math">
+                        <m:r>
+                          <a:rPr lang="en-US" sz="2000" b="0" i="1" smtClean="0">
+                            <a:solidFill>
+                              <a:schemeClr val="tx1"/>
+                            </a:solidFill>
+                            <a:latin typeface="Cambria Math" panose="02040503050406030204" pitchFamily="18" charset="0"/>
+                          </a:rPr>
+                          <m:t>𝑌</m:t>
+                        </m:r>
+                        <m:r>
+                          <a:rPr lang="en-US" sz="2000" b="0" i="1" smtClean="0">
+                            <a:solidFill>
+                              <a:schemeClr val="tx1"/>
+                            </a:solidFill>
+                            <a:latin typeface="Cambria Math" panose="02040503050406030204" pitchFamily="18" charset="0"/>
+                          </a:rPr>
+                          <m:t>(</m:t>
+                        </m:r>
+                        <m:r>
+                          <a:rPr lang="en-US" sz="2000" b="0" i="1" smtClean="0">
+                            <a:solidFill>
+                              <a:schemeClr val="tx1"/>
+                            </a:solidFill>
+                            <a:latin typeface="Cambria Math" panose="02040503050406030204" pitchFamily="18" charset="0"/>
+                          </a:rPr>
+                          <m:t>𝑠</m:t>
+                        </m:r>
+                        <m:r>
+                          <a:rPr lang="en-US" sz="2000" b="0" i="1" smtClean="0">
+                            <a:solidFill>
+                              <a:schemeClr val="tx1"/>
+                            </a:solidFill>
+                            <a:latin typeface="Cambria Math" panose="02040503050406030204" pitchFamily="18" charset="0"/>
+                          </a:rPr>
+                          <m:t>)</m:t>
+                        </m:r>
+                      </m:oMath>
+                    </m:oMathPara>
+                  </a14:m>
+                  <a:endParaRPr lang="en-US" sz="2000" dirty="0">
+                    <a:solidFill>
+                      <a:schemeClr val="tx1"/>
+                    </a:solidFill>
+                  </a:endParaRPr>
+                </a:p>
+              </p:txBody>
+            </p:sp>
+          </mc:Choice>
+          <mc:Fallback>
+            <p:sp>
+              <p:nvSpPr>
+                <p:cNvPr id="18" name="Rectangle 17">
+                  <a:extLst>
+                    <a:ext uri="{FF2B5EF4-FFF2-40B4-BE49-F238E27FC236}">
+                      <a16:creationId xmlns:a16="http://schemas.microsoft.com/office/drawing/2014/main" id="{B387BFEB-3D58-7C43-984C-F9C864C1A80D}"/>
+                    </a:ext>
+                  </a:extLst>
+                </p:cNvPr>
+                <p:cNvSpPr>
+                  <a:spLocks noRot="1" noChangeAspect="1" noMove="1" noResize="1" noEditPoints="1" noAdjustHandles="1" noChangeArrowheads="1" noChangeShapeType="1" noTextEdit="1"/>
+                </p:cNvSpPr>
+                <p:nvPr/>
+              </p:nvSpPr>
+              <p:spPr>
+                <a:xfrm>
+                  <a:off x="5066661" y="4928040"/>
+                  <a:ext cx="755241" cy="400112"/>
+                </a:xfrm>
+                <a:prstGeom prst="rect">
+                  <a:avLst/>
+                </a:prstGeom>
+                <a:blipFill>
+                  <a:blip r:embed="rId6"/>
+                  <a:stretch>
+                    <a:fillRect b="-15625"/>
+                  </a:stretch>
+                </a:blipFill>
+              </p:spPr>
+              <p:txBody>
+                <a:bodyPr/>
+                <a:lstStyle/>
+                <a:p>
+                  <a:r>
+                    <a:rPr lang="en-US">
+                      <a:noFill/>
+                    </a:rPr>
+                    <a:t> </a:t>
+                  </a:r>
+                </a:p>
+              </p:txBody>
+            </p:sp>
+          </mc:Fallback>
+        </mc:AlternateContent>
+        <p:cxnSp>
+          <p:nvCxnSpPr>
+            <p:cNvPr id="19" name="Elbow Connector 18">
+              <a:extLst>
+                <a:ext uri="{FF2B5EF4-FFF2-40B4-BE49-F238E27FC236}">
+                  <a16:creationId xmlns:a16="http://schemas.microsoft.com/office/drawing/2014/main" id="{05331AB7-6CAF-D541-B6EC-D7FC37F696F0}"/>
+                </a:ext>
+              </a:extLst>
+            </p:cNvPr>
+            <p:cNvCxnSpPr>
+              <a:cxnSpLocks/>
+              <a:stCxn id="11" idx="2"/>
+              <a:endCxn id="15" idx="2"/>
+            </p:cNvCxnSpPr>
+            <p:nvPr/>
+          </p:nvCxnSpPr>
+          <p:spPr>
+            <a:xfrm rot="5400000">
+              <a:off x="3787378" y="4801597"/>
+              <a:ext cx="1501" cy="1904080"/>
+            </a:xfrm>
+            <a:prstGeom prst="bentConnector3">
+              <a:avLst>
+                <a:gd name="adj1" fmla="val 25378414"/>
+              </a:avLst>
+            </a:prstGeom>
+            <a:ln w="57150">
+              <a:tailEnd type="triangle" w="lg" len="lg"/>
+            </a:ln>
+            <a:effectLst>
+              <a:outerShdw dist="20000" sx="1000" sy="1000" rotWithShape="0">
+                <a:srgbClr val="000000"/>
+              </a:outerShdw>
+            </a:effectLst>
+          </p:spPr>
+          <p:style>
+            <a:lnRef idx="2">
+              <a:schemeClr val="accent1"/>
+            </a:lnRef>
+            <a:fillRef idx="0">
+              <a:schemeClr val="accent1"/>
+            </a:fillRef>
+            <a:effectRef idx="1">
+              <a:schemeClr val="accent1"/>
+            </a:effectRef>
+            <a:fontRef idx="minor">
+              <a:schemeClr val="tx1"/>
+            </a:fontRef>
+          </p:style>
+        </p:cxnSp>
+        <p:cxnSp>
+          <p:nvCxnSpPr>
+            <p:cNvPr id="20" name="Straight Arrow Connector 19">
+              <a:extLst>
+                <a:ext uri="{FF2B5EF4-FFF2-40B4-BE49-F238E27FC236}">
+                  <a16:creationId xmlns:a16="http://schemas.microsoft.com/office/drawing/2014/main" id="{F74E6861-3CAA-9B4F-A267-72AC79698E81}"/>
+                </a:ext>
+              </a:extLst>
+            </p:cNvPr>
+            <p:cNvCxnSpPr>
+              <a:cxnSpLocks/>
+            </p:cNvCxnSpPr>
+            <p:nvPr/>
+          </p:nvCxnSpPr>
+          <p:spPr>
+            <a:xfrm>
+              <a:off x="1726481" y="5425135"/>
+              <a:ext cx="630040" cy="3108"/>
+            </a:xfrm>
+            <a:prstGeom prst="straightConnector1">
+              <a:avLst/>
+            </a:prstGeom>
+            <a:ln>
+              <a:tailEnd type="triangle" w="lg" len="lg"/>
+            </a:ln>
+            <a:effectLst>
+              <a:outerShdw dist="20000" sx="1000" sy="1000" rotWithShape="0">
+                <a:srgbClr val="000000"/>
+              </a:outerShdw>
+            </a:effectLst>
+          </p:spPr>
+          <p:style>
+            <a:lnRef idx="2">
+              <a:schemeClr val="accent1"/>
+            </a:lnRef>
+            <a:fillRef idx="0">
+              <a:schemeClr val="accent1"/>
+            </a:fillRef>
+            <a:effectRef idx="1">
+              <a:schemeClr val="accent1"/>
+            </a:effectRef>
+            <a:fontRef idx="minor">
+              <a:schemeClr val="tx1"/>
+            </a:fontRef>
+          </p:style>
+        </p:cxnSp>
+        <mc:AlternateContent xmlns:mc="http://schemas.openxmlformats.org/markup-compatibility/2006">
+          <mc:Choice xmlns:a14="http://schemas.microsoft.com/office/drawing/2010/main" Requires="a14">
+            <p:sp>
+              <p:nvSpPr>
+                <p:cNvPr id="21" name="Rectangle 20">
+                  <a:extLst>
+                    <a:ext uri="{FF2B5EF4-FFF2-40B4-BE49-F238E27FC236}">
+                      <a16:creationId xmlns:a16="http://schemas.microsoft.com/office/drawing/2014/main" id="{3A811B8A-DB48-6748-A429-5832E8FD9DA4}"/>
+                    </a:ext>
+                  </a:extLst>
+                </p:cNvPr>
+                <p:cNvSpPr/>
+                <p:nvPr/>
+              </p:nvSpPr>
+              <p:spPr>
+                <a:xfrm>
+                  <a:off x="1593744" y="4991400"/>
+                  <a:ext cx="716863" cy="369332"/>
+                </a:xfrm>
+                <a:prstGeom prst="rect">
+                  <a:avLst/>
+                </a:prstGeom>
+              </p:spPr>
+              <p:txBody>
+                <a:bodyPr wrap="none">
+                  <a:spAutoFit/>
+                </a:bodyPr>
+                <a:lstStyle/>
+                <a:p>
+                  <a:pPr/>
+                  <a14:m>
+                    <m:oMathPara xmlns:m="http://schemas.openxmlformats.org/officeDocument/2006/math">
+                      <m:oMathParaPr>
+                        <m:jc m:val="centerGroup"/>
+                      </m:oMathParaPr>
+                      <m:oMath xmlns:m="http://schemas.openxmlformats.org/officeDocument/2006/math">
+                        <m:r>
+                          <a:rPr lang="en-US" b="0" i="1" smtClean="0">
+                            <a:solidFill>
+                              <a:schemeClr val="tx1"/>
+                            </a:solidFill>
+                            <a:latin typeface="Cambria Math" panose="02040503050406030204" pitchFamily="18" charset="0"/>
+                          </a:rPr>
+                          <m:t>𝑅</m:t>
+                        </m:r>
+                        <m:r>
+                          <a:rPr lang="en-US" b="0" i="1" smtClean="0">
+                            <a:solidFill>
+                              <a:schemeClr val="tx1"/>
+                            </a:solidFill>
+                            <a:latin typeface="Cambria Math" panose="02040503050406030204" pitchFamily="18" charset="0"/>
+                          </a:rPr>
+                          <m:t>(</m:t>
+                        </m:r>
+                        <m:r>
+                          <a:rPr lang="en-US" b="0" i="1" smtClean="0">
+                            <a:solidFill>
+                              <a:schemeClr val="tx1"/>
+                            </a:solidFill>
+                            <a:latin typeface="Cambria Math" panose="02040503050406030204" pitchFamily="18" charset="0"/>
+                          </a:rPr>
+                          <m:t>𝑠</m:t>
+                        </m:r>
+                        <m:r>
+                          <a:rPr lang="en-US" b="0" i="1" smtClean="0">
+                            <a:solidFill>
+                              <a:schemeClr val="tx1"/>
+                            </a:solidFill>
+                            <a:latin typeface="Cambria Math" panose="02040503050406030204" pitchFamily="18" charset="0"/>
+                          </a:rPr>
+                          <m:t>)</m:t>
+                        </m:r>
+                      </m:oMath>
+                    </m:oMathPara>
+                  </a14:m>
+                  <a:endParaRPr lang="en-US" dirty="0">
+                    <a:solidFill>
+                      <a:schemeClr val="tx1"/>
+                    </a:solidFill>
+                  </a:endParaRPr>
+                </a:p>
+              </p:txBody>
+            </p:sp>
+          </mc:Choice>
+          <mc:Fallback>
+            <p:sp>
+              <p:nvSpPr>
+                <p:cNvPr id="21" name="Rectangle 20">
+                  <a:extLst>
+                    <a:ext uri="{FF2B5EF4-FFF2-40B4-BE49-F238E27FC236}">
+                      <a16:creationId xmlns:a16="http://schemas.microsoft.com/office/drawing/2014/main" id="{3A811B8A-DB48-6748-A429-5832E8FD9DA4}"/>
+                    </a:ext>
+                  </a:extLst>
+                </p:cNvPr>
+                <p:cNvSpPr>
+                  <a:spLocks noRot="1" noChangeAspect="1" noMove="1" noResize="1" noEditPoints="1" noAdjustHandles="1" noChangeArrowheads="1" noChangeShapeType="1" noTextEdit="1"/>
+                </p:cNvSpPr>
+                <p:nvPr/>
+              </p:nvSpPr>
+              <p:spPr>
+                <a:xfrm>
+                  <a:off x="1593744" y="4991400"/>
+                  <a:ext cx="716863" cy="369332"/>
+                </a:xfrm>
+                <a:prstGeom prst="rect">
+                  <a:avLst/>
+                </a:prstGeom>
+                <a:blipFill>
+                  <a:blip r:embed="rId7"/>
+                  <a:stretch>
+                    <a:fillRect b="-16129"/>
+                  </a:stretch>
+                </a:blipFill>
+              </p:spPr>
+              <p:txBody>
+                <a:bodyPr/>
+                <a:lstStyle/>
+                <a:p>
+                  <a:r>
+                    <a:rPr lang="en-US">
+                      <a:noFill/>
+                    </a:rPr>
+                    <a:t> </a:t>
+                  </a:r>
+                </a:p>
+              </p:txBody>
+            </p:sp>
+          </mc:Fallback>
+        </mc:AlternateContent>
+      </p:grpSp>
+      <p:grpSp>
+        <p:nvGrpSpPr>
+          <p:cNvPr id="33" name="Group 32">
+            <a:extLst>
+              <a:ext uri="{FF2B5EF4-FFF2-40B4-BE49-F238E27FC236}">
+                <a16:creationId xmlns:a16="http://schemas.microsoft.com/office/drawing/2014/main" id="{079C2508-EC4F-F347-870B-57D20A600509}"/>
+              </a:ext>
+            </a:extLst>
+          </p:cNvPr>
+          <p:cNvGrpSpPr/>
+          <p:nvPr/>
+        </p:nvGrpSpPr>
+        <p:grpSpPr>
+          <a:xfrm>
+            <a:off x="367645" y="3676972"/>
+            <a:ext cx="3695887" cy="2286000"/>
+            <a:chOff x="367645" y="3676972"/>
+            <a:chExt cx="3695887" cy="2286000"/>
+          </a:xfrm>
+        </p:grpSpPr>
+        <p:pic>
+          <p:nvPicPr>
+            <p:cNvPr id="25" name="Picture 24" descr="Chart, line chart&#10;&#10;Description automatically generated">
+              <a:extLst>
+                <a:ext uri="{FF2B5EF4-FFF2-40B4-BE49-F238E27FC236}">
+                  <a16:creationId xmlns:a16="http://schemas.microsoft.com/office/drawing/2014/main" id="{4AF82E26-FE12-F94A-8537-20D783A24B60}"/>
+                </a:ext>
+              </a:extLst>
+            </p:cNvPr>
+            <p:cNvPicPr>
+              <a:picLocks noChangeAspect="1"/>
+            </p:cNvPicPr>
+            <p:nvPr/>
+          </p:nvPicPr>
+          <p:blipFill>
+            <a:blip r:embed="rId8"/>
+            <a:stretch>
+              <a:fillRect/>
+            </a:stretch>
+          </p:blipFill>
+          <p:spPr>
+            <a:xfrm>
+              <a:off x="587562" y="3676972"/>
+              <a:ext cx="3475970" cy="2286000"/>
+            </a:xfrm>
+            <a:prstGeom prst="rect">
+              <a:avLst/>
+            </a:prstGeom>
+          </p:spPr>
+        </p:pic>
+        <mc:AlternateContent xmlns:mc="http://schemas.openxmlformats.org/markup-compatibility/2006">
+          <mc:Choice xmlns:a14="http://schemas.microsoft.com/office/drawing/2010/main" Requires="a14">
+            <p:sp>
+              <p:nvSpPr>
+                <p:cNvPr id="8" name="TextBox 7">
+                  <a:extLst>
+                    <a:ext uri="{FF2B5EF4-FFF2-40B4-BE49-F238E27FC236}">
+                      <a16:creationId xmlns:a16="http://schemas.microsoft.com/office/drawing/2014/main" id="{A91A66D5-EBFE-964A-ACA2-398D4B6141CC}"/>
+                    </a:ext>
+                  </a:extLst>
+                </p:cNvPr>
+                <p:cNvSpPr txBox="1"/>
+                <p:nvPr/>
+              </p:nvSpPr>
+              <p:spPr>
+                <a:xfrm>
+                  <a:off x="1875935" y="4317477"/>
+                  <a:ext cx="1781578" cy="707886"/>
+                </a:xfrm>
+                <a:prstGeom prst="rect">
+                  <a:avLst/>
+                </a:prstGeom>
+                <a:noFill/>
+              </p:spPr>
+              <p:txBody>
+                <a:bodyPr wrap="none" rtlCol="0">
+                  <a:spAutoFit/>
+                </a:bodyPr>
+                <a:lstStyle/>
+                <a:p>
+                  <a:r>
+                    <a:rPr lang="en-US" sz="2000" dirty="0"/>
+                    <a:t>Poles: -1, -1</a:t>
+                  </a:r>
+                </a:p>
+                <a:p>
+                  <a14:m>
+                    <m:oMathPara xmlns:m="http://schemas.openxmlformats.org/officeDocument/2006/math">
+                      <m:oMathParaPr>
+                        <m:jc m:val="centerGroup"/>
+                      </m:oMathParaPr>
+                      <m:oMath xmlns:m="http://schemas.openxmlformats.org/officeDocument/2006/math">
+                        <m:sSub>
+                          <m:sSubPr>
+                            <m:ctrlPr>
+                              <a:rPr lang="en-US" sz="2000" b="1" i="1" smtClean="0">
+                                <a:latin typeface="Cambria Math" panose="02040503050406030204" pitchFamily="18" charset="0"/>
+                              </a:rPr>
+                            </m:ctrlPr>
+                          </m:sSubPr>
+                          <m:e>
+                            <m:r>
+                              <a:rPr lang="en-US" sz="2000" b="1" i="1" smtClean="0">
+                                <a:latin typeface="Cambria Math" panose="02040503050406030204" pitchFamily="18" charset="0"/>
+                              </a:rPr>
+                              <m:t>𝒌</m:t>
+                            </m:r>
+                          </m:e>
+                          <m:sub>
+                            <m:r>
+                              <a:rPr lang="en-US" sz="2000" b="1" i="1" smtClean="0">
+                                <a:latin typeface="Cambria Math" panose="02040503050406030204" pitchFamily="18" charset="0"/>
+                              </a:rPr>
+                              <m:t>𝑷</m:t>
+                            </m:r>
+                          </m:sub>
+                        </m:sSub>
+                        <m:r>
+                          <a:rPr lang="en-US" sz="2000" b="0" i="1" smtClean="0">
+                            <a:latin typeface="Cambria Math" panose="02040503050406030204" pitchFamily="18" charset="0"/>
+                          </a:rPr>
+                          <m:t>=[−8, 36]</m:t>
+                        </m:r>
+                      </m:oMath>
+                    </m:oMathPara>
+                  </a14:m>
+                  <a:endParaRPr lang="en-US" sz="2000" dirty="0"/>
+                </a:p>
+              </p:txBody>
+            </p:sp>
+          </mc:Choice>
+          <mc:Fallback>
+            <p:sp>
+              <p:nvSpPr>
+                <p:cNvPr id="8" name="TextBox 7">
+                  <a:extLst>
+                    <a:ext uri="{FF2B5EF4-FFF2-40B4-BE49-F238E27FC236}">
+                      <a16:creationId xmlns:a16="http://schemas.microsoft.com/office/drawing/2014/main" id="{A91A66D5-EBFE-964A-ACA2-398D4B6141CC}"/>
+                    </a:ext>
+                  </a:extLst>
+                </p:cNvPr>
+                <p:cNvSpPr txBox="1">
+                  <a:spLocks noRot="1" noChangeAspect="1" noMove="1" noResize="1" noEditPoints="1" noAdjustHandles="1" noChangeArrowheads="1" noChangeShapeType="1" noTextEdit="1"/>
+                </p:cNvSpPr>
+                <p:nvPr/>
+              </p:nvSpPr>
+              <p:spPr>
+                <a:xfrm>
+                  <a:off x="1875935" y="4317477"/>
+                  <a:ext cx="1781578" cy="707886"/>
+                </a:xfrm>
+                <a:prstGeom prst="rect">
+                  <a:avLst/>
+                </a:prstGeom>
+                <a:blipFill>
+                  <a:blip r:embed="rId9"/>
+                  <a:stretch>
+                    <a:fillRect l="-3546" t="-3509" b="-7018"/>
+                  </a:stretch>
+                </a:blipFill>
+              </p:spPr>
+              <p:txBody>
+                <a:bodyPr/>
+                <a:lstStyle/>
+                <a:p>
+                  <a:r>
+                    <a:rPr lang="en-US">
+                      <a:noFill/>
+                    </a:rPr>
+                    <a:t> </a:t>
+                  </a:r>
+                </a:p>
+              </p:txBody>
+            </p:sp>
+          </mc:Fallback>
+        </mc:AlternateContent>
+        <p:sp>
+          <p:nvSpPr>
+            <p:cNvPr id="29" name="Rectangle 28">
+              <a:extLst>
+                <a:ext uri="{FF2B5EF4-FFF2-40B4-BE49-F238E27FC236}">
+                  <a16:creationId xmlns:a16="http://schemas.microsoft.com/office/drawing/2014/main" id="{F69E5370-5CA1-4245-959B-C6F7EDE4548E}"/>
+                </a:ext>
+              </a:extLst>
+            </p:cNvPr>
+            <p:cNvSpPr/>
+            <p:nvPr/>
+          </p:nvSpPr>
+          <p:spPr>
+            <a:xfrm>
+              <a:off x="367645" y="3760960"/>
+              <a:ext cx="478311" cy="2089195"/>
+            </a:xfrm>
+            <a:prstGeom prst="rect">
+              <a:avLst/>
+            </a:prstGeom>
+            <a:solidFill>
+              <a:schemeClr val="bg1"/>
+            </a:solidFill>
+            <a:ln>
+              <a:noFill/>
+            </a:ln>
+            <a:effectLst>
+              <a:outerShdw dist="23000" sx="1000" sy="1000" rotWithShape="0">
+                <a:srgbClr val="000000"/>
+              </a:outerShdw>
+            </a:effectLst>
+          </p:spPr>
+          <p:style>
+            <a:lnRef idx="1">
+              <a:schemeClr val="accent1"/>
+            </a:lnRef>
+            <a:fillRef idx="3">
+              <a:schemeClr val="accent1"/>
+            </a:fillRef>
+            <a:effectRef idx="2">
+              <a:schemeClr val="accent1"/>
+            </a:effectRef>
+            <a:fontRef idx="minor">
+              <a:schemeClr val="lt1"/>
+            </a:fontRef>
+          </p:style>
+          <p:txBody>
+            <a:bodyPr rtlCol="0" anchor="ctr"/>
+            <a:lstStyle/>
+            <a:p>
+              <a:pPr algn="ctr"/>
+              <a:endParaRPr lang="en-US" dirty="0"/>
+            </a:p>
+          </p:txBody>
+        </p:sp>
+      </p:grpSp>
+      <p:grpSp>
+        <p:nvGrpSpPr>
+          <p:cNvPr id="32" name="Group 31">
+            <a:extLst>
+              <a:ext uri="{FF2B5EF4-FFF2-40B4-BE49-F238E27FC236}">
+                <a16:creationId xmlns:a16="http://schemas.microsoft.com/office/drawing/2014/main" id="{6720BC5D-EE7E-5841-B74D-7DB852FCE21B}"/>
+              </a:ext>
+            </a:extLst>
+          </p:cNvPr>
+          <p:cNvGrpSpPr/>
+          <p:nvPr/>
+        </p:nvGrpSpPr>
+        <p:grpSpPr>
+          <a:xfrm>
+            <a:off x="343007" y="1157822"/>
+            <a:ext cx="3690361" cy="2325623"/>
+            <a:chOff x="343007" y="1157822"/>
+            <a:chExt cx="3690361" cy="2325623"/>
+          </a:xfrm>
+        </p:grpSpPr>
+        <p:pic>
+          <p:nvPicPr>
+            <p:cNvPr id="22" name="Picture 21" descr="A picture containing chart&#10;&#10;Description automatically generated">
+              <a:extLst>
+                <a:ext uri="{FF2B5EF4-FFF2-40B4-BE49-F238E27FC236}">
+                  <a16:creationId xmlns:a16="http://schemas.microsoft.com/office/drawing/2014/main" id="{F4CBCA0D-82DB-BE49-92CC-6A1507F3DD9C}"/>
+                </a:ext>
+              </a:extLst>
+            </p:cNvPr>
+            <p:cNvPicPr>
+              <a:picLocks noChangeAspect="1"/>
+            </p:cNvPicPr>
+            <p:nvPr/>
+          </p:nvPicPr>
+          <p:blipFill>
+            <a:blip r:embed="rId10"/>
+            <a:stretch>
+              <a:fillRect/>
+            </a:stretch>
+          </p:blipFill>
+          <p:spPr>
+            <a:xfrm>
+              <a:off x="683196" y="1197445"/>
+              <a:ext cx="3350172" cy="2286000"/>
+            </a:xfrm>
+            <a:prstGeom prst="rect">
+              <a:avLst/>
+            </a:prstGeom>
+          </p:spPr>
+        </p:pic>
+        <p:sp>
+          <p:nvSpPr>
+            <p:cNvPr id="28" name="TextBox 27">
+              <a:extLst>
+                <a:ext uri="{FF2B5EF4-FFF2-40B4-BE49-F238E27FC236}">
+                  <a16:creationId xmlns:a16="http://schemas.microsoft.com/office/drawing/2014/main" id="{9D8A37CC-1904-C54D-AA8A-D4E640A29500}"/>
+                </a:ext>
+              </a:extLst>
+            </p:cNvPr>
+            <p:cNvSpPr txBox="1"/>
+            <p:nvPr/>
+          </p:nvSpPr>
+          <p:spPr>
+            <a:xfrm>
+              <a:off x="1487063" y="1981056"/>
+              <a:ext cx="2133918" cy="707886"/>
+            </a:xfrm>
+            <a:prstGeom prst="rect">
+              <a:avLst/>
+            </a:prstGeom>
+            <a:noFill/>
+          </p:spPr>
+          <p:txBody>
+            <a:bodyPr wrap="none" rtlCol="0">
+              <a:spAutoFit/>
+            </a:bodyPr>
+            <a:lstStyle/>
+            <a:p>
+              <a:r>
+                <a:rPr lang="en-US" sz="2000" dirty="0"/>
+                <a:t>Uncontrolled</a:t>
+              </a:r>
+            </a:p>
+            <a:p>
+              <a:r>
+                <a:rPr lang="en-US" sz="2000" dirty="0"/>
+                <a:t>Poles: </a:t>
+              </a:r>
+              <a:r>
+                <a:rPr lang="en-US" sz="2000"/>
+                <a:t>-0.54, -5.5</a:t>
+              </a:r>
+              <a:endParaRPr lang="en-US" sz="2000" dirty="0"/>
+            </a:p>
+          </p:txBody>
+        </p:sp>
+        <p:sp>
+          <p:nvSpPr>
+            <p:cNvPr id="30" name="Rectangle 29">
+              <a:extLst>
+                <a:ext uri="{FF2B5EF4-FFF2-40B4-BE49-F238E27FC236}">
+                  <a16:creationId xmlns:a16="http://schemas.microsoft.com/office/drawing/2014/main" id="{DA6364F9-7376-974C-B722-941B326B4CEF}"/>
+                </a:ext>
+              </a:extLst>
+            </p:cNvPr>
+            <p:cNvSpPr/>
+            <p:nvPr/>
+          </p:nvSpPr>
+          <p:spPr>
+            <a:xfrm>
+              <a:off x="343007" y="1157822"/>
+              <a:ext cx="478311" cy="2089195"/>
+            </a:xfrm>
+            <a:prstGeom prst="rect">
+              <a:avLst/>
+            </a:prstGeom>
+            <a:solidFill>
+              <a:schemeClr val="bg1"/>
+            </a:solidFill>
+            <a:ln>
+              <a:noFill/>
+            </a:ln>
+            <a:effectLst>
+              <a:outerShdw dist="23000" sx="1000" sy="1000" rotWithShape="0">
+                <a:srgbClr val="000000"/>
+              </a:outerShdw>
+            </a:effectLst>
+          </p:spPr>
+          <p:style>
+            <a:lnRef idx="1">
+              <a:schemeClr val="accent1"/>
+            </a:lnRef>
+            <a:fillRef idx="3">
+              <a:schemeClr val="accent1"/>
+            </a:fillRef>
+            <a:effectRef idx="2">
+              <a:schemeClr val="accent1"/>
+            </a:effectRef>
+            <a:fontRef idx="minor">
+              <a:schemeClr val="lt1"/>
+            </a:fontRef>
+          </p:style>
+          <p:txBody>
+            <a:bodyPr rtlCol="0" anchor="ctr"/>
+            <a:lstStyle/>
+            <a:p>
+              <a:pPr algn="ctr"/>
+              <a:endParaRPr lang="en-US" dirty="0"/>
+            </a:p>
+          </p:txBody>
+        </p:sp>
+      </p:grpSp>
+      <p:grpSp>
+        <p:nvGrpSpPr>
+          <p:cNvPr id="34" name="Group 33">
+            <a:extLst>
+              <a:ext uri="{FF2B5EF4-FFF2-40B4-BE49-F238E27FC236}">
+                <a16:creationId xmlns:a16="http://schemas.microsoft.com/office/drawing/2014/main" id="{BED7A6E7-12E2-5B43-B60B-B8633964086E}"/>
+              </a:ext>
+            </a:extLst>
+          </p:cNvPr>
+          <p:cNvGrpSpPr/>
+          <p:nvPr/>
+        </p:nvGrpSpPr>
+        <p:grpSpPr>
+          <a:xfrm>
+            <a:off x="4511824" y="3760960"/>
+            <a:ext cx="3660861" cy="2286000"/>
+            <a:chOff x="4511824" y="3760960"/>
+            <a:chExt cx="3660861" cy="2286000"/>
+          </a:xfrm>
+        </p:grpSpPr>
+        <p:pic>
+          <p:nvPicPr>
+            <p:cNvPr id="27" name="Picture 26" descr="Chart&#10;&#10;Description automatically generated with medium confidence">
+              <a:extLst>
+                <a:ext uri="{FF2B5EF4-FFF2-40B4-BE49-F238E27FC236}">
+                  <a16:creationId xmlns:a16="http://schemas.microsoft.com/office/drawing/2014/main" id="{5F6483C5-2FF5-C44F-A2DE-A37FA2C7EC06}"/>
+                </a:ext>
+              </a:extLst>
+            </p:cNvPr>
+            <p:cNvPicPr>
+              <a:picLocks noChangeAspect="1"/>
+            </p:cNvPicPr>
+            <p:nvPr/>
+          </p:nvPicPr>
+          <p:blipFill>
+            <a:blip r:embed="rId11"/>
+            <a:stretch>
+              <a:fillRect/>
+            </a:stretch>
+          </p:blipFill>
+          <p:spPr>
+            <a:xfrm>
+              <a:off x="4751572" y="3760960"/>
+              <a:ext cx="3421113" cy="2286000"/>
+            </a:xfrm>
+            <a:prstGeom prst="rect">
+              <a:avLst/>
+            </a:prstGeom>
+          </p:spPr>
+        </p:pic>
+        <mc:AlternateContent xmlns:mc="http://schemas.openxmlformats.org/markup-compatibility/2006">
+          <mc:Choice xmlns:a14="http://schemas.microsoft.com/office/drawing/2010/main" Requires="a14">
+            <p:sp>
+              <p:nvSpPr>
+                <p:cNvPr id="9" name="TextBox 8">
+                  <a:extLst>
+                    <a:ext uri="{FF2B5EF4-FFF2-40B4-BE49-F238E27FC236}">
+                      <a16:creationId xmlns:a16="http://schemas.microsoft.com/office/drawing/2014/main" id="{E7B8AD01-73AF-114A-B5C9-A9C91C575253}"/>
+                    </a:ext>
+                  </a:extLst>
+                </p:cNvPr>
+                <p:cNvSpPr txBox="1"/>
+                <p:nvPr/>
+              </p:nvSpPr>
+              <p:spPr>
+                <a:xfrm>
+                  <a:off x="5707009" y="4339703"/>
+                  <a:ext cx="1850186" cy="707886"/>
+                </a:xfrm>
+                <a:prstGeom prst="rect">
+                  <a:avLst/>
+                </a:prstGeom>
+                <a:noFill/>
+              </p:spPr>
+              <p:txBody>
+                <a:bodyPr wrap="none" rtlCol="0">
+                  <a:spAutoFit/>
+                </a:bodyPr>
+                <a:lstStyle/>
+                <a:p>
+                  <a:r>
+                    <a:rPr lang="en-US" sz="2000" dirty="0"/>
+                    <a:t>Poles: -10, -10</a:t>
+                  </a:r>
+                </a:p>
+                <a:p>
+                  <a14:m>
+                    <m:oMathPara xmlns:m="http://schemas.openxmlformats.org/officeDocument/2006/math">
+                      <m:oMathParaPr>
+                        <m:jc m:val="centerGroup"/>
+                      </m:oMathParaPr>
+                      <m:oMath xmlns:m="http://schemas.openxmlformats.org/officeDocument/2006/math">
+                        <m:sSub>
+                          <m:sSubPr>
+                            <m:ctrlPr>
+                              <a:rPr lang="en-US" sz="2000" b="1" i="1" smtClean="0">
+                                <a:latin typeface="Cambria Math" panose="02040503050406030204" pitchFamily="18" charset="0"/>
+                              </a:rPr>
+                            </m:ctrlPr>
+                          </m:sSubPr>
+                          <m:e>
+                            <m:r>
+                              <a:rPr lang="en-US" sz="2000" b="1" i="1" smtClean="0">
+                                <a:latin typeface="Cambria Math" panose="02040503050406030204" pitchFamily="18" charset="0"/>
+                              </a:rPr>
+                              <m:t>𝒌</m:t>
+                            </m:r>
+                          </m:e>
+                          <m:sub>
+                            <m:r>
+                              <a:rPr lang="en-US" sz="2000" b="1" i="1" smtClean="0">
+                                <a:latin typeface="Cambria Math" panose="02040503050406030204" pitchFamily="18" charset="0"/>
+                              </a:rPr>
+                              <m:t>𝑷</m:t>
+                            </m:r>
+                          </m:sub>
+                        </m:sSub>
+                        <m:r>
+                          <a:rPr lang="en-US" sz="2000" b="0" i="1" smtClean="0">
+                            <a:latin typeface="Cambria Math" panose="02040503050406030204" pitchFamily="18" charset="0"/>
+                          </a:rPr>
+                          <m:t>=[28, 54]</m:t>
+                        </m:r>
+                      </m:oMath>
+                    </m:oMathPara>
+                  </a14:m>
+                  <a:endParaRPr lang="en-US" sz="2000" dirty="0"/>
+                </a:p>
+              </p:txBody>
+            </p:sp>
+          </mc:Choice>
+          <mc:Fallback>
+            <p:sp>
+              <p:nvSpPr>
+                <p:cNvPr id="9" name="TextBox 8">
+                  <a:extLst>
+                    <a:ext uri="{FF2B5EF4-FFF2-40B4-BE49-F238E27FC236}">
+                      <a16:creationId xmlns:a16="http://schemas.microsoft.com/office/drawing/2014/main" id="{E7B8AD01-73AF-114A-B5C9-A9C91C575253}"/>
+                    </a:ext>
+                  </a:extLst>
+                </p:cNvPr>
+                <p:cNvSpPr txBox="1">
+                  <a:spLocks noRot="1" noChangeAspect="1" noMove="1" noResize="1" noEditPoints="1" noAdjustHandles="1" noChangeArrowheads="1" noChangeShapeType="1" noTextEdit="1"/>
+                </p:cNvSpPr>
+                <p:nvPr/>
+              </p:nvSpPr>
+              <p:spPr>
+                <a:xfrm>
+                  <a:off x="5707009" y="4339703"/>
+                  <a:ext cx="1850186" cy="707886"/>
+                </a:xfrm>
+                <a:prstGeom prst="rect">
+                  <a:avLst/>
+                </a:prstGeom>
+                <a:blipFill>
+                  <a:blip r:embed="rId12"/>
+                  <a:stretch>
+                    <a:fillRect l="-3401" t="-5263" r="-2041" b="-7018"/>
+                  </a:stretch>
+                </a:blipFill>
+              </p:spPr>
+              <p:txBody>
+                <a:bodyPr/>
+                <a:lstStyle/>
+                <a:p>
+                  <a:r>
+                    <a:rPr lang="en-US">
+                      <a:noFill/>
+                    </a:rPr>
+                    <a:t> </a:t>
+                  </a:r>
+                </a:p>
+              </p:txBody>
+            </p:sp>
+          </mc:Fallback>
+        </mc:AlternateContent>
+        <p:sp>
+          <p:nvSpPr>
+            <p:cNvPr id="31" name="Rectangle 30">
+              <a:extLst>
+                <a:ext uri="{FF2B5EF4-FFF2-40B4-BE49-F238E27FC236}">
+                  <a16:creationId xmlns:a16="http://schemas.microsoft.com/office/drawing/2014/main" id="{522F9715-33BE-D540-AED8-D4907F0E53F5}"/>
+                </a:ext>
+              </a:extLst>
+            </p:cNvPr>
+            <p:cNvSpPr/>
+            <p:nvPr/>
+          </p:nvSpPr>
+          <p:spPr>
+            <a:xfrm>
+              <a:off x="4511824" y="3859362"/>
+              <a:ext cx="478311" cy="2089195"/>
+            </a:xfrm>
+            <a:prstGeom prst="rect">
+              <a:avLst/>
+            </a:prstGeom>
+            <a:solidFill>
+              <a:schemeClr val="bg1"/>
+            </a:solidFill>
+            <a:ln>
+              <a:noFill/>
+            </a:ln>
+            <a:effectLst>
+              <a:outerShdw dist="23000" sx="1000" sy="1000" rotWithShape="0">
+                <a:srgbClr val="000000"/>
+              </a:outerShdw>
+            </a:effectLst>
+          </p:spPr>
+          <p:style>
+            <a:lnRef idx="1">
+              <a:schemeClr val="accent1"/>
+            </a:lnRef>
+            <a:fillRef idx="3">
+              <a:schemeClr val="accent1"/>
+            </a:fillRef>
+            <a:effectRef idx="2">
+              <a:schemeClr val="accent1"/>
+            </a:effectRef>
+            <a:fontRef idx="minor">
+              <a:schemeClr val="lt1"/>
+            </a:fontRef>
+          </p:style>
+          <p:txBody>
+            <a:bodyPr rtlCol="0" anchor="ctr"/>
+            <a:lstStyle/>
+            <a:p>
+              <a:pPr algn="ctr"/>
+              <a:endParaRPr lang="en-US" dirty="0"/>
+            </a:p>
+          </p:txBody>
+        </p:sp>
+      </p:grpSp>
     </p:spTree>
     <p:extLst>
       <p:ext uri="{BB962C8B-B14F-4D97-AF65-F5344CB8AC3E}">
@@ -15899,6 +17526,171 @@
   <p:clrMapOvr>
     <a:masterClrMapping/>
   </p:clrMapOvr>
+  <p:timing>
+    <p:tnLst>
+      <p:par>
+        <p:cTn id="1" dur="indefinite" restart="never" nodeType="tmRoot">
+          <p:childTnLst>
+            <p:seq concurrent="1" nextAc="seek">
+              <p:cTn id="2" dur="indefinite" nodeType="mainSeq">
+                <p:childTnLst>
+                  <p:par>
+                    <p:cTn id="3" fill="hold">
+                      <p:stCondLst>
+                        <p:cond delay="indefinite"/>
+                      </p:stCondLst>
+                      <p:childTnLst>
+                        <p:par>
+                          <p:cTn id="4" fill="hold">
+                            <p:stCondLst>
+                              <p:cond delay="0"/>
+                            </p:stCondLst>
+                            <p:childTnLst>
+                              <p:par>
+                                <p:cTn id="5" presetID="1" presetClass="entr" presetSubtype="0" fill="hold" nodeType="clickEffect">
+                                  <p:stCondLst>
+                                    <p:cond delay="0"/>
+                                  </p:stCondLst>
+                                  <p:childTnLst>
+                                    <p:set>
+                                      <p:cBhvr>
+                                        <p:cTn id="6" dur="1" fill="hold">
+                                          <p:stCondLst>
+                                            <p:cond delay="0"/>
+                                          </p:stCondLst>
+                                        </p:cTn>
+                                        <p:tgtEl>
+                                          <p:spTgt spid="10"/>
+                                        </p:tgtEl>
+                                        <p:attrNameLst>
+                                          <p:attrName>style.visibility</p:attrName>
+                                        </p:attrNameLst>
+                                      </p:cBhvr>
+                                      <p:to>
+                                        <p:strVal val="visible"/>
+                                      </p:to>
+                                    </p:set>
+                                  </p:childTnLst>
+                                </p:cTn>
+                              </p:par>
+                            </p:childTnLst>
+                          </p:cTn>
+                        </p:par>
+                      </p:childTnLst>
+                    </p:cTn>
+                  </p:par>
+                  <p:par>
+                    <p:cTn id="7" fill="hold">
+                      <p:stCondLst>
+                        <p:cond delay="indefinite"/>
+                      </p:stCondLst>
+                      <p:childTnLst>
+                        <p:par>
+                          <p:cTn id="8" fill="hold">
+                            <p:stCondLst>
+                              <p:cond delay="0"/>
+                            </p:stCondLst>
+                            <p:childTnLst>
+                              <p:par>
+                                <p:cTn id="9" presetID="1" presetClass="entr" presetSubtype="0" fill="hold" nodeType="clickEffect">
+                                  <p:stCondLst>
+                                    <p:cond delay="0"/>
+                                  </p:stCondLst>
+                                  <p:childTnLst>
+                                    <p:set>
+                                      <p:cBhvr>
+                                        <p:cTn id="10" dur="1" fill="hold">
+                                          <p:stCondLst>
+                                            <p:cond delay="0"/>
+                                          </p:stCondLst>
+                                        </p:cTn>
+                                        <p:tgtEl>
+                                          <p:spTgt spid="33"/>
+                                        </p:tgtEl>
+                                        <p:attrNameLst>
+                                          <p:attrName>style.visibility</p:attrName>
+                                        </p:attrNameLst>
+                                      </p:cBhvr>
+                                      <p:to>
+                                        <p:strVal val="visible"/>
+                                      </p:to>
+                                    </p:set>
+                                  </p:childTnLst>
+                                </p:cTn>
+                              </p:par>
+                            </p:childTnLst>
+                          </p:cTn>
+                        </p:par>
+                      </p:childTnLst>
+                    </p:cTn>
+                  </p:par>
+                  <p:par>
+                    <p:cTn id="11" fill="hold">
+                      <p:stCondLst>
+                        <p:cond delay="indefinite"/>
+                      </p:stCondLst>
+                      <p:childTnLst>
+                        <p:par>
+                          <p:cTn id="12" fill="hold">
+                            <p:stCondLst>
+                              <p:cond delay="0"/>
+                            </p:stCondLst>
+                            <p:childTnLst>
+                              <p:par>
+                                <p:cTn id="13" presetID="1" presetClass="entr" presetSubtype="0" fill="hold" nodeType="clickEffect">
+                                  <p:stCondLst>
+                                    <p:cond delay="0"/>
+                                  </p:stCondLst>
+                                  <p:childTnLst>
+                                    <p:set>
+                                      <p:cBhvr>
+                                        <p:cTn id="14" dur="1" fill="hold">
+                                          <p:stCondLst>
+                                            <p:cond delay="0"/>
+                                          </p:stCondLst>
+                                        </p:cTn>
+                                        <p:tgtEl>
+                                          <p:spTgt spid="34"/>
+                                        </p:tgtEl>
+                                        <p:attrNameLst>
+                                          <p:attrName>style.visibility</p:attrName>
+                                        </p:attrNameLst>
+                                      </p:cBhvr>
+                                      <p:to>
+                                        <p:strVal val="visible"/>
+                                      </p:to>
+                                    </p:set>
+                                  </p:childTnLst>
+                                </p:cTn>
+                              </p:par>
+                            </p:childTnLst>
+                          </p:cTn>
+                        </p:par>
+                      </p:childTnLst>
+                    </p:cTn>
+                  </p:par>
+                </p:childTnLst>
+              </p:cTn>
+              <p:prevCondLst>
+                <p:cond evt="onPrev" delay="0">
+                  <p:tgtEl>
+                    <p:sldTgt/>
+                  </p:tgtEl>
+                </p:cond>
+              </p:prevCondLst>
+              <p:nextCondLst>
+                <p:cond evt="onNext" delay="0">
+                  <p:tgtEl>
+                    <p:sldTgt/>
+                  </p:tgtEl>
+                </p:cond>
+              </p:nextCondLst>
+            </p:seq>
+          </p:childTnLst>
+        </p:cTn>
+      </p:par>
+    </p:tnLst>
+  </p:timing>
 </p:sld>
 </file>
 
@@ -20775,7 +22567,7 @@
           <a:p>
             <a:r>
               <a:rPr lang="en-US" sz="2000" dirty="0"/>
-              <a:t>Assuming that the controller has full knowledge of SUC state, we want to design a controller so that the closed loop system has more desirable poles and the reference input is 0.</a:t>
+              <a:t>Assuming that the controller has full knowledge of SUC state, we want to design a controller so that the closed loop system has more desirable poles.</a:t>
             </a:r>
             <a:endParaRPr lang="en-US" sz="2000" b="1" dirty="0"/>
           </a:p>
@@ -20818,24 +22610,22 @@
       </p:sp>
       <p:grpSp>
         <p:nvGrpSpPr>
-          <p:cNvPr id="80" name="Group 79">
+          <p:cNvPr id="4" name="Group 3">
             <a:extLst>
               <a:ext uri="{FF2B5EF4-FFF2-40B4-BE49-F238E27FC236}">
-                <a16:creationId xmlns:a16="http://schemas.microsoft.com/office/drawing/2014/main" id="{E3FEE279-AA8B-B340-9BFB-C4218AE918FA}"/>
+                <a16:creationId xmlns:a16="http://schemas.microsoft.com/office/drawing/2014/main" id="{B47400E2-7D06-2247-A484-4FA76BF6A7B2}"/>
               </a:ext>
             </a:extLst>
           </p:cNvPr>
-          <p:cNvGrpSpPr>
-            <a:grpSpLocks noChangeAspect="1"/>
-          </p:cNvGrpSpPr>
+          <p:cNvGrpSpPr/>
           <p:nvPr/>
         </p:nvGrpSpPr>
         <p:grpSpPr>
           <a:xfrm>
-            <a:off x="2345967" y="4928040"/>
-            <a:ext cx="3475935" cy="1163800"/>
-            <a:chOff x="2078226" y="1761147"/>
-            <a:chExt cx="3297531" cy="1104061"/>
+            <a:off x="1593744" y="4928040"/>
+            <a:ext cx="4228158" cy="1163800"/>
+            <a:chOff x="1593744" y="4928040"/>
+            <a:chExt cx="4228158" cy="1163800"/>
           </a:xfrm>
         </p:grpSpPr>
         <p:sp>
@@ -20854,8 +22644,8 @@
           </p:nvSpPr>
           <p:spPr>
             <a:xfrm>
-              <a:off x="4027761" y="1908705"/>
-              <a:ext cx="643565" cy="634949"/>
+              <a:off x="4400976" y="5083582"/>
+              <a:ext cx="678383" cy="669305"/>
             </a:xfrm>
             <a:prstGeom prst="rect">
               <a:avLst/>
@@ -20902,8 +22692,8 @@
           </p:nvCxnSpPr>
           <p:spPr>
             <a:xfrm flipV="1">
-              <a:off x="3008157" y="2226180"/>
-              <a:ext cx="1019604" cy="1423"/>
+              <a:off x="3326209" y="5418235"/>
+              <a:ext cx="1074767" cy="1500"/>
             </a:xfrm>
             <a:prstGeom prst="straightConnector1">
               <a:avLst/>
@@ -20948,8 +22738,8 @@
           </p:nvCxnSpPr>
           <p:spPr>
             <a:xfrm>
-              <a:off x="4685090" y="2232726"/>
-              <a:ext cx="597703" cy="2948"/>
+              <a:off x="5093868" y="5425135"/>
+              <a:ext cx="630040" cy="3108"/>
             </a:xfrm>
             <a:prstGeom prst="straightConnector1">
               <a:avLst/>
@@ -20994,8 +22784,8 @@
               </p:nvSpPr>
               <p:spPr>
                 <a:xfrm>
-                  <a:off x="3992817" y="2008825"/>
-                  <a:ext cx="712053" cy="379574"/>
+                  <a:off x="4364142" y="5189119"/>
+                  <a:ext cx="750577" cy="400112"/>
                 </a:xfrm>
                 <a:prstGeom prst="rect">
                   <a:avLst/>
@@ -21079,8 +22869,8 @@
               </p:nvSpPr>
               <p:spPr>
                 <a:xfrm>
-                  <a:off x="3992817" y="2008825"/>
-                  <a:ext cx="712053" cy="379574"/>
+                  <a:off x="4364142" y="5189119"/>
+                  <a:ext cx="750577" cy="400112"/>
                 </a:xfrm>
                 <a:prstGeom prst="rect">
                   <a:avLst/>
@@ -21125,8 +22915,8 @@
               </p:nvSpPr>
               <p:spPr>
                 <a:xfrm>
-                  <a:off x="2078226" y="1910128"/>
-                  <a:ext cx="929931" cy="634950"/>
+                  <a:off x="2345967" y="5085082"/>
+                  <a:ext cx="980242" cy="669306"/>
                 </a:xfrm>
                 <a:prstGeom prst="rect">
                   <a:avLst/>
@@ -21218,8 +23008,8 @@
               </p:nvSpPr>
               <p:spPr>
                 <a:xfrm>
-                  <a:off x="2078226" y="1910128"/>
-                  <a:ext cx="929931" cy="634950"/>
+                  <a:off x="2345967" y="5085082"/>
+                  <a:ext cx="980242" cy="669306"/>
                 </a:xfrm>
                 <a:prstGeom prst="rect">
                   <a:avLst/>
@@ -21262,8 +23052,8 @@
               </p:nvSpPr>
               <p:spPr>
                 <a:xfrm>
-                  <a:off x="3123666" y="2485634"/>
-                  <a:ext cx="656164" cy="379574"/>
+                  <a:off x="3447968" y="5691728"/>
+                  <a:ext cx="691664" cy="400112"/>
                 </a:xfrm>
                 <a:prstGeom prst="rect">
                   <a:avLst/>
@@ -21341,8 +23131,8 @@
               </p:nvSpPr>
               <p:spPr>
                 <a:xfrm>
-                  <a:off x="3123666" y="2485634"/>
-                  <a:ext cx="656164" cy="379574"/>
+                  <a:off x="3447968" y="5691728"/>
+                  <a:ext cx="691664" cy="400112"/>
                 </a:xfrm>
                 <a:prstGeom prst="rect">
                   <a:avLst/>
@@ -21385,8 +23175,8 @@
               </p:nvSpPr>
               <p:spPr>
                 <a:xfrm>
-                  <a:off x="3060078" y="1806655"/>
-                  <a:ext cx="716480" cy="379574"/>
+                  <a:off x="3380939" y="4976010"/>
+                  <a:ext cx="755243" cy="400112"/>
                 </a:xfrm>
                 <a:prstGeom prst="rect">
                   <a:avLst/>
@@ -21470,8 +23260,8 @@
               </p:nvSpPr>
               <p:spPr>
                 <a:xfrm>
-                  <a:off x="3060078" y="1806655"/>
-                  <a:ext cx="716480" cy="379574"/>
+                  <a:off x="3380939" y="4976010"/>
+                  <a:ext cx="755243" cy="400112"/>
                 </a:xfrm>
                 <a:prstGeom prst="rect">
                   <a:avLst/>
@@ -21514,8 +23304,8 @@
               </p:nvSpPr>
               <p:spPr>
                 <a:xfrm>
-                  <a:off x="4659279" y="1761147"/>
-                  <a:ext cx="716478" cy="379574"/>
+                  <a:off x="5066661" y="4928040"/>
+                  <a:ext cx="755241" cy="400112"/>
                 </a:xfrm>
                 <a:prstGeom prst="rect">
                   <a:avLst/>
@@ -21599,8 +23389,8 @@
               </p:nvSpPr>
               <p:spPr>
                 <a:xfrm>
-                  <a:off x="4659279" y="1761147"/>
-                  <a:ext cx="716478" cy="379574"/>
+                  <a:off x="5066661" y="4928040"/>
+                  <a:ext cx="755241" cy="400112"/>
                 </a:xfrm>
                 <a:prstGeom prst="rect">
                   <a:avLst/>
@@ -21645,8 +23435,8 @@
           </p:nvCxnSpPr>
           <p:spPr>
             <a:xfrm rot="5400000">
-              <a:off x="3445656" y="1641189"/>
-              <a:ext cx="1424" cy="1806352"/>
+              <a:off x="3787378" y="4801597"/>
+              <a:ext cx="1501" cy="1904080"/>
             </a:xfrm>
             <a:prstGeom prst="bentConnector3">
               <a:avLst>
@@ -21677,6 +23467,181 @@
             </a:fontRef>
           </p:style>
         </p:cxnSp>
+        <p:cxnSp>
+          <p:nvCxnSpPr>
+            <p:cNvPr id="33" name="Straight Arrow Connector 32">
+              <a:extLst>
+                <a:ext uri="{FF2B5EF4-FFF2-40B4-BE49-F238E27FC236}">
+                  <a16:creationId xmlns:a16="http://schemas.microsoft.com/office/drawing/2014/main" id="{5944A7EE-2C3B-3241-B904-F81B6EDFAC44}"/>
+                </a:ext>
+              </a:extLst>
+            </p:cNvPr>
+            <p:cNvCxnSpPr>
+              <a:cxnSpLocks/>
+            </p:cNvCxnSpPr>
+            <p:nvPr/>
+          </p:nvCxnSpPr>
+          <p:spPr>
+            <a:xfrm>
+              <a:off x="1726481" y="5425135"/>
+              <a:ext cx="630040" cy="3108"/>
+            </a:xfrm>
+            <a:prstGeom prst="straightConnector1">
+              <a:avLst/>
+            </a:prstGeom>
+            <a:ln>
+              <a:tailEnd type="triangle" w="lg" len="lg"/>
+            </a:ln>
+            <a:effectLst>
+              <a:outerShdw dist="20000" sx="1000" sy="1000" rotWithShape="0">
+                <a:srgbClr val="000000"/>
+              </a:outerShdw>
+            </a:effectLst>
+          </p:spPr>
+          <p:style>
+            <a:lnRef idx="2">
+              <a:schemeClr val="accent1"/>
+            </a:lnRef>
+            <a:fillRef idx="0">
+              <a:schemeClr val="accent1"/>
+            </a:fillRef>
+            <a:effectRef idx="1">
+              <a:schemeClr val="accent1"/>
+            </a:effectRef>
+            <a:fontRef idx="minor">
+              <a:schemeClr val="tx1"/>
+            </a:fontRef>
+          </p:style>
+        </p:cxnSp>
+        <mc:AlternateContent xmlns:mc="http://schemas.openxmlformats.org/markup-compatibility/2006">
+          <mc:Choice xmlns:a14="http://schemas.microsoft.com/office/drawing/2010/main" Requires="a14">
+            <p:sp>
+              <p:nvSpPr>
+                <p:cNvPr id="34" name="Rectangle 33">
+                  <a:extLst>
+                    <a:ext uri="{FF2B5EF4-FFF2-40B4-BE49-F238E27FC236}">
+                      <a16:creationId xmlns:a16="http://schemas.microsoft.com/office/drawing/2014/main" id="{C28F94D9-1B91-934C-9182-E5AF26382D14}"/>
+                    </a:ext>
+                  </a:extLst>
+                </p:cNvPr>
+                <p:cNvSpPr/>
+                <p:nvPr/>
+              </p:nvSpPr>
+              <p:spPr>
+                <a:xfrm>
+                  <a:off x="1593744" y="4991400"/>
+                  <a:ext cx="716863" cy="369332"/>
+                </a:xfrm>
+                <a:prstGeom prst="rect">
+                  <a:avLst/>
+                </a:prstGeom>
+              </p:spPr>
+              <p:txBody>
+                <a:bodyPr wrap="none">
+                  <a:spAutoFit/>
+                </a:bodyPr>
+                <a:lstStyle/>
+                <a:p>
+                  <a:pPr/>
+                  <a14:m>
+                    <m:oMathPara xmlns:m="http://schemas.openxmlformats.org/officeDocument/2006/math">
+                      <m:oMathParaPr>
+                        <m:jc m:val="centerGroup"/>
+                      </m:oMathParaPr>
+                      <m:oMath xmlns:m="http://schemas.openxmlformats.org/officeDocument/2006/math">
+                        <m:r>
+                          <a:rPr lang="en-US" b="0" i="1" smtClean="0">
+                            <a:solidFill>
+                              <a:schemeClr val="tx1"/>
+                            </a:solidFill>
+                            <a:latin typeface="Cambria Math" panose="02040503050406030204" pitchFamily="18" charset="0"/>
+                          </a:rPr>
+                          <m:t>𝑅</m:t>
+                        </m:r>
+                        <m:r>
+                          <a:rPr lang="en-US" b="0" i="1" smtClean="0">
+                            <a:solidFill>
+                              <a:schemeClr val="tx1"/>
+                            </a:solidFill>
+                            <a:latin typeface="Cambria Math" panose="02040503050406030204" pitchFamily="18" charset="0"/>
+                          </a:rPr>
+                          <m:t>(</m:t>
+                        </m:r>
+                        <m:r>
+                          <a:rPr lang="en-US" b="0" i="1" smtClean="0">
+                            <a:solidFill>
+                              <a:schemeClr val="tx1"/>
+                            </a:solidFill>
+                            <a:latin typeface="Cambria Math" panose="02040503050406030204" pitchFamily="18" charset="0"/>
+                          </a:rPr>
+                          <m:t>𝑠</m:t>
+                        </m:r>
+                        <m:r>
+                          <a:rPr lang="en-US" b="0" i="1" smtClean="0">
+                            <a:solidFill>
+                              <a:schemeClr val="tx1"/>
+                            </a:solidFill>
+                            <a:latin typeface="Cambria Math" panose="02040503050406030204" pitchFamily="18" charset="0"/>
+                          </a:rPr>
+                          <m:t>)</m:t>
+                        </m:r>
+                      </m:oMath>
+                    </m:oMathPara>
+                  </a14:m>
+                  <a:endParaRPr lang="en-US" dirty="0">
+                    <a:solidFill>
+                      <a:schemeClr val="tx1"/>
+                    </a:solidFill>
+                  </a:endParaRPr>
+                </a:p>
+              </p:txBody>
+            </p:sp>
+          </mc:Choice>
+          <mc:Fallback>
+            <p:sp>
+              <p:nvSpPr>
+                <p:cNvPr id="34" name="Rectangle 33">
+                  <a:extLst>
+                    <a:ext uri="{FF2B5EF4-FFF2-40B4-BE49-F238E27FC236}">
+                      <a16:creationId xmlns:a16="http://schemas.microsoft.com/office/drawing/2014/main" id="{C28F94D9-1B91-934C-9182-E5AF26382D14}"/>
+                    </a:ext>
+                  </a:extLst>
+                </p:cNvPr>
+                <p:cNvSpPr>
+                  <a:spLocks noRot="1" noChangeAspect="1" noMove="1" noResize="1" noEditPoints="1" noAdjustHandles="1" noChangeArrowheads="1" noChangeShapeType="1" noTextEdit="1"/>
+                </p:cNvSpPr>
+                <p:nvPr/>
+              </p:nvSpPr>
+              <p:spPr>
+                <a:xfrm>
+                  <a:off x="1593744" y="4991400"/>
+                  <a:ext cx="716863" cy="369332"/>
+                </a:xfrm>
+                <a:prstGeom prst="rect">
+                  <a:avLst/>
+                </a:prstGeom>
+                <a:blipFill>
+                  <a:blip r:embed="rId15"/>
+                  <a:stretch>
+                    <a:fillRect b="-20690"/>
+                  </a:stretch>
+                </a:blipFill>
+              </p:spPr>
+              <p:txBody>
+                <a:bodyPr/>
+                <a:lstStyle/>
+                <a:p>
+                  <a:r>
+                    <a:rPr lang="en-US">
+                      <a:noFill/>
+                    </a:rPr>
+                    <a:t> </a:t>
+                  </a:r>
+                </a:p>
+              </p:txBody>
+            </p:sp>
+          </mc:Fallback>
+        </mc:AlternateContent>
       </p:grpSp>
     </p:spTree>
     <p:extLst>
@@ -21688,6 +23653,129 @@
   <p:clrMapOvr>
     <a:masterClrMapping/>
   </p:clrMapOvr>
+  <p:timing>
+    <p:tnLst>
+      <p:par>
+        <p:cTn id="1" dur="indefinite" restart="never" nodeType="tmRoot">
+          <p:childTnLst>
+            <p:seq concurrent="1" nextAc="seek">
+              <p:cTn id="2" dur="indefinite" nodeType="mainSeq">
+                <p:childTnLst>
+                  <p:par>
+                    <p:cTn id="3" fill="hold">
+                      <p:stCondLst>
+                        <p:cond delay="indefinite"/>
+                      </p:stCondLst>
+                      <p:childTnLst>
+                        <p:par>
+                          <p:cTn id="4" fill="hold">
+                            <p:stCondLst>
+                              <p:cond delay="0"/>
+                            </p:stCondLst>
+                            <p:childTnLst>
+                              <p:par>
+                                <p:cTn id="5" presetID="1" presetClass="entr" presetSubtype="0" fill="hold" grpId="0" nodeType="clickEffect">
+                                  <p:stCondLst>
+                                    <p:cond delay="0"/>
+                                  </p:stCondLst>
+                                  <p:childTnLst>
+                                    <p:set>
+                                      <p:cBhvr>
+                                        <p:cTn id="6" dur="1" fill="hold">
+                                          <p:stCondLst>
+                                            <p:cond delay="0"/>
+                                          </p:stCondLst>
+                                        </p:cTn>
+                                        <p:tgtEl>
+                                          <p:spTgt spid="7"/>
+                                        </p:tgtEl>
+                                        <p:attrNameLst>
+                                          <p:attrName>style.visibility</p:attrName>
+                                        </p:attrNameLst>
+                                      </p:cBhvr>
+                                      <p:to>
+                                        <p:strVal val="visible"/>
+                                      </p:to>
+                                    </p:set>
+                                  </p:childTnLst>
+                                </p:cTn>
+                              </p:par>
+                            </p:childTnLst>
+                          </p:cTn>
+                        </p:par>
+                      </p:childTnLst>
+                    </p:cTn>
+                  </p:par>
+                  <p:par>
+                    <p:cTn id="7" fill="hold">
+                      <p:stCondLst>
+                        <p:cond delay="indefinite"/>
+                      </p:stCondLst>
+                      <p:childTnLst>
+                        <p:par>
+                          <p:cTn id="8" fill="hold">
+                            <p:stCondLst>
+                              <p:cond delay="0"/>
+                            </p:stCondLst>
+                            <p:childTnLst>
+                              <p:par>
+                                <p:cTn id="9" presetID="1" presetClass="entr" presetSubtype="0" fill="hold" nodeType="clickEffect">
+                                  <p:stCondLst>
+                                    <p:cond delay="0"/>
+                                  </p:stCondLst>
+                                  <p:childTnLst>
+                                    <p:set>
+                                      <p:cBhvr>
+                                        <p:cTn id="10" dur="1" fill="hold">
+                                          <p:stCondLst>
+                                            <p:cond delay="0"/>
+                                          </p:stCondLst>
+                                        </p:cTn>
+                                        <p:tgtEl>
+                                          <p:spTgt spid="4"/>
+                                        </p:tgtEl>
+                                        <p:attrNameLst>
+                                          <p:attrName>style.visibility</p:attrName>
+                                        </p:attrNameLst>
+                                      </p:cBhvr>
+                                      <p:to>
+                                        <p:strVal val="visible"/>
+                                      </p:to>
+                                    </p:set>
+                                  </p:childTnLst>
+                                </p:cTn>
+                              </p:par>
+                            </p:childTnLst>
+                          </p:cTn>
+                        </p:par>
+                      </p:childTnLst>
+                    </p:cTn>
+                  </p:par>
+                </p:childTnLst>
+              </p:cTn>
+              <p:prevCondLst>
+                <p:cond evt="onPrev" delay="0">
+                  <p:tgtEl>
+                    <p:sldTgt/>
+                  </p:tgtEl>
+                </p:cond>
+              </p:prevCondLst>
+              <p:nextCondLst>
+                <p:cond evt="onNext" delay="0">
+                  <p:tgtEl>
+                    <p:sldTgt/>
+                  </p:tgtEl>
+                </p:cond>
+              </p:nextCondLst>
+            </p:seq>
+          </p:childTnLst>
+        </p:cTn>
+      </p:par>
+    </p:tnLst>
+    <p:bldLst>
+      <p:bldP spid="7" grpId="0"/>
+    </p:bldLst>
+  </p:timing>
 </p:sld>
 </file>
 
@@ -23061,7 +25149,7 @@
         <p:spPr>
           <a:xfrm>
             <a:off x="542931" y="5396557"/>
-            <a:ext cx="5830442" cy="400110"/>
+            <a:ext cx="5892960" cy="400110"/>
           </a:xfrm>
           <a:prstGeom prst="rect">
             <a:avLst/>
@@ -23080,7 +25168,15 @@
             </a:r>
             <a:r>
               <a:rPr lang="en-US" sz="2000" dirty="0"/>
-              <a:t>: System reaches steady state after 2 s.</a:t>
+              <a:t>: </a:t>
+            </a:r>
+            <a:r>
+              <a:rPr lang="en-US" sz="2000" dirty="0" err="1"/>
+              <a:t>Stablize</a:t>
+            </a:r>
+            <a:r>
+              <a:rPr lang="en-US" sz="2000" dirty="0"/>
+              <a:t> the closed loop system by 1 s.</a:t>
             </a:r>
           </a:p>
         </p:txBody>
@@ -23423,7 +25519,7 @@
             <p:spPr>
               <a:xfrm>
                 <a:off x="1776952" y="5946124"/>
-                <a:ext cx="2816861" cy="307777"/>
+                <a:ext cx="2959528" cy="307777"/>
               </a:xfrm>
               <a:prstGeom prst="rect">
                 <a:avLst/>
@@ -23438,7 +25534,7 @@
               <a:p>
                 <a:r>
                   <a:rPr lang="en-US" sz="2000" b="0" dirty="0"/>
-                  <a:t>Change to poles to </a:t>
+                  <a:t>Change the poles to </a:t>
                 </a:r>
                 <a14:m>
                   <m:oMath xmlns:m="http://schemas.openxmlformats.org/officeDocument/2006/math">
@@ -23523,7 +25619,7 @@
             <p:spPr>
               <a:xfrm>
                 <a:off x="1776952" y="5946124"/>
-                <a:ext cx="2816861" cy="307777"/>
+                <a:ext cx="2959528" cy="307777"/>
               </a:xfrm>
               <a:prstGeom prst="rect">
                 <a:avLst/>
@@ -23531,7 +25627,7 @@
               <a:blipFill>
                 <a:blip r:embed="rId7"/>
                 <a:stretch>
-                  <a:fillRect l="-5381" t="-28000" r="-897" b="-48000"/>
+                  <a:fillRect l="-5128" t="-28000" r="-855" b="-48000"/>
                 </a:stretch>
               </a:blipFill>
             </p:spPr>
@@ -24868,7 +26964,7 @@
                       <m:sSub>
                         <m:sSubPr>
                           <m:ctrlPr>
-                            <a:rPr lang="en-US" sz="2000" i="1">
+                            <a:rPr lang="en-US" sz="2000" i="1" smtClean="0">
                               <a:latin typeface="Cambria Math" panose="02040503050406030204" pitchFamily="18" charset="0"/>
                             </a:rPr>
                           </m:ctrlPr>
@@ -24914,6 +27010,18 @@
                         <m:t>=</m:t>
                       </m:r>
                       <m:r>
+                        <a:rPr lang="en-US" sz="2000" b="0" i="0" smtClean="0">
+                          <a:latin typeface="Cambria Math" panose="02040503050406030204" pitchFamily="18" charset="0"/>
+                        </a:rPr>
+                        <m:t>0</m:t>
+                      </m:r>
+                      <m:r>
+                        <a:rPr lang="en-US" sz="2000" b="0" i="1" smtClean="0">
+                          <a:latin typeface="Cambria Math" panose="02040503050406030204" pitchFamily="18" charset="0"/>
+                        </a:rPr>
+                        <m:t>≡</m:t>
+                      </m:r>
+                      <m:r>
                         <m:rPr>
                           <m:sty m:val="p"/>
                         </m:rPr>
@@ -24957,136 +27065,6 @@
                           </m:r>
                         </m:e>
                       </m:d>
-                      <m:r>
-                        <a:rPr lang="en-US" sz="2000" i="1">
-                          <a:latin typeface="Cambria Math" panose="02040503050406030204" pitchFamily="18" charset="0"/>
-                        </a:rPr>
-                        <m:t>=</m:t>
-                      </m:r>
-                      <m:sSup>
-                        <m:sSupPr>
-                          <m:ctrlPr>
-                            <a:rPr lang="en-US" sz="2000" i="1">
-                              <a:latin typeface="Cambria Math" panose="02040503050406030204" pitchFamily="18" charset="0"/>
-                            </a:rPr>
-                          </m:ctrlPr>
-                        </m:sSupPr>
-                        <m:e>
-                          <m:r>
-                            <a:rPr lang="en-US" sz="2000" i="1">
-                              <a:latin typeface="Cambria Math" panose="02040503050406030204" pitchFamily="18" charset="0"/>
-                            </a:rPr>
-                            <m:t>𝜆</m:t>
-                          </m:r>
-                        </m:e>
-                        <m:sup>
-                          <m:r>
-                            <a:rPr lang="en-US" sz="2000" i="1">
-                              <a:latin typeface="Cambria Math" panose="02040503050406030204" pitchFamily="18" charset="0"/>
-                            </a:rPr>
-                            <m:t>𝑛</m:t>
-                          </m:r>
-                        </m:sup>
-                      </m:sSup>
-                      <m:r>
-                        <a:rPr lang="en-US" sz="2000" i="1">
-                          <a:latin typeface="Cambria Math" panose="02040503050406030204" pitchFamily="18" charset="0"/>
-                        </a:rPr>
-                        <m:t>+</m:t>
-                      </m:r>
-                      <m:sSub>
-                        <m:sSubPr>
-                          <m:ctrlPr>
-                            <a:rPr lang="en-US" sz="2000" i="1">
-                              <a:latin typeface="Cambria Math" panose="02040503050406030204" pitchFamily="18" charset="0"/>
-                            </a:rPr>
-                          </m:ctrlPr>
-                        </m:sSubPr>
-                        <m:e>
-                          <m:r>
-                            <a:rPr lang="en-US" sz="2000" i="1">
-                              <a:latin typeface="Cambria Math" panose="02040503050406030204" pitchFamily="18" charset="0"/>
-                            </a:rPr>
-                            <m:t>𝑎</m:t>
-                          </m:r>
-                        </m:e>
-                        <m:sub>
-                          <m:r>
-                            <a:rPr lang="en-US" sz="2000" i="1">
-                              <a:latin typeface="Cambria Math" panose="02040503050406030204" pitchFamily="18" charset="0"/>
-                            </a:rPr>
-                            <m:t>𝑛</m:t>
-                          </m:r>
-                          <m:r>
-                            <a:rPr lang="en-US" sz="2000" i="1">
-                              <a:latin typeface="Cambria Math" panose="02040503050406030204" pitchFamily="18" charset="0"/>
-                            </a:rPr>
-                            <m:t>−1</m:t>
-                          </m:r>
-                        </m:sub>
-                      </m:sSub>
-                      <m:sSup>
-                        <m:sSupPr>
-                          <m:ctrlPr>
-                            <a:rPr lang="en-US" sz="2000" i="1">
-                              <a:latin typeface="Cambria Math" panose="02040503050406030204" pitchFamily="18" charset="0"/>
-                            </a:rPr>
-                          </m:ctrlPr>
-                        </m:sSupPr>
-                        <m:e>
-                          <m:r>
-                            <a:rPr lang="en-US" sz="2000" i="1">
-                              <a:latin typeface="Cambria Math" panose="02040503050406030204" pitchFamily="18" charset="0"/>
-                            </a:rPr>
-                            <m:t>𝜆</m:t>
-                          </m:r>
-                        </m:e>
-                        <m:sup>
-                          <m:r>
-                            <a:rPr lang="en-US" sz="2000" i="1">
-                              <a:latin typeface="Cambria Math" panose="02040503050406030204" pitchFamily="18" charset="0"/>
-                            </a:rPr>
-                            <m:t>𝑛</m:t>
-                          </m:r>
-                          <m:r>
-                            <a:rPr lang="en-US" sz="2000" i="1">
-                              <a:latin typeface="Cambria Math" panose="02040503050406030204" pitchFamily="18" charset="0"/>
-                            </a:rPr>
-                            <m:t>−1 </m:t>
-                          </m:r>
-                        </m:sup>
-                      </m:sSup>
-                      <m:r>
-                        <a:rPr lang="en-US" sz="2000" i="1">
-                          <a:latin typeface="Cambria Math" panose="02040503050406030204" pitchFamily="18" charset="0"/>
-                        </a:rPr>
-                        <m:t>+⋯+</m:t>
-                      </m:r>
-                      <m:sSub>
-                        <m:sSubPr>
-                          <m:ctrlPr>
-                            <a:rPr lang="en-US" sz="2000" i="1">
-                              <a:latin typeface="Cambria Math" panose="02040503050406030204" pitchFamily="18" charset="0"/>
-                            </a:rPr>
-                          </m:ctrlPr>
-                        </m:sSubPr>
-                        <m:e>
-                          <m:r>
-                            <a:rPr lang="en-US" sz="2000" i="1">
-                              <a:latin typeface="Cambria Math" panose="02040503050406030204" pitchFamily="18" charset="0"/>
-                            </a:rPr>
-                            <m:t>𝑎</m:t>
-                          </m:r>
-                        </m:e>
-                        <m:sub>
-                          <m:r>
-                            <a:rPr lang="en-US" sz="2000" i="1">
-                              <a:latin typeface="Cambria Math" panose="02040503050406030204" pitchFamily="18" charset="0"/>
-                            </a:rPr>
-                            <m:t>0</m:t>
-                          </m:r>
-                        </m:sub>
-                      </m:sSub>
                       <m:r>
                         <a:rPr lang="en-US" sz="2000" i="1">
                           <a:latin typeface="Cambria Math" panose="02040503050406030204" pitchFamily="18" charset="0"/>
@@ -25471,7 +27449,7 @@
           <a:p>
             <a:r>
               <a:rPr lang="en-US" dirty="0"/>
-              <a:t>What are the poles of the system?</a:t>
+              <a:t>Poles in the Running Example</a:t>
             </a:r>
           </a:p>
         </p:txBody>
@@ -25916,7 +27894,7 @@
             <p:spPr>
               <a:xfrm>
                 <a:off x="849976" y="3477126"/>
-                <a:ext cx="6997493" cy="912109"/>
+                <a:ext cx="5349605" cy="666529"/>
               </a:xfrm>
               <a:prstGeom prst="rect">
                 <a:avLst/>
@@ -26060,122 +28038,128 @@
                             </m:radPr>
                             <m:deg/>
                             <m:e>
-                              <m:sSubSup>
-                                <m:sSubSupPr>
+                              <m:sSup>
+                                <m:sSupPr>
                                   <m:ctrlPr>
-                                    <a:rPr lang="en-US" sz="2000" i="1">
+                                    <a:rPr lang="en-US" sz="2000" b="0" i="1" smtClean="0">
                                       <a:latin typeface="Cambria Math" panose="02040503050406030204" pitchFamily="18" charset="0"/>
                                     </a:rPr>
                                   </m:ctrlPr>
-                                </m:sSubSupPr>
+                                </m:sSupPr>
                                 <m:e>
-                                  <m:r>
-                                    <a:rPr lang="en-US" sz="2000" i="1">
-                                      <a:latin typeface="Cambria Math" panose="02040503050406030204" pitchFamily="18" charset="0"/>
-                                    </a:rPr>
-                                    <m:t>𝑘</m:t>
-                                  </m:r>
+                                  <m:d>
+                                    <m:dPr>
+                                      <m:ctrlPr>
+                                        <a:rPr lang="en-US" sz="2000" b="0" i="1" smtClean="0">
+                                          <a:latin typeface="Cambria Math" panose="02040503050406030204" pitchFamily="18" charset="0"/>
+                                        </a:rPr>
+                                      </m:ctrlPr>
+                                    </m:dPr>
+                                    <m:e>
+                                      <m:sSub>
+                                        <m:sSubPr>
+                                          <m:ctrlPr>
+                                            <a:rPr lang="en-US" sz="2000" b="0" i="1" smtClean="0">
+                                              <a:latin typeface="Cambria Math" panose="02040503050406030204" pitchFamily="18" charset="0"/>
+                                            </a:rPr>
+                                          </m:ctrlPr>
+                                        </m:sSubPr>
+                                        <m:e>
+                                          <m:r>
+                                            <a:rPr lang="en-US" sz="2000" b="0" i="1" smtClean="0">
+                                              <a:latin typeface="Cambria Math" panose="02040503050406030204" pitchFamily="18" charset="0"/>
+                                            </a:rPr>
+                                            <m:t>𝑘</m:t>
+                                          </m:r>
+                                        </m:e>
+                                        <m:sub>
+                                          <m:r>
+                                            <a:rPr lang="en-US" sz="2000" b="0" i="1" smtClean="0">
+                                              <a:latin typeface="Cambria Math" panose="02040503050406030204" pitchFamily="18" charset="0"/>
+                                            </a:rPr>
+                                            <m:t>1</m:t>
+                                          </m:r>
+                                        </m:sub>
+                                      </m:sSub>
+                                      <m:r>
+                                        <a:rPr lang="en-US" sz="2000" b="0" i="1" smtClean="0">
+                                          <a:latin typeface="Cambria Math" panose="02040503050406030204" pitchFamily="18" charset="0"/>
+                                        </a:rPr>
+                                        <m:t>+</m:t>
+                                      </m:r>
+                                      <m:sSub>
+                                        <m:sSubPr>
+                                          <m:ctrlPr>
+                                            <a:rPr lang="en-US" sz="2000" b="0" i="1" smtClean="0">
+                                              <a:latin typeface="Cambria Math" panose="02040503050406030204" pitchFamily="18" charset="0"/>
+                                            </a:rPr>
+                                          </m:ctrlPr>
+                                        </m:sSubPr>
+                                        <m:e>
+                                          <m:r>
+                                            <a:rPr lang="en-US" sz="2000" b="0" i="1" smtClean="0">
+                                              <a:latin typeface="Cambria Math" panose="02040503050406030204" pitchFamily="18" charset="0"/>
+                                            </a:rPr>
+                                            <m:t>𝑘</m:t>
+                                          </m:r>
+                                        </m:e>
+                                        <m:sub>
+                                          <m:r>
+                                            <a:rPr lang="en-US" sz="2000" b="0" i="1" smtClean="0">
+                                              <a:latin typeface="Cambria Math" panose="02040503050406030204" pitchFamily="18" charset="0"/>
+                                            </a:rPr>
+                                            <m:t>2</m:t>
+                                          </m:r>
+                                        </m:sub>
+                                      </m:sSub>
+                                      <m:r>
+                                        <a:rPr lang="en-US" sz="2000" b="0" i="1" smtClean="0">
+                                          <a:latin typeface="Cambria Math" panose="02040503050406030204" pitchFamily="18" charset="0"/>
+                                        </a:rPr>
+                                        <m:t>+</m:t>
+                                      </m:r>
+                                      <m:sSub>
+                                        <m:sSubPr>
+                                          <m:ctrlPr>
+                                            <a:rPr lang="en-US" sz="2000" b="0" i="1" smtClean="0">
+                                              <a:latin typeface="Cambria Math" panose="02040503050406030204" pitchFamily="18" charset="0"/>
+                                            </a:rPr>
+                                          </m:ctrlPr>
+                                        </m:sSubPr>
+                                        <m:e>
+                                          <m:r>
+                                            <a:rPr lang="en-US" sz="2000" b="0" i="1" smtClean="0">
+                                              <a:latin typeface="Cambria Math" panose="02040503050406030204" pitchFamily="18" charset="0"/>
+                                            </a:rPr>
+                                            <m:t>𝑘</m:t>
+                                          </m:r>
+                                        </m:e>
+                                        <m:sub>
+                                          <m:r>
+                                            <a:rPr lang="en-US" sz="2000" b="0" i="1" smtClean="0">
+                                              <a:latin typeface="Cambria Math" panose="02040503050406030204" pitchFamily="18" charset="0"/>
+                                            </a:rPr>
+                                            <m:t>3</m:t>
+                                          </m:r>
+                                        </m:sub>
+                                      </m:sSub>
+                                    </m:e>
+                                  </m:d>
                                 </m:e>
-                                <m:sub>
-                                  <m:r>
-                                    <a:rPr lang="en-US" sz="2000" i="1">
-                                      <a:latin typeface="Cambria Math" panose="02040503050406030204" pitchFamily="18" charset="0"/>
-                                    </a:rPr>
-                                    <m:t>1</m:t>
-                                  </m:r>
-                                </m:sub>
                                 <m:sup>
                                   <m:r>
-                                    <a:rPr lang="en-US" sz="2000" i="1">
+                                    <a:rPr lang="en-US" sz="2000" b="0" i="1" smtClean="0">
                                       <a:latin typeface="Cambria Math" panose="02040503050406030204" pitchFamily="18" charset="0"/>
                                     </a:rPr>
                                     <m:t>2</m:t>
                                   </m:r>
                                 </m:sup>
-                              </m:sSubSup>
-                              <m:r>
-                                <a:rPr lang="en-US" sz="2000" i="1">
-                                  <a:latin typeface="Cambria Math" panose="02040503050406030204" pitchFamily="18" charset="0"/>
-                                </a:rPr>
-                                <m:t>+</m:t>
-                              </m:r>
-                              <m:sSubSup>
-                                <m:sSubSupPr>
-                                  <m:ctrlPr>
-                                    <a:rPr lang="en-US" sz="2000" i="1">
-                                      <a:latin typeface="Cambria Math" panose="02040503050406030204" pitchFamily="18" charset="0"/>
-                                    </a:rPr>
-                                  </m:ctrlPr>
-                                </m:sSubSupPr>
-                                <m:e>
-                                  <m:r>
-                                    <a:rPr lang="en-US" sz="2000" i="1">
-                                      <a:latin typeface="Cambria Math" panose="02040503050406030204" pitchFamily="18" charset="0"/>
-                                    </a:rPr>
-                                    <m:t>𝑘</m:t>
-                                  </m:r>
-                                </m:e>
-                                <m:sub>
-                                  <m:r>
-                                    <a:rPr lang="en-US" sz="2000" i="1">
-                                      <a:latin typeface="Cambria Math" panose="02040503050406030204" pitchFamily="18" charset="0"/>
-                                    </a:rPr>
-                                    <m:t>2</m:t>
-                                  </m:r>
-                                </m:sub>
-                                <m:sup>
-                                  <m:r>
-                                    <a:rPr lang="en-US" sz="2000" i="1">
-                                      <a:latin typeface="Cambria Math" panose="02040503050406030204" pitchFamily="18" charset="0"/>
-                                    </a:rPr>
-                                    <m:t>2</m:t>
-                                  </m:r>
-                                </m:sup>
-                              </m:sSubSup>
-                              <m:r>
-                                <a:rPr lang="en-US" sz="2000" i="1">
-                                  <a:latin typeface="Cambria Math" panose="02040503050406030204" pitchFamily="18" charset="0"/>
-                                </a:rPr>
-                                <m:t>+</m:t>
-                              </m:r>
-                              <m:sSubSup>
-                                <m:sSubSupPr>
-                                  <m:ctrlPr>
-                                    <a:rPr lang="en-US" sz="2000" i="1">
-                                      <a:latin typeface="Cambria Math" panose="02040503050406030204" pitchFamily="18" charset="0"/>
-                                    </a:rPr>
-                                  </m:ctrlPr>
-                                </m:sSubSupPr>
-                                <m:e>
-                                  <m:r>
-                                    <a:rPr lang="en-US" sz="2000" i="1">
-                                      <a:latin typeface="Cambria Math" panose="02040503050406030204" pitchFamily="18" charset="0"/>
-                                    </a:rPr>
-                                    <m:t>𝑘</m:t>
-                                  </m:r>
-                                </m:e>
-                                <m:sub>
-                                  <m:r>
-                                    <a:rPr lang="en-US" sz="2000" i="1">
-                                      <a:latin typeface="Cambria Math" panose="02040503050406030204" pitchFamily="18" charset="0"/>
-                                    </a:rPr>
-                                    <m:t>3</m:t>
-                                  </m:r>
-                                </m:sub>
-                                <m:sup>
-                                  <m:r>
-                                    <a:rPr lang="en-US" sz="2000" i="1">
-                                      <a:latin typeface="Cambria Math" panose="02040503050406030204" pitchFamily="18" charset="0"/>
-                                    </a:rPr>
-                                    <m:t>2</m:t>
-                                  </m:r>
-                                </m:sup>
-                              </m:sSubSup>
+                              </m:sSup>
                               <m:r>
                                 <a:rPr lang="en-US" sz="2000" b="0" i="1" smtClean="0">
                                   <a:latin typeface="Cambria Math" panose="02040503050406030204" pitchFamily="18" charset="0"/>
                                 </a:rPr>
-                                <m:t>−2</m:t>
+                                <m:t>−4</m:t>
                               </m:r>
                               <m:sSub>
                                 <m:sSubPr>
@@ -26199,118 +28183,6 @@
                                       <a:latin typeface="Cambria Math" panose="02040503050406030204" pitchFamily="18" charset="0"/>
                                     </a:rPr>
                                     <m:t>1</m:t>
-                                  </m:r>
-                                </m:sub>
-                              </m:sSub>
-                              <m:sSub>
-                                <m:sSubPr>
-                                  <m:ctrlPr>
-                                    <a:rPr lang="en-US" sz="2000" i="1">
-                                      <a:latin typeface="Cambria Math" panose="02040503050406030204" pitchFamily="18" charset="0"/>
-                                    </a:rPr>
-                                  </m:ctrlPr>
-                                </m:sSubPr>
-                                <m:e>
-                                  <m:r>
-                                    <a:rPr lang="en-US" sz="2000" i="1">
-                                      <a:latin typeface="Cambria Math" panose="02040503050406030204" pitchFamily="18" charset="0"/>
-                                    </a:rPr>
-                                    <m:t>𝑘</m:t>
-                                  </m:r>
-                                </m:e>
-                                <m:sub>
-                                  <m:r>
-                                    <a:rPr lang="en-US" sz="2000" i="1">
-                                      <a:latin typeface="Cambria Math" panose="02040503050406030204" pitchFamily="18" charset="0"/>
-                                    </a:rPr>
-                                    <m:t>3</m:t>
-                                  </m:r>
-                                </m:sub>
-                              </m:sSub>
-                              <m:r>
-                                <a:rPr lang="en-US" sz="2000" b="0" i="1" smtClean="0">
-                                  <a:latin typeface="Cambria Math" panose="02040503050406030204" pitchFamily="18" charset="0"/>
-                                </a:rPr>
-                                <m:t>+6</m:t>
-                              </m:r>
-                              <m:sSub>
-                                <m:sSubPr>
-                                  <m:ctrlPr>
-                                    <a:rPr lang="en-US" sz="2000" b="0" i="1" smtClean="0">
-                                      <a:latin typeface="Cambria Math" panose="02040503050406030204" pitchFamily="18" charset="0"/>
-                                    </a:rPr>
-                                  </m:ctrlPr>
-                                </m:sSubPr>
-                                <m:e>
-                                  <m:r>
-                                    <a:rPr lang="en-US" sz="2000" b="0" i="1" smtClean="0">
-                                      <a:latin typeface="Cambria Math" panose="02040503050406030204" pitchFamily="18" charset="0"/>
-                                    </a:rPr>
-                                    <m:t>𝑘</m:t>
-                                  </m:r>
-                                </m:e>
-                                <m:sub>
-                                  <m:r>
-                                    <a:rPr lang="en-US" sz="2000" b="0" i="1" smtClean="0">
-                                      <a:latin typeface="Cambria Math" panose="02040503050406030204" pitchFamily="18" charset="0"/>
-                                    </a:rPr>
-                                    <m:t>1</m:t>
-                                  </m:r>
-                                </m:sub>
-                              </m:sSub>
-                              <m:sSub>
-                                <m:sSubPr>
-                                  <m:ctrlPr>
-                                    <a:rPr lang="en-US" sz="2000" b="0" i="1" smtClean="0">
-                                      <a:latin typeface="Cambria Math" panose="02040503050406030204" pitchFamily="18" charset="0"/>
-                                    </a:rPr>
-                                  </m:ctrlPr>
-                                </m:sSubPr>
-                                <m:e>
-                                  <m:r>
-                                    <a:rPr lang="en-US" sz="2000" b="0" i="1" smtClean="0">
-                                      <a:latin typeface="Cambria Math" panose="02040503050406030204" pitchFamily="18" charset="0"/>
-                                    </a:rPr>
-                                    <m:t>𝑘</m:t>
-                                  </m:r>
-                                </m:e>
-                                <m:sub>
-                                  <m:r>
-                                    <a:rPr lang="en-US" sz="2000" b="0" i="1" smtClean="0">
-                                      <a:latin typeface="Cambria Math" panose="02040503050406030204" pitchFamily="18" charset="0"/>
-                                    </a:rPr>
-                                    <m:t>2</m:t>
-                                  </m:r>
-                                </m:sub>
-                              </m:sSub>
-                              <m:r>
-                                <a:rPr lang="en-US" sz="2000" i="1">
-                                  <a:latin typeface="Cambria Math" panose="02040503050406030204" pitchFamily="18" charset="0"/>
-                                </a:rPr>
-                                <m:t>+2</m:t>
-                              </m:r>
-                              <m:sSub>
-                                <m:sSubPr>
-                                  <m:ctrlPr>
-                                    <a:rPr lang="en-US" sz="2000" i="1">
-                                      <a:latin typeface="Cambria Math" panose="02040503050406030204" pitchFamily="18" charset="0"/>
-                                    </a:rPr>
-                                  </m:ctrlPr>
-                                </m:sSubPr>
-                                <m:e>
-                                  <m:r>
-                                    <a:rPr lang="en-US" sz="2000" i="1">
-                                      <a:latin typeface="Cambria Math" panose="02040503050406030204" pitchFamily="18" charset="0"/>
-                                    </a:rPr>
-                                    <m:t>𝑘</m:t>
-                                  </m:r>
-                                </m:e>
-                                <m:sub>
-                                  <m:r>
-                                    <a:rPr lang="en-US" sz="2000" i="1">
-                                      <a:latin typeface="Cambria Math" panose="02040503050406030204" pitchFamily="18" charset="0"/>
-                                    </a:rPr>
-                                    <m:t>2</m:t>
                                   </m:r>
                                 </m:sub>
                               </m:sSub>
@@ -26377,7 +28249,7 @@
             <p:spPr>
               <a:xfrm>
                 <a:off x="849976" y="3477126"/>
-                <a:ext cx="6997493" cy="912109"/>
+                <a:ext cx="5349605" cy="666529"/>
               </a:xfrm>
               <a:prstGeom prst="rect">
                 <a:avLst/>
@@ -26385,7 +28257,7 @@
               <a:blipFill>
                 <a:blip r:embed="rId4"/>
                 <a:stretch>
-                  <a:fillRect l="-181" b="-9589"/>
+                  <a:fillRect l="-473" b="-12963"/>
                 </a:stretch>
               </a:blipFill>
             </p:spPr>
@@ -26538,10 +28410,10 @@
                               </m:dPr>
                               <m:e>
                                 <m:r>
-                                  <a:rPr lang="en-US" sz="2000" b="0" i="1" smtClean="0">
+                                  <a:rPr lang="en-US" sz="2000" b="1" i="1" smtClean="0">
                                     <a:latin typeface="Cambria Math" panose="02040503050406030204" pitchFamily="18" charset="0"/>
                                   </a:rPr>
-                                  <m:t>𝐴</m:t>
+                                  <m:t>𝑨</m:t>
                                 </m:r>
                                 <m:r>
                                   <a:rPr lang="en-US" sz="2000" b="0" i="1" smtClean="0">
@@ -26800,7 +28672,7 @@
                 <a:blipFill>
                   <a:blip r:embed="rId5"/>
                   <a:stretch>
-                    <a:fillRect l="-407" b="-19231"/>
+                    <a:fillRect l="-610" b="-19231"/>
                   </a:stretch>
                 </a:blipFill>
               </p:spPr>
@@ -26836,7 +28708,7 @@
               <p:spPr>
                 <a:xfrm>
                   <a:off x="1198549" y="3966281"/>
-                  <a:ext cx="4248407" cy="307777"/>
+                  <a:ext cx="3556230" cy="307777"/>
                 </a:xfrm>
                 <a:prstGeom prst="rect">
                   <a:avLst/>
@@ -27027,12 +28899,6 @@
                             </m:r>
                           </m:sub>
                         </m:sSub>
-                        <m:r>
-                          <a:rPr lang="en-US" sz="2000" b="0" i="1" smtClean="0">
-                            <a:latin typeface="Cambria Math" panose="02040503050406030204" pitchFamily="18" charset="0"/>
-                          </a:rPr>
-                          <m:t>(</m:t>
-                        </m:r>
                         <m:sSub>
                           <m:sSubPr>
                             <m:ctrlPr>
@@ -27058,43 +28924,6 @@
                             </m:r>
                           </m:sub>
                         </m:sSub>
-                        <m:r>
-                          <a:rPr lang="en-US" sz="2000" b="0" i="1" smtClean="0">
-                            <a:latin typeface="Cambria Math" panose="02040503050406030204" pitchFamily="18" charset="0"/>
-                          </a:rPr>
-                          <m:t>−</m:t>
-                        </m:r>
-                        <m:sSub>
-                          <m:sSubPr>
-                            <m:ctrlPr>
-                              <a:rPr lang="en-US" sz="2000" b="0" i="1" smtClean="0">
-                                <a:latin typeface="Cambria Math" panose="02040503050406030204" pitchFamily="18" charset="0"/>
-                              </a:rPr>
-                            </m:ctrlPr>
-                          </m:sSubPr>
-                          <m:e>
-                            <m:r>
-                              <a:rPr lang="en-US" sz="2000" b="0" i="1" smtClean="0">
-                                <a:latin typeface="Cambria Math" panose="02040503050406030204" pitchFamily="18" charset="0"/>
-                              </a:rPr>
-                              <m:t>𝑘</m:t>
-                            </m:r>
-                          </m:e>
-                          <m:sub>
-                            <m:r>
-                              <a:rPr lang="en-US" sz="2000" b="0" i="1" smtClean="0">
-                                <a:latin typeface="Cambria Math" panose="02040503050406030204" pitchFamily="18" charset="0"/>
-                              </a:rPr>
-                              <m:t>2</m:t>
-                            </m:r>
-                          </m:sub>
-                        </m:sSub>
-                        <m:r>
-                          <a:rPr lang="en-US" sz="2000" b="0" i="1" smtClean="0">
-                            <a:latin typeface="Cambria Math" panose="02040503050406030204" pitchFamily="18" charset="0"/>
-                          </a:rPr>
-                          <m:t>)</m:t>
-                        </m:r>
                       </m:oMath>
                     </m:oMathPara>
                   </a14:m>
@@ -27121,7 +28950,7 @@
               <p:spPr>
                 <a:xfrm>
                   <a:off x="1198549" y="3966281"/>
-                  <a:ext cx="4248407" cy="307777"/>
+                  <a:ext cx="3556230" cy="307777"/>
                 </a:xfrm>
                 <a:prstGeom prst="rect">
                   <a:avLst/>
@@ -27129,7 +28958,7 @@
                 <a:blipFill>
                   <a:blip r:embed="rId6"/>
                   <a:stretch>
-                    <a:fillRect r="-893" b="-30769"/>
+                    <a:fillRect b="-11538"/>
                   </a:stretch>
                 </a:blipFill>
               </p:spPr>
@@ -27166,7 +28995,7 @@
             <p:spPr>
               <a:xfrm>
                 <a:off x="754145" y="4720750"/>
-                <a:ext cx="2479012" cy="400110"/>
+                <a:ext cx="2193677" cy="400110"/>
               </a:xfrm>
               <a:prstGeom prst="rect">
                 <a:avLst/>
@@ -27195,7 +29024,7 @@
                         <a:rPr lang="en-US" sz="2000" b="0" i="1" smtClean="0">
                           <a:latin typeface="Cambria Math" panose="02040503050406030204" pitchFamily="18" charset="0"/>
                         </a:rPr>
-                        <m:t>∈{−0.34, −11.65}</m:t>
+                        <m:t>∈{−0.54, −5.5}</m:t>
                       </m:r>
                     </m:oMath>
                   </m:oMathPara>
@@ -27223,7 +29052,7 @@
             <p:spPr>
               <a:xfrm>
                 <a:off x="754145" y="4720750"/>
-                <a:ext cx="2479012" cy="400110"/>
+                <a:ext cx="2193677" cy="400110"/>
               </a:xfrm>
               <a:prstGeom prst="rect">
                 <a:avLst/>
@@ -27666,868 +29495,6 @@
           </a:p>
         </p:txBody>
       </p:sp>
-      <p:grpSp>
-        <p:nvGrpSpPr>
-          <p:cNvPr id="8" name="Group 7">
-            <a:extLst>
-              <a:ext uri="{FF2B5EF4-FFF2-40B4-BE49-F238E27FC236}">
-                <a16:creationId xmlns:a16="http://schemas.microsoft.com/office/drawing/2014/main" id="{62B19D12-7B3C-5E49-9241-F52F11F79B34}"/>
-              </a:ext>
-            </a:extLst>
-          </p:cNvPr>
-          <p:cNvGrpSpPr>
-            <a:grpSpLocks noChangeAspect="1"/>
-          </p:cNvGrpSpPr>
-          <p:nvPr/>
-        </p:nvGrpSpPr>
-        <p:grpSpPr>
-          <a:xfrm>
-            <a:off x="6988698" y="308376"/>
-            <a:ext cx="1853832" cy="778655"/>
-            <a:chOff x="2078226" y="1761147"/>
-            <a:chExt cx="3297531" cy="1385042"/>
-          </a:xfrm>
-        </p:grpSpPr>
-        <p:sp>
-          <p:nvSpPr>
-            <p:cNvPr id="41" name="Rectangle 40">
-              <a:extLst>
-                <a:ext uri="{FF2B5EF4-FFF2-40B4-BE49-F238E27FC236}">
-                  <a16:creationId xmlns:a16="http://schemas.microsoft.com/office/drawing/2014/main" id="{9D2C5CD7-5EF7-0149-A160-721F4F8BF5A1}"/>
-                </a:ext>
-              </a:extLst>
-            </p:cNvPr>
-            <p:cNvSpPr>
-              <a:spLocks noChangeAspect="1"/>
-            </p:cNvSpPr>
-            <p:nvPr/>
-          </p:nvSpPr>
-          <p:spPr>
-            <a:xfrm>
-              <a:off x="4027761" y="1918675"/>
-              <a:ext cx="643565" cy="634949"/>
-            </a:xfrm>
-            <a:prstGeom prst="rect">
-              <a:avLst/>
-            </a:prstGeom>
-          </p:spPr>
-          <p:style>
-            <a:lnRef idx="1">
-              <a:schemeClr val="accent1"/>
-            </a:lnRef>
-            <a:fillRef idx="3">
-              <a:schemeClr val="accent1"/>
-            </a:fillRef>
-            <a:effectRef idx="2">
-              <a:schemeClr val="accent1"/>
-            </a:effectRef>
-            <a:fontRef idx="minor">
-              <a:schemeClr val="lt1"/>
-            </a:fontRef>
-          </p:style>
-          <p:txBody>
-            <a:bodyPr rtlCol="0" anchor="ctr"/>
-            <a:lstStyle/>
-            <a:p>
-              <a:pPr algn="ctr"/>
-              <a:endParaRPr lang="en-US" sz="600" dirty="0"/>
-            </a:p>
-          </p:txBody>
-        </p:sp>
-        <p:cxnSp>
-          <p:nvCxnSpPr>
-            <p:cNvPr id="42" name="Straight Arrow Connector 41">
-              <a:extLst>
-                <a:ext uri="{FF2B5EF4-FFF2-40B4-BE49-F238E27FC236}">
-                  <a16:creationId xmlns:a16="http://schemas.microsoft.com/office/drawing/2014/main" id="{33B85FA6-F565-A342-9B83-C988EFF8976A}"/>
-                </a:ext>
-              </a:extLst>
-            </p:cNvPr>
-            <p:cNvCxnSpPr>
-              <a:cxnSpLocks/>
-              <a:stCxn id="45" idx="3"/>
-              <a:endCxn id="41" idx="1"/>
-            </p:cNvCxnSpPr>
-            <p:nvPr/>
-          </p:nvCxnSpPr>
-          <p:spPr>
-            <a:xfrm>
-              <a:off x="3008157" y="2227603"/>
-              <a:ext cx="1019604" cy="8547"/>
-            </a:xfrm>
-            <a:prstGeom prst="straightConnector1">
-              <a:avLst/>
-            </a:prstGeom>
-            <a:ln>
-              <a:tailEnd type="triangle" w="lg" len="lg"/>
-            </a:ln>
-            <a:effectLst>
-              <a:outerShdw dist="20000" sx="1000" sy="1000" rotWithShape="0">
-                <a:srgbClr val="000000"/>
-              </a:outerShdw>
-            </a:effectLst>
-          </p:spPr>
-          <p:style>
-            <a:lnRef idx="2">
-              <a:schemeClr val="accent1"/>
-            </a:lnRef>
-            <a:fillRef idx="0">
-              <a:schemeClr val="accent1"/>
-            </a:fillRef>
-            <a:effectRef idx="1">
-              <a:schemeClr val="accent1"/>
-            </a:effectRef>
-            <a:fontRef idx="minor">
-              <a:schemeClr val="tx1"/>
-            </a:fontRef>
-          </p:style>
-        </p:cxnSp>
-        <p:cxnSp>
-          <p:nvCxnSpPr>
-            <p:cNvPr id="43" name="Straight Arrow Connector 42">
-              <a:extLst>
-                <a:ext uri="{FF2B5EF4-FFF2-40B4-BE49-F238E27FC236}">
-                  <a16:creationId xmlns:a16="http://schemas.microsoft.com/office/drawing/2014/main" id="{9283C526-95FD-DD48-8D64-79DF32A3018A}"/>
-                </a:ext>
-              </a:extLst>
-            </p:cNvPr>
-            <p:cNvCxnSpPr>
-              <a:cxnSpLocks/>
-            </p:cNvCxnSpPr>
-            <p:nvPr/>
-          </p:nvCxnSpPr>
-          <p:spPr>
-            <a:xfrm>
-              <a:off x="4685090" y="2232726"/>
-              <a:ext cx="597703" cy="2948"/>
-            </a:xfrm>
-            <a:prstGeom prst="straightConnector1">
-              <a:avLst/>
-            </a:prstGeom>
-            <a:ln>
-              <a:tailEnd type="triangle" w="lg" len="lg"/>
-            </a:ln>
-            <a:effectLst>
-              <a:outerShdw dist="20000" sx="1000" sy="1000" rotWithShape="0">
-                <a:srgbClr val="000000"/>
-              </a:outerShdw>
-            </a:effectLst>
-          </p:spPr>
-          <p:style>
-            <a:lnRef idx="2">
-              <a:schemeClr val="accent1"/>
-            </a:lnRef>
-            <a:fillRef idx="0">
-              <a:schemeClr val="accent1"/>
-            </a:fillRef>
-            <a:effectRef idx="1">
-              <a:schemeClr val="accent1"/>
-            </a:effectRef>
-            <a:fontRef idx="minor">
-              <a:schemeClr val="tx1"/>
-            </a:fontRef>
-          </p:style>
-        </p:cxnSp>
-        <mc:AlternateContent xmlns:mc="http://schemas.openxmlformats.org/markup-compatibility/2006">
-          <mc:Choice xmlns:a14="http://schemas.microsoft.com/office/drawing/2010/main" Requires="a14">
-            <p:sp>
-              <p:nvSpPr>
-                <p:cNvPr id="44" name="Rectangle 43">
-                  <a:extLst>
-                    <a:ext uri="{FF2B5EF4-FFF2-40B4-BE49-F238E27FC236}">
-                      <a16:creationId xmlns:a16="http://schemas.microsoft.com/office/drawing/2014/main" id="{87D8735E-9031-3E41-B1B0-4871396BFB1A}"/>
-                    </a:ext>
-                  </a:extLst>
-                </p:cNvPr>
-                <p:cNvSpPr/>
-                <p:nvPr/>
-              </p:nvSpPr>
-              <p:spPr>
-                <a:xfrm>
-                  <a:off x="3992817" y="2008825"/>
-                  <a:ext cx="712053" cy="447802"/>
-                </a:xfrm>
-                <a:prstGeom prst="rect">
-                  <a:avLst/>
-                </a:prstGeom>
-              </p:spPr>
-              <p:txBody>
-                <a:bodyPr wrap="square">
-                  <a:spAutoFit/>
-                </a:bodyPr>
-                <a:lstStyle/>
-                <a:p>
-                  <a:pPr/>
-                  <a14:m>
-                    <m:oMathPara xmlns:m="http://schemas.openxmlformats.org/officeDocument/2006/math">
-                      <m:oMathParaPr>
-                        <m:jc m:val="centerGroup"/>
-                      </m:oMathParaPr>
-                      <m:oMath xmlns:m="http://schemas.openxmlformats.org/officeDocument/2006/math">
-                        <m:r>
-                          <a:rPr lang="en-US" sz="700" b="1" i="1" smtClean="0">
-                            <a:solidFill>
-                              <a:schemeClr val="bg1"/>
-                            </a:solidFill>
-                            <a:latin typeface="Cambria Math" panose="02040503050406030204" pitchFamily="18" charset="0"/>
-                          </a:rPr>
-                          <m:t>𝑮</m:t>
-                        </m:r>
-                        <m:r>
-                          <a:rPr lang="en-US" sz="700" b="1" i="1" smtClean="0">
-                            <a:solidFill>
-                              <a:schemeClr val="bg1"/>
-                            </a:solidFill>
-                            <a:latin typeface="Cambria Math" panose="02040503050406030204" pitchFamily="18" charset="0"/>
-                          </a:rPr>
-                          <m:t>(</m:t>
-                        </m:r>
-                        <m:r>
-                          <a:rPr lang="en-US" sz="700" b="1" i="1" smtClean="0">
-                            <a:solidFill>
-                              <a:schemeClr val="bg1"/>
-                            </a:solidFill>
-                            <a:latin typeface="Cambria Math" panose="02040503050406030204" pitchFamily="18" charset="0"/>
-                          </a:rPr>
-                          <m:t>𝒔</m:t>
-                        </m:r>
-                        <m:r>
-                          <a:rPr lang="en-US" sz="700" b="1" i="1" smtClean="0">
-                            <a:solidFill>
-                              <a:schemeClr val="bg1"/>
-                            </a:solidFill>
-                            <a:latin typeface="Cambria Math" panose="02040503050406030204" pitchFamily="18" charset="0"/>
-                          </a:rPr>
-                          <m:t>)</m:t>
-                        </m:r>
-                      </m:oMath>
-                    </m:oMathPara>
-                  </a14:m>
-                  <a:endParaRPr lang="en-US" sz="700" b="1" dirty="0">
-                    <a:solidFill>
-                      <a:schemeClr val="bg1"/>
-                    </a:solidFill>
-                  </a:endParaRPr>
-                </a:p>
-              </p:txBody>
-            </p:sp>
-          </mc:Choice>
-          <mc:Fallback>
-            <p:sp>
-              <p:nvSpPr>
-                <p:cNvPr id="44" name="Rectangle 43">
-                  <a:extLst>
-                    <a:ext uri="{FF2B5EF4-FFF2-40B4-BE49-F238E27FC236}">
-                      <a16:creationId xmlns:a16="http://schemas.microsoft.com/office/drawing/2014/main" id="{87D8735E-9031-3E41-B1B0-4871396BFB1A}"/>
-                    </a:ext>
-                  </a:extLst>
-                </p:cNvPr>
-                <p:cNvSpPr>
-                  <a:spLocks noRot="1" noChangeAspect="1" noMove="1" noResize="1" noEditPoints="1" noAdjustHandles="1" noChangeArrowheads="1" noChangeShapeType="1" noTextEdit="1"/>
-                </p:cNvSpPr>
-                <p:nvPr/>
-              </p:nvSpPr>
-              <p:spPr>
-                <a:xfrm>
-                  <a:off x="3992817" y="2008825"/>
-                  <a:ext cx="712053" cy="447802"/>
-                </a:xfrm>
-                <a:prstGeom prst="rect">
-                  <a:avLst/>
-                </a:prstGeom>
-                <a:blipFill>
-                  <a:blip r:embed="rId3"/>
-                  <a:stretch>
-                    <a:fillRect/>
-                  </a:stretch>
-                </a:blipFill>
-              </p:spPr>
-              <p:txBody>
-                <a:bodyPr/>
-                <a:lstStyle/>
-                <a:p>
-                  <a:r>
-                    <a:rPr lang="en-US">
-                      <a:noFill/>
-                    </a:rPr>
-                    <a:t> </a:t>
-                  </a:r>
-                </a:p>
-              </p:txBody>
-            </p:sp>
-          </mc:Fallback>
-        </mc:AlternateContent>
-        <mc:AlternateContent xmlns:mc="http://schemas.openxmlformats.org/markup-compatibility/2006">
-          <mc:Choice xmlns:a14="http://schemas.microsoft.com/office/drawing/2010/main" Requires="a14">
-            <p:sp>
-              <p:nvSpPr>
-                <p:cNvPr id="45" name="Rectangle 44">
-                  <a:extLst>
-                    <a:ext uri="{FF2B5EF4-FFF2-40B4-BE49-F238E27FC236}">
-                      <a16:creationId xmlns:a16="http://schemas.microsoft.com/office/drawing/2014/main" id="{17F19C0A-4E6F-334D-BD24-1FC484764B18}"/>
-                    </a:ext>
-                  </a:extLst>
-                </p:cNvPr>
-                <p:cNvSpPr>
-                  <a:spLocks noChangeAspect="1"/>
-                </p:cNvSpPr>
-                <p:nvPr/>
-              </p:nvSpPr>
-              <p:spPr>
-                <a:xfrm>
-                  <a:off x="2078226" y="1910128"/>
-                  <a:ext cx="929931" cy="634950"/>
-                </a:xfrm>
-                <a:prstGeom prst="rect">
-                  <a:avLst/>
-                </a:prstGeom>
-              </p:spPr>
-              <p:style>
-                <a:lnRef idx="1">
-                  <a:schemeClr val="accent1"/>
-                </a:lnRef>
-                <a:fillRef idx="3">
-                  <a:schemeClr val="accent1"/>
-                </a:fillRef>
-                <a:effectRef idx="2">
-                  <a:schemeClr val="accent1"/>
-                </a:effectRef>
-                <a:fontRef idx="minor">
-                  <a:schemeClr val="lt1"/>
-                </a:fontRef>
-              </p:style>
-              <p:txBody>
-                <a:bodyPr rtlCol="0" anchor="ctr"/>
-                <a:lstStyle/>
-                <a:p>
-                  <a:pPr algn="ctr"/>
-                  <a14:m>
-                    <m:oMathPara xmlns:m="http://schemas.openxmlformats.org/officeDocument/2006/math">
-                      <m:oMathParaPr>
-                        <m:jc m:val="centerGroup"/>
-                      </m:oMathParaPr>
-                      <m:oMath xmlns:m="http://schemas.openxmlformats.org/officeDocument/2006/math">
-                        <m:r>
-                          <a:rPr lang="en-US" sz="600" b="1" i="1" smtClean="0">
-                            <a:solidFill>
-                              <a:schemeClr val="bg1"/>
-                            </a:solidFill>
-                            <a:latin typeface="Cambria Math" panose="02040503050406030204" pitchFamily="18" charset="0"/>
-                          </a:rPr>
-                          <m:t>𝑪</m:t>
-                        </m:r>
-                        <m:r>
-                          <a:rPr lang="en-US" sz="600" b="1" i="1">
-                            <a:solidFill>
-                              <a:schemeClr val="bg1"/>
-                            </a:solidFill>
-                            <a:latin typeface="Cambria Math" panose="02040503050406030204" pitchFamily="18" charset="0"/>
-                          </a:rPr>
-                          <m:t>(</m:t>
-                        </m:r>
-                        <m:r>
-                          <a:rPr lang="en-US" sz="600" b="1" i="1">
-                            <a:solidFill>
-                              <a:schemeClr val="bg1"/>
-                            </a:solidFill>
-                            <a:latin typeface="Cambria Math" panose="02040503050406030204" pitchFamily="18" charset="0"/>
-                          </a:rPr>
-                          <m:t>𝒔</m:t>
-                        </m:r>
-                        <m:r>
-                          <a:rPr lang="en-US" sz="600" b="1" i="1">
-                            <a:solidFill>
-                              <a:schemeClr val="bg1"/>
-                            </a:solidFill>
-                            <a:latin typeface="Cambria Math" panose="02040503050406030204" pitchFamily="18" charset="0"/>
-                          </a:rPr>
-                          <m:t>)</m:t>
-                        </m:r>
-                      </m:oMath>
-                    </m:oMathPara>
-                  </a14:m>
-                  <a:endParaRPr lang="en-US" sz="600" dirty="0"/>
-                </a:p>
-              </p:txBody>
-            </p:sp>
-          </mc:Choice>
-          <mc:Fallback>
-            <p:sp>
-              <p:nvSpPr>
-                <p:cNvPr id="45" name="Rectangle 44">
-                  <a:extLst>
-                    <a:ext uri="{FF2B5EF4-FFF2-40B4-BE49-F238E27FC236}">
-                      <a16:creationId xmlns:a16="http://schemas.microsoft.com/office/drawing/2014/main" id="{17F19C0A-4E6F-334D-BD24-1FC484764B18}"/>
-                    </a:ext>
-                  </a:extLst>
-                </p:cNvPr>
-                <p:cNvSpPr>
-                  <a:spLocks noRot="1" noChangeAspect="1" noMove="1" noResize="1" noEditPoints="1" noAdjustHandles="1" noChangeArrowheads="1" noChangeShapeType="1" noTextEdit="1"/>
-                </p:cNvSpPr>
-                <p:nvPr/>
-              </p:nvSpPr>
-              <p:spPr>
-                <a:xfrm>
-                  <a:off x="2078226" y="1910128"/>
-                  <a:ext cx="929931" cy="634950"/>
-                </a:xfrm>
-                <a:prstGeom prst="rect">
-                  <a:avLst/>
-                </a:prstGeom>
-                <a:blipFill>
-                  <a:blip r:embed="rId4"/>
-                  <a:stretch>
-                    <a:fillRect/>
-                  </a:stretch>
-                </a:blipFill>
-              </p:spPr>
-              <p:txBody>
-                <a:bodyPr/>
-                <a:lstStyle/>
-                <a:p>
-                  <a:r>
-                    <a:rPr lang="en-US">
-                      <a:noFill/>
-                    </a:rPr>
-                    <a:t> </a:t>
-                  </a:r>
-                </a:p>
-              </p:txBody>
-            </p:sp>
-          </mc:Fallback>
-        </mc:AlternateContent>
-        <mc:AlternateContent xmlns:mc="http://schemas.openxmlformats.org/markup-compatibility/2006">
-          <mc:Choice xmlns:a14="http://schemas.microsoft.com/office/drawing/2010/main" Requires="a14">
-            <p:sp>
-              <p:nvSpPr>
-                <p:cNvPr id="55" name="Rectangle 54">
-                  <a:extLst>
-                    <a:ext uri="{FF2B5EF4-FFF2-40B4-BE49-F238E27FC236}">
-                      <a16:creationId xmlns:a16="http://schemas.microsoft.com/office/drawing/2014/main" id="{50E298F7-77E1-7343-9570-9854F41AA804}"/>
-                    </a:ext>
-                  </a:extLst>
-                </p:cNvPr>
-                <p:cNvSpPr/>
-                <p:nvPr/>
-              </p:nvSpPr>
-              <p:spPr>
-                <a:xfrm>
-                  <a:off x="3144510" y="2700431"/>
-                  <a:ext cx="804937" cy="445758"/>
-                </a:xfrm>
-                <a:prstGeom prst="rect">
-                  <a:avLst/>
-                </a:prstGeom>
-              </p:spPr>
-              <p:txBody>
-                <a:bodyPr wrap="none">
-                  <a:spAutoFit/>
-                </a:bodyPr>
-                <a:lstStyle/>
-                <a:p>
-                  <a:pPr/>
-                  <a:r>
-                    <a:rPr lang="en-US" sz="700" b="1" dirty="0">
-                      <a:solidFill>
-                        <a:schemeClr val="tx1"/>
-                      </a:solidFill>
-                    </a:rPr>
-                    <a:t>X</a:t>
-                  </a:r>
-                  <a14:m>
-                    <m:oMath xmlns:m="http://schemas.openxmlformats.org/officeDocument/2006/math">
-                      <m:r>
-                        <a:rPr lang="en-US" sz="700" b="0" i="1" smtClean="0">
-                          <a:solidFill>
-                            <a:schemeClr val="tx1"/>
-                          </a:solidFill>
-                          <a:latin typeface="Cambria Math" panose="02040503050406030204" pitchFamily="18" charset="0"/>
-                        </a:rPr>
-                        <m:t>(</m:t>
-                      </m:r>
-                      <m:r>
-                        <a:rPr lang="en-US" sz="700" b="0" i="1" smtClean="0">
-                          <a:solidFill>
-                            <a:schemeClr val="tx1"/>
-                          </a:solidFill>
-                          <a:latin typeface="Cambria Math" panose="02040503050406030204" pitchFamily="18" charset="0"/>
-                        </a:rPr>
-                        <m:t>𝑠</m:t>
-                      </m:r>
-                      <m:r>
-                        <a:rPr lang="en-US" sz="700" b="0" i="1" smtClean="0">
-                          <a:solidFill>
-                            <a:schemeClr val="tx1"/>
-                          </a:solidFill>
-                          <a:latin typeface="Cambria Math" panose="02040503050406030204" pitchFamily="18" charset="0"/>
-                        </a:rPr>
-                        <m:t>)</m:t>
-                      </m:r>
-                    </m:oMath>
-                  </a14:m>
-                  <a:endParaRPr lang="en-US" sz="700" dirty="0">
-                    <a:solidFill>
-                      <a:schemeClr val="tx1"/>
-                    </a:solidFill>
-                  </a:endParaRPr>
-                </a:p>
-              </p:txBody>
-            </p:sp>
-          </mc:Choice>
-          <mc:Fallback>
-            <p:sp>
-              <p:nvSpPr>
-                <p:cNvPr id="55" name="Rectangle 54">
-                  <a:extLst>
-                    <a:ext uri="{FF2B5EF4-FFF2-40B4-BE49-F238E27FC236}">
-                      <a16:creationId xmlns:a16="http://schemas.microsoft.com/office/drawing/2014/main" id="{50E298F7-77E1-7343-9570-9854F41AA804}"/>
-                    </a:ext>
-                  </a:extLst>
-                </p:cNvPr>
-                <p:cNvSpPr>
-                  <a:spLocks noRot="1" noChangeAspect="1" noMove="1" noResize="1" noEditPoints="1" noAdjustHandles="1" noChangeArrowheads="1" noChangeShapeType="1" noTextEdit="1"/>
-                </p:cNvSpPr>
-                <p:nvPr/>
-              </p:nvSpPr>
-              <p:spPr>
-                <a:xfrm>
-                  <a:off x="3144510" y="2700431"/>
-                  <a:ext cx="804937" cy="445758"/>
-                </a:xfrm>
-                <a:prstGeom prst="rect">
-                  <a:avLst/>
-                </a:prstGeom>
-                <a:blipFill>
-                  <a:blip r:embed="rId5"/>
-                  <a:stretch>
-                    <a:fillRect/>
-                  </a:stretch>
-                </a:blipFill>
-              </p:spPr>
-              <p:txBody>
-                <a:bodyPr/>
-                <a:lstStyle/>
-                <a:p>
-                  <a:r>
-                    <a:rPr lang="en-US">
-                      <a:noFill/>
-                    </a:rPr>
-                    <a:t> </a:t>
-                  </a:r>
-                </a:p>
-              </p:txBody>
-            </p:sp>
-          </mc:Fallback>
-        </mc:AlternateContent>
-        <mc:AlternateContent xmlns:mc="http://schemas.openxmlformats.org/markup-compatibility/2006">
-          <mc:Choice xmlns:a14="http://schemas.microsoft.com/office/drawing/2010/main" Requires="a14">
-            <p:sp>
-              <p:nvSpPr>
-                <p:cNvPr id="56" name="Rectangle 55">
-                  <a:extLst>
-                    <a:ext uri="{FF2B5EF4-FFF2-40B4-BE49-F238E27FC236}">
-                      <a16:creationId xmlns:a16="http://schemas.microsoft.com/office/drawing/2014/main" id="{7CE1576F-6AE3-594D-9BE2-58B9AB0EB921}"/>
-                    </a:ext>
-                  </a:extLst>
-                </p:cNvPr>
-                <p:cNvSpPr/>
-                <p:nvPr/>
-              </p:nvSpPr>
-              <p:spPr>
-                <a:xfrm>
-                  <a:off x="3060078" y="1806655"/>
-                  <a:ext cx="716480" cy="447802"/>
-                </a:xfrm>
-                <a:prstGeom prst="rect">
-                  <a:avLst/>
-                </a:prstGeom>
-              </p:spPr>
-              <p:txBody>
-                <a:bodyPr wrap="square">
-                  <a:spAutoFit/>
-                </a:bodyPr>
-                <a:lstStyle/>
-                <a:p>
-                  <a:pPr/>
-                  <a14:m>
-                    <m:oMathPara xmlns:m="http://schemas.openxmlformats.org/officeDocument/2006/math">
-                      <m:oMathParaPr>
-                        <m:jc m:val="centerGroup"/>
-                      </m:oMathParaPr>
-                      <m:oMath xmlns:m="http://schemas.openxmlformats.org/officeDocument/2006/math">
-                        <m:r>
-                          <a:rPr lang="en-US" sz="700" b="0" i="1" smtClean="0">
-                            <a:solidFill>
-                              <a:schemeClr val="tx1"/>
-                            </a:solidFill>
-                            <a:latin typeface="Cambria Math" panose="02040503050406030204" pitchFamily="18" charset="0"/>
-                          </a:rPr>
-                          <m:t>𝑈</m:t>
-                        </m:r>
-                        <m:r>
-                          <a:rPr lang="en-US" sz="700" b="0" i="1" smtClean="0">
-                            <a:solidFill>
-                              <a:schemeClr val="tx1"/>
-                            </a:solidFill>
-                            <a:latin typeface="Cambria Math" panose="02040503050406030204" pitchFamily="18" charset="0"/>
-                          </a:rPr>
-                          <m:t>(</m:t>
-                        </m:r>
-                        <m:r>
-                          <a:rPr lang="en-US" sz="700" b="0" i="1" smtClean="0">
-                            <a:solidFill>
-                              <a:schemeClr val="tx1"/>
-                            </a:solidFill>
-                            <a:latin typeface="Cambria Math" panose="02040503050406030204" pitchFamily="18" charset="0"/>
-                          </a:rPr>
-                          <m:t>𝑠</m:t>
-                        </m:r>
-                        <m:r>
-                          <a:rPr lang="en-US" sz="700" b="0" i="1" smtClean="0">
-                            <a:solidFill>
-                              <a:schemeClr val="tx1"/>
-                            </a:solidFill>
-                            <a:latin typeface="Cambria Math" panose="02040503050406030204" pitchFamily="18" charset="0"/>
-                          </a:rPr>
-                          <m:t>)</m:t>
-                        </m:r>
-                      </m:oMath>
-                    </m:oMathPara>
-                  </a14:m>
-                  <a:endParaRPr lang="en-US" sz="700" dirty="0">
-                    <a:solidFill>
-                      <a:schemeClr val="tx1"/>
-                    </a:solidFill>
-                  </a:endParaRPr>
-                </a:p>
-              </p:txBody>
-            </p:sp>
-          </mc:Choice>
-          <mc:Fallback>
-            <p:sp>
-              <p:nvSpPr>
-                <p:cNvPr id="56" name="Rectangle 55">
-                  <a:extLst>
-                    <a:ext uri="{FF2B5EF4-FFF2-40B4-BE49-F238E27FC236}">
-                      <a16:creationId xmlns:a16="http://schemas.microsoft.com/office/drawing/2014/main" id="{7CE1576F-6AE3-594D-9BE2-58B9AB0EB921}"/>
-                    </a:ext>
-                  </a:extLst>
-                </p:cNvPr>
-                <p:cNvSpPr>
-                  <a:spLocks noRot="1" noChangeAspect="1" noMove="1" noResize="1" noEditPoints="1" noAdjustHandles="1" noChangeArrowheads="1" noChangeShapeType="1" noTextEdit="1"/>
-                </p:cNvSpPr>
-                <p:nvPr/>
-              </p:nvSpPr>
-              <p:spPr>
-                <a:xfrm>
-                  <a:off x="3060078" y="1806655"/>
-                  <a:ext cx="716480" cy="447802"/>
-                </a:xfrm>
-                <a:prstGeom prst="rect">
-                  <a:avLst/>
-                </a:prstGeom>
-                <a:blipFill>
-                  <a:blip r:embed="rId6"/>
-                  <a:stretch>
-                    <a:fillRect/>
-                  </a:stretch>
-                </a:blipFill>
-              </p:spPr>
-              <p:txBody>
-                <a:bodyPr/>
-                <a:lstStyle/>
-                <a:p>
-                  <a:r>
-                    <a:rPr lang="en-US">
-                      <a:noFill/>
-                    </a:rPr>
-                    <a:t> </a:t>
-                  </a:r>
-                </a:p>
-              </p:txBody>
-            </p:sp>
-          </mc:Fallback>
-        </mc:AlternateContent>
-        <mc:AlternateContent xmlns:mc="http://schemas.openxmlformats.org/markup-compatibility/2006">
-          <mc:Choice xmlns:a14="http://schemas.microsoft.com/office/drawing/2010/main" Requires="a14">
-            <p:sp>
-              <p:nvSpPr>
-                <p:cNvPr id="57" name="Rectangle 56">
-                  <a:extLst>
-                    <a:ext uri="{FF2B5EF4-FFF2-40B4-BE49-F238E27FC236}">
-                      <a16:creationId xmlns:a16="http://schemas.microsoft.com/office/drawing/2014/main" id="{AF2E63ED-93E9-E543-AE7E-ECFC6DD54B4B}"/>
-                    </a:ext>
-                  </a:extLst>
-                </p:cNvPr>
-                <p:cNvSpPr/>
-                <p:nvPr/>
-              </p:nvSpPr>
-              <p:spPr>
-                <a:xfrm>
-                  <a:off x="4659279" y="1761147"/>
-                  <a:ext cx="716478" cy="447802"/>
-                </a:xfrm>
-                <a:prstGeom prst="rect">
-                  <a:avLst/>
-                </a:prstGeom>
-              </p:spPr>
-              <p:txBody>
-                <a:bodyPr wrap="square">
-                  <a:spAutoFit/>
-                </a:bodyPr>
-                <a:lstStyle/>
-                <a:p>
-                  <a:pPr/>
-                  <a14:m>
-                    <m:oMathPara xmlns:m="http://schemas.openxmlformats.org/officeDocument/2006/math">
-                      <m:oMathParaPr>
-                        <m:jc m:val="centerGroup"/>
-                      </m:oMathParaPr>
-                      <m:oMath xmlns:m="http://schemas.openxmlformats.org/officeDocument/2006/math">
-                        <m:r>
-                          <a:rPr lang="en-US" sz="700" b="0" i="1" smtClean="0">
-                            <a:solidFill>
-                              <a:schemeClr val="tx1"/>
-                            </a:solidFill>
-                            <a:latin typeface="Cambria Math" panose="02040503050406030204" pitchFamily="18" charset="0"/>
-                          </a:rPr>
-                          <m:t>𝑌</m:t>
-                        </m:r>
-                        <m:r>
-                          <a:rPr lang="en-US" sz="700" b="0" i="1" smtClean="0">
-                            <a:solidFill>
-                              <a:schemeClr val="tx1"/>
-                            </a:solidFill>
-                            <a:latin typeface="Cambria Math" panose="02040503050406030204" pitchFamily="18" charset="0"/>
-                          </a:rPr>
-                          <m:t>(</m:t>
-                        </m:r>
-                        <m:r>
-                          <a:rPr lang="en-US" sz="700" b="0" i="1" smtClean="0">
-                            <a:solidFill>
-                              <a:schemeClr val="tx1"/>
-                            </a:solidFill>
-                            <a:latin typeface="Cambria Math" panose="02040503050406030204" pitchFamily="18" charset="0"/>
-                          </a:rPr>
-                          <m:t>𝑠</m:t>
-                        </m:r>
-                        <m:r>
-                          <a:rPr lang="en-US" sz="700" b="0" i="1" smtClean="0">
-                            <a:solidFill>
-                              <a:schemeClr val="tx1"/>
-                            </a:solidFill>
-                            <a:latin typeface="Cambria Math" panose="02040503050406030204" pitchFamily="18" charset="0"/>
-                          </a:rPr>
-                          <m:t>)</m:t>
-                        </m:r>
-                      </m:oMath>
-                    </m:oMathPara>
-                  </a14:m>
-                  <a:endParaRPr lang="en-US" sz="700" dirty="0">
-                    <a:solidFill>
-                      <a:schemeClr val="tx1"/>
-                    </a:solidFill>
-                  </a:endParaRPr>
-                </a:p>
-              </p:txBody>
-            </p:sp>
-          </mc:Choice>
-          <mc:Fallback>
-            <p:sp>
-              <p:nvSpPr>
-                <p:cNvPr id="57" name="Rectangle 56">
-                  <a:extLst>
-                    <a:ext uri="{FF2B5EF4-FFF2-40B4-BE49-F238E27FC236}">
-                      <a16:creationId xmlns:a16="http://schemas.microsoft.com/office/drawing/2014/main" id="{AF2E63ED-93E9-E543-AE7E-ECFC6DD54B4B}"/>
-                    </a:ext>
-                  </a:extLst>
-                </p:cNvPr>
-                <p:cNvSpPr>
-                  <a:spLocks noRot="1" noChangeAspect="1" noMove="1" noResize="1" noEditPoints="1" noAdjustHandles="1" noChangeArrowheads="1" noChangeShapeType="1" noTextEdit="1"/>
-                </p:cNvSpPr>
-                <p:nvPr/>
-              </p:nvSpPr>
-              <p:spPr>
-                <a:xfrm>
-                  <a:off x="4659279" y="1761147"/>
-                  <a:ext cx="716478" cy="447802"/>
-                </a:xfrm>
-                <a:prstGeom prst="rect">
-                  <a:avLst/>
-                </a:prstGeom>
-                <a:blipFill>
-                  <a:blip r:embed="rId7"/>
-                  <a:stretch>
-                    <a:fillRect/>
-                  </a:stretch>
-                </a:blipFill>
-              </p:spPr>
-              <p:txBody>
-                <a:bodyPr/>
-                <a:lstStyle/>
-                <a:p>
-                  <a:r>
-                    <a:rPr lang="en-US">
-                      <a:noFill/>
-                    </a:rPr>
-                    <a:t> </a:t>
-                  </a:r>
-                </a:p>
-              </p:txBody>
-            </p:sp>
-          </mc:Fallback>
-        </mc:AlternateContent>
-        <p:cxnSp>
-          <p:nvCxnSpPr>
-            <p:cNvPr id="64" name="Elbow Connector 63">
-              <a:extLst>
-                <a:ext uri="{FF2B5EF4-FFF2-40B4-BE49-F238E27FC236}">
-                  <a16:creationId xmlns:a16="http://schemas.microsoft.com/office/drawing/2014/main" id="{320150CC-EEFB-1346-9D45-02D18A784683}"/>
-                </a:ext>
-              </a:extLst>
-            </p:cNvPr>
-            <p:cNvCxnSpPr>
-              <a:cxnSpLocks/>
-              <a:stCxn id="41" idx="2"/>
-              <a:endCxn id="45" idx="2"/>
-            </p:cNvCxnSpPr>
-            <p:nvPr/>
-          </p:nvCxnSpPr>
-          <p:spPr>
-            <a:xfrm rot="5400000" flipH="1">
-              <a:off x="3442096" y="1646175"/>
-              <a:ext cx="8547" cy="1806352"/>
-            </a:xfrm>
-            <a:prstGeom prst="bentConnector3">
-              <a:avLst>
-                <a:gd name="adj1" fmla="val -5959333"/>
-              </a:avLst>
-            </a:prstGeom>
-            <a:ln w="38100">
-              <a:tailEnd type="triangle" w="lg" len="lg"/>
-            </a:ln>
-            <a:effectLst>
-              <a:outerShdw dist="20000" sx="1000" sy="1000" rotWithShape="0">
-                <a:srgbClr val="000000"/>
-              </a:outerShdw>
-            </a:effectLst>
-          </p:spPr>
-          <p:style>
-            <a:lnRef idx="2">
-              <a:schemeClr val="accent1"/>
-            </a:lnRef>
-            <a:fillRef idx="0">
-              <a:schemeClr val="accent1"/>
-            </a:fillRef>
-            <a:effectRef idx="1">
-              <a:schemeClr val="accent1"/>
-            </a:effectRef>
-            <a:fontRef idx="minor">
-              <a:schemeClr val="tx1"/>
-            </a:fontRef>
-          </p:style>
-        </p:cxnSp>
-      </p:grpSp>
       <mc:AlternateContent xmlns:mc="http://schemas.openxmlformats.org/markup-compatibility/2006">
         <mc:Choice xmlns:a14="http://schemas.microsoft.com/office/drawing/2010/main" Requires="a14">
           <p:sp>
@@ -28696,7 +29663,7 @@
                 <a:avLst/>
               </a:prstGeom>
               <a:blipFill>
-                <a:blip r:embed="rId8"/>
+                <a:blip r:embed="rId3"/>
                 <a:stretch>
                   <a:fillRect b="-12121"/>
                 </a:stretch>
@@ -28734,7 +29701,7 @@
             <p:spPr>
               <a:xfrm>
                 <a:off x="779815" y="1917157"/>
-                <a:ext cx="1826526" cy="400110"/>
+                <a:ext cx="2591030" cy="400110"/>
               </a:xfrm>
               <a:prstGeom prst="rect">
                 <a:avLst/>
@@ -28791,6 +29758,35 @@
                           </m:ctrlPr>
                         </m:sSubPr>
                         <m:e>
+                          <m:r>
+                            <a:rPr lang="en-US" sz="2000" b="0" i="1" smtClean="0">
+                              <a:latin typeface="Cambria Math" panose="02040503050406030204" pitchFamily="18" charset="0"/>
+                            </a:rPr>
+                            <m:t>𝑟</m:t>
+                          </m:r>
+                          <m:d>
+                            <m:dPr>
+                              <m:ctrlPr>
+                                <a:rPr lang="en-US" sz="2000" i="1" smtClean="0">
+                                  <a:latin typeface="Cambria Math" panose="02040503050406030204" pitchFamily="18" charset="0"/>
+                                </a:rPr>
+                              </m:ctrlPr>
+                            </m:dPr>
+                            <m:e>
+                              <m:r>
+                                <a:rPr lang="en-US" sz="2000" b="0" i="1" smtClean="0">
+                                  <a:latin typeface="Cambria Math" panose="02040503050406030204" pitchFamily="18" charset="0"/>
+                                </a:rPr>
+                                <m:t>𝑡</m:t>
+                              </m:r>
+                            </m:e>
+                          </m:d>
+                          <m:r>
+                            <a:rPr lang="en-US" sz="2000" b="1" i="1" smtClean="0">
+                              <a:latin typeface="Cambria Math" panose="02040503050406030204" pitchFamily="18" charset="0"/>
+                            </a:rPr>
+                            <m:t>−</m:t>
+                          </m:r>
                           <m:r>
                             <a:rPr lang="en-US" sz="2000" b="1" i="1" smtClean="0">
                               <a:latin typeface="Cambria Math" panose="02040503050406030204" pitchFamily="18" charset="0"/>
@@ -28857,13 +29853,13 @@
             <p:spPr>
               <a:xfrm>
                 <a:off x="779815" y="1917157"/>
-                <a:ext cx="1826526" cy="400110"/>
+                <a:ext cx="2591030" cy="400110"/>
               </a:xfrm>
               <a:prstGeom prst="rect">
                 <a:avLst/>
               </a:prstGeom>
               <a:blipFill>
-                <a:blip r:embed="rId9"/>
+                <a:blip r:embed="rId4"/>
                 <a:stretch>
                   <a:fillRect b="-12121"/>
                 </a:stretch>
@@ -28901,7 +29897,7 @@
             <p:spPr>
               <a:xfrm>
                 <a:off x="716755" y="2449665"/>
-                <a:ext cx="2920671" cy="400110"/>
+                <a:ext cx="3727687" cy="400110"/>
               </a:xfrm>
               <a:prstGeom prst="rect">
                 <a:avLst/>
@@ -28915,137 +29911,176 @@
               <a:p>
                 <a:pPr/>
                 <a14:m>
-                  <m:oMathPara xmlns:m="http://schemas.openxmlformats.org/officeDocument/2006/math">
-                    <m:oMathParaPr>
-                      <m:jc m:val="centerGroup"/>
-                    </m:oMathParaPr>
-                    <m:oMath xmlns:m="http://schemas.openxmlformats.org/officeDocument/2006/math">
-                      <m:acc>
-                        <m:accPr>
-                          <m:chr m:val="̇"/>
-                          <m:ctrlPr>
-                            <a:rPr lang="en-US" sz="2000" b="1" i="1" smtClean="0">
-                              <a:latin typeface="Cambria Math" panose="02040503050406030204" pitchFamily="18" charset="0"/>
-                            </a:rPr>
-                          </m:ctrlPr>
-                        </m:accPr>
-                        <m:e>
-                          <m:r>
-                            <a:rPr lang="en-US" sz="2000" b="1" i="1" smtClean="0">
-                              <a:latin typeface="Cambria Math" panose="02040503050406030204" pitchFamily="18" charset="0"/>
-                            </a:rPr>
-                            <m:t>𝒙</m:t>
-                          </m:r>
-                        </m:e>
-                      </m:acc>
-                      <m:d>
-                        <m:dPr>
-                          <m:ctrlPr>
-                            <a:rPr lang="en-US" sz="2000" b="0" i="1" smtClean="0">
-                              <a:latin typeface="Cambria Math" panose="02040503050406030204" pitchFamily="18" charset="0"/>
-                            </a:rPr>
-                          </m:ctrlPr>
-                        </m:dPr>
-                        <m:e>
-                          <m:r>
-                            <a:rPr lang="en-US" sz="2000" b="0" i="1" smtClean="0">
-                              <a:latin typeface="Cambria Math" panose="02040503050406030204" pitchFamily="18" charset="0"/>
-                            </a:rPr>
-                            <m:t>𝑡</m:t>
-                          </m:r>
-                        </m:e>
-                      </m:d>
-                      <m:r>
-                        <a:rPr lang="en-US" sz="2000" b="0" i="1" smtClean="0">
-                          <a:latin typeface="Cambria Math" panose="02040503050406030204" pitchFamily="18" charset="0"/>
-                        </a:rPr>
-                        <m:t>=</m:t>
-                      </m:r>
-                      <m:r>
-                        <a:rPr lang="en-US" sz="2000" b="1" i="1" smtClean="0">
-                          <a:latin typeface="Cambria Math" panose="02040503050406030204" pitchFamily="18" charset="0"/>
-                        </a:rPr>
-                        <m:t>𝑨𝒙</m:t>
-                      </m:r>
-                      <m:d>
-                        <m:dPr>
-                          <m:ctrlPr>
-                            <a:rPr lang="en-US" sz="2000" b="0" i="1" smtClean="0">
-                              <a:latin typeface="Cambria Math" panose="02040503050406030204" pitchFamily="18" charset="0"/>
-                            </a:rPr>
-                          </m:ctrlPr>
-                        </m:dPr>
-                        <m:e>
-                          <m:r>
-                            <a:rPr lang="en-US" sz="2000" b="0" i="1" smtClean="0">
-                              <a:latin typeface="Cambria Math" panose="02040503050406030204" pitchFamily="18" charset="0"/>
-                            </a:rPr>
-                            <m:t>𝑡</m:t>
-                          </m:r>
-                        </m:e>
-                      </m:d>
-                      <m:r>
-                        <a:rPr lang="en-US" sz="2000" b="0" i="1" smtClean="0">
-                          <a:latin typeface="Cambria Math" panose="02040503050406030204" pitchFamily="18" charset="0"/>
-                        </a:rPr>
-                        <m:t>+</m:t>
-                      </m:r>
-                      <m:r>
-                        <a:rPr lang="en-US" sz="2000" b="1" i="1" smtClean="0">
-                          <a:latin typeface="Cambria Math" panose="02040503050406030204" pitchFamily="18" charset="0"/>
-                        </a:rPr>
-                        <m:t>𝒃</m:t>
-                      </m:r>
-                      <m:sSub>
-                        <m:sSubPr>
-                          <m:ctrlPr>
-                            <a:rPr lang="en-US" sz="2000" b="1" i="1" smtClean="0">
-                              <a:latin typeface="Cambria Math" panose="02040503050406030204" pitchFamily="18" charset="0"/>
-                            </a:rPr>
-                          </m:ctrlPr>
-                        </m:sSubPr>
-                        <m:e>
-                          <m:r>
-                            <a:rPr lang="en-US" sz="2000" b="1" i="1" smtClean="0">
-                              <a:latin typeface="Cambria Math" panose="02040503050406030204" pitchFamily="18" charset="0"/>
-                            </a:rPr>
-                            <m:t>𝒌</m:t>
-                          </m:r>
-                        </m:e>
-                        <m:sub>
-                          <m:r>
-                            <a:rPr lang="en-US" sz="2000" b="1" i="1" smtClean="0">
-                              <a:latin typeface="Cambria Math" panose="02040503050406030204" pitchFamily="18" charset="0"/>
-                            </a:rPr>
-                            <m:t>𝑷</m:t>
-                          </m:r>
-                        </m:sub>
-                      </m:sSub>
-                      <m:r>
-                        <a:rPr lang="en-US" sz="2000" b="1" i="1" smtClean="0">
-                          <a:latin typeface="Cambria Math" panose="02040503050406030204" pitchFamily="18" charset="0"/>
-                        </a:rPr>
-                        <m:t>𝒙</m:t>
-                      </m:r>
-                      <m:d>
-                        <m:dPr>
-                          <m:ctrlPr>
-                            <a:rPr lang="en-US" sz="2000" i="1" smtClean="0">
-                              <a:latin typeface="Cambria Math" panose="02040503050406030204" pitchFamily="18" charset="0"/>
-                            </a:rPr>
-                          </m:ctrlPr>
-                        </m:dPr>
-                        <m:e>
-                          <m:r>
-                            <a:rPr lang="en-US" sz="2000" b="0" i="1" smtClean="0">
-                              <a:latin typeface="Cambria Math" panose="02040503050406030204" pitchFamily="18" charset="0"/>
-                            </a:rPr>
-                            <m:t>𝑡</m:t>
-                          </m:r>
-                        </m:e>
-                      </m:d>
-                    </m:oMath>
-                  </m:oMathPara>
+                  <m:oMath xmlns:m="http://schemas.openxmlformats.org/officeDocument/2006/math">
+                    <m:acc>
+                      <m:accPr>
+                        <m:chr m:val="̇"/>
+                        <m:ctrlPr>
+                          <a:rPr lang="en-US" sz="2000" b="1" i="1" smtClean="0">
+                            <a:latin typeface="Cambria Math" panose="02040503050406030204" pitchFamily="18" charset="0"/>
+                          </a:rPr>
+                        </m:ctrlPr>
+                      </m:accPr>
+                      <m:e>
+                        <m:r>
+                          <a:rPr lang="en-US" sz="2000" b="1" i="1" smtClean="0">
+                            <a:latin typeface="Cambria Math" panose="02040503050406030204" pitchFamily="18" charset="0"/>
+                          </a:rPr>
+                          <m:t>𝒙</m:t>
+                        </m:r>
+                      </m:e>
+                    </m:acc>
+                    <m:d>
+                      <m:dPr>
+                        <m:ctrlPr>
+                          <a:rPr lang="en-US" sz="2000" b="0" i="1" smtClean="0">
+                            <a:latin typeface="Cambria Math" panose="02040503050406030204" pitchFamily="18" charset="0"/>
+                          </a:rPr>
+                        </m:ctrlPr>
+                      </m:dPr>
+                      <m:e>
+                        <m:r>
+                          <a:rPr lang="en-US" sz="2000" b="0" i="1" smtClean="0">
+                            <a:latin typeface="Cambria Math" panose="02040503050406030204" pitchFamily="18" charset="0"/>
+                          </a:rPr>
+                          <m:t>𝑡</m:t>
+                        </m:r>
+                      </m:e>
+                    </m:d>
+                    <m:r>
+                      <a:rPr lang="en-US" sz="2000" b="0" i="1" smtClean="0">
+                        <a:latin typeface="Cambria Math" panose="02040503050406030204" pitchFamily="18" charset="0"/>
+                      </a:rPr>
+                      <m:t>=</m:t>
+                    </m:r>
+                    <m:r>
+                      <a:rPr lang="en-US" sz="2000" b="1" i="1" smtClean="0">
+                        <a:latin typeface="Cambria Math" panose="02040503050406030204" pitchFamily="18" charset="0"/>
+                      </a:rPr>
+                      <m:t>𝑨𝒙</m:t>
+                    </m:r>
+                    <m:d>
+                      <m:dPr>
+                        <m:ctrlPr>
+                          <a:rPr lang="en-US" sz="2000" b="0" i="1" smtClean="0">
+                            <a:latin typeface="Cambria Math" panose="02040503050406030204" pitchFamily="18" charset="0"/>
+                          </a:rPr>
+                        </m:ctrlPr>
+                      </m:dPr>
+                      <m:e>
+                        <m:r>
+                          <a:rPr lang="en-US" sz="2000" b="0" i="1" smtClean="0">
+                            <a:latin typeface="Cambria Math" panose="02040503050406030204" pitchFamily="18" charset="0"/>
+                          </a:rPr>
+                          <m:t>𝑡</m:t>
+                        </m:r>
+                      </m:e>
+                    </m:d>
+                    <m:r>
+                      <a:rPr lang="en-US" sz="2000" b="0" i="1" smtClean="0">
+                        <a:latin typeface="Cambria Math" panose="02040503050406030204" pitchFamily="18" charset="0"/>
+                      </a:rPr>
+                      <m:t>−</m:t>
+                    </m:r>
+                    <m:r>
+                      <a:rPr lang="en-US" sz="2000" b="1" i="1" smtClean="0">
+                        <a:latin typeface="Cambria Math" panose="02040503050406030204" pitchFamily="18" charset="0"/>
+                      </a:rPr>
+                      <m:t>𝒃</m:t>
+                    </m:r>
+                    <m:sSub>
+                      <m:sSubPr>
+                        <m:ctrlPr>
+                          <a:rPr lang="en-US" sz="2000" b="1" i="1" smtClean="0">
+                            <a:latin typeface="Cambria Math" panose="02040503050406030204" pitchFamily="18" charset="0"/>
+                          </a:rPr>
+                        </m:ctrlPr>
+                      </m:sSubPr>
+                      <m:e>
+                        <m:r>
+                          <a:rPr lang="en-US" sz="2000" b="1" i="1" smtClean="0">
+                            <a:latin typeface="Cambria Math" panose="02040503050406030204" pitchFamily="18" charset="0"/>
+                          </a:rPr>
+                          <m:t>𝒌</m:t>
+                        </m:r>
+                      </m:e>
+                      <m:sub>
+                        <m:r>
+                          <a:rPr lang="en-US" sz="2000" b="1" i="1" smtClean="0">
+                            <a:latin typeface="Cambria Math" panose="02040503050406030204" pitchFamily="18" charset="0"/>
+                          </a:rPr>
+                          <m:t>𝑷</m:t>
+                        </m:r>
+                      </m:sub>
+                    </m:sSub>
+                    <m:r>
+                      <a:rPr lang="en-US" sz="2000" b="1" i="1" smtClean="0">
+                        <a:latin typeface="Cambria Math" panose="02040503050406030204" pitchFamily="18" charset="0"/>
+                      </a:rPr>
+                      <m:t>𝒙</m:t>
+                    </m:r>
+                    <m:d>
+                      <m:dPr>
+                        <m:ctrlPr>
+                          <a:rPr lang="en-US" sz="2000" i="1" smtClean="0">
+                            <a:latin typeface="Cambria Math" panose="02040503050406030204" pitchFamily="18" charset="0"/>
+                          </a:rPr>
+                        </m:ctrlPr>
+                      </m:dPr>
+                      <m:e>
+                        <m:r>
+                          <a:rPr lang="en-US" sz="2000" b="0" i="1" smtClean="0">
+                            <a:latin typeface="Cambria Math" panose="02040503050406030204" pitchFamily="18" charset="0"/>
+                          </a:rPr>
+                          <m:t>𝑡</m:t>
+                        </m:r>
+                      </m:e>
+                    </m:d>
+                  </m:oMath>
+                </a14:m>
+                <a:r>
+                  <a:rPr lang="en-US" sz="2000" i="1" dirty="0"/>
+                  <a:t>+ </a:t>
+                </a:r>
+                <a14:m>
+                  <m:oMath xmlns:m="http://schemas.openxmlformats.org/officeDocument/2006/math">
+                    <m:r>
+                      <a:rPr lang="en-US" sz="2000" b="1" i="1">
+                        <a:latin typeface="Cambria Math" panose="02040503050406030204" pitchFamily="18" charset="0"/>
+                      </a:rPr>
+                      <m:t>𝒃</m:t>
+                    </m:r>
+                    <m:r>
+                      <a:rPr lang="en-US" sz="2000" b="1" i="1">
+                        <a:latin typeface="Cambria Math" panose="02040503050406030204" pitchFamily="18" charset="0"/>
+                      </a:rPr>
+                      <m:t> </m:t>
+                    </m:r>
+                    <m:r>
+                      <a:rPr lang="en-US" sz="2000" b="0" i="1" smtClean="0">
+                        <a:latin typeface="Cambria Math" panose="02040503050406030204" pitchFamily="18" charset="0"/>
+                      </a:rPr>
+                      <m:t>𝑟</m:t>
+                    </m:r>
+                    <m:r>
+                      <a:rPr lang="en-US" sz="2000" b="0" i="1" smtClean="0">
+                        <a:latin typeface="Cambria Math" panose="02040503050406030204" pitchFamily="18" charset="0"/>
+                      </a:rPr>
+                      <m:t>(</m:t>
+                    </m:r>
+                    <m:r>
+                      <a:rPr lang="en-US" sz="2000" b="0" i="1" smtClean="0">
+                        <a:latin typeface="Cambria Math" panose="02040503050406030204" pitchFamily="18" charset="0"/>
+                      </a:rPr>
+                      <m:t>𝑡</m:t>
+                    </m:r>
+                    <m:r>
+                      <a:rPr lang="en-US" sz="2000" b="0" i="1" smtClean="0">
+                        <a:latin typeface="Cambria Math" panose="02040503050406030204" pitchFamily="18" charset="0"/>
+                      </a:rPr>
+                      <m:t>)</m:t>
+                    </m:r>
+                  </m:oMath>
                 </a14:m>
                 <a:endParaRPr lang="en-US" sz="2000" i="1" dirty="0"/>
               </a:p>
@@ -29070,15 +30105,15 @@
             <p:spPr>
               <a:xfrm>
                 <a:off x="716755" y="2449665"/>
-                <a:ext cx="2920671" cy="400110"/>
+                <a:ext cx="3727687" cy="400110"/>
               </a:xfrm>
               <a:prstGeom prst="rect">
                 <a:avLst/>
               </a:prstGeom>
               <a:blipFill>
-                <a:blip r:embed="rId10"/>
+                <a:blip r:embed="rId5"/>
                 <a:stretch>
-                  <a:fillRect/>
+                  <a:fillRect t="-6061" b="-24242"/>
                 </a:stretch>
               </a:blipFill>
             </p:spPr>
@@ -29114,7 +30149,7 @@
             <p:spPr>
               <a:xfrm>
                 <a:off x="727280" y="2854238"/>
-                <a:ext cx="2664640" cy="400110"/>
+                <a:ext cx="3542188" cy="400110"/>
               </a:xfrm>
               <a:prstGeom prst="rect">
                 <a:avLst/>
@@ -29128,132 +30163,171 @@
               <a:p>
                 <a:pPr/>
                 <a14:m>
-                  <m:oMathPara xmlns:m="http://schemas.openxmlformats.org/officeDocument/2006/math">
-                    <m:oMathParaPr>
-                      <m:jc m:val="centerGroup"/>
-                    </m:oMathParaPr>
-                    <m:oMath xmlns:m="http://schemas.openxmlformats.org/officeDocument/2006/math">
-                      <m:acc>
-                        <m:accPr>
-                          <m:chr m:val="̇"/>
-                          <m:ctrlPr>
-                            <a:rPr lang="en-US" sz="2000" b="1" i="1" smtClean="0">
-                              <a:latin typeface="Cambria Math" panose="02040503050406030204" pitchFamily="18" charset="0"/>
-                            </a:rPr>
-                          </m:ctrlPr>
-                        </m:accPr>
-                        <m:e>
-                          <m:r>
-                            <a:rPr lang="en-US" sz="2000" b="1" i="1" smtClean="0">
-                              <a:latin typeface="Cambria Math" panose="02040503050406030204" pitchFamily="18" charset="0"/>
-                            </a:rPr>
-                            <m:t>𝒙</m:t>
-                          </m:r>
-                        </m:e>
-                      </m:acc>
-                      <m:d>
-                        <m:dPr>
-                          <m:ctrlPr>
-                            <a:rPr lang="en-US" sz="2000" b="0" i="1" smtClean="0">
-                              <a:latin typeface="Cambria Math" panose="02040503050406030204" pitchFamily="18" charset="0"/>
-                            </a:rPr>
-                          </m:ctrlPr>
-                        </m:dPr>
-                        <m:e>
-                          <m:r>
-                            <a:rPr lang="en-US" sz="2000" b="0" i="1" smtClean="0">
-                              <a:latin typeface="Cambria Math" panose="02040503050406030204" pitchFamily="18" charset="0"/>
-                            </a:rPr>
-                            <m:t>𝑡</m:t>
-                          </m:r>
-                        </m:e>
-                      </m:d>
-                      <m:r>
-                        <a:rPr lang="en-US" sz="2000" b="0" i="1" smtClean="0">
-                          <a:latin typeface="Cambria Math" panose="02040503050406030204" pitchFamily="18" charset="0"/>
-                        </a:rPr>
-                        <m:t>=</m:t>
-                      </m:r>
-                      <m:r>
-                        <a:rPr lang="en-US" sz="2000" b="1" i="1" smtClean="0">
-                          <a:latin typeface="Cambria Math" panose="02040503050406030204" pitchFamily="18" charset="0"/>
-                        </a:rPr>
-                        <m:t>(</m:t>
-                      </m:r>
-                      <m:r>
-                        <a:rPr lang="en-US" sz="2000" b="1" i="1" smtClean="0">
-                          <a:latin typeface="Cambria Math" panose="02040503050406030204" pitchFamily="18" charset="0"/>
-                        </a:rPr>
-                        <m:t>𝑨</m:t>
-                      </m:r>
-                      <m:r>
-                        <a:rPr lang="en-US" sz="2000" b="1" i="1" smtClean="0">
-                          <a:latin typeface="Cambria Math" panose="02040503050406030204" pitchFamily="18" charset="0"/>
-                        </a:rPr>
-                        <m:t>+</m:t>
-                      </m:r>
-                      <m:r>
-                        <a:rPr lang="en-US" sz="2000" b="1" i="1" smtClean="0">
-                          <a:latin typeface="Cambria Math" panose="02040503050406030204" pitchFamily="18" charset="0"/>
-                        </a:rPr>
-                        <m:t>𝒃</m:t>
-                      </m:r>
-                      <m:sSub>
-                        <m:sSubPr>
-                          <m:ctrlPr>
-                            <a:rPr lang="en-US" sz="2000" b="1" i="1" smtClean="0">
-                              <a:latin typeface="Cambria Math" panose="02040503050406030204" pitchFamily="18" charset="0"/>
-                            </a:rPr>
-                          </m:ctrlPr>
-                        </m:sSubPr>
-                        <m:e>
-                          <m:r>
-                            <a:rPr lang="en-US" sz="2000" b="1" i="1" smtClean="0">
-                              <a:latin typeface="Cambria Math" panose="02040503050406030204" pitchFamily="18" charset="0"/>
-                            </a:rPr>
-                            <m:t>𝒌</m:t>
-                          </m:r>
-                        </m:e>
-                        <m:sub>
-                          <m:r>
-                            <a:rPr lang="en-US" sz="2000" b="1" i="1" smtClean="0">
-                              <a:latin typeface="Cambria Math" panose="02040503050406030204" pitchFamily="18" charset="0"/>
-                            </a:rPr>
-                            <m:t>𝑷</m:t>
-                          </m:r>
-                        </m:sub>
-                      </m:sSub>
-                      <m:r>
-                        <a:rPr lang="en-US" sz="2000" b="1" i="1" smtClean="0">
-                          <a:latin typeface="Cambria Math" panose="02040503050406030204" pitchFamily="18" charset="0"/>
-                        </a:rPr>
-                        <m:t>)</m:t>
-                      </m:r>
-                      <m:r>
-                        <a:rPr lang="en-US" sz="2000" b="1" i="1" smtClean="0">
-                          <a:latin typeface="Cambria Math" panose="02040503050406030204" pitchFamily="18" charset="0"/>
-                        </a:rPr>
-                        <m:t>𝒙</m:t>
-                      </m:r>
-                      <m:d>
-                        <m:dPr>
-                          <m:ctrlPr>
-                            <a:rPr lang="en-US" sz="2000" b="0" i="1" smtClean="0">
-                              <a:latin typeface="Cambria Math" panose="02040503050406030204" pitchFamily="18" charset="0"/>
-                            </a:rPr>
-                          </m:ctrlPr>
-                        </m:dPr>
-                        <m:e>
-                          <m:r>
-                            <a:rPr lang="en-US" sz="2000" b="0" i="1" smtClean="0">
-                              <a:latin typeface="Cambria Math" panose="02040503050406030204" pitchFamily="18" charset="0"/>
-                            </a:rPr>
-                            <m:t>𝑡</m:t>
-                          </m:r>
-                        </m:e>
-                      </m:d>
-                    </m:oMath>
-                  </m:oMathPara>
+                  <m:oMath xmlns:m="http://schemas.openxmlformats.org/officeDocument/2006/math">
+                    <m:acc>
+                      <m:accPr>
+                        <m:chr m:val="̇"/>
+                        <m:ctrlPr>
+                          <a:rPr lang="en-US" sz="2000" b="1" i="1" smtClean="0">
+                            <a:latin typeface="Cambria Math" panose="02040503050406030204" pitchFamily="18" charset="0"/>
+                          </a:rPr>
+                        </m:ctrlPr>
+                      </m:accPr>
+                      <m:e>
+                        <m:r>
+                          <a:rPr lang="en-US" sz="2000" b="1" i="1" smtClean="0">
+                            <a:latin typeface="Cambria Math" panose="02040503050406030204" pitchFamily="18" charset="0"/>
+                          </a:rPr>
+                          <m:t>𝒙</m:t>
+                        </m:r>
+                      </m:e>
+                    </m:acc>
+                    <m:d>
+                      <m:dPr>
+                        <m:ctrlPr>
+                          <a:rPr lang="en-US" sz="2000" b="0" i="1" smtClean="0">
+                            <a:latin typeface="Cambria Math" panose="02040503050406030204" pitchFamily="18" charset="0"/>
+                          </a:rPr>
+                        </m:ctrlPr>
+                      </m:dPr>
+                      <m:e>
+                        <m:r>
+                          <a:rPr lang="en-US" sz="2000" b="0" i="1" smtClean="0">
+                            <a:latin typeface="Cambria Math" panose="02040503050406030204" pitchFamily="18" charset="0"/>
+                          </a:rPr>
+                          <m:t>𝑡</m:t>
+                        </m:r>
+                      </m:e>
+                    </m:d>
+                    <m:r>
+                      <a:rPr lang="en-US" sz="2000" b="0" i="1" smtClean="0">
+                        <a:latin typeface="Cambria Math" panose="02040503050406030204" pitchFamily="18" charset="0"/>
+                      </a:rPr>
+                      <m:t>=</m:t>
+                    </m:r>
+                    <m:r>
+                      <a:rPr lang="en-US" sz="2000" b="1" i="1" smtClean="0">
+                        <a:latin typeface="Cambria Math" panose="02040503050406030204" pitchFamily="18" charset="0"/>
+                      </a:rPr>
+                      <m:t>(</m:t>
+                    </m:r>
+                    <m:r>
+                      <a:rPr lang="en-US" sz="2000" b="1" i="1" smtClean="0">
+                        <a:latin typeface="Cambria Math" panose="02040503050406030204" pitchFamily="18" charset="0"/>
+                      </a:rPr>
+                      <m:t>𝑨</m:t>
+                    </m:r>
+                    <m:r>
+                      <a:rPr lang="en-US" sz="2000" b="1" i="1" smtClean="0">
+                        <a:latin typeface="Cambria Math" panose="02040503050406030204" pitchFamily="18" charset="0"/>
+                      </a:rPr>
+                      <m:t>−</m:t>
+                    </m:r>
+                    <m:r>
+                      <a:rPr lang="en-US" sz="2000" b="1" i="1" smtClean="0">
+                        <a:latin typeface="Cambria Math" panose="02040503050406030204" pitchFamily="18" charset="0"/>
+                      </a:rPr>
+                      <m:t>𝒃</m:t>
+                    </m:r>
+                    <m:sSub>
+                      <m:sSubPr>
+                        <m:ctrlPr>
+                          <a:rPr lang="en-US" sz="2000" b="1" i="1" smtClean="0">
+                            <a:latin typeface="Cambria Math" panose="02040503050406030204" pitchFamily="18" charset="0"/>
+                          </a:rPr>
+                        </m:ctrlPr>
+                      </m:sSubPr>
+                      <m:e>
+                        <m:r>
+                          <a:rPr lang="en-US" sz="2000" b="1" i="1" smtClean="0">
+                            <a:latin typeface="Cambria Math" panose="02040503050406030204" pitchFamily="18" charset="0"/>
+                          </a:rPr>
+                          <m:t>𝒌</m:t>
+                        </m:r>
+                      </m:e>
+                      <m:sub>
+                        <m:r>
+                          <a:rPr lang="en-US" sz="2000" b="1" i="1" smtClean="0">
+                            <a:latin typeface="Cambria Math" panose="02040503050406030204" pitchFamily="18" charset="0"/>
+                          </a:rPr>
+                          <m:t>𝑷</m:t>
+                        </m:r>
+                      </m:sub>
+                    </m:sSub>
+                    <m:r>
+                      <a:rPr lang="en-US" sz="2000" b="1" i="1" smtClean="0">
+                        <a:latin typeface="Cambria Math" panose="02040503050406030204" pitchFamily="18" charset="0"/>
+                      </a:rPr>
+                      <m:t>)</m:t>
+                    </m:r>
+                    <m:r>
+                      <a:rPr lang="en-US" sz="2000" b="1" i="1" smtClean="0">
+                        <a:latin typeface="Cambria Math" panose="02040503050406030204" pitchFamily="18" charset="0"/>
+                      </a:rPr>
+                      <m:t>𝒙</m:t>
+                    </m:r>
+                    <m:d>
+                      <m:dPr>
+                        <m:ctrlPr>
+                          <a:rPr lang="en-US" sz="2000" b="0" i="1" smtClean="0">
+                            <a:latin typeface="Cambria Math" panose="02040503050406030204" pitchFamily="18" charset="0"/>
+                          </a:rPr>
+                        </m:ctrlPr>
+                      </m:dPr>
+                      <m:e>
+                        <m:r>
+                          <a:rPr lang="en-US" sz="2000" b="0" i="1" smtClean="0">
+                            <a:latin typeface="Cambria Math" panose="02040503050406030204" pitchFamily="18" charset="0"/>
+                          </a:rPr>
+                          <m:t>𝑡</m:t>
+                        </m:r>
+                      </m:e>
+                    </m:d>
+                  </m:oMath>
+                </a14:m>
+                <a:r>
+                  <a:rPr lang="en-US" sz="2000" i="1" dirty="0"/>
+                  <a:t> + </a:t>
+                </a:r>
+                <a14:m>
+                  <m:oMath xmlns:m="http://schemas.openxmlformats.org/officeDocument/2006/math">
+                    <m:r>
+                      <a:rPr lang="en-US" sz="2000" b="1" i="1">
+                        <a:latin typeface="Cambria Math" panose="02040503050406030204" pitchFamily="18" charset="0"/>
+                      </a:rPr>
+                      <m:t>𝒃</m:t>
+                    </m:r>
+                    <m:r>
+                      <a:rPr lang="en-US" sz="2000" b="1" i="1">
+                        <a:latin typeface="Cambria Math" panose="02040503050406030204" pitchFamily="18" charset="0"/>
+                      </a:rPr>
+                      <m:t> </m:t>
+                    </m:r>
+                    <m:r>
+                      <a:rPr lang="en-US" sz="2000" i="1">
+                        <a:latin typeface="Cambria Math" panose="02040503050406030204" pitchFamily="18" charset="0"/>
+                      </a:rPr>
+                      <m:t>𝑟</m:t>
+                    </m:r>
+                    <m:r>
+                      <a:rPr lang="en-US" sz="2000" i="1">
+                        <a:latin typeface="Cambria Math" panose="02040503050406030204" pitchFamily="18" charset="0"/>
+                      </a:rPr>
+                      <m:t>(</m:t>
+                    </m:r>
+                    <m:r>
+                      <a:rPr lang="en-US" sz="2000" i="1">
+                        <a:latin typeface="Cambria Math" panose="02040503050406030204" pitchFamily="18" charset="0"/>
+                      </a:rPr>
+                      <m:t>𝑡</m:t>
+                    </m:r>
+                    <m:r>
+                      <a:rPr lang="en-US" sz="2000" i="1">
+                        <a:latin typeface="Cambria Math" panose="02040503050406030204" pitchFamily="18" charset="0"/>
+                      </a:rPr>
+                      <m:t>)</m:t>
+                    </m:r>
+                  </m:oMath>
                 </a14:m>
                 <a:endParaRPr lang="en-US" sz="2000" i="1" dirty="0"/>
               </a:p>
@@ -29278,15 +30352,15 @@
             <p:spPr>
               <a:xfrm>
                 <a:off x="727280" y="2854238"/>
-                <a:ext cx="2664640" cy="400110"/>
+                <a:ext cx="3542188" cy="400110"/>
               </a:xfrm>
               <a:prstGeom prst="rect">
                 <a:avLst/>
               </a:prstGeom>
               <a:blipFill>
-                <a:blip r:embed="rId11"/>
+                <a:blip r:embed="rId6"/>
                 <a:stretch>
-                  <a:fillRect b="-12121"/>
+                  <a:fillRect t="-6061" b="-24242"/>
                 </a:stretch>
               </a:blipFill>
             </p:spPr>
@@ -29401,7 +30475,7 @@
                 <a:avLst/>
               </a:prstGeom>
               <a:blipFill>
-                <a:blip r:embed="rId12"/>
+                <a:blip r:embed="rId7"/>
                 <a:stretch>
                   <a:fillRect l="-940" t="-5263" b="-14035"/>
                 </a:stretch>
@@ -29436,7 +30510,7 @@
         </p:nvSpPr>
         <p:spPr>
           <a:xfrm>
-            <a:off x="3576391" y="1418971"/>
+            <a:off x="4914999" y="1418971"/>
             <a:ext cx="3480440" cy="369332"/>
           </a:xfrm>
           <a:prstGeom prst="rect">
@@ -29471,7 +30545,7 @@
         </p:nvSpPr>
         <p:spPr>
           <a:xfrm>
-            <a:off x="3576391" y="1932546"/>
+            <a:off x="4914999" y="1932546"/>
             <a:ext cx="2210862" cy="369332"/>
           </a:xfrm>
           <a:prstGeom prst="rect">
@@ -29506,7 +30580,7 @@
         </p:nvSpPr>
         <p:spPr>
           <a:xfrm>
-            <a:off x="3555156" y="2465054"/>
+            <a:off x="4893764" y="2465054"/>
             <a:ext cx="3865161" cy="369332"/>
           </a:xfrm>
           <a:prstGeom prst="rect">
@@ -29572,7 +30646,7 @@
                       <a:rPr lang="en-US" b="1" i="1" smtClean="0">
                         <a:latin typeface="Cambria Math" panose="02040503050406030204" pitchFamily="18" charset="0"/>
                       </a:rPr>
-                      <m:t>+</m:t>
+                      <m:t>−</m:t>
                     </m:r>
                     <m:r>
                       <a:rPr lang="en-US" b="1" i="1">
@@ -29640,7 +30714,7 @@
                 <a:avLst/>
               </a:prstGeom>
               <a:blipFill>
-                <a:blip r:embed="rId13"/>
+                <a:blip r:embed="rId8"/>
                 <a:stretch>
                   <a:fillRect l="-890" t="-3846" b="-13462"/>
                 </a:stretch>
@@ -29828,7 +30902,7 @@
                 <a:avLst/>
               </a:prstGeom>
               <a:blipFill>
-                <a:blip r:embed="rId14"/>
+                <a:blip r:embed="rId9"/>
                 <a:stretch>
                   <a:fillRect l="-1004" t="-5263" b="-14035"/>
                 </a:stretch>
@@ -29849,6 +30923,1035 @@
           </p:sp>
         </mc:Fallback>
       </mc:AlternateContent>
+      <p:grpSp>
+        <p:nvGrpSpPr>
+          <p:cNvPr id="15" name="Group 14">
+            <a:extLst>
+              <a:ext uri="{FF2B5EF4-FFF2-40B4-BE49-F238E27FC236}">
+                <a16:creationId xmlns:a16="http://schemas.microsoft.com/office/drawing/2014/main" id="{3FBCD3A6-1033-AE45-91DF-98F6513A08CC}"/>
+              </a:ext>
+            </a:extLst>
+          </p:cNvPr>
+          <p:cNvGrpSpPr/>
+          <p:nvPr/>
+        </p:nvGrpSpPr>
+        <p:grpSpPr>
+          <a:xfrm>
+            <a:off x="6603083" y="357084"/>
+            <a:ext cx="2239447" cy="729947"/>
+            <a:chOff x="6603083" y="357084"/>
+            <a:chExt cx="2239447" cy="729947"/>
+          </a:xfrm>
+        </p:grpSpPr>
+        <p:sp>
+          <p:nvSpPr>
+            <p:cNvPr id="41" name="Rectangle 40">
+              <a:extLst>
+                <a:ext uri="{FF2B5EF4-FFF2-40B4-BE49-F238E27FC236}">
+                  <a16:creationId xmlns:a16="http://schemas.microsoft.com/office/drawing/2014/main" id="{9D2C5CD7-5EF7-0149-A160-721F4F8BF5A1}"/>
+                </a:ext>
+              </a:extLst>
+            </p:cNvPr>
+            <p:cNvSpPr>
+              <a:spLocks noChangeAspect="1"/>
+            </p:cNvSpPr>
+            <p:nvPr/>
+          </p:nvSpPr>
+          <p:spPr>
+            <a:xfrm>
+              <a:off x="8084703" y="396936"/>
+              <a:ext cx="361804" cy="356961"/>
+            </a:xfrm>
+            <a:prstGeom prst="rect">
+              <a:avLst/>
+            </a:prstGeom>
+          </p:spPr>
+          <p:style>
+            <a:lnRef idx="1">
+              <a:schemeClr val="accent1"/>
+            </a:lnRef>
+            <a:fillRef idx="3">
+              <a:schemeClr val="accent1"/>
+            </a:fillRef>
+            <a:effectRef idx="2">
+              <a:schemeClr val="accent1"/>
+            </a:effectRef>
+            <a:fontRef idx="minor">
+              <a:schemeClr val="lt1"/>
+            </a:fontRef>
+          </p:style>
+          <p:txBody>
+            <a:bodyPr rtlCol="0" anchor="ctr"/>
+            <a:lstStyle/>
+            <a:p>
+              <a:pPr algn="ctr"/>
+              <a:endParaRPr lang="en-US" sz="600" dirty="0"/>
+            </a:p>
+          </p:txBody>
+        </p:sp>
+        <p:cxnSp>
+          <p:nvCxnSpPr>
+            <p:cNvPr id="42" name="Straight Arrow Connector 41">
+              <a:extLst>
+                <a:ext uri="{FF2B5EF4-FFF2-40B4-BE49-F238E27FC236}">
+                  <a16:creationId xmlns:a16="http://schemas.microsoft.com/office/drawing/2014/main" id="{33B85FA6-F565-A342-9B83-C988EFF8976A}"/>
+                </a:ext>
+              </a:extLst>
+            </p:cNvPr>
+            <p:cNvCxnSpPr>
+              <a:cxnSpLocks/>
+              <a:stCxn id="45" idx="3"/>
+              <a:endCxn id="41" idx="1"/>
+            </p:cNvCxnSpPr>
+            <p:nvPr/>
+          </p:nvCxnSpPr>
+          <p:spPr>
+            <a:xfrm>
+              <a:off x="7511494" y="570612"/>
+              <a:ext cx="573209" cy="4805"/>
+            </a:xfrm>
+            <a:prstGeom prst="straightConnector1">
+              <a:avLst/>
+            </a:prstGeom>
+            <a:ln>
+              <a:tailEnd type="triangle" w="lg" len="lg"/>
+            </a:ln>
+            <a:effectLst>
+              <a:outerShdw dist="20000" sx="1000" sy="1000" rotWithShape="0">
+                <a:srgbClr val="000000"/>
+              </a:outerShdw>
+            </a:effectLst>
+          </p:spPr>
+          <p:style>
+            <a:lnRef idx="2">
+              <a:schemeClr val="accent1"/>
+            </a:lnRef>
+            <a:fillRef idx="0">
+              <a:schemeClr val="accent1"/>
+            </a:fillRef>
+            <a:effectRef idx="1">
+              <a:schemeClr val="accent1"/>
+            </a:effectRef>
+            <a:fontRef idx="minor">
+              <a:schemeClr val="tx1"/>
+            </a:fontRef>
+          </p:style>
+        </p:cxnSp>
+        <p:cxnSp>
+          <p:nvCxnSpPr>
+            <p:cNvPr id="43" name="Straight Arrow Connector 42">
+              <a:extLst>
+                <a:ext uri="{FF2B5EF4-FFF2-40B4-BE49-F238E27FC236}">
+                  <a16:creationId xmlns:a16="http://schemas.microsoft.com/office/drawing/2014/main" id="{9283C526-95FD-DD48-8D64-79DF32A3018A}"/>
+                </a:ext>
+              </a:extLst>
+            </p:cNvPr>
+            <p:cNvCxnSpPr>
+              <a:cxnSpLocks/>
+            </p:cNvCxnSpPr>
+            <p:nvPr/>
+          </p:nvCxnSpPr>
+          <p:spPr>
+            <a:xfrm>
+              <a:off x="8454245" y="573492"/>
+              <a:ext cx="336021" cy="1657"/>
+            </a:xfrm>
+            <a:prstGeom prst="straightConnector1">
+              <a:avLst/>
+            </a:prstGeom>
+            <a:ln>
+              <a:tailEnd type="triangle" w="lg" len="lg"/>
+            </a:ln>
+            <a:effectLst>
+              <a:outerShdw dist="20000" sx="1000" sy="1000" rotWithShape="0">
+                <a:srgbClr val="000000"/>
+              </a:outerShdw>
+            </a:effectLst>
+          </p:spPr>
+          <p:style>
+            <a:lnRef idx="2">
+              <a:schemeClr val="accent1"/>
+            </a:lnRef>
+            <a:fillRef idx="0">
+              <a:schemeClr val="accent1"/>
+            </a:fillRef>
+            <a:effectRef idx="1">
+              <a:schemeClr val="accent1"/>
+            </a:effectRef>
+            <a:fontRef idx="minor">
+              <a:schemeClr val="tx1"/>
+            </a:fontRef>
+          </p:style>
+        </p:cxnSp>
+        <mc:AlternateContent xmlns:mc="http://schemas.openxmlformats.org/markup-compatibility/2006">
+          <mc:Choice xmlns:a14="http://schemas.microsoft.com/office/drawing/2010/main" Requires="a14">
+            <p:sp>
+              <p:nvSpPr>
+                <p:cNvPr id="44" name="Rectangle 43">
+                  <a:extLst>
+                    <a:ext uri="{FF2B5EF4-FFF2-40B4-BE49-F238E27FC236}">
+                      <a16:creationId xmlns:a16="http://schemas.microsoft.com/office/drawing/2014/main" id="{87D8735E-9031-3E41-B1B0-4871396BFB1A}"/>
+                    </a:ext>
+                  </a:extLst>
+                </p:cNvPr>
+                <p:cNvSpPr/>
+                <p:nvPr/>
+              </p:nvSpPr>
+              <p:spPr>
+                <a:xfrm>
+                  <a:off x="8065058" y="447618"/>
+                  <a:ext cx="400308" cy="251749"/>
+                </a:xfrm>
+                <a:prstGeom prst="rect">
+                  <a:avLst/>
+                </a:prstGeom>
+              </p:spPr>
+              <p:txBody>
+                <a:bodyPr wrap="square">
+                  <a:spAutoFit/>
+                </a:bodyPr>
+                <a:lstStyle/>
+                <a:p>
+                  <a:pPr/>
+                  <a14:m>
+                    <m:oMathPara xmlns:m="http://schemas.openxmlformats.org/officeDocument/2006/math">
+                      <m:oMathParaPr>
+                        <m:jc m:val="centerGroup"/>
+                      </m:oMathParaPr>
+                      <m:oMath xmlns:m="http://schemas.openxmlformats.org/officeDocument/2006/math">
+                        <m:r>
+                          <a:rPr lang="en-US" sz="700" b="1" i="1" smtClean="0">
+                            <a:solidFill>
+                              <a:schemeClr val="bg1"/>
+                            </a:solidFill>
+                            <a:latin typeface="Cambria Math" panose="02040503050406030204" pitchFamily="18" charset="0"/>
+                          </a:rPr>
+                          <m:t>𝑮</m:t>
+                        </m:r>
+                        <m:r>
+                          <a:rPr lang="en-US" sz="700" b="1" i="1" smtClean="0">
+                            <a:solidFill>
+                              <a:schemeClr val="bg1"/>
+                            </a:solidFill>
+                            <a:latin typeface="Cambria Math" panose="02040503050406030204" pitchFamily="18" charset="0"/>
+                          </a:rPr>
+                          <m:t>(</m:t>
+                        </m:r>
+                        <m:r>
+                          <a:rPr lang="en-US" sz="700" b="1" i="1" smtClean="0">
+                            <a:solidFill>
+                              <a:schemeClr val="bg1"/>
+                            </a:solidFill>
+                            <a:latin typeface="Cambria Math" panose="02040503050406030204" pitchFamily="18" charset="0"/>
+                          </a:rPr>
+                          <m:t>𝒔</m:t>
+                        </m:r>
+                        <m:r>
+                          <a:rPr lang="en-US" sz="700" b="1" i="1" smtClean="0">
+                            <a:solidFill>
+                              <a:schemeClr val="bg1"/>
+                            </a:solidFill>
+                            <a:latin typeface="Cambria Math" panose="02040503050406030204" pitchFamily="18" charset="0"/>
+                          </a:rPr>
+                          <m:t>)</m:t>
+                        </m:r>
+                      </m:oMath>
+                    </m:oMathPara>
+                  </a14:m>
+                  <a:endParaRPr lang="en-US" sz="700" b="1" dirty="0">
+                    <a:solidFill>
+                      <a:schemeClr val="bg1"/>
+                    </a:solidFill>
+                  </a:endParaRPr>
+                </a:p>
+              </p:txBody>
+            </p:sp>
+          </mc:Choice>
+          <mc:Fallback>
+            <p:sp>
+              <p:nvSpPr>
+                <p:cNvPr id="44" name="Rectangle 43">
+                  <a:extLst>
+                    <a:ext uri="{FF2B5EF4-FFF2-40B4-BE49-F238E27FC236}">
+                      <a16:creationId xmlns:a16="http://schemas.microsoft.com/office/drawing/2014/main" id="{87D8735E-9031-3E41-B1B0-4871396BFB1A}"/>
+                    </a:ext>
+                  </a:extLst>
+                </p:cNvPr>
+                <p:cNvSpPr>
+                  <a:spLocks noRot="1" noChangeAspect="1" noMove="1" noResize="1" noEditPoints="1" noAdjustHandles="1" noChangeArrowheads="1" noChangeShapeType="1" noTextEdit="1"/>
+                </p:cNvSpPr>
+                <p:nvPr/>
+              </p:nvSpPr>
+              <p:spPr>
+                <a:xfrm>
+                  <a:off x="8065058" y="447618"/>
+                  <a:ext cx="400308" cy="251749"/>
+                </a:xfrm>
+                <a:prstGeom prst="rect">
+                  <a:avLst/>
+                </a:prstGeom>
+                <a:blipFill>
+                  <a:blip r:embed="rId10"/>
+                  <a:stretch>
+                    <a:fillRect/>
+                  </a:stretch>
+                </a:blipFill>
+              </p:spPr>
+              <p:txBody>
+                <a:bodyPr/>
+                <a:lstStyle/>
+                <a:p>
+                  <a:r>
+                    <a:rPr lang="en-US">
+                      <a:noFill/>
+                    </a:rPr>
+                    <a:t> </a:t>
+                  </a:r>
+                </a:p>
+              </p:txBody>
+            </p:sp>
+          </mc:Fallback>
+        </mc:AlternateContent>
+        <mc:AlternateContent xmlns:mc="http://schemas.openxmlformats.org/markup-compatibility/2006">
+          <mc:Choice xmlns:a14="http://schemas.microsoft.com/office/drawing/2010/main" Requires="a14">
+            <p:sp>
+              <p:nvSpPr>
+                <p:cNvPr id="45" name="Rectangle 44">
+                  <a:extLst>
+                    <a:ext uri="{FF2B5EF4-FFF2-40B4-BE49-F238E27FC236}">
+                      <a16:creationId xmlns:a16="http://schemas.microsoft.com/office/drawing/2014/main" id="{17F19C0A-4E6F-334D-BD24-1FC484764B18}"/>
+                    </a:ext>
+                  </a:extLst>
+                </p:cNvPr>
+                <p:cNvSpPr>
+                  <a:spLocks noChangeAspect="1"/>
+                </p:cNvSpPr>
+                <p:nvPr/>
+              </p:nvSpPr>
+              <p:spPr>
+                <a:xfrm>
+                  <a:off x="6988698" y="392131"/>
+                  <a:ext cx="522796" cy="356962"/>
+                </a:xfrm>
+                <a:prstGeom prst="rect">
+                  <a:avLst/>
+                </a:prstGeom>
+              </p:spPr>
+              <p:style>
+                <a:lnRef idx="1">
+                  <a:schemeClr val="accent1"/>
+                </a:lnRef>
+                <a:fillRef idx="3">
+                  <a:schemeClr val="accent1"/>
+                </a:fillRef>
+                <a:effectRef idx="2">
+                  <a:schemeClr val="accent1"/>
+                </a:effectRef>
+                <a:fontRef idx="minor">
+                  <a:schemeClr val="lt1"/>
+                </a:fontRef>
+              </p:style>
+              <p:txBody>
+                <a:bodyPr rtlCol="0" anchor="ctr"/>
+                <a:lstStyle/>
+                <a:p>
+                  <a:pPr algn="ctr"/>
+                  <a14:m>
+                    <m:oMathPara xmlns:m="http://schemas.openxmlformats.org/officeDocument/2006/math">
+                      <m:oMathParaPr>
+                        <m:jc m:val="centerGroup"/>
+                      </m:oMathParaPr>
+                      <m:oMath xmlns:m="http://schemas.openxmlformats.org/officeDocument/2006/math">
+                        <m:r>
+                          <a:rPr lang="en-US" sz="600" b="1" i="1" smtClean="0">
+                            <a:solidFill>
+                              <a:schemeClr val="bg1"/>
+                            </a:solidFill>
+                            <a:latin typeface="Cambria Math" panose="02040503050406030204" pitchFamily="18" charset="0"/>
+                          </a:rPr>
+                          <m:t>𝑪</m:t>
+                        </m:r>
+                        <m:r>
+                          <a:rPr lang="en-US" sz="600" b="1" i="1">
+                            <a:solidFill>
+                              <a:schemeClr val="bg1"/>
+                            </a:solidFill>
+                            <a:latin typeface="Cambria Math" panose="02040503050406030204" pitchFamily="18" charset="0"/>
+                          </a:rPr>
+                          <m:t>(</m:t>
+                        </m:r>
+                        <m:r>
+                          <a:rPr lang="en-US" sz="600" b="1" i="1">
+                            <a:solidFill>
+                              <a:schemeClr val="bg1"/>
+                            </a:solidFill>
+                            <a:latin typeface="Cambria Math" panose="02040503050406030204" pitchFamily="18" charset="0"/>
+                          </a:rPr>
+                          <m:t>𝒔</m:t>
+                        </m:r>
+                        <m:r>
+                          <a:rPr lang="en-US" sz="600" b="1" i="1">
+                            <a:solidFill>
+                              <a:schemeClr val="bg1"/>
+                            </a:solidFill>
+                            <a:latin typeface="Cambria Math" panose="02040503050406030204" pitchFamily="18" charset="0"/>
+                          </a:rPr>
+                          <m:t>)</m:t>
+                        </m:r>
+                      </m:oMath>
+                    </m:oMathPara>
+                  </a14:m>
+                  <a:endParaRPr lang="en-US" sz="600" dirty="0"/>
+                </a:p>
+              </p:txBody>
+            </p:sp>
+          </mc:Choice>
+          <mc:Fallback>
+            <p:sp>
+              <p:nvSpPr>
+                <p:cNvPr id="45" name="Rectangle 44">
+                  <a:extLst>
+                    <a:ext uri="{FF2B5EF4-FFF2-40B4-BE49-F238E27FC236}">
+                      <a16:creationId xmlns:a16="http://schemas.microsoft.com/office/drawing/2014/main" id="{17F19C0A-4E6F-334D-BD24-1FC484764B18}"/>
+                    </a:ext>
+                  </a:extLst>
+                </p:cNvPr>
+                <p:cNvSpPr>
+                  <a:spLocks noRot="1" noChangeAspect="1" noMove="1" noResize="1" noEditPoints="1" noAdjustHandles="1" noChangeArrowheads="1" noChangeShapeType="1" noTextEdit="1"/>
+                </p:cNvSpPr>
+                <p:nvPr/>
+              </p:nvSpPr>
+              <p:spPr>
+                <a:xfrm>
+                  <a:off x="6988698" y="392131"/>
+                  <a:ext cx="522796" cy="356962"/>
+                </a:xfrm>
+                <a:prstGeom prst="rect">
+                  <a:avLst/>
+                </a:prstGeom>
+                <a:blipFill>
+                  <a:blip r:embed="rId11"/>
+                  <a:stretch>
+                    <a:fillRect/>
+                  </a:stretch>
+                </a:blipFill>
+              </p:spPr>
+              <p:txBody>
+                <a:bodyPr/>
+                <a:lstStyle/>
+                <a:p>
+                  <a:r>
+                    <a:rPr lang="en-US">
+                      <a:noFill/>
+                    </a:rPr>
+                    <a:t> </a:t>
+                  </a:r>
+                </a:p>
+              </p:txBody>
+            </p:sp>
+          </mc:Fallback>
+        </mc:AlternateContent>
+        <mc:AlternateContent xmlns:mc="http://schemas.openxmlformats.org/markup-compatibility/2006">
+          <mc:Choice xmlns:a14="http://schemas.microsoft.com/office/drawing/2010/main" Requires="a14">
+            <p:sp>
+              <p:nvSpPr>
+                <p:cNvPr id="55" name="Rectangle 54">
+                  <a:extLst>
+                    <a:ext uri="{FF2B5EF4-FFF2-40B4-BE49-F238E27FC236}">
+                      <a16:creationId xmlns:a16="http://schemas.microsoft.com/office/drawing/2014/main" id="{50E298F7-77E1-7343-9570-9854F41AA804}"/>
+                    </a:ext>
+                  </a:extLst>
+                </p:cNvPr>
+                <p:cNvSpPr/>
+                <p:nvPr/>
+              </p:nvSpPr>
+              <p:spPr>
+                <a:xfrm>
+                  <a:off x="7588150" y="836431"/>
+                  <a:ext cx="452526" cy="250600"/>
+                </a:xfrm>
+                <a:prstGeom prst="rect">
+                  <a:avLst/>
+                </a:prstGeom>
+              </p:spPr>
+              <p:txBody>
+                <a:bodyPr wrap="none">
+                  <a:spAutoFit/>
+                </a:bodyPr>
+                <a:lstStyle/>
+                <a:p>
+                  <a:pPr/>
+                  <a:r>
+                    <a:rPr lang="en-US" sz="700" b="1" dirty="0">
+                      <a:solidFill>
+                        <a:schemeClr val="tx1"/>
+                      </a:solidFill>
+                    </a:rPr>
+                    <a:t>X</a:t>
+                  </a:r>
+                  <a14:m>
+                    <m:oMath xmlns:m="http://schemas.openxmlformats.org/officeDocument/2006/math">
+                      <m:r>
+                        <a:rPr lang="en-US" sz="700" b="0" i="1" smtClean="0">
+                          <a:solidFill>
+                            <a:schemeClr val="tx1"/>
+                          </a:solidFill>
+                          <a:latin typeface="Cambria Math" panose="02040503050406030204" pitchFamily="18" charset="0"/>
+                        </a:rPr>
+                        <m:t>(</m:t>
+                      </m:r>
+                      <m:r>
+                        <a:rPr lang="en-US" sz="700" b="0" i="1" smtClean="0">
+                          <a:solidFill>
+                            <a:schemeClr val="tx1"/>
+                          </a:solidFill>
+                          <a:latin typeface="Cambria Math" panose="02040503050406030204" pitchFamily="18" charset="0"/>
+                        </a:rPr>
+                        <m:t>𝑠</m:t>
+                      </m:r>
+                      <m:r>
+                        <a:rPr lang="en-US" sz="700" b="0" i="1" smtClean="0">
+                          <a:solidFill>
+                            <a:schemeClr val="tx1"/>
+                          </a:solidFill>
+                          <a:latin typeface="Cambria Math" panose="02040503050406030204" pitchFamily="18" charset="0"/>
+                        </a:rPr>
+                        <m:t>)</m:t>
+                      </m:r>
+                    </m:oMath>
+                  </a14:m>
+                  <a:endParaRPr lang="en-US" sz="700" dirty="0">
+                    <a:solidFill>
+                      <a:schemeClr val="tx1"/>
+                    </a:solidFill>
+                  </a:endParaRPr>
+                </a:p>
+              </p:txBody>
+            </p:sp>
+          </mc:Choice>
+          <mc:Fallback>
+            <p:sp>
+              <p:nvSpPr>
+                <p:cNvPr id="55" name="Rectangle 54">
+                  <a:extLst>
+                    <a:ext uri="{FF2B5EF4-FFF2-40B4-BE49-F238E27FC236}">
+                      <a16:creationId xmlns:a16="http://schemas.microsoft.com/office/drawing/2014/main" id="{50E298F7-77E1-7343-9570-9854F41AA804}"/>
+                    </a:ext>
+                  </a:extLst>
+                </p:cNvPr>
+                <p:cNvSpPr>
+                  <a:spLocks noRot="1" noChangeAspect="1" noMove="1" noResize="1" noEditPoints="1" noAdjustHandles="1" noChangeArrowheads="1" noChangeShapeType="1" noTextEdit="1"/>
+                </p:cNvSpPr>
+                <p:nvPr/>
+              </p:nvSpPr>
+              <p:spPr>
+                <a:xfrm>
+                  <a:off x="7588150" y="836431"/>
+                  <a:ext cx="452526" cy="250600"/>
+                </a:xfrm>
+                <a:prstGeom prst="rect">
+                  <a:avLst/>
+                </a:prstGeom>
+                <a:blipFill>
+                  <a:blip r:embed="rId12"/>
+                  <a:stretch>
+                    <a:fillRect/>
+                  </a:stretch>
+                </a:blipFill>
+              </p:spPr>
+              <p:txBody>
+                <a:bodyPr/>
+                <a:lstStyle/>
+                <a:p>
+                  <a:r>
+                    <a:rPr lang="en-US">
+                      <a:noFill/>
+                    </a:rPr>
+                    <a:t> </a:t>
+                  </a:r>
+                </a:p>
+              </p:txBody>
+            </p:sp>
+          </mc:Fallback>
+        </mc:AlternateContent>
+        <mc:AlternateContent xmlns:mc="http://schemas.openxmlformats.org/markup-compatibility/2006">
+          <mc:Choice xmlns:a14="http://schemas.microsoft.com/office/drawing/2010/main" Requires="a14">
+            <p:sp>
+              <p:nvSpPr>
+                <p:cNvPr id="56" name="Rectangle 55">
+                  <a:extLst>
+                    <a:ext uri="{FF2B5EF4-FFF2-40B4-BE49-F238E27FC236}">
+                      <a16:creationId xmlns:a16="http://schemas.microsoft.com/office/drawing/2014/main" id="{7CE1576F-6AE3-594D-9BE2-58B9AB0EB921}"/>
+                    </a:ext>
+                  </a:extLst>
+                </p:cNvPr>
+                <p:cNvSpPr/>
+                <p:nvPr/>
+              </p:nvSpPr>
+              <p:spPr>
+                <a:xfrm>
+                  <a:off x="7540683" y="362241"/>
+                  <a:ext cx="402796" cy="251749"/>
+                </a:xfrm>
+                <a:prstGeom prst="rect">
+                  <a:avLst/>
+                </a:prstGeom>
+              </p:spPr>
+              <p:txBody>
+                <a:bodyPr wrap="square">
+                  <a:spAutoFit/>
+                </a:bodyPr>
+                <a:lstStyle/>
+                <a:p>
+                  <a:pPr/>
+                  <a14:m>
+                    <m:oMathPara xmlns:m="http://schemas.openxmlformats.org/officeDocument/2006/math">
+                      <m:oMathParaPr>
+                        <m:jc m:val="centerGroup"/>
+                      </m:oMathParaPr>
+                      <m:oMath xmlns:m="http://schemas.openxmlformats.org/officeDocument/2006/math">
+                        <m:r>
+                          <a:rPr lang="en-US" sz="700" b="0" i="1" smtClean="0">
+                            <a:solidFill>
+                              <a:schemeClr val="tx1"/>
+                            </a:solidFill>
+                            <a:latin typeface="Cambria Math" panose="02040503050406030204" pitchFamily="18" charset="0"/>
+                          </a:rPr>
+                          <m:t>𝑈</m:t>
+                        </m:r>
+                        <m:r>
+                          <a:rPr lang="en-US" sz="700" b="0" i="1" smtClean="0">
+                            <a:solidFill>
+                              <a:schemeClr val="tx1"/>
+                            </a:solidFill>
+                            <a:latin typeface="Cambria Math" panose="02040503050406030204" pitchFamily="18" charset="0"/>
+                          </a:rPr>
+                          <m:t>(</m:t>
+                        </m:r>
+                        <m:r>
+                          <a:rPr lang="en-US" sz="700" b="0" i="1" smtClean="0">
+                            <a:solidFill>
+                              <a:schemeClr val="tx1"/>
+                            </a:solidFill>
+                            <a:latin typeface="Cambria Math" panose="02040503050406030204" pitchFamily="18" charset="0"/>
+                          </a:rPr>
+                          <m:t>𝑠</m:t>
+                        </m:r>
+                        <m:r>
+                          <a:rPr lang="en-US" sz="700" b="0" i="1" smtClean="0">
+                            <a:solidFill>
+                              <a:schemeClr val="tx1"/>
+                            </a:solidFill>
+                            <a:latin typeface="Cambria Math" panose="02040503050406030204" pitchFamily="18" charset="0"/>
+                          </a:rPr>
+                          <m:t>)</m:t>
+                        </m:r>
+                      </m:oMath>
+                    </m:oMathPara>
+                  </a14:m>
+                  <a:endParaRPr lang="en-US" sz="700" dirty="0">
+                    <a:solidFill>
+                      <a:schemeClr val="tx1"/>
+                    </a:solidFill>
+                  </a:endParaRPr>
+                </a:p>
+              </p:txBody>
+            </p:sp>
+          </mc:Choice>
+          <mc:Fallback>
+            <p:sp>
+              <p:nvSpPr>
+                <p:cNvPr id="56" name="Rectangle 55">
+                  <a:extLst>
+                    <a:ext uri="{FF2B5EF4-FFF2-40B4-BE49-F238E27FC236}">
+                      <a16:creationId xmlns:a16="http://schemas.microsoft.com/office/drawing/2014/main" id="{7CE1576F-6AE3-594D-9BE2-58B9AB0EB921}"/>
+                    </a:ext>
+                  </a:extLst>
+                </p:cNvPr>
+                <p:cNvSpPr>
+                  <a:spLocks noRot="1" noChangeAspect="1" noMove="1" noResize="1" noEditPoints="1" noAdjustHandles="1" noChangeArrowheads="1" noChangeShapeType="1" noTextEdit="1"/>
+                </p:cNvSpPr>
+                <p:nvPr/>
+              </p:nvSpPr>
+              <p:spPr>
+                <a:xfrm>
+                  <a:off x="7540683" y="362241"/>
+                  <a:ext cx="402796" cy="251749"/>
+                </a:xfrm>
+                <a:prstGeom prst="rect">
+                  <a:avLst/>
+                </a:prstGeom>
+                <a:blipFill>
+                  <a:blip r:embed="rId13"/>
+                  <a:stretch>
+                    <a:fillRect/>
+                  </a:stretch>
+                </a:blipFill>
+              </p:spPr>
+              <p:txBody>
+                <a:bodyPr/>
+                <a:lstStyle/>
+                <a:p>
+                  <a:r>
+                    <a:rPr lang="en-US">
+                      <a:noFill/>
+                    </a:rPr>
+                    <a:t> </a:t>
+                  </a:r>
+                </a:p>
+              </p:txBody>
+            </p:sp>
+          </mc:Fallback>
+        </mc:AlternateContent>
+        <mc:AlternateContent xmlns:mc="http://schemas.openxmlformats.org/markup-compatibility/2006">
+          <mc:Choice xmlns:a14="http://schemas.microsoft.com/office/drawing/2010/main" Requires="a14">
+            <p:sp>
+              <p:nvSpPr>
+                <p:cNvPr id="57" name="Rectangle 56">
+                  <a:extLst>
+                    <a:ext uri="{FF2B5EF4-FFF2-40B4-BE49-F238E27FC236}">
+                      <a16:creationId xmlns:a16="http://schemas.microsoft.com/office/drawing/2014/main" id="{AF2E63ED-93E9-E543-AE7E-ECFC6DD54B4B}"/>
+                    </a:ext>
+                  </a:extLst>
+                </p:cNvPr>
+                <p:cNvSpPr/>
+                <p:nvPr/>
+              </p:nvSpPr>
+              <p:spPr>
+                <a:xfrm>
+                  <a:off x="8439735" y="364938"/>
+                  <a:ext cx="402795" cy="251749"/>
+                </a:xfrm>
+                <a:prstGeom prst="rect">
+                  <a:avLst/>
+                </a:prstGeom>
+              </p:spPr>
+              <p:txBody>
+                <a:bodyPr wrap="square">
+                  <a:spAutoFit/>
+                </a:bodyPr>
+                <a:lstStyle/>
+                <a:p>
+                  <a:pPr/>
+                  <a14:m>
+                    <m:oMathPara xmlns:m="http://schemas.openxmlformats.org/officeDocument/2006/math">
+                      <m:oMathParaPr>
+                        <m:jc m:val="centerGroup"/>
+                      </m:oMathParaPr>
+                      <m:oMath xmlns:m="http://schemas.openxmlformats.org/officeDocument/2006/math">
+                        <m:r>
+                          <a:rPr lang="en-US" sz="700" b="0" i="1" smtClean="0">
+                            <a:solidFill>
+                              <a:schemeClr val="tx1"/>
+                            </a:solidFill>
+                            <a:latin typeface="Cambria Math" panose="02040503050406030204" pitchFamily="18" charset="0"/>
+                          </a:rPr>
+                          <m:t>𝑌</m:t>
+                        </m:r>
+                        <m:r>
+                          <a:rPr lang="en-US" sz="700" b="0" i="1" smtClean="0">
+                            <a:solidFill>
+                              <a:schemeClr val="tx1"/>
+                            </a:solidFill>
+                            <a:latin typeface="Cambria Math" panose="02040503050406030204" pitchFamily="18" charset="0"/>
+                          </a:rPr>
+                          <m:t>(</m:t>
+                        </m:r>
+                        <m:r>
+                          <a:rPr lang="en-US" sz="700" b="0" i="1" smtClean="0">
+                            <a:solidFill>
+                              <a:schemeClr val="tx1"/>
+                            </a:solidFill>
+                            <a:latin typeface="Cambria Math" panose="02040503050406030204" pitchFamily="18" charset="0"/>
+                          </a:rPr>
+                          <m:t>𝑠</m:t>
+                        </m:r>
+                        <m:r>
+                          <a:rPr lang="en-US" sz="700" b="0" i="1" smtClean="0">
+                            <a:solidFill>
+                              <a:schemeClr val="tx1"/>
+                            </a:solidFill>
+                            <a:latin typeface="Cambria Math" panose="02040503050406030204" pitchFamily="18" charset="0"/>
+                          </a:rPr>
+                          <m:t>)</m:t>
+                        </m:r>
+                      </m:oMath>
+                    </m:oMathPara>
+                  </a14:m>
+                  <a:endParaRPr lang="en-US" sz="700" dirty="0">
+                    <a:solidFill>
+                      <a:schemeClr val="tx1"/>
+                    </a:solidFill>
+                  </a:endParaRPr>
+                </a:p>
+              </p:txBody>
+            </p:sp>
+          </mc:Choice>
+          <mc:Fallback>
+            <p:sp>
+              <p:nvSpPr>
+                <p:cNvPr id="57" name="Rectangle 56">
+                  <a:extLst>
+                    <a:ext uri="{FF2B5EF4-FFF2-40B4-BE49-F238E27FC236}">
+                      <a16:creationId xmlns:a16="http://schemas.microsoft.com/office/drawing/2014/main" id="{AF2E63ED-93E9-E543-AE7E-ECFC6DD54B4B}"/>
+                    </a:ext>
+                  </a:extLst>
+                </p:cNvPr>
+                <p:cNvSpPr>
+                  <a:spLocks noRot="1" noChangeAspect="1" noMove="1" noResize="1" noEditPoints="1" noAdjustHandles="1" noChangeArrowheads="1" noChangeShapeType="1" noTextEdit="1"/>
+                </p:cNvSpPr>
+                <p:nvPr/>
+              </p:nvSpPr>
+              <p:spPr>
+                <a:xfrm>
+                  <a:off x="8439735" y="364938"/>
+                  <a:ext cx="402795" cy="251749"/>
+                </a:xfrm>
+                <a:prstGeom prst="rect">
+                  <a:avLst/>
+                </a:prstGeom>
+                <a:blipFill>
+                  <a:blip r:embed="rId14"/>
+                  <a:stretch>
+                    <a:fillRect/>
+                  </a:stretch>
+                </a:blipFill>
+              </p:spPr>
+              <p:txBody>
+                <a:bodyPr/>
+                <a:lstStyle/>
+                <a:p>
+                  <a:r>
+                    <a:rPr lang="en-US">
+                      <a:noFill/>
+                    </a:rPr>
+                    <a:t> </a:t>
+                  </a:r>
+                </a:p>
+              </p:txBody>
+            </p:sp>
+          </mc:Fallback>
+        </mc:AlternateContent>
+        <p:cxnSp>
+          <p:nvCxnSpPr>
+            <p:cNvPr id="64" name="Elbow Connector 63">
+              <a:extLst>
+                <a:ext uri="{FF2B5EF4-FFF2-40B4-BE49-F238E27FC236}">
+                  <a16:creationId xmlns:a16="http://schemas.microsoft.com/office/drawing/2014/main" id="{320150CC-EEFB-1346-9D45-02D18A784683}"/>
+                </a:ext>
+              </a:extLst>
+            </p:cNvPr>
+            <p:cNvCxnSpPr>
+              <a:cxnSpLocks/>
+              <a:stCxn id="41" idx="2"/>
+              <a:endCxn id="45" idx="2"/>
+            </p:cNvCxnSpPr>
+            <p:nvPr/>
+          </p:nvCxnSpPr>
+          <p:spPr>
+            <a:xfrm rot="5400000" flipH="1">
+              <a:off x="7755449" y="243741"/>
+              <a:ext cx="4805" cy="1015509"/>
+            </a:xfrm>
+            <a:prstGeom prst="bentConnector3">
+              <a:avLst>
+                <a:gd name="adj1" fmla="val -5959333"/>
+              </a:avLst>
+            </a:prstGeom>
+            <a:ln w="38100">
+              <a:tailEnd type="triangle" w="lg" len="lg"/>
+            </a:ln>
+            <a:effectLst>
+              <a:outerShdw dist="20000" sx="1000" sy="1000" rotWithShape="0">
+                <a:srgbClr val="000000"/>
+              </a:outerShdw>
+            </a:effectLst>
+          </p:spPr>
+          <p:style>
+            <a:lnRef idx="2">
+              <a:schemeClr val="accent1"/>
+            </a:lnRef>
+            <a:fillRef idx="0">
+              <a:schemeClr val="accent1"/>
+            </a:fillRef>
+            <a:effectRef idx="1">
+              <a:schemeClr val="accent1"/>
+            </a:effectRef>
+            <a:fontRef idx="minor">
+              <a:schemeClr val="tx1"/>
+            </a:fontRef>
+          </p:style>
+        </p:cxnSp>
+        <p:cxnSp>
+          <p:nvCxnSpPr>
+            <p:cNvPr id="39" name="Straight Arrow Connector 38">
+              <a:extLst>
+                <a:ext uri="{FF2B5EF4-FFF2-40B4-BE49-F238E27FC236}">
+                  <a16:creationId xmlns:a16="http://schemas.microsoft.com/office/drawing/2014/main" id="{60BDB90E-6039-BF42-9F88-36F7845E1BC4}"/>
+                </a:ext>
+              </a:extLst>
+            </p:cNvPr>
+            <p:cNvCxnSpPr>
+              <a:cxnSpLocks/>
+            </p:cNvCxnSpPr>
+            <p:nvPr/>
+          </p:nvCxnSpPr>
+          <p:spPr>
+            <a:xfrm>
+              <a:off x="6645874" y="565638"/>
+              <a:ext cx="336021" cy="1657"/>
+            </a:xfrm>
+            <a:prstGeom prst="straightConnector1">
+              <a:avLst/>
+            </a:prstGeom>
+            <a:ln>
+              <a:tailEnd type="triangle" w="lg" len="lg"/>
+            </a:ln>
+            <a:effectLst>
+              <a:outerShdw dist="20000" sx="1000" sy="1000" rotWithShape="0">
+                <a:srgbClr val="000000"/>
+              </a:outerShdw>
+            </a:effectLst>
+          </p:spPr>
+          <p:style>
+            <a:lnRef idx="2">
+              <a:schemeClr val="accent1"/>
+            </a:lnRef>
+            <a:fillRef idx="0">
+              <a:schemeClr val="accent1"/>
+            </a:fillRef>
+            <a:effectRef idx="1">
+              <a:schemeClr val="accent1"/>
+            </a:effectRef>
+            <a:fontRef idx="minor">
+              <a:schemeClr val="tx1"/>
+            </a:fontRef>
+          </p:style>
+        </p:cxnSp>
+        <mc:AlternateContent xmlns:mc="http://schemas.openxmlformats.org/markup-compatibility/2006">
+          <mc:Choice xmlns:a14="http://schemas.microsoft.com/office/drawing/2010/main" Requires="a14">
+            <p:sp>
+              <p:nvSpPr>
+                <p:cNvPr id="40" name="Rectangle 39">
+                  <a:extLst>
+                    <a:ext uri="{FF2B5EF4-FFF2-40B4-BE49-F238E27FC236}">
+                      <a16:creationId xmlns:a16="http://schemas.microsoft.com/office/drawing/2014/main" id="{9AFAD655-FC0C-6E46-92EC-6354291A592F}"/>
+                    </a:ext>
+                  </a:extLst>
+                </p:cNvPr>
+                <p:cNvSpPr/>
+                <p:nvPr/>
+              </p:nvSpPr>
+              <p:spPr>
+                <a:xfrm>
+                  <a:off x="6603083" y="357084"/>
+                  <a:ext cx="402795" cy="200055"/>
+                </a:xfrm>
+                <a:prstGeom prst="rect">
+                  <a:avLst/>
+                </a:prstGeom>
+              </p:spPr>
+              <p:txBody>
+                <a:bodyPr wrap="square">
+                  <a:spAutoFit/>
+                </a:bodyPr>
+                <a:lstStyle/>
+                <a:p>
+                  <a:pPr/>
+                  <a:r>
+                    <a:rPr lang="en-US" sz="700" b="0" dirty="0">
+                      <a:solidFill>
+                        <a:schemeClr val="tx1"/>
+                      </a:solidFill>
+                    </a:rPr>
+                    <a:t>R</a:t>
+                  </a:r>
+                  <a14:m>
+                    <m:oMath xmlns:m="http://schemas.openxmlformats.org/officeDocument/2006/math">
+                      <m:r>
+                        <a:rPr lang="en-US" sz="700" b="0" i="1" smtClean="0">
+                          <a:solidFill>
+                            <a:schemeClr val="tx1"/>
+                          </a:solidFill>
+                          <a:latin typeface="Cambria Math" panose="02040503050406030204" pitchFamily="18" charset="0"/>
+                        </a:rPr>
+                        <m:t>(</m:t>
+                      </m:r>
+                      <m:r>
+                        <a:rPr lang="en-US" sz="700" b="0" i="1" smtClean="0">
+                          <a:solidFill>
+                            <a:schemeClr val="tx1"/>
+                          </a:solidFill>
+                          <a:latin typeface="Cambria Math" panose="02040503050406030204" pitchFamily="18" charset="0"/>
+                        </a:rPr>
+                        <m:t>𝑠</m:t>
+                      </m:r>
+                      <m:r>
+                        <a:rPr lang="en-US" sz="700" b="0" i="1" smtClean="0">
+                          <a:solidFill>
+                            <a:schemeClr val="tx1"/>
+                          </a:solidFill>
+                          <a:latin typeface="Cambria Math" panose="02040503050406030204" pitchFamily="18" charset="0"/>
+                        </a:rPr>
+                        <m:t>)</m:t>
+                      </m:r>
+                    </m:oMath>
+                  </a14:m>
+                  <a:endParaRPr lang="en-US" sz="700" dirty="0">
+                    <a:solidFill>
+                      <a:schemeClr val="tx1"/>
+                    </a:solidFill>
+                  </a:endParaRPr>
+                </a:p>
+              </p:txBody>
+            </p:sp>
+          </mc:Choice>
+          <mc:Fallback>
+            <p:sp>
+              <p:nvSpPr>
+                <p:cNvPr id="40" name="Rectangle 39">
+                  <a:extLst>
+                    <a:ext uri="{FF2B5EF4-FFF2-40B4-BE49-F238E27FC236}">
+                      <a16:creationId xmlns:a16="http://schemas.microsoft.com/office/drawing/2014/main" id="{9AFAD655-FC0C-6E46-92EC-6354291A592F}"/>
+                    </a:ext>
+                  </a:extLst>
+                </p:cNvPr>
+                <p:cNvSpPr>
+                  <a:spLocks noRot="1" noChangeAspect="1" noMove="1" noResize="1" noEditPoints="1" noAdjustHandles="1" noChangeArrowheads="1" noChangeShapeType="1" noTextEdit="1"/>
+                </p:cNvSpPr>
+                <p:nvPr/>
+              </p:nvSpPr>
+              <p:spPr>
+                <a:xfrm>
+                  <a:off x="6603083" y="357084"/>
+                  <a:ext cx="402795" cy="200055"/>
+                </a:xfrm>
+                <a:prstGeom prst="rect">
+                  <a:avLst/>
+                </a:prstGeom>
+                <a:blipFill>
+                  <a:blip r:embed="rId15"/>
+                  <a:stretch>
+                    <a:fillRect b="-12500"/>
+                  </a:stretch>
+                </a:blipFill>
+              </p:spPr>
+              <p:txBody>
+                <a:bodyPr/>
+                <a:lstStyle/>
+                <a:p>
+                  <a:r>
+                    <a:rPr lang="en-US">
+                      <a:noFill/>
+                    </a:rPr>
+                    <a:t> </a:t>
+                  </a:r>
+                </a:p>
+              </p:txBody>
+            </p:sp>
+          </mc:Fallback>
+        </mc:AlternateContent>
+      </p:grpSp>
     </p:spTree>
     <p:extLst>
       <p:ext uri="{BB962C8B-B14F-4D97-AF65-F5344CB8AC3E}">
@@ -30427,7 +32530,7 @@
             </p:nvSpPr>
             <p:spPr>
               <a:xfrm>
-                <a:off x="445013" y="1583110"/>
+                <a:off x="313035" y="1583110"/>
                 <a:ext cx="2629951" cy="400110"/>
               </a:xfrm>
               <a:prstGeom prst="rect">
@@ -30572,7 +32675,7 @@
             </p:nvSpPr>
             <p:spPr>
               <a:xfrm>
-                <a:off x="445013" y="1583110"/>
+                <a:off x="313035" y="1583110"/>
                 <a:ext cx="2629951" cy="400110"/>
               </a:xfrm>
               <a:prstGeom prst="rect">
@@ -30616,7 +32719,7 @@
             </p:nvSpPr>
             <p:spPr>
               <a:xfrm>
-                <a:off x="3560396" y="1602499"/>
+                <a:off x="3239880" y="1602499"/>
                 <a:ext cx="1826526" cy="400110"/>
               </a:xfrm>
               <a:prstGeom prst="rect">
@@ -30739,7 +32842,7 @@
             </p:nvSpPr>
             <p:spPr>
               <a:xfrm>
-                <a:off x="3560396" y="1602499"/>
+                <a:off x="3239880" y="1602499"/>
                 <a:ext cx="1826526" cy="400110"/>
               </a:xfrm>
               <a:prstGeom prst="rect">
@@ -30783,8 +32886,8 @@
             </p:nvSpPr>
             <p:spPr>
               <a:xfrm>
-                <a:off x="6034347" y="1583110"/>
-                <a:ext cx="2664640" cy="400110"/>
+                <a:off x="5243898" y="1610520"/>
+                <a:ext cx="3556486" cy="400110"/>
               </a:xfrm>
               <a:prstGeom prst="rect">
                 <a:avLst/>
@@ -30844,61 +32947,60 @@
                         </a:rPr>
                         <m:t>=</m:t>
                       </m:r>
-                      <m:r>
-                        <a:rPr lang="en-US" sz="2000" b="1" i="1" smtClean="0">
-                          <a:latin typeface="Cambria Math" panose="02040503050406030204" pitchFamily="18" charset="0"/>
-                        </a:rPr>
-                        <m:t>(</m:t>
-                      </m:r>
-                      <m:r>
-                        <a:rPr lang="en-US" sz="2000" b="1" i="1" smtClean="0">
-                          <a:latin typeface="Cambria Math" panose="02040503050406030204" pitchFamily="18" charset="0"/>
-                        </a:rPr>
-                        <m:t>𝑨</m:t>
-                      </m:r>
-                      <m:r>
-                        <a:rPr lang="en-US" sz="2000" b="1" i="1" smtClean="0">
-                          <a:latin typeface="Cambria Math" panose="02040503050406030204" pitchFamily="18" charset="0"/>
-                        </a:rPr>
-                        <m:t>+</m:t>
-                      </m:r>
-                      <m:r>
-                        <a:rPr lang="en-US" sz="2000" b="1" i="1" smtClean="0">
-                          <a:latin typeface="Cambria Math" panose="02040503050406030204" pitchFamily="18" charset="0"/>
-                        </a:rPr>
-                        <m:t>𝒃</m:t>
-                      </m:r>
-                      <m:sSub>
-                        <m:sSubPr>
+                      <m:d>
+                        <m:dPr>
                           <m:ctrlPr>
                             <a:rPr lang="en-US" sz="2000" b="1" i="1" smtClean="0">
                               <a:latin typeface="Cambria Math" panose="02040503050406030204" pitchFamily="18" charset="0"/>
                             </a:rPr>
                           </m:ctrlPr>
-                        </m:sSubPr>
+                        </m:dPr>
                         <m:e>
                           <m:r>
                             <a:rPr lang="en-US" sz="2000" b="1" i="1" smtClean="0">
                               <a:latin typeface="Cambria Math" panose="02040503050406030204" pitchFamily="18" charset="0"/>
                             </a:rPr>
-                            <m:t>𝒌</m:t>
+                            <m:t>𝑨</m:t>
                           </m:r>
-                        </m:e>
-                        <m:sub>
                           <m:r>
                             <a:rPr lang="en-US" sz="2000" b="1" i="1" smtClean="0">
                               <a:latin typeface="Cambria Math" panose="02040503050406030204" pitchFamily="18" charset="0"/>
                             </a:rPr>
-                            <m:t>𝑷</m:t>
+                            <m:t>−</m:t>
                           </m:r>
-                        </m:sub>
-                      </m:sSub>
-                      <m:r>
-                        <a:rPr lang="en-US" sz="2000" b="1" i="1" smtClean="0">
-                          <a:latin typeface="Cambria Math" panose="02040503050406030204" pitchFamily="18" charset="0"/>
-                        </a:rPr>
-                        <m:t>)</m:t>
-                      </m:r>
+                          <m:r>
+                            <a:rPr lang="en-US" sz="2000" b="1" i="1" smtClean="0">
+                              <a:latin typeface="Cambria Math" panose="02040503050406030204" pitchFamily="18" charset="0"/>
+                            </a:rPr>
+                            <m:t>𝒃</m:t>
+                          </m:r>
+                          <m:sSub>
+                            <m:sSubPr>
+                              <m:ctrlPr>
+                                <a:rPr lang="en-US" sz="2000" b="1" i="1" smtClean="0">
+                                  <a:latin typeface="Cambria Math" panose="02040503050406030204" pitchFamily="18" charset="0"/>
+                                </a:rPr>
+                              </m:ctrlPr>
+                            </m:sSubPr>
+                            <m:e>
+                              <m:r>
+                                <a:rPr lang="en-US" sz="2000" b="1" i="1" smtClean="0">
+                                  <a:latin typeface="Cambria Math" panose="02040503050406030204" pitchFamily="18" charset="0"/>
+                                </a:rPr>
+                                <m:t>𝒌</m:t>
+                              </m:r>
+                            </m:e>
+                            <m:sub>
+                              <m:r>
+                                <a:rPr lang="en-US" sz="2000" b="1" i="1" smtClean="0">
+                                  <a:latin typeface="Cambria Math" panose="02040503050406030204" pitchFamily="18" charset="0"/>
+                                </a:rPr>
+                                <m:t>𝑷</m:t>
+                              </m:r>
+                            </m:sub>
+                          </m:sSub>
+                        </m:e>
+                      </m:d>
                       <m:r>
                         <a:rPr lang="en-US" sz="2000" b="1" i="1" smtClean="0">
                           <a:latin typeface="Cambria Math" panose="02040503050406030204" pitchFamily="18" charset="0"/>
@@ -30922,6 +33024,42 @@
                           </m:r>
                         </m:e>
                       </m:d>
+                      <m:r>
+                        <a:rPr lang="en-US" sz="2000" b="0" i="1" smtClean="0">
+                          <a:latin typeface="Cambria Math" panose="02040503050406030204" pitchFamily="18" charset="0"/>
+                        </a:rPr>
+                        <m:t>+</m:t>
+                      </m:r>
+                      <m:r>
+                        <a:rPr lang="en-US" sz="2000" b="1" i="1" smtClean="0">
+                          <a:latin typeface="Cambria Math" panose="02040503050406030204" pitchFamily="18" charset="0"/>
+                        </a:rPr>
+                        <m:t>𝒃</m:t>
+                      </m:r>
+                      <m:r>
+                        <a:rPr lang="en-US" sz="2000" b="0" i="1" smtClean="0">
+                          <a:latin typeface="Cambria Math" panose="02040503050406030204" pitchFamily="18" charset="0"/>
+                        </a:rPr>
+                        <m:t>𝑟</m:t>
+                      </m:r>
+                      <m:r>
+                        <a:rPr lang="en-US" sz="2000" b="0" i="1" smtClean="0">
+                          <a:latin typeface="Cambria Math" panose="02040503050406030204" pitchFamily="18" charset="0"/>
+                        </a:rPr>
+                        <m:t>(</m:t>
+                      </m:r>
+                      <m:r>
+                        <a:rPr lang="en-US" sz="2000" b="0" i="1" smtClean="0">
+                          <a:latin typeface="Cambria Math" panose="02040503050406030204" pitchFamily="18" charset="0"/>
+                        </a:rPr>
+                        <m:t>𝑡</m:t>
+                      </m:r>
+                      <m:r>
+                        <a:rPr lang="en-US" sz="2000" b="0" i="1" smtClean="0">
+                          <a:latin typeface="Cambria Math" panose="02040503050406030204" pitchFamily="18" charset="0"/>
+                        </a:rPr>
+                        <m:t>)</m:t>
+                      </m:r>
                     </m:oMath>
                   </m:oMathPara>
                 </a14:m>
@@ -30947,8 +33085,8 @@
             </p:nvSpPr>
             <p:spPr>
               <a:xfrm>
-                <a:off x="6034347" y="1583110"/>
-                <a:ext cx="2664640" cy="400110"/>
+                <a:off x="5243898" y="1610520"/>
+                <a:ext cx="3556486" cy="400110"/>
               </a:xfrm>
               <a:prstGeom prst="rect">
                 <a:avLst/>
@@ -30956,7 +33094,7 @@
               <a:blipFill>
                 <a:blip r:embed="rId5"/>
                 <a:stretch>
-                  <a:fillRect b="-15625"/>
+                  <a:fillRect b="-12121"/>
                 </a:stretch>
               </a:blipFill>
             </p:spPr>
@@ -31462,7 +33600,7 @@
                         <a:rPr lang="en-US" sz="3200" b="1" i="1" smtClean="0">
                           <a:latin typeface="Cambria Math" panose="02040503050406030204" pitchFamily="18" charset="0"/>
                         </a:rPr>
-                        <m:t>+</m:t>
+                        <m:t>−</m:t>
                       </m:r>
                       <m:r>
                         <a:rPr lang="en-US" sz="3200" b="1" i="1" smtClean="0">
@@ -34924,10 +37062,10 @@
                             <m:t>𝐴</m:t>
                           </m:r>
                           <m:r>
-                            <a:rPr lang="en-US" sz="2000" b="1" i="1">
+                            <a:rPr lang="en-US" sz="2000" b="1" i="1" smtClean="0">
                               <a:latin typeface="Cambria Math" panose="02040503050406030204" pitchFamily="18" charset="0"/>
                             </a:rPr>
-                            <m:t>+</m:t>
+                            <m:t>−</m:t>
                           </m:r>
                           <m:r>
                             <a:rPr lang="en-US" sz="2000" b="1" i="1">
@@ -35387,10 +37525,10 @@
                             <m:t>𝐴</m:t>
                           </m:r>
                           <m:r>
-                            <a:rPr lang="en-US" sz="2000" b="1" i="1">
+                            <a:rPr lang="en-US" sz="2000" b="1" i="1" smtClean="0">
                               <a:latin typeface="Cambria Math" panose="02040503050406030204" pitchFamily="18" charset="0"/>
                             </a:rPr>
-                            <m:t>+</m:t>
+                            <m:t>−</m:t>
                           </m:r>
                           <m:r>
                             <a:rPr lang="en-US" sz="2000" b="1" i="1">
@@ -36045,7 +38183,7 @@
             </p:nvSpPr>
             <p:spPr>
               <a:xfrm>
-                <a:off x="1119408" y="1490843"/>
+                <a:off x="1091127" y="1490843"/>
                 <a:ext cx="2664640" cy="400110"/>
               </a:xfrm>
               <a:prstGeom prst="rect">
@@ -36122,7 +38260,7 @@
                         <a:rPr lang="en-US" sz="2000" b="1" i="1" smtClean="0">
                           <a:latin typeface="Cambria Math" panose="02040503050406030204" pitchFamily="18" charset="0"/>
                         </a:rPr>
-                        <m:t>+</m:t>
+                        <m:t>−</m:t>
                       </m:r>
                       <m:r>
                         <a:rPr lang="en-US" sz="2000" b="1" i="1" smtClean="0">
@@ -36209,7 +38347,7 @@
             </p:nvSpPr>
             <p:spPr>
               <a:xfrm>
-                <a:off x="1119408" y="1490843"/>
+                <a:off x="1091127" y="1490843"/>
                 <a:ext cx="2664640" cy="400110"/>
               </a:xfrm>
               <a:prstGeom prst="rect">
@@ -36315,10 +38453,10 @@
                           <m:t>𝐴</m:t>
                         </m:r>
                         <m:r>
-                          <a:rPr lang="en-US" b="1" i="1">
+                          <a:rPr lang="en-US" b="1" i="1" smtClean="0">
                             <a:latin typeface="Cambria Math" panose="02040503050406030204" pitchFamily="18" charset="0"/>
                           </a:rPr>
-                          <m:t>+</m:t>
+                          <m:t>−</m:t>
                         </m:r>
                         <m:r>
                           <a:rPr lang="en-US" b="1" i="1">
@@ -36414,10 +38552,10 @@
                           <m:t>𝐴</m:t>
                         </m:r>
                         <m:r>
-                          <a:rPr lang="en-US" b="1" i="1">
+                          <a:rPr lang="en-US" b="1" i="1" smtClean="0">
                             <a:latin typeface="Cambria Math" panose="02040503050406030204" pitchFamily="18" charset="0"/>
                           </a:rPr>
-                          <m:t>+</m:t>
+                          <m:t>−</m:t>
                         </m:r>
                         <m:r>
                           <a:rPr lang="en-US" b="1" i="1">
@@ -36687,6 +38825,41 @@
           </p:sp>
         </mc:Fallback>
       </mc:AlternateContent>
+      <p:sp>
+        <p:nvSpPr>
+          <p:cNvPr id="9" name="TextBox 8">
+            <a:extLst>
+              <a:ext uri="{FF2B5EF4-FFF2-40B4-BE49-F238E27FC236}">
+                <a16:creationId xmlns:a16="http://schemas.microsoft.com/office/drawing/2014/main" id="{A88BD878-5662-094A-880D-954046B6D78A}"/>
+              </a:ext>
+            </a:extLst>
+          </p:cNvPr>
+          <p:cNvSpPr txBox="1"/>
+          <p:nvPr/>
+        </p:nvSpPr>
+        <p:spPr>
+          <a:xfrm>
+            <a:off x="3755767" y="1521039"/>
+            <a:ext cx="5053628" cy="369332"/>
+          </a:xfrm>
+          <a:prstGeom prst="rect">
+            <a:avLst/>
+          </a:prstGeom>
+          <a:noFill/>
+        </p:spPr>
+        <p:txBody>
+          <a:bodyPr wrap="none" rtlCol="0">
+            <a:spAutoFit/>
+          </a:bodyPr>
+          <a:lstStyle/>
+          <a:p>
+            <a:r>
+              <a:rPr lang="en-US" dirty="0"/>
+              <a:t>(Suffices to consider the homogenous system)</a:t>
+            </a:r>
+          </a:p>
+        </p:txBody>
+      </p:sp>
     </p:spTree>
     <p:extLst>
       <p:ext uri="{BB962C8B-B14F-4D97-AF65-F5344CB8AC3E}">
@@ -36697,6 +38870,306 @@
   <p:clrMapOvr>
     <a:masterClrMapping/>
   </p:clrMapOvr>
+  <p:timing>
+    <p:tnLst>
+      <p:par>
+        <p:cTn id="1" dur="indefinite" restart="never" nodeType="tmRoot">
+          <p:childTnLst>
+            <p:seq concurrent="1" nextAc="seek">
+              <p:cTn id="2" dur="indefinite" nodeType="mainSeq">
+                <p:childTnLst>
+                  <p:par>
+                    <p:cTn id="3" fill="hold">
+                      <p:stCondLst>
+                        <p:cond delay="indefinite"/>
+                      </p:stCondLst>
+                      <p:childTnLst>
+                        <p:par>
+                          <p:cTn id="4" fill="hold">
+                            <p:stCondLst>
+                              <p:cond delay="0"/>
+                            </p:stCondLst>
+                            <p:childTnLst>
+                              <p:par>
+                                <p:cTn id="5" presetID="1" presetClass="entr" presetSubtype="0" fill="hold" grpId="0" nodeType="clickEffect">
+                                  <p:stCondLst>
+                                    <p:cond delay="0"/>
+                                  </p:stCondLst>
+                                  <p:childTnLst>
+                                    <p:set>
+                                      <p:cBhvr>
+                                        <p:cTn id="6" dur="1" fill="hold">
+                                          <p:stCondLst>
+                                            <p:cond delay="0"/>
+                                          </p:stCondLst>
+                                        </p:cTn>
+                                        <p:tgtEl>
+                                          <p:spTgt spid="19"/>
+                                        </p:tgtEl>
+                                        <p:attrNameLst>
+                                          <p:attrName>style.visibility</p:attrName>
+                                        </p:attrNameLst>
+                                      </p:cBhvr>
+                                      <p:to>
+                                        <p:strVal val="visible"/>
+                                      </p:to>
+                                    </p:set>
+                                  </p:childTnLst>
+                                </p:cTn>
+                              </p:par>
+                              <p:par>
+                                <p:cTn id="7" presetID="1" presetClass="entr" presetSubtype="0" fill="hold" grpId="0" nodeType="withEffect">
+                                  <p:stCondLst>
+                                    <p:cond delay="0"/>
+                                  </p:stCondLst>
+                                  <p:childTnLst>
+                                    <p:set>
+                                      <p:cBhvr>
+                                        <p:cTn id="8" dur="1" fill="hold">
+                                          <p:stCondLst>
+                                            <p:cond delay="0"/>
+                                          </p:stCondLst>
+                                        </p:cTn>
+                                        <p:tgtEl>
+                                          <p:spTgt spid="9"/>
+                                        </p:tgtEl>
+                                        <p:attrNameLst>
+                                          <p:attrName>style.visibility</p:attrName>
+                                        </p:attrNameLst>
+                                      </p:cBhvr>
+                                      <p:to>
+                                        <p:strVal val="visible"/>
+                                      </p:to>
+                                    </p:set>
+                                  </p:childTnLst>
+                                </p:cTn>
+                              </p:par>
+                            </p:childTnLst>
+                          </p:cTn>
+                        </p:par>
+                      </p:childTnLst>
+                    </p:cTn>
+                  </p:par>
+                  <p:par>
+                    <p:cTn id="9" fill="hold">
+                      <p:stCondLst>
+                        <p:cond delay="indefinite"/>
+                      </p:stCondLst>
+                      <p:childTnLst>
+                        <p:par>
+                          <p:cTn id="10" fill="hold">
+                            <p:stCondLst>
+                              <p:cond delay="0"/>
+                            </p:stCondLst>
+                            <p:childTnLst>
+                              <p:par>
+                                <p:cTn id="11" presetID="1" presetClass="entr" presetSubtype="0" fill="hold" grpId="0" nodeType="clickEffect">
+                                  <p:stCondLst>
+                                    <p:cond delay="0"/>
+                                  </p:stCondLst>
+                                  <p:childTnLst>
+                                    <p:set>
+                                      <p:cBhvr>
+                                        <p:cTn id="12" dur="1" fill="hold">
+                                          <p:stCondLst>
+                                            <p:cond delay="0"/>
+                                          </p:stCondLst>
+                                        </p:cTn>
+                                        <p:tgtEl>
+                                          <p:spTgt spid="7"/>
+                                        </p:tgtEl>
+                                        <p:attrNameLst>
+                                          <p:attrName>style.visibility</p:attrName>
+                                        </p:attrNameLst>
+                                      </p:cBhvr>
+                                      <p:to>
+                                        <p:strVal val="visible"/>
+                                      </p:to>
+                                    </p:set>
+                                  </p:childTnLst>
+                                </p:cTn>
+                              </p:par>
+                              <p:par>
+                                <p:cTn id="13" presetID="1" presetClass="entr" presetSubtype="0" fill="hold" grpId="0" nodeType="withEffect">
+                                  <p:stCondLst>
+                                    <p:cond delay="0"/>
+                                  </p:stCondLst>
+                                  <p:childTnLst>
+                                    <p:set>
+                                      <p:cBhvr>
+                                        <p:cTn id="14" dur="1" fill="hold">
+                                          <p:stCondLst>
+                                            <p:cond delay="0"/>
+                                          </p:stCondLst>
+                                        </p:cTn>
+                                        <p:tgtEl>
+                                          <p:spTgt spid="8"/>
+                                        </p:tgtEl>
+                                        <p:attrNameLst>
+                                          <p:attrName>style.visibility</p:attrName>
+                                        </p:attrNameLst>
+                                      </p:cBhvr>
+                                      <p:to>
+                                        <p:strVal val="visible"/>
+                                      </p:to>
+                                    </p:set>
+                                  </p:childTnLst>
+                                </p:cTn>
+                              </p:par>
+                              <p:par>
+                                <p:cTn id="15" presetID="1" presetClass="entr" presetSubtype="0" fill="hold" grpId="0" nodeType="withEffect">
+                                  <p:stCondLst>
+                                    <p:cond delay="0"/>
+                                  </p:stCondLst>
+                                  <p:childTnLst>
+                                    <p:set>
+                                      <p:cBhvr>
+                                        <p:cTn id="16" dur="1" fill="hold">
+                                          <p:stCondLst>
+                                            <p:cond delay="0"/>
+                                          </p:stCondLst>
+                                        </p:cTn>
+                                        <p:tgtEl>
+                                          <p:spTgt spid="17"/>
+                                        </p:tgtEl>
+                                        <p:attrNameLst>
+                                          <p:attrName>style.visibility</p:attrName>
+                                        </p:attrNameLst>
+                                      </p:cBhvr>
+                                      <p:to>
+                                        <p:strVal val="visible"/>
+                                      </p:to>
+                                    </p:set>
+                                  </p:childTnLst>
+                                </p:cTn>
+                              </p:par>
+                            </p:childTnLst>
+                          </p:cTn>
+                        </p:par>
+                      </p:childTnLst>
+                    </p:cTn>
+                  </p:par>
+                  <p:par>
+                    <p:cTn id="17" fill="hold">
+                      <p:stCondLst>
+                        <p:cond delay="indefinite"/>
+                      </p:stCondLst>
+                      <p:childTnLst>
+                        <p:par>
+                          <p:cTn id="18" fill="hold">
+                            <p:stCondLst>
+                              <p:cond delay="0"/>
+                            </p:stCondLst>
+                            <p:childTnLst>
+                              <p:par>
+                                <p:cTn id="19" presetID="1" presetClass="entr" presetSubtype="0" fill="hold" grpId="0" nodeType="clickEffect">
+                                  <p:stCondLst>
+                                    <p:cond delay="0"/>
+                                  </p:stCondLst>
+                                  <p:childTnLst>
+                                    <p:set>
+                                      <p:cBhvr>
+                                        <p:cTn id="20" dur="1" fill="hold">
+                                          <p:stCondLst>
+                                            <p:cond delay="0"/>
+                                          </p:stCondLst>
+                                        </p:cTn>
+                                        <p:tgtEl>
+                                          <p:spTgt spid="18"/>
+                                        </p:tgtEl>
+                                        <p:attrNameLst>
+                                          <p:attrName>style.visibility</p:attrName>
+                                        </p:attrNameLst>
+                                      </p:cBhvr>
+                                      <p:to>
+                                        <p:strVal val="visible"/>
+                                      </p:to>
+                                    </p:set>
+                                  </p:childTnLst>
+                                </p:cTn>
+                              </p:par>
+                            </p:childTnLst>
+                          </p:cTn>
+                        </p:par>
+                      </p:childTnLst>
+                    </p:cTn>
+                  </p:par>
+                  <p:par>
+                    <p:cTn id="21" fill="hold">
+                      <p:stCondLst>
+                        <p:cond delay="indefinite"/>
+                      </p:stCondLst>
+                      <p:childTnLst>
+                        <p:par>
+                          <p:cTn id="22" fill="hold">
+                            <p:stCondLst>
+                              <p:cond delay="0"/>
+                            </p:stCondLst>
+                            <p:childTnLst>
+                              <p:par>
+                                <p:cTn id="23" presetID="1" presetClass="entr" presetSubtype="0" fill="hold" grpId="0" nodeType="clickEffect">
+                                  <p:stCondLst>
+                                    <p:cond delay="0"/>
+                                  </p:stCondLst>
+                                  <p:childTnLst>
+                                    <p:set>
+                                      <p:cBhvr>
+                                        <p:cTn id="24" dur="1" fill="hold">
+                                          <p:stCondLst>
+                                            <p:cond delay="0"/>
+                                          </p:stCondLst>
+                                        </p:cTn>
+                                        <p:tgtEl>
+                                          <p:spTgt spid="20"/>
+                                        </p:tgtEl>
+                                        <p:attrNameLst>
+                                          <p:attrName>style.visibility</p:attrName>
+                                        </p:attrNameLst>
+                                      </p:cBhvr>
+                                      <p:to>
+                                        <p:strVal val="visible"/>
+                                      </p:to>
+                                    </p:set>
+                                  </p:childTnLst>
+                                </p:cTn>
+                              </p:par>
+                            </p:childTnLst>
+                          </p:cTn>
+                        </p:par>
+                      </p:childTnLst>
+                    </p:cTn>
+                  </p:par>
+                </p:childTnLst>
+              </p:cTn>
+              <p:prevCondLst>
+                <p:cond evt="onPrev" delay="0">
+                  <p:tgtEl>
+                    <p:sldTgt/>
+                  </p:tgtEl>
+                </p:cond>
+              </p:prevCondLst>
+              <p:nextCondLst>
+                <p:cond evt="onNext" delay="0">
+                  <p:tgtEl>
+                    <p:sldTgt/>
+                  </p:tgtEl>
+                </p:cond>
+              </p:nextCondLst>
+            </p:seq>
+          </p:childTnLst>
+        </p:cTn>
+      </p:par>
+    </p:tnLst>
+    <p:bldLst>
+      <p:bldP spid="7" grpId="0"/>
+      <p:bldP spid="8" grpId="0"/>
+      <p:bldP spid="17" grpId="0"/>
+      <p:bldP spid="18" grpId="0"/>
+      <p:bldP spid="19" grpId="0"/>
+      <p:bldP spid="20" grpId="0"/>
+      <p:bldP spid="9" grpId="0"/>
+    </p:bldLst>
+  </p:timing>
 </p:sld>
 </file>
 
